--- a/GitHubClassroom-Instructor.pptx
+++ b/GitHubClassroom-Instructor.pptx
@@ -5,7 +5,7 @@
     <p:sldMasterId id="2147483660" r:id="rId1"/>
   </p:sldMasterIdLst>
   <p:notesMasterIdLst>
-    <p:notesMasterId r:id="rId22"/>
+    <p:notesMasterId r:id="rId38"/>
   </p:notesMasterIdLst>
   <p:sldIdLst>
     <p:sldId id="309" r:id="rId2"/>
@@ -27,7 +27,23 @@
     <p:sldId id="258" r:id="rId18"/>
     <p:sldId id="260" r:id="rId19"/>
     <p:sldId id="261" r:id="rId20"/>
-    <p:sldId id="1372" r:id="rId21"/>
+    <p:sldId id="310" r:id="rId21"/>
+    <p:sldId id="322" r:id="rId22"/>
+    <p:sldId id="312" r:id="rId23"/>
+    <p:sldId id="313" r:id="rId24"/>
+    <p:sldId id="315" r:id="rId25"/>
+    <p:sldId id="316" r:id="rId26"/>
+    <p:sldId id="317" r:id="rId27"/>
+    <p:sldId id="318" r:id="rId28"/>
+    <p:sldId id="319" r:id="rId29"/>
+    <p:sldId id="311" r:id="rId30"/>
+    <p:sldId id="321" r:id="rId31"/>
+    <p:sldId id="323" r:id="rId32"/>
+    <p:sldId id="324" r:id="rId33"/>
+    <p:sldId id="325" r:id="rId34"/>
+    <p:sldId id="326" r:id="rId35"/>
+    <p:sldId id="327" r:id="rId36"/>
+    <p:sldId id="1372" r:id="rId37"/>
   </p:sldIdLst>
   <p:sldSz cx="12192000" cy="6858000"/>
   <p:notesSz cx="6858000" cy="9144000"/>
@@ -214,7 +230,7 @@
             </a:lvl1pPr>
           </a:lstStyle>
           <a:p>
-            <a:fld id="{20C530E8-A576-4BB1-923B-D1D71170DBE9}" type="datetimeFigureOut">
+            <a:fld id="{CA1F7DAD-AACB-410C-9AA4-BE5099812397}" type="datetimeFigureOut">
               <a:rPr lang="en-US" smtClean="0"/>
               <a:t>7/24/2023</a:t>
             </a:fld>
@@ -372,7 +388,7 @@
             </a:lvl1pPr>
           </a:lstStyle>
           <a:p>
-            <a:fld id="{4363C63A-F02F-44B2-9FC1-9E594C06257E}" type="slidenum">
+            <a:fld id="{AE9ECEFE-5C53-4261-924B-F0AA5F7E0BB8}" type="slidenum">
               <a:rPr lang="en-US" smtClean="0"/>
               <a:t>‹#›</a:t>
             </a:fld>
@@ -383,7 +399,7 @@
     </p:spTree>
     <p:extLst>
       <p:ext uri="{BB962C8B-B14F-4D97-AF65-F5344CB8AC3E}">
-        <p14:creationId xmlns:p14="http://schemas.microsoft.com/office/powerpoint/2010/main" val="4166416920"/>
+        <p14:creationId xmlns:p14="http://schemas.microsoft.com/office/powerpoint/2010/main" val="1835944823"/>
       </p:ext>
     </p:extLst>
   </p:cSld>
@@ -632,7 +648,7 @@
           <a:p>
             <a:fld id="{FCFED414-B8BD-4977-925E-1C2AFAB354A8}" type="slidenum">
               <a:rPr lang="en-US" smtClean="0"/>
-              <a:t>20</a:t>
+              <a:t>36</a:t>
             </a:fld>
             <a:endParaRPr lang="en-US"/>
           </a:p>
@@ -5014,8 +5030,8 @@
         </p:nvSpPr>
         <p:spPr>
           <a:xfrm>
-            <a:off x="1156448" y="1068677"/>
-            <a:ext cx="7179478" cy="683955"/>
+            <a:off x="391886" y="1874905"/>
+            <a:ext cx="5801445" cy="2581835"/>
           </a:xfrm>
           <a:prstGeom prst="rect">
             <a:avLst/>
@@ -5050,10 +5066,57 @@
               <a:buChar char="•"/>
             </a:pPr>
             <a:r>
-              <a:rPr lang="en-US" sz="2800">
+              <a:rPr lang="en-US" sz="3200">
                 <a:latin typeface="Calibri (Body)"/>
               </a:rPr>
               <a:t>Choose Your Preferred Option</a:t>
+            </a:r>
+            <a:endParaRPr lang="en-US" sz="3200">
+              <a:latin typeface="Calibri (Body)"/>
+              <a:ea typeface="+mn-ea"/>
+              <a:cs typeface="+mn-cs"/>
+            </a:endParaRPr>
+          </a:p>
+          <a:p>
+            <a:pPr marL="684213" lvl="1" indent="-227013">
+              <a:buFont typeface="Arial" panose="020B0604020202020204" pitchFamily="34" charset="0"/>
+              <a:buChar char="•"/>
+            </a:pPr>
+            <a:r>
+              <a:rPr lang="en-US" sz="2800">
+                <a:latin typeface="Calibri (Body)"/>
+                <a:ea typeface="+mn-ea"/>
+                <a:cs typeface="+mn-cs"/>
+              </a:rPr>
+              <a:t>Clone the student repo</a:t>
+            </a:r>
+          </a:p>
+          <a:p>
+            <a:pPr marL="684213" lvl="1" indent="-227013">
+              <a:buFont typeface="Arial" panose="020B0604020202020204" pitchFamily="34" charset="0"/>
+              <a:buChar char="•"/>
+            </a:pPr>
+            <a:r>
+              <a:rPr lang="en-US" sz="2800">
+                <a:latin typeface="Calibri (Body)"/>
+                <a:ea typeface="+mn-ea"/>
+                <a:cs typeface="+mn-cs"/>
+              </a:rPr>
+              <a:t>Open with GH Desktop</a:t>
+            </a:r>
+          </a:p>
+          <a:p>
+            <a:pPr marL="684213" lvl="1" indent="-227013">
+              <a:buFont typeface="Arial" panose="020B0604020202020204" pitchFamily="34" charset="0"/>
+              <a:buChar char="•"/>
+            </a:pPr>
+            <a:r>
+              <a:rPr lang="en-US" sz="2800">
+                <a:latin typeface="Calibri (Body)"/>
+                <a:ea typeface="+mn-ea"/>
+                <a:cs typeface="+mn-cs"/>
+              </a:rPr>
+              <a:t>Download Zip</a:t>
             </a:r>
             <a:endParaRPr lang="en-US" sz="2800" dirty="0">
               <a:latin typeface="Calibri (Body)"/>
@@ -5430,21 +5493,649 @@
           <a:chExt cx="0" cy="0"/>
         </a:xfrm>
       </p:grpSpPr>
-      <p:pic>
-        <p:nvPicPr>
-          <p:cNvPr id="5" name="Content Placeholder 4">
-            <a:extLst>
-              <a:ext uri="{FF2B5EF4-FFF2-40B4-BE49-F238E27FC236}">
-                <a16:creationId xmlns:a16="http://schemas.microsoft.com/office/drawing/2014/main" id="{075A8137-7C75-A9F5-529F-4D6C410FDC24}"/>
-              </a:ext>
-            </a:extLst>
-          </p:cNvPr>
-          <p:cNvPicPr>
-            <a:picLocks noGrp="1" noChangeAspect="1"/>
-          </p:cNvPicPr>
+      <p:sp>
+        <p:nvSpPr>
+          <p:cNvPr id="10" name="Title 9">
+            <a:extLst>
+              <a:ext uri="{FF2B5EF4-FFF2-40B4-BE49-F238E27FC236}">
+                <a16:creationId xmlns:a16="http://schemas.microsoft.com/office/drawing/2014/main" id="{02F2D10D-4622-C70D-3824-7788F8C1D975}"/>
+              </a:ext>
+            </a:extLst>
+          </p:cNvPr>
+          <p:cNvSpPr>
+            <a:spLocks noGrp="1"/>
+          </p:cNvSpPr>
+          <p:nvPr>
+            <p:ph type="title"/>
+          </p:nvPr>
+        </p:nvSpPr>
+        <p:spPr>
+          <a:xfrm>
+            <a:off x="838200" y="353340"/>
+            <a:ext cx="10515600" cy="786529"/>
+          </a:xfrm>
+        </p:spPr>
+        <p:txBody>
+          <a:bodyPr/>
+          <a:lstStyle/>
+          <a:p>
+            <a:r>
+              <a:rPr lang="en-US" sz="4400"/>
+              <a:t>GitHub Workflows</a:t>
+            </a:r>
+            <a:endParaRPr lang="en-US"/>
+          </a:p>
+        </p:txBody>
+      </p:sp>
+      <p:sp>
+        <p:nvSpPr>
+          <p:cNvPr id="11" name="Content Placeholder 10">
+            <a:extLst>
+              <a:ext uri="{FF2B5EF4-FFF2-40B4-BE49-F238E27FC236}">
+                <a16:creationId xmlns:a16="http://schemas.microsoft.com/office/drawing/2014/main" id="{DB3C99EF-126B-B73D-9611-CA9548B00306}"/>
+              </a:ext>
+            </a:extLst>
+          </p:cNvPr>
+          <p:cNvSpPr>
+            <a:spLocks noGrp="1"/>
+          </p:cNvSpPr>
           <p:nvPr>
             <p:ph idx="1"/>
           </p:nvPr>
+        </p:nvSpPr>
+        <p:spPr>
+          <a:xfrm>
+            <a:off x="838200" y="1246341"/>
+            <a:ext cx="10515600" cy="4602922"/>
+          </a:xfrm>
+        </p:spPr>
+        <p:txBody>
+          <a:bodyPr>
+            <a:normAutofit fontScale="92500" lnSpcReduction="10000"/>
+          </a:bodyPr>
+          <a:lstStyle/>
+          <a:p>
+            <a:r>
+              <a:rPr lang="en-US"/>
+              <a:t>A GitHub workflow is a configurable automated process that will run one or more jobs.</a:t>
+            </a:r>
+          </a:p>
+          <a:p>
+            <a:r>
+              <a:rPr lang="en-US"/>
+              <a:t>Workflows are defined by a YAML file checked in to your repository and will run when triggered by an event in your repository, or they can be triggered manually, or at a defined schedule.</a:t>
+            </a:r>
+          </a:p>
+          <a:p>
+            <a:r>
+              <a:rPr lang="en-US"/>
+              <a:t>Workflows are defined in the .github/workflows directory in a repository, and a repository can have multiple workflows, each of which can perform a different set of tasks. </a:t>
+            </a:r>
+          </a:p>
+          <a:p>
+            <a:pPr lvl="1"/>
+            <a:r>
+              <a:rPr lang="en-US"/>
+              <a:t>You can have one workflow to build and test pull requests, another workflow to deploy your application every time a release is created, and still another workflow that adds a label every time someone opens a new issue</a:t>
+            </a:r>
+            <a:br>
+              <a:rPr lang="en-US"/>
+            </a:br>
+            <a:br>
+              <a:rPr lang="en-US"/>
+            </a:br>
+            <a:br>
+              <a:rPr lang="en-US"/>
+            </a:br>
+            <a:r>
+              <a:rPr lang="en-US" sz="2000"/>
+              <a:t>https://docs.github.com/en/actions/using-workflows/about-workflows </a:t>
+            </a:r>
+            <a:endParaRPr lang="en-US"/>
+          </a:p>
+        </p:txBody>
+      </p:sp>
+    </p:spTree>
+    <p:extLst>
+      <p:ext uri="{BB962C8B-B14F-4D97-AF65-F5344CB8AC3E}">
+        <p14:creationId xmlns:p14="http://schemas.microsoft.com/office/powerpoint/2010/main" val="3403660719"/>
+      </p:ext>
+    </p:extLst>
+  </p:cSld>
+  <p:clrMapOvr>
+    <a:masterClrMapping/>
+  </p:clrMapOvr>
+</p:sld>
+</file>
+
+<file path=ppt/slides/slide21.xml><?xml version="1.0" encoding="utf-8"?>
+<p:sld xmlns:a="http://schemas.openxmlformats.org/drawingml/2006/main" xmlns:r="http://schemas.openxmlformats.org/officeDocument/2006/relationships" xmlns:p="http://schemas.openxmlformats.org/presentationml/2006/main">
+  <p:cSld>
+    <p:spTree>
+      <p:nvGrpSpPr>
+        <p:cNvPr id="1" name=""/>
+        <p:cNvGrpSpPr/>
+        <p:nvPr/>
+      </p:nvGrpSpPr>
+      <p:grpSpPr>
+        <a:xfrm>
+          <a:off x="0" y="0"/>
+          <a:ext cx="0" cy="0"/>
+          <a:chOff x="0" y="0"/>
+          <a:chExt cx="0" cy="0"/>
+        </a:xfrm>
+      </p:grpSpPr>
+      <p:sp>
+        <p:nvSpPr>
+          <p:cNvPr id="10" name="Title 9">
+            <a:extLst>
+              <a:ext uri="{FF2B5EF4-FFF2-40B4-BE49-F238E27FC236}">
+                <a16:creationId xmlns:a16="http://schemas.microsoft.com/office/drawing/2014/main" id="{02F2D10D-4622-C70D-3824-7788F8C1D975}"/>
+              </a:ext>
+            </a:extLst>
+          </p:cNvPr>
+          <p:cNvSpPr>
+            <a:spLocks noGrp="1"/>
+          </p:cNvSpPr>
+          <p:nvPr>
+            <p:ph type="title"/>
+          </p:nvPr>
+        </p:nvSpPr>
+        <p:spPr>
+          <a:xfrm>
+            <a:off x="838200" y="353340"/>
+            <a:ext cx="10515600" cy="786529"/>
+          </a:xfrm>
+        </p:spPr>
+        <p:txBody>
+          <a:bodyPr>
+            <a:normAutofit fontScale="90000"/>
+          </a:bodyPr>
+          <a:lstStyle/>
+          <a:p>
+            <a:r>
+              <a:rPr lang="en-US" sz="4400"/>
+              <a:t>Automated Grading using Actions and Workflows</a:t>
+            </a:r>
+            <a:endParaRPr lang="en-US"/>
+          </a:p>
+        </p:txBody>
+      </p:sp>
+      <p:sp>
+        <p:nvSpPr>
+          <p:cNvPr id="11" name="Content Placeholder 10">
+            <a:extLst>
+              <a:ext uri="{FF2B5EF4-FFF2-40B4-BE49-F238E27FC236}">
+                <a16:creationId xmlns:a16="http://schemas.microsoft.com/office/drawing/2014/main" id="{DB3C99EF-126B-B73D-9611-CA9548B00306}"/>
+              </a:ext>
+            </a:extLst>
+          </p:cNvPr>
+          <p:cNvSpPr>
+            <a:spLocks noGrp="1"/>
+          </p:cNvSpPr>
+          <p:nvPr>
+            <p:ph idx="1"/>
+          </p:nvPr>
+        </p:nvSpPr>
+        <p:spPr>
+          <a:xfrm>
+            <a:off x="838200" y="1246341"/>
+            <a:ext cx="10515600" cy="4602922"/>
+          </a:xfrm>
+        </p:spPr>
+        <p:txBody>
+          <a:bodyPr>
+            <a:normAutofit fontScale="85000" lnSpcReduction="20000"/>
+          </a:bodyPr>
+          <a:lstStyle/>
+          <a:p>
+            <a:r>
+              <a:rPr lang="en-US"/>
+              <a:t>You can use autograding to automatically check a student's work for an assignment on GitHub Classroom. </a:t>
+            </a:r>
+          </a:p>
+          <a:p>
+            <a:r>
+              <a:rPr lang="en-US"/>
+              <a:t>You configure tests for an assignment, and the tests run immediately every time a student pushes to an assignment repository on GitHub.com. </a:t>
+            </a:r>
+          </a:p>
+          <a:p>
+            <a:pPr lvl="1"/>
+            <a:r>
+              <a:rPr lang="en-US"/>
+              <a:t>The student can view the test results, make changes, and push to see new results.</a:t>
+            </a:r>
+          </a:p>
+          <a:p>
+            <a:r>
+              <a:rPr lang="en-US"/>
+              <a:t>After a student accepts an assignment, on every push to the assignment repository, GitHub Actions runs the commands for your autograding test in a Linux environment containing the student's newest code. </a:t>
+            </a:r>
+          </a:p>
+          <a:p>
+            <a:r>
+              <a:rPr lang="en-US"/>
+              <a:t>GitHub Classroom creates the necessary workflows for GitHub Actions. </a:t>
+            </a:r>
+          </a:p>
+          <a:p>
+            <a:r>
+              <a:rPr lang="en-US"/>
+              <a:t>You can add, edit, or delete autograding tests for an existing assignment. </a:t>
+            </a:r>
+          </a:p>
+          <a:p>
+            <a:pPr lvl="1"/>
+            <a:r>
+              <a:rPr lang="en-US"/>
+              <a:t>(All changes made via the Classroom UI will be pushed to existing student repositories, so use caution when editing tests)</a:t>
+            </a:r>
+            <a:endParaRPr lang="en-US" sz="1100"/>
+          </a:p>
+          <a:p>
+            <a:r>
+              <a:rPr lang="en-US"/>
+              <a:t>https://docs.github.com/en/education/manage-coursework-with-github-classroom/teach-with-github-classroom/use-autograding </a:t>
+            </a:r>
+          </a:p>
+        </p:txBody>
+      </p:sp>
+    </p:spTree>
+    <p:extLst>
+      <p:ext uri="{BB962C8B-B14F-4D97-AF65-F5344CB8AC3E}">
+        <p14:creationId xmlns:p14="http://schemas.microsoft.com/office/powerpoint/2010/main" val="692548352"/>
+      </p:ext>
+    </p:extLst>
+  </p:cSld>
+  <p:clrMapOvr>
+    <a:masterClrMapping/>
+  </p:clrMapOvr>
+</p:sld>
+</file>
+
+<file path=ppt/slides/slide22.xml><?xml version="1.0" encoding="utf-8"?>
+<p:sld xmlns:a="http://schemas.openxmlformats.org/drawingml/2006/main" xmlns:r="http://schemas.openxmlformats.org/officeDocument/2006/relationships" xmlns:p="http://schemas.openxmlformats.org/presentationml/2006/main">
+  <p:cSld>
+    <p:spTree>
+      <p:nvGrpSpPr>
+        <p:cNvPr id="1" name=""/>
+        <p:cNvGrpSpPr/>
+        <p:nvPr/>
+      </p:nvGrpSpPr>
+      <p:grpSpPr>
+        <a:xfrm>
+          <a:off x="0" y="0"/>
+          <a:ext cx="0" cy="0"/>
+          <a:chOff x="0" y="0"/>
+          <a:chExt cx="0" cy="0"/>
+        </a:xfrm>
+      </p:grpSpPr>
+      <p:sp>
+        <p:nvSpPr>
+          <p:cNvPr id="2" name="Title 3">
+            <a:extLst>
+              <a:ext uri="{FF2B5EF4-FFF2-40B4-BE49-F238E27FC236}">
+                <a16:creationId xmlns:a16="http://schemas.microsoft.com/office/drawing/2014/main" id="{D10DF660-D678-95E2-0724-B10EE41958AC}"/>
+              </a:ext>
+            </a:extLst>
+          </p:cNvPr>
+          <p:cNvSpPr txBox="1">
+            <a:spLocks/>
+          </p:cNvSpPr>
+          <p:nvPr/>
+        </p:nvSpPr>
+        <p:spPr>
+          <a:xfrm>
+            <a:off x="831939" y="299184"/>
+            <a:ext cx="4742144" cy="1207699"/>
+          </a:xfrm>
+          <a:prstGeom prst="rect">
+            <a:avLst/>
+          </a:prstGeom>
+        </p:spPr>
+        <p:txBody>
+          <a:bodyPr vert="horz" lIns="91440" tIns="45720" rIns="91440" bIns="45720" rtlCol="0" anchor="ctr">
+            <a:normAutofit/>
+          </a:bodyPr>
+          <a:lstStyle>
+            <a:lvl1pPr algn="l" defTabSz="914400" rtl="0" eaLnBrk="1" latinLnBrk="0" hangingPunct="1">
+              <a:lnSpc>
+                <a:spcPct val="90000"/>
+              </a:lnSpc>
+              <a:spcBef>
+                <a:spcPct val="0"/>
+              </a:spcBef>
+              <a:buNone/>
+              <a:defRPr sz="4400" kern="1200">
+                <a:solidFill>
+                  <a:schemeClr val="tx1"/>
+                </a:solidFill>
+                <a:latin typeface="+mj-lt"/>
+                <a:ea typeface="+mj-ea"/>
+                <a:cs typeface="+mj-cs"/>
+              </a:defRPr>
+            </a:lvl1pPr>
+          </a:lstStyle>
+          <a:p>
+            <a:r>
+              <a:rPr lang="en-US" sz="3600"/>
+              <a:t>Automated Grading</a:t>
+            </a:r>
+          </a:p>
+        </p:txBody>
+      </p:sp>
+      <p:pic>
+        <p:nvPicPr>
+          <p:cNvPr id="7" name="Picture 6">
+            <a:extLst>
+              <a:ext uri="{FF2B5EF4-FFF2-40B4-BE49-F238E27FC236}">
+                <a16:creationId xmlns:a16="http://schemas.microsoft.com/office/drawing/2014/main" id="{47C2ED96-36FE-D2EA-7252-EDD6D8306486}"/>
+              </a:ext>
+            </a:extLst>
+          </p:cNvPr>
+          <p:cNvPicPr>
+            <a:picLocks noChangeAspect="1"/>
+          </p:cNvPicPr>
+          <p:nvPr/>
+        </p:nvPicPr>
+        <p:blipFill>
+          <a:blip r:embed="rId2"/>
+          <a:stretch>
+            <a:fillRect/>
+          </a:stretch>
+        </p:blipFill>
+        <p:spPr>
+          <a:xfrm>
+            <a:off x="5744692" y="299184"/>
+            <a:ext cx="5456839" cy="5536720"/>
+          </a:xfrm>
+          <a:prstGeom prst="rect">
+            <a:avLst/>
+          </a:prstGeom>
+          <a:ln>
+            <a:solidFill>
+              <a:schemeClr val="tx2">
+                <a:lumMod val="50000"/>
+              </a:schemeClr>
+            </a:solidFill>
+          </a:ln>
+        </p:spPr>
+      </p:pic>
+      <p:sp>
+        <p:nvSpPr>
+          <p:cNvPr id="8" name="Title 3">
+            <a:extLst>
+              <a:ext uri="{FF2B5EF4-FFF2-40B4-BE49-F238E27FC236}">
+                <a16:creationId xmlns:a16="http://schemas.microsoft.com/office/drawing/2014/main" id="{796CC2A3-F9B6-2D1D-F3F2-9412C75FB61F}"/>
+              </a:ext>
+            </a:extLst>
+          </p:cNvPr>
+          <p:cNvSpPr>
+            <a:spLocks noGrp="1"/>
+          </p:cNvSpPr>
+          <p:nvPr>
+            <p:ph type="title"/>
+          </p:nvPr>
+        </p:nvSpPr>
+        <p:spPr>
+          <a:xfrm>
+            <a:off x="866718" y="1760970"/>
+            <a:ext cx="4600894" cy="1207698"/>
+          </a:xfrm>
+        </p:spPr>
+        <p:txBody>
+          <a:bodyPr>
+            <a:normAutofit/>
+          </a:bodyPr>
+          <a:lstStyle/>
+          <a:p>
+            <a:pPr marL="284163" indent="-284163">
+              <a:buFont typeface="Arial" panose="020B0604020202020204" pitchFamily="34" charset="0"/>
+              <a:buChar char="•"/>
+            </a:pPr>
+            <a:r>
+              <a:rPr lang="en-US" sz="2800">
+                <a:latin typeface="Calibri (Body)"/>
+              </a:rPr>
+              <a:t>Set up the assignment as shown earlier</a:t>
+            </a:r>
+            <a:endParaRPr lang="en-US" sz="2800" dirty="0">
+              <a:latin typeface="Calibri (Body)"/>
+            </a:endParaRPr>
+          </a:p>
+        </p:txBody>
+      </p:sp>
+    </p:spTree>
+    <p:extLst>
+      <p:ext uri="{BB962C8B-B14F-4D97-AF65-F5344CB8AC3E}">
+        <p14:creationId xmlns:p14="http://schemas.microsoft.com/office/powerpoint/2010/main" val="615553905"/>
+      </p:ext>
+    </p:extLst>
+  </p:cSld>
+  <p:clrMapOvr>
+    <a:masterClrMapping/>
+  </p:clrMapOvr>
+</p:sld>
+</file>
+
+<file path=ppt/slides/slide23.xml><?xml version="1.0" encoding="utf-8"?>
+<p:sld xmlns:a="http://schemas.openxmlformats.org/drawingml/2006/main" xmlns:r="http://schemas.openxmlformats.org/officeDocument/2006/relationships" xmlns:p="http://schemas.openxmlformats.org/presentationml/2006/main">
+  <p:cSld>
+    <p:spTree>
+      <p:nvGrpSpPr>
+        <p:cNvPr id="1" name=""/>
+        <p:cNvGrpSpPr/>
+        <p:nvPr/>
+      </p:nvGrpSpPr>
+      <p:grpSpPr>
+        <a:xfrm>
+          <a:off x="0" y="0"/>
+          <a:ext cx="0" cy="0"/>
+          <a:chOff x="0" y="0"/>
+          <a:chExt cx="0" cy="0"/>
+        </a:xfrm>
+      </p:grpSpPr>
+      <p:sp>
+        <p:nvSpPr>
+          <p:cNvPr id="2" name="Title 3">
+            <a:extLst>
+              <a:ext uri="{FF2B5EF4-FFF2-40B4-BE49-F238E27FC236}">
+                <a16:creationId xmlns:a16="http://schemas.microsoft.com/office/drawing/2014/main" id="{D10DF660-D678-95E2-0724-B10EE41958AC}"/>
+              </a:ext>
+            </a:extLst>
+          </p:cNvPr>
+          <p:cNvSpPr txBox="1">
+            <a:spLocks/>
+          </p:cNvSpPr>
+          <p:nvPr/>
+        </p:nvSpPr>
+        <p:spPr>
+          <a:xfrm>
+            <a:off x="838201" y="173876"/>
+            <a:ext cx="10833847" cy="706658"/>
+          </a:xfrm>
+          <a:prstGeom prst="rect">
+            <a:avLst/>
+          </a:prstGeom>
+        </p:spPr>
+        <p:txBody>
+          <a:bodyPr vert="horz" lIns="91440" tIns="45720" rIns="91440" bIns="45720" rtlCol="0" anchor="ctr">
+            <a:normAutofit/>
+          </a:bodyPr>
+          <a:lstStyle>
+            <a:lvl1pPr algn="l" defTabSz="914400" rtl="0" eaLnBrk="1" latinLnBrk="0" hangingPunct="1">
+              <a:lnSpc>
+                <a:spcPct val="90000"/>
+              </a:lnSpc>
+              <a:spcBef>
+                <a:spcPct val="0"/>
+              </a:spcBef>
+              <a:buNone/>
+              <a:defRPr sz="4400" kern="1200">
+                <a:solidFill>
+                  <a:schemeClr val="tx1"/>
+                </a:solidFill>
+                <a:latin typeface="+mj-lt"/>
+                <a:ea typeface="+mj-ea"/>
+                <a:cs typeface="+mj-cs"/>
+              </a:defRPr>
+            </a:lvl1pPr>
+          </a:lstStyle>
+          <a:p>
+            <a:r>
+              <a:rPr lang="en-US" sz="3600"/>
+              <a:t>Automated Grading</a:t>
+            </a:r>
+          </a:p>
+        </p:txBody>
+      </p:sp>
+      <p:sp>
+        <p:nvSpPr>
+          <p:cNvPr id="8" name="Title 3">
+            <a:extLst>
+              <a:ext uri="{FF2B5EF4-FFF2-40B4-BE49-F238E27FC236}">
+                <a16:creationId xmlns:a16="http://schemas.microsoft.com/office/drawing/2014/main" id="{796CC2A3-F9B6-2D1D-F3F2-9412C75FB61F}"/>
+              </a:ext>
+            </a:extLst>
+          </p:cNvPr>
+          <p:cNvSpPr>
+            <a:spLocks noGrp="1"/>
+          </p:cNvSpPr>
+          <p:nvPr>
+            <p:ph type="title"/>
+          </p:nvPr>
+        </p:nvSpPr>
+        <p:spPr>
+          <a:xfrm>
+            <a:off x="895022" y="1094780"/>
+            <a:ext cx="7996956" cy="706658"/>
+          </a:xfrm>
+        </p:spPr>
+        <p:txBody>
+          <a:bodyPr>
+            <a:normAutofit fontScale="90000"/>
+          </a:bodyPr>
+          <a:lstStyle/>
+          <a:p>
+            <a:pPr marL="284163" indent="-284163">
+              <a:buFont typeface="Arial" panose="020B0604020202020204" pitchFamily="34" charset="0"/>
+              <a:buChar char="•"/>
+            </a:pPr>
+            <a:r>
+              <a:rPr lang="en-US" sz="2800">
+                <a:latin typeface="Calibri (Body)"/>
+              </a:rPr>
+              <a:t>Add a test in the "Set up autograding and feedback" section, choose "Input/Output test"</a:t>
+            </a:r>
+            <a:endParaRPr lang="en-US" sz="2800" dirty="0">
+              <a:latin typeface="Calibri (Body)"/>
+            </a:endParaRPr>
+          </a:p>
+        </p:txBody>
+      </p:sp>
+      <p:pic>
+        <p:nvPicPr>
+          <p:cNvPr id="4" name="Picture 3">
+            <a:extLst>
+              <a:ext uri="{FF2B5EF4-FFF2-40B4-BE49-F238E27FC236}">
+                <a16:creationId xmlns:a16="http://schemas.microsoft.com/office/drawing/2014/main" id="{A7F98101-1E57-0AC8-6008-37D85FB5E30A}"/>
+              </a:ext>
+            </a:extLst>
+          </p:cNvPr>
+          <p:cNvPicPr>
+            <a:picLocks noChangeAspect="1"/>
+          </p:cNvPicPr>
+          <p:nvPr/>
+        </p:nvPicPr>
+        <p:blipFill>
+          <a:blip r:embed="rId2"/>
+          <a:stretch>
+            <a:fillRect/>
+          </a:stretch>
+        </p:blipFill>
+        <p:spPr>
+          <a:xfrm>
+            <a:off x="2136621" y="2134266"/>
+            <a:ext cx="5513759" cy="3140611"/>
+          </a:xfrm>
+          <a:prstGeom prst="rect">
+            <a:avLst/>
+          </a:prstGeom>
+          <a:ln>
+            <a:solidFill>
+              <a:schemeClr val="tx2">
+                <a:lumMod val="50000"/>
+              </a:schemeClr>
+            </a:solidFill>
+          </a:ln>
+        </p:spPr>
+      </p:pic>
+      <p:sp>
+        <p:nvSpPr>
+          <p:cNvPr id="5" name="Oval 4">
+            <a:extLst>
+              <a:ext uri="{FF2B5EF4-FFF2-40B4-BE49-F238E27FC236}">
+                <a16:creationId xmlns:a16="http://schemas.microsoft.com/office/drawing/2014/main" id="{F138546D-B812-7143-0FAE-7B891FFE8A3A}"/>
+              </a:ext>
+            </a:extLst>
+          </p:cNvPr>
+          <p:cNvSpPr/>
+          <p:nvPr/>
+        </p:nvSpPr>
+        <p:spPr>
+          <a:xfrm>
+            <a:off x="2274152" y="4552613"/>
+            <a:ext cx="1333344" cy="608109"/>
+          </a:xfrm>
+          <a:prstGeom prst="ellipse">
+            <a:avLst/>
+          </a:prstGeom>
+          <a:noFill/>
+          <a:ln w="38100">
+            <a:solidFill>
+              <a:srgbClr val="FF0000"/>
+            </a:solidFill>
+          </a:ln>
+        </p:spPr>
+        <p:style>
+          <a:lnRef idx="2">
+            <a:schemeClr val="accent1">
+              <a:shade val="50000"/>
+            </a:schemeClr>
+          </a:lnRef>
+          <a:fillRef idx="1">
+            <a:schemeClr val="accent1"/>
+          </a:fillRef>
+          <a:effectRef idx="0">
+            <a:schemeClr val="accent1"/>
+          </a:effectRef>
+          <a:fontRef idx="minor">
+            <a:schemeClr val="lt1"/>
+          </a:fontRef>
+        </p:style>
+        <p:txBody>
+          <a:bodyPr rtlCol="0" anchor="ctr"/>
+          <a:lstStyle/>
+          <a:p>
+            <a:pPr algn="ctr"/>
+            <a:endParaRPr lang="en-US" dirty="0"/>
+          </a:p>
+        </p:txBody>
+      </p:sp>
+      <p:pic>
+        <p:nvPicPr>
+          <p:cNvPr id="9" name="Picture 8">
+            <a:extLst>
+              <a:ext uri="{FF2B5EF4-FFF2-40B4-BE49-F238E27FC236}">
+                <a16:creationId xmlns:a16="http://schemas.microsoft.com/office/drawing/2014/main" id="{48AA0F8D-69FF-5762-C73C-D52DC580A924}"/>
+              </a:ext>
+            </a:extLst>
+          </p:cNvPr>
+          <p:cNvPicPr>
+            <a:picLocks noChangeAspect="1"/>
+          </p:cNvPicPr>
+          <p:nvPr/>
         </p:nvPicPr>
         <p:blipFill>
           <a:blip r:embed="rId3"/>
@@ -5454,56 +6145,1044 @@
         </p:blipFill>
         <p:spPr>
           <a:xfrm>
-            <a:off x="954072" y="1017201"/>
-            <a:ext cx="10283856" cy="2678819"/>
-          </a:xfrm>
+            <a:off x="7961783" y="2542491"/>
+            <a:ext cx="2694285" cy="2732386"/>
+          </a:xfrm>
+          <a:prstGeom prst="rect">
+            <a:avLst/>
+          </a:prstGeom>
+          <a:ln>
+            <a:solidFill>
+              <a:schemeClr val="tx2">
+                <a:lumMod val="50000"/>
+              </a:schemeClr>
+            </a:solidFill>
+          </a:ln>
         </p:spPr>
       </p:pic>
+      <p:cxnSp>
+        <p:nvCxnSpPr>
+          <p:cNvPr id="11" name="Straight Arrow Connector 10">
+            <a:extLst>
+              <a:ext uri="{FF2B5EF4-FFF2-40B4-BE49-F238E27FC236}">
+                <a16:creationId xmlns:a16="http://schemas.microsoft.com/office/drawing/2014/main" id="{E6FAEC54-B6CC-9619-938E-E7281CB667FE}"/>
+              </a:ext>
+            </a:extLst>
+          </p:cNvPr>
+          <p:cNvCxnSpPr>
+            <a:cxnSpLocks/>
+            <a:stCxn id="5" idx="6"/>
+          </p:cNvCxnSpPr>
+          <p:nvPr/>
+        </p:nvCxnSpPr>
+        <p:spPr>
+          <a:xfrm flipV="1">
+            <a:off x="3607496" y="3429000"/>
+            <a:ext cx="4546948" cy="1427668"/>
+          </a:xfrm>
+          <a:prstGeom prst="straightConnector1">
+            <a:avLst/>
+          </a:prstGeom>
+          <a:ln w="38100">
+            <a:solidFill>
+              <a:srgbClr val="FF0000"/>
+            </a:solidFill>
+            <a:tailEnd type="triangle"/>
+          </a:ln>
+        </p:spPr>
+        <p:style>
+          <a:lnRef idx="1">
+            <a:schemeClr val="accent1"/>
+          </a:lnRef>
+          <a:fillRef idx="0">
+            <a:schemeClr val="accent1"/>
+          </a:fillRef>
+          <a:effectRef idx="0">
+            <a:schemeClr val="accent1"/>
+          </a:effectRef>
+          <a:fontRef idx="minor">
+            <a:schemeClr val="tx1"/>
+          </a:fontRef>
+        </p:style>
+      </p:cxnSp>
+    </p:spTree>
+    <p:extLst>
+      <p:ext uri="{BB962C8B-B14F-4D97-AF65-F5344CB8AC3E}">
+        <p14:creationId xmlns:p14="http://schemas.microsoft.com/office/powerpoint/2010/main" val="1527553510"/>
+      </p:ext>
+    </p:extLst>
+  </p:cSld>
+  <p:clrMapOvr>
+    <a:masterClrMapping/>
+  </p:clrMapOvr>
+</p:sld>
+</file>
+
+<file path=ppt/slides/slide24.xml><?xml version="1.0" encoding="utf-8"?>
+<p:sld xmlns:a="http://schemas.openxmlformats.org/drawingml/2006/main" xmlns:r="http://schemas.openxmlformats.org/officeDocument/2006/relationships" xmlns:p="http://schemas.openxmlformats.org/presentationml/2006/main">
+  <p:cSld>
+    <p:spTree>
+      <p:nvGrpSpPr>
+        <p:cNvPr id="1" name=""/>
+        <p:cNvGrpSpPr/>
+        <p:nvPr/>
+      </p:nvGrpSpPr>
+      <p:grpSpPr>
+        <a:xfrm>
+          <a:off x="0" y="0"/>
+          <a:ext cx="0" cy="0"/>
+          <a:chOff x="0" y="0"/>
+          <a:chExt cx="0" cy="0"/>
+        </a:xfrm>
+      </p:grpSpPr>
+      <p:sp>
+        <p:nvSpPr>
+          <p:cNvPr id="2" name="Title 3">
+            <a:extLst>
+              <a:ext uri="{FF2B5EF4-FFF2-40B4-BE49-F238E27FC236}">
+                <a16:creationId xmlns:a16="http://schemas.microsoft.com/office/drawing/2014/main" id="{D10DF660-D678-95E2-0724-B10EE41958AC}"/>
+              </a:ext>
+            </a:extLst>
+          </p:cNvPr>
+          <p:cNvSpPr txBox="1">
+            <a:spLocks/>
+          </p:cNvSpPr>
+          <p:nvPr/>
+        </p:nvSpPr>
+        <p:spPr>
+          <a:xfrm>
+            <a:off x="543841" y="217716"/>
+            <a:ext cx="7341294" cy="965993"/>
+          </a:xfrm>
+          <a:prstGeom prst="rect">
+            <a:avLst/>
+          </a:prstGeom>
+        </p:spPr>
+        <p:txBody>
+          <a:bodyPr vert="horz" lIns="91440" tIns="45720" rIns="91440" bIns="45720" rtlCol="0" anchor="ctr">
+            <a:normAutofit/>
+          </a:bodyPr>
+          <a:lstStyle>
+            <a:lvl1pPr algn="l" defTabSz="914400" rtl="0" eaLnBrk="1" latinLnBrk="0" hangingPunct="1">
+              <a:lnSpc>
+                <a:spcPct val="90000"/>
+              </a:lnSpc>
+              <a:spcBef>
+                <a:spcPct val="0"/>
+              </a:spcBef>
+              <a:buNone/>
+              <a:defRPr sz="4400" kern="1200">
+                <a:solidFill>
+                  <a:schemeClr val="tx1"/>
+                </a:solidFill>
+                <a:latin typeface="+mj-lt"/>
+                <a:ea typeface="+mj-ea"/>
+                <a:cs typeface="+mj-cs"/>
+              </a:defRPr>
+            </a:lvl1pPr>
+          </a:lstStyle>
+          <a:p>
+            <a:r>
+              <a:rPr lang="en-US" sz="3600"/>
+              <a:t>Automated Grading</a:t>
+            </a:r>
+          </a:p>
+        </p:txBody>
+      </p:sp>
       <p:pic>
         <p:nvPicPr>
-          <p:cNvPr id="10" name="Graphic 10">
-            <a:extLst>
-              <a:ext uri="{FF2B5EF4-FFF2-40B4-BE49-F238E27FC236}">
-                <a16:creationId xmlns:a16="http://schemas.microsoft.com/office/drawing/2014/main" id="{EECBA6B0-8FC5-1BE2-DEB5-A541B4C5FE31}"/>
+          <p:cNvPr id="11" name="Picture 10">
+            <a:extLst>
+              <a:ext uri="{FF2B5EF4-FFF2-40B4-BE49-F238E27FC236}">
+                <a16:creationId xmlns:a16="http://schemas.microsoft.com/office/drawing/2014/main" id="{3E21B653-1684-FC96-96E1-FD4DBB603EF0}"/>
               </a:ext>
             </a:extLst>
           </p:cNvPr>
           <p:cNvPicPr>
             <a:picLocks noChangeAspect="1"/>
-            <a:extLst>
-              <a:ext uri="{51228E76-BA90-4043-B771-695A4F85340A}">
-                <alf:liveFeedProps xmlns:alf="http://schemas.microsoft.com/office/drawing/2021/livefeed"/>
-              </a:ext>
-            </a:extLst>
           </p:cNvPicPr>
           <p:nvPr/>
         </p:nvPicPr>
         <p:blipFill>
-          <a:blip r:embed="rId4">
-            <a:extLst>
-              <a:ext uri="{96DAC541-7B7A-43D3-8B79-37D633B846F1}">
-                <asvg:svgBlip xmlns:asvg="http://schemas.microsoft.com/office/drawing/2016/SVG/main" r:embed="rId5"/>
-              </a:ext>
-            </a:extLst>
-          </a:blip>
+          <a:blip r:embed="rId2"/>
           <a:stretch>
             <a:fillRect/>
           </a:stretch>
         </p:blipFill>
         <p:spPr>
           <a:xfrm>
-            <a:off x="10052304" y="4718304"/>
-            <a:ext cx="2057400" cy="2057400"/>
-          </a:xfrm>
-          <a:prstGeom prst="ellipse">
+            <a:off x="7979080" y="374291"/>
+            <a:ext cx="3572117" cy="5550520"/>
+          </a:xfrm>
+          <a:prstGeom prst="rect">
             <a:avLst/>
           </a:prstGeom>
+        </p:spPr>
+      </p:pic>
+      <p:sp>
+        <p:nvSpPr>
+          <p:cNvPr id="15" name="Content Placeholder 14">
+            <a:extLst>
+              <a:ext uri="{FF2B5EF4-FFF2-40B4-BE49-F238E27FC236}">
+                <a16:creationId xmlns:a16="http://schemas.microsoft.com/office/drawing/2014/main" id="{03F39FC3-2893-F29A-1BAE-4825098AFD2E}"/>
+              </a:ext>
+            </a:extLst>
+          </p:cNvPr>
+          <p:cNvSpPr>
+            <a:spLocks noGrp="1"/>
+          </p:cNvSpPr>
+          <p:nvPr>
+            <p:ph idx="1"/>
+          </p:nvPr>
+        </p:nvSpPr>
+        <p:spPr>
+          <a:xfrm>
+            <a:off x="640804" y="1334023"/>
+            <a:ext cx="6924918" cy="4515240"/>
+          </a:xfrm>
+        </p:spPr>
+        <p:txBody>
+          <a:bodyPr>
+            <a:normAutofit/>
+          </a:bodyPr>
+          <a:lstStyle/>
+          <a:p>
+            <a:r>
+              <a:rPr lang="en-US"/>
+              <a:t>I used the following parameters:</a:t>
+            </a:r>
+          </a:p>
+          <a:p>
+            <a:pPr lvl="1"/>
+            <a:r>
+              <a:rPr lang="en-US"/>
+              <a:t>Test name: Simple Test</a:t>
+            </a:r>
+          </a:p>
+          <a:p>
+            <a:pPr lvl="1"/>
+            <a:r>
+              <a:rPr lang="en-US"/>
+              <a:t>Setup command: javac KitchenConverter.java</a:t>
+            </a:r>
+          </a:p>
+          <a:p>
+            <a:pPr lvl="1"/>
+            <a:r>
+              <a:rPr lang="en-US"/>
+              <a:t>(builds the students application)</a:t>
+            </a:r>
+          </a:p>
+          <a:p>
+            <a:pPr lvl="1"/>
+            <a:r>
+              <a:rPr lang="en-US"/>
+              <a:t>Run command:</a:t>
+            </a:r>
+          </a:p>
+          <a:p>
+            <a:pPr lvl="1"/>
+            <a:r>
+              <a:rPr lang="en-US"/>
+              <a:t>java KitchenConverter 5.5   (application requires command line input)</a:t>
+            </a:r>
+          </a:p>
+          <a:p>
+            <a:pPr lvl="1"/>
+            <a:r>
+              <a:rPr lang="en-US"/>
+              <a:t>Expected output: 5.50 cups is 88.00 tablespoons</a:t>
+            </a:r>
+          </a:p>
+          <a:p>
+            <a:pPr lvl="1"/>
+            <a:r>
+              <a:rPr lang="en-US"/>
+              <a:t>Timeout: 10 minutes (default)</a:t>
+            </a:r>
+          </a:p>
+          <a:p>
+            <a:pPr lvl="1"/>
+            <a:r>
+              <a:rPr lang="en-US"/>
+              <a:t>Points (optional): not specified</a:t>
+            </a:r>
+          </a:p>
+        </p:txBody>
+      </p:sp>
+    </p:spTree>
+    <p:extLst>
+      <p:ext uri="{BB962C8B-B14F-4D97-AF65-F5344CB8AC3E}">
+        <p14:creationId xmlns:p14="http://schemas.microsoft.com/office/powerpoint/2010/main" val="3930067443"/>
+      </p:ext>
+    </p:extLst>
+  </p:cSld>
+  <p:clrMapOvr>
+    <a:masterClrMapping/>
+  </p:clrMapOvr>
+</p:sld>
+</file>
+
+<file path=ppt/slides/slide25.xml><?xml version="1.0" encoding="utf-8"?>
+<p:sld xmlns:a="http://schemas.openxmlformats.org/drawingml/2006/main" xmlns:r="http://schemas.openxmlformats.org/officeDocument/2006/relationships" xmlns:p="http://schemas.openxmlformats.org/presentationml/2006/main">
+  <p:cSld>
+    <p:spTree>
+      <p:nvGrpSpPr>
+        <p:cNvPr id="1" name=""/>
+        <p:cNvGrpSpPr/>
+        <p:nvPr/>
+      </p:nvGrpSpPr>
+      <p:grpSpPr>
+        <a:xfrm>
+          <a:off x="0" y="0"/>
+          <a:ext cx="0" cy="0"/>
+          <a:chOff x="0" y="0"/>
+          <a:chExt cx="0" cy="0"/>
+        </a:xfrm>
+      </p:grpSpPr>
+      <p:sp>
+        <p:nvSpPr>
+          <p:cNvPr id="2" name="Title 3">
+            <a:extLst>
+              <a:ext uri="{FF2B5EF4-FFF2-40B4-BE49-F238E27FC236}">
+                <a16:creationId xmlns:a16="http://schemas.microsoft.com/office/drawing/2014/main" id="{D10DF660-D678-95E2-0724-B10EE41958AC}"/>
+              </a:ext>
+            </a:extLst>
+          </p:cNvPr>
+          <p:cNvSpPr txBox="1">
+            <a:spLocks/>
+          </p:cNvSpPr>
+          <p:nvPr/>
+        </p:nvSpPr>
+        <p:spPr>
+          <a:xfrm>
+            <a:off x="838201" y="173876"/>
+            <a:ext cx="10833847" cy="706658"/>
+          </a:xfrm>
+          <a:prstGeom prst="rect">
+            <a:avLst/>
+          </a:prstGeom>
+        </p:spPr>
+        <p:txBody>
+          <a:bodyPr vert="horz" lIns="91440" tIns="45720" rIns="91440" bIns="45720" rtlCol="0" anchor="ctr">
+            <a:normAutofit/>
+          </a:bodyPr>
+          <a:lstStyle>
+            <a:lvl1pPr algn="l" defTabSz="914400" rtl="0" eaLnBrk="1" latinLnBrk="0" hangingPunct="1">
+              <a:lnSpc>
+                <a:spcPct val="90000"/>
+              </a:lnSpc>
+              <a:spcBef>
+                <a:spcPct val="0"/>
+              </a:spcBef>
+              <a:buNone/>
+              <a:defRPr sz="4400" kern="1200">
+                <a:solidFill>
+                  <a:schemeClr val="tx1"/>
+                </a:solidFill>
+                <a:latin typeface="+mj-lt"/>
+                <a:ea typeface="+mj-ea"/>
+                <a:cs typeface="+mj-cs"/>
+              </a:defRPr>
+            </a:lvl1pPr>
+          </a:lstStyle>
+          <a:p>
+            <a:r>
+              <a:rPr lang="en-US" sz="3600"/>
+              <a:t>Automated Grading</a:t>
+            </a:r>
+          </a:p>
+        </p:txBody>
+      </p:sp>
+      <p:sp>
+        <p:nvSpPr>
+          <p:cNvPr id="8" name="Title 3">
+            <a:extLst>
+              <a:ext uri="{FF2B5EF4-FFF2-40B4-BE49-F238E27FC236}">
+                <a16:creationId xmlns:a16="http://schemas.microsoft.com/office/drawing/2014/main" id="{796CC2A3-F9B6-2D1D-F3F2-9412C75FB61F}"/>
+              </a:ext>
+            </a:extLst>
+          </p:cNvPr>
+          <p:cNvSpPr>
+            <a:spLocks noGrp="1"/>
+          </p:cNvSpPr>
+          <p:nvPr>
+            <p:ph type="title"/>
+          </p:nvPr>
+        </p:nvSpPr>
+        <p:spPr>
+          <a:xfrm>
+            <a:off x="1572929" y="1115880"/>
+            <a:ext cx="7996956" cy="706658"/>
+          </a:xfrm>
+        </p:spPr>
+        <p:txBody>
+          <a:bodyPr>
+            <a:normAutofit fontScale="90000"/>
+          </a:bodyPr>
+          <a:lstStyle/>
+          <a:p>
+            <a:pPr marL="284163" indent="-284163">
+              <a:buFont typeface="Arial" panose="020B0604020202020204" pitchFamily="34" charset="0"/>
+              <a:buChar char="•"/>
+            </a:pPr>
+            <a:r>
+              <a:rPr lang="en-US" sz="2800">
+                <a:latin typeface="Calibri (Body)"/>
+              </a:rPr>
+              <a:t>The assignment repo is created with two folders: .github/classroom and .github/workflows</a:t>
+            </a:r>
+            <a:endParaRPr lang="en-US" sz="2800" dirty="0">
+              <a:latin typeface="Calibri (Body)"/>
+            </a:endParaRPr>
+          </a:p>
+        </p:txBody>
+      </p:sp>
+      <p:pic>
+        <p:nvPicPr>
+          <p:cNvPr id="6" name="Picture 5">
+            <a:extLst>
+              <a:ext uri="{FF2B5EF4-FFF2-40B4-BE49-F238E27FC236}">
+                <a16:creationId xmlns:a16="http://schemas.microsoft.com/office/drawing/2014/main" id="{56C02339-F983-6505-2BD9-327C90FD232D}"/>
+              </a:ext>
+            </a:extLst>
+          </p:cNvPr>
+          <p:cNvPicPr>
+            <a:picLocks noChangeAspect="1"/>
+          </p:cNvPicPr>
+          <p:nvPr/>
+        </p:nvPicPr>
+        <p:blipFill>
+          <a:blip r:embed="rId2"/>
+          <a:stretch>
+            <a:fillRect/>
+          </a:stretch>
+        </p:blipFill>
+        <p:spPr>
+          <a:xfrm>
+            <a:off x="2067384" y="2126923"/>
+            <a:ext cx="6215905" cy="3167826"/>
+          </a:xfrm>
+          <a:prstGeom prst="rect">
+            <a:avLst/>
+          </a:prstGeom>
+          <a:ln>
+            <a:solidFill>
+              <a:schemeClr val="tx2">
+                <a:lumMod val="50000"/>
+              </a:schemeClr>
+            </a:solidFill>
+          </a:ln>
         </p:spPr>
       </p:pic>
     </p:spTree>
     <p:extLst>
       <p:ext uri="{BB962C8B-B14F-4D97-AF65-F5344CB8AC3E}">
-        <p14:creationId xmlns:p14="http://schemas.microsoft.com/office/powerpoint/2010/main" val="593074532"/>
+        <p14:creationId xmlns:p14="http://schemas.microsoft.com/office/powerpoint/2010/main" val="1919731694"/>
+      </p:ext>
+    </p:extLst>
+  </p:cSld>
+  <p:clrMapOvr>
+    <a:masterClrMapping/>
+  </p:clrMapOvr>
+</p:sld>
+</file>
+
+<file path=ppt/slides/slide26.xml><?xml version="1.0" encoding="utf-8"?>
+<p:sld xmlns:a="http://schemas.openxmlformats.org/drawingml/2006/main" xmlns:r="http://schemas.openxmlformats.org/officeDocument/2006/relationships" xmlns:p="http://schemas.openxmlformats.org/presentationml/2006/main">
+  <p:cSld>
+    <p:spTree>
+      <p:nvGrpSpPr>
+        <p:cNvPr id="1" name=""/>
+        <p:cNvGrpSpPr/>
+        <p:nvPr/>
+      </p:nvGrpSpPr>
+      <p:grpSpPr>
+        <a:xfrm>
+          <a:off x="0" y="0"/>
+          <a:ext cx="0" cy="0"/>
+          <a:chOff x="0" y="0"/>
+          <a:chExt cx="0" cy="0"/>
+        </a:xfrm>
+      </p:grpSpPr>
+      <p:sp>
+        <p:nvSpPr>
+          <p:cNvPr id="2" name="Title 3">
+            <a:extLst>
+              <a:ext uri="{FF2B5EF4-FFF2-40B4-BE49-F238E27FC236}">
+                <a16:creationId xmlns:a16="http://schemas.microsoft.com/office/drawing/2014/main" id="{D10DF660-D678-95E2-0724-B10EE41958AC}"/>
+              </a:ext>
+            </a:extLst>
+          </p:cNvPr>
+          <p:cNvSpPr txBox="1">
+            <a:spLocks/>
+          </p:cNvSpPr>
+          <p:nvPr/>
+        </p:nvSpPr>
+        <p:spPr>
+          <a:xfrm>
+            <a:off x="838201" y="173876"/>
+            <a:ext cx="10833847" cy="706658"/>
+          </a:xfrm>
+          <a:prstGeom prst="rect">
+            <a:avLst/>
+          </a:prstGeom>
+        </p:spPr>
+        <p:txBody>
+          <a:bodyPr vert="horz" lIns="91440" tIns="45720" rIns="91440" bIns="45720" rtlCol="0" anchor="ctr">
+            <a:normAutofit/>
+          </a:bodyPr>
+          <a:lstStyle>
+            <a:lvl1pPr algn="l" defTabSz="914400" rtl="0" eaLnBrk="1" latinLnBrk="0" hangingPunct="1">
+              <a:lnSpc>
+                <a:spcPct val="90000"/>
+              </a:lnSpc>
+              <a:spcBef>
+                <a:spcPct val="0"/>
+              </a:spcBef>
+              <a:buNone/>
+              <a:defRPr sz="4400" kern="1200">
+                <a:solidFill>
+                  <a:schemeClr val="tx1"/>
+                </a:solidFill>
+                <a:latin typeface="+mj-lt"/>
+                <a:ea typeface="+mj-ea"/>
+                <a:cs typeface="+mj-cs"/>
+              </a:defRPr>
+            </a:lvl1pPr>
+          </a:lstStyle>
+          <a:p>
+            <a:r>
+              <a:rPr lang="en-US" sz="3600"/>
+              <a:t>Automated Grading using Workflows</a:t>
+            </a:r>
+          </a:p>
+        </p:txBody>
+      </p:sp>
+      <p:pic>
+        <p:nvPicPr>
+          <p:cNvPr id="4" name="Picture 3">
+            <a:extLst>
+              <a:ext uri="{FF2B5EF4-FFF2-40B4-BE49-F238E27FC236}">
+                <a16:creationId xmlns:a16="http://schemas.microsoft.com/office/drawing/2014/main" id="{BF043FEF-4C8B-C060-1628-ADC8856B1264}"/>
+              </a:ext>
+            </a:extLst>
+          </p:cNvPr>
+          <p:cNvPicPr>
+            <a:picLocks noChangeAspect="1"/>
+          </p:cNvPicPr>
+          <p:nvPr/>
+        </p:nvPicPr>
+        <p:blipFill>
+          <a:blip r:embed="rId2"/>
+          <a:stretch>
+            <a:fillRect/>
+          </a:stretch>
+        </p:blipFill>
+        <p:spPr>
+          <a:xfrm>
+            <a:off x="2449488" y="1999345"/>
+            <a:ext cx="7380707" cy="3635924"/>
+          </a:xfrm>
+          <a:prstGeom prst="rect">
+            <a:avLst/>
+          </a:prstGeom>
+          <a:ln>
+            <a:solidFill>
+              <a:schemeClr val="tx2">
+                <a:lumMod val="50000"/>
+              </a:schemeClr>
+            </a:solidFill>
+          </a:ln>
+        </p:spPr>
+      </p:pic>
+      <p:sp>
+        <p:nvSpPr>
+          <p:cNvPr id="9" name="Title 3">
+            <a:extLst>
+              <a:ext uri="{FF2B5EF4-FFF2-40B4-BE49-F238E27FC236}">
+                <a16:creationId xmlns:a16="http://schemas.microsoft.com/office/drawing/2014/main" id="{A9AFBB85-880F-8523-4E37-A6901B3D2CF7}"/>
+              </a:ext>
+            </a:extLst>
+          </p:cNvPr>
+          <p:cNvSpPr>
+            <a:spLocks noGrp="1"/>
+          </p:cNvSpPr>
+          <p:nvPr>
+            <p:ph type="title"/>
+          </p:nvPr>
+        </p:nvSpPr>
+        <p:spPr>
+          <a:xfrm>
+            <a:off x="1572929" y="1115880"/>
+            <a:ext cx="7996956" cy="706658"/>
+          </a:xfrm>
+        </p:spPr>
+        <p:txBody>
+          <a:bodyPr>
+            <a:normAutofit/>
+          </a:bodyPr>
+          <a:lstStyle/>
+          <a:p>
+            <a:pPr marL="284163" indent="-284163">
+              <a:buFont typeface="Arial" panose="020B0604020202020204" pitchFamily="34" charset="0"/>
+              <a:buChar char="•"/>
+            </a:pPr>
+            <a:r>
+              <a:rPr lang="en-US" sz="2800">
+                <a:latin typeface="Calibri (Body)"/>
+              </a:rPr>
+              <a:t>The classroom folder contains a JSON input file</a:t>
+            </a:r>
+            <a:endParaRPr lang="en-US" sz="2800" dirty="0">
+              <a:latin typeface="Calibri (Body)"/>
+            </a:endParaRPr>
+          </a:p>
+        </p:txBody>
+      </p:sp>
+    </p:spTree>
+    <p:extLst>
+      <p:ext uri="{BB962C8B-B14F-4D97-AF65-F5344CB8AC3E}">
+        <p14:creationId xmlns:p14="http://schemas.microsoft.com/office/powerpoint/2010/main" val="713096528"/>
+      </p:ext>
+    </p:extLst>
+  </p:cSld>
+  <p:clrMapOvr>
+    <a:masterClrMapping/>
+  </p:clrMapOvr>
+</p:sld>
+</file>
+
+<file path=ppt/slides/slide27.xml><?xml version="1.0" encoding="utf-8"?>
+<p:sld xmlns:a="http://schemas.openxmlformats.org/drawingml/2006/main" xmlns:r="http://schemas.openxmlformats.org/officeDocument/2006/relationships" xmlns:p="http://schemas.openxmlformats.org/presentationml/2006/main">
+  <p:cSld>
+    <p:spTree>
+      <p:nvGrpSpPr>
+        <p:cNvPr id="1" name=""/>
+        <p:cNvGrpSpPr/>
+        <p:nvPr/>
+      </p:nvGrpSpPr>
+      <p:grpSpPr>
+        <a:xfrm>
+          <a:off x="0" y="0"/>
+          <a:ext cx="0" cy="0"/>
+          <a:chOff x="0" y="0"/>
+          <a:chExt cx="0" cy="0"/>
+        </a:xfrm>
+      </p:grpSpPr>
+      <p:sp>
+        <p:nvSpPr>
+          <p:cNvPr id="2" name="Title 3">
+            <a:extLst>
+              <a:ext uri="{FF2B5EF4-FFF2-40B4-BE49-F238E27FC236}">
+                <a16:creationId xmlns:a16="http://schemas.microsoft.com/office/drawing/2014/main" id="{D10DF660-D678-95E2-0724-B10EE41958AC}"/>
+              </a:ext>
+            </a:extLst>
+          </p:cNvPr>
+          <p:cNvSpPr txBox="1">
+            <a:spLocks/>
+          </p:cNvSpPr>
+          <p:nvPr/>
+        </p:nvSpPr>
+        <p:spPr>
+          <a:xfrm>
+            <a:off x="838201" y="173876"/>
+            <a:ext cx="10833847" cy="706658"/>
+          </a:xfrm>
+          <a:prstGeom prst="rect">
+            <a:avLst/>
+          </a:prstGeom>
+        </p:spPr>
+        <p:txBody>
+          <a:bodyPr vert="horz" lIns="91440" tIns="45720" rIns="91440" bIns="45720" rtlCol="0" anchor="ctr">
+            <a:normAutofit/>
+          </a:bodyPr>
+          <a:lstStyle>
+            <a:lvl1pPr algn="l" defTabSz="914400" rtl="0" eaLnBrk="1" latinLnBrk="0" hangingPunct="1">
+              <a:lnSpc>
+                <a:spcPct val="90000"/>
+              </a:lnSpc>
+              <a:spcBef>
+                <a:spcPct val="0"/>
+              </a:spcBef>
+              <a:buNone/>
+              <a:defRPr sz="4400" kern="1200">
+                <a:solidFill>
+                  <a:schemeClr val="tx1"/>
+                </a:solidFill>
+                <a:latin typeface="+mj-lt"/>
+                <a:ea typeface="+mj-ea"/>
+                <a:cs typeface="+mj-cs"/>
+              </a:defRPr>
+            </a:lvl1pPr>
+          </a:lstStyle>
+          <a:p>
+            <a:r>
+              <a:rPr lang="en-US" sz="3600"/>
+              <a:t>Automated Grading</a:t>
+            </a:r>
+          </a:p>
+        </p:txBody>
+      </p:sp>
+      <p:pic>
+        <p:nvPicPr>
+          <p:cNvPr id="5" name="Picture 4">
+            <a:extLst>
+              <a:ext uri="{FF2B5EF4-FFF2-40B4-BE49-F238E27FC236}">
+                <a16:creationId xmlns:a16="http://schemas.microsoft.com/office/drawing/2014/main" id="{4BE375E1-481D-7932-35CA-A44F828F31B5}"/>
+              </a:ext>
+            </a:extLst>
+          </p:cNvPr>
+          <p:cNvPicPr>
+            <a:picLocks noChangeAspect="1"/>
+          </p:cNvPicPr>
+          <p:nvPr/>
+        </p:nvPicPr>
+        <p:blipFill>
+          <a:blip r:embed="rId2"/>
+          <a:stretch>
+            <a:fillRect/>
+          </a:stretch>
+        </p:blipFill>
+        <p:spPr>
+          <a:xfrm>
+            <a:off x="3899168" y="1048992"/>
+            <a:ext cx="7202488" cy="4509495"/>
+          </a:xfrm>
+          <a:prstGeom prst="rect">
+            <a:avLst/>
+          </a:prstGeom>
+          <a:ln>
+            <a:solidFill>
+              <a:schemeClr val="tx2">
+                <a:lumMod val="50000"/>
+              </a:schemeClr>
+            </a:solidFill>
+          </a:ln>
+        </p:spPr>
+      </p:pic>
+      <p:sp>
+        <p:nvSpPr>
+          <p:cNvPr id="7" name="TextBox 6">
+            <a:extLst>
+              <a:ext uri="{FF2B5EF4-FFF2-40B4-BE49-F238E27FC236}">
+                <a16:creationId xmlns:a16="http://schemas.microsoft.com/office/drawing/2014/main" id="{406A1628-3662-2DA4-574F-11D630C7EF77}"/>
+              </a:ext>
+            </a:extLst>
+          </p:cNvPr>
+          <p:cNvSpPr txBox="1"/>
+          <p:nvPr/>
+        </p:nvSpPr>
+        <p:spPr>
+          <a:xfrm>
+            <a:off x="932148" y="1008220"/>
+            <a:ext cx="2525036" cy="523220"/>
+          </a:xfrm>
+          <a:prstGeom prst="rect">
+            <a:avLst/>
+          </a:prstGeom>
+          <a:noFill/>
+        </p:spPr>
+        <p:txBody>
+          <a:bodyPr wrap="square">
+            <a:spAutoFit/>
+          </a:bodyPr>
+          <a:lstStyle/>
+          <a:p>
+            <a:pPr marL="169863" indent="-169863">
+              <a:buFont typeface="Arial" panose="020B0604020202020204" pitchFamily="34" charset="0"/>
+              <a:buChar char="•"/>
+            </a:pPr>
+            <a:r>
+              <a:rPr lang="en-US" sz="2800"/>
+              <a:t>JSON input file</a:t>
+            </a:r>
+          </a:p>
+        </p:txBody>
+      </p:sp>
+    </p:spTree>
+    <p:extLst>
+      <p:ext uri="{BB962C8B-B14F-4D97-AF65-F5344CB8AC3E}">
+        <p14:creationId xmlns:p14="http://schemas.microsoft.com/office/powerpoint/2010/main" val="3187325286"/>
+      </p:ext>
+    </p:extLst>
+  </p:cSld>
+  <p:clrMapOvr>
+    <a:masterClrMapping/>
+  </p:clrMapOvr>
+</p:sld>
+</file>
+
+<file path=ppt/slides/slide28.xml><?xml version="1.0" encoding="utf-8"?>
+<p:sld xmlns:a="http://schemas.openxmlformats.org/drawingml/2006/main" xmlns:r="http://schemas.openxmlformats.org/officeDocument/2006/relationships" xmlns:p="http://schemas.openxmlformats.org/presentationml/2006/main">
+  <p:cSld>
+    <p:spTree>
+      <p:nvGrpSpPr>
+        <p:cNvPr id="1" name=""/>
+        <p:cNvGrpSpPr/>
+        <p:nvPr/>
+      </p:nvGrpSpPr>
+      <p:grpSpPr>
+        <a:xfrm>
+          <a:off x="0" y="0"/>
+          <a:ext cx="0" cy="0"/>
+          <a:chOff x="0" y="0"/>
+          <a:chExt cx="0" cy="0"/>
+        </a:xfrm>
+      </p:grpSpPr>
+      <p:sp>
+        <p:nvSpPr>
+          <p:cNvPr id="2" name="Title 3">
+            <a:extLst>
+              <a:ext uri="{FF2B5EF4-FFF2-40B4-BE49-F238E27FC236}">
+                <a16:creationId xmlns:a16="http://schemas.microsoft.com/office/drawing/2014/main" id="{D10DF660-D678-95E2-0724-B10EE41958AC}"/>
+              </a:ext>
+            </a:extLst>
+          </p:cNvPr>
+          <p:cNvSpPr txBox="1">
+            <a:spLocks/>
+          </p:cNvSpPr>
+          <p:nvPr/>
+        </p:nvSpPr>
+        <p:spPr>
+          <a:xfrm>
+            <a:off x="838201" y="173876"/>
+            <a:ext cx="10833847" cy="706658"/>
+          </a:xfrm>
+          <a:prstGeom prst="rect">
+            <a:avLst/>
+          </a:prstGeom>
+        </p:spPr>
+        <p:txBody>
+          <a:bodyPr vert="horz" lIns="91440" tIns="45720" rIns="91440" bIns="45720" rtlCol="0" anchor="ctr">
+            <a:normAutofit/>
+          </a:bodyPr>
+          <a:lstStyle>
+            <a:lvl1pPr algn="l" defTabSz="914400" rtl="0" eaLnBrk="1" latinLnBrk="0" hangingPunct="1">
+              <a:lnSpc>
+                <a:spcPct val="90000"/>
+              </a:lnSpc>
+              <a:spcBef>
+                <a:spcPct val="0"/>
+              </a:spcBef>
+              <a:buNone/>
+              <a:defRPr sz="4400" kern="1200">
+                <a:solidFill>
+                  <a:schemeClr val="tx1"/>
+                </a:solidFill>
+                <a:latin typeface="+mj-lt"/>
+                <a:ea typeface="+mj-ea"/>
+                <a:cs typeface="+mj-cs"/>
+              </a:defRPr>
+            </a:lvl1pPr>
+          </a:lstStyle>
+          <a:p>
+            <a:r>
+              <a:rPr lang="en-US" sz="3600"/>
+              <a:t>Automated Grading</a:t>
+            </a:r>
+          </a:p>
+        </p:txBody>
+      </p:sp>
+      <p:pic>
+        <p:nvPicPr>
+          <p:cNvPr id="4" name="Picture 3">
+            <a:extLst>
+              <a:ext uri="{FF2B5EF4-FFF2-40B4-BE49-F238E27FC236}">
+                <a16:creationId xmlns:a16="http://schemas.microsoft.com/office/drawing/2014/main" id="{C3FA83FE-8E36-E3AC-0AC0-250F9F976ADC}"/>
+              </a:ext>
+            </a:extLst>
+          </p:cNvPr>
+          <p:cNvPicPr>
+            <a:picLocks noChangeAspect="1"/>
+          </p:cNvPicPr>
+          <p:nvPr/>
+        </p:nvPicPr>
+        <p:blipFill>
+          <a:blip r:embed="rId2"/>
+          <a:stretch>
+            <a:fillRect/>
+          </a:stretch>
+        </p:blipFill>
+        <p:spPr>
+          <a:xfrm>
+            <a:off x="1962698" y="1971054"/>
+            <a:ext cx="7217417" cy="3064409"/>
+          </a:xfrm>
+          <a:prstGeom prst="rect">
+            <a:avLst/>
+          </a:prstGeom>
+        </p:spPr>
+      </p:pic>
+      <p:sp>
+        <p:nvSpPr>
+          <p:cNvPr id="6" name="Title 3">
+            <a:extLst>
+              <a:ext uri="{FF2B5EF4-FFF2-40B4-BE49-F238E27FC236}">
+                <a16:creationId xmlns:a16="http://schemas.microsoft.com/office/drawing/2014/main" id="{E056F7B4-09F9-3222-6BBA-E75835CA2636}"/>
+              </a:ext>
+            </a:extLst>
+          </p:cNvPr>
+          <p:cNvSpPr>
+            <a:spLocks noGrp="1"/>
+          </p:cNvSpPr>
+          <p:nvPr>
+            <p:ph type="title"/>
+          </p:nvPr>
+        </p:nvSpPr>
+        <p:spPr>
+          <a:xfrm>
+            <a:off x="1572929" y="1115880"/>
+            <a:ext cx="7996956" cy="706658"/>
+          </a:xfrm>
+        </p:spPr>
+        <p:txBody>
+          <a:bodyPr>
+            <a:normAutofit/>
+          </a:bodyPr>
+          <a:lstStyle/>
+          <a:p>
+            <a:pPr marL="284163" indent="-284163">
+              <a:buFont typeface="Arial" panose="020B0604020202020204" pitchFamily="34" charset="0"/>
+              <a:buChar char="•"/>
+            </a:pPr>
+            <a:r>
+              <a:rPr lang="en-US" sz="2800">
+                <a:latin typeface="Calibri (Body)"/>
+              </a:rPr>
+              <a:t>The workflows folder contains a YAML workflow file</a:t>
+            </a:r>
+            <a:endParaRPr lang="en-US" sz="2800" dirty="0">
+              <a:latin typeface="Calibri (Body)"/>
+            </a:endParaRPr>
+          </a:p>
+        </p:txBody>
+      </p:sp>
+    </p:spTree>
+    <p:extLst>
+      <p:ext uri="{BB962C8B-B14F-4D97-AF65-F5344CB8AC3E}">
+        <p14:creationId xmlns:p14="http://schemas.microsoft.com/office/powerpoint/2010/main" val="2828443835"/>
+      </p:ext>
+    </p:extLst>
+  </p:cSld>
+  <p:clrMapOvr>
+    <a:masterClrMapping/>
+  </p:clrMapOvr>
+</p:sld>
+</file>
+
+<file path=ppt/slides/slide29.xml><?xml version="1.0" encoding="utf-8"?>
+<p:sld xmlns:a="http://schemas.openxmlformats.org/drawingml/2006/main" xmlns:r="http://schemas.openxmlformats.org/officeDocument/2006/relationships" xmlns:p="http://schemas.openxmlformats.org/presentationml/2006/main">
+  <p:cSld>
+    <p:spTree>
+      <p:nvGrpSpPr>
+        <p:cNvPr id="1" name=""/>
+        <p:cNvGrpSpPr/>
+        <p:nvPr/>
+      </p:nvGrpSpPr>
+      <p:grpSpPr>
+        <a:xfrm>
+          <a:off x="0" y="0"/>
+          <a:ext cx="0" cy="0"/>
+          <a:chOff x="0" y="0"/>
+          <a:chExt cx="0" cy="0"/>
+        </a:xfrm>
+      </p:grpSpPr>
+      <p:sp>
+        <p:nvSpPr>
+          <p:cNvPr id="2" name="Title 3">
+            <a:extLst>
+              <a:ext uri="{FF2B5EF4-FFF2-40B4-BE49-F238E27FC236}">
+                <a16:creationId xmlns:a16="http://schemas.microsoft.com/office/drawing/2014/main" id="{D10DF660-D678-95E2-0724-B10EE41958AC}"/>
+              </a:ext>
+            </a:extLst>
+          </p:cNvPr>
+          <p:cNvSpPr txBox="1">
+            <a:spLocks/>
+          </p:cNvSpPr>
+          <p:nvPr/>
+        </p:nvSpPr>
+        <p:spPr>
+          <a:xfrm>
+            <a:off x="838201" y="173876"/>
+            <a:ext cx="10833847" cy="979581"/>
+          </a:xfrm>
+          <a:prstGeom prst="rect">
+            <a:avLst/>
+          </a:prstGeom>
+        </p:spPr>
+        <p:txBody>
+          <a:bodyPr vert="horz" lIns="91440" tIns="45720" rIns="91440" bIns="45720" rtlCol="0" anchor="ctr">
+            <a:normAutofit/>
+          </a:bodyPr>
+          <a:lstStyle>
+            <a:lvl1pPr algn="l" defTabSz="914400" rtl="0" eaLnBrk="1" latinLnBrk="0" hangingPunct="1">
+              <a:lnSpc>
+                <a:spcPct val="90000"/>
+              </a:lnSpc>
+              <a:spcBef>
+                <a:spcPct val="0"/>
+              </a:spcBef>
+              <a:buNone/>
+              <a:defRPr sz="4400" kern="1200">
+                <a:solidFill>
+                  <a:schemeClr val="tx1"/>
+                </a:solidFill>
+                <a:latin typeface="+mj-lt"/>
+                <a:ea typeface="+mj-ea"/>
+                <a:cs typeface="+mj-cs"/>
+              </a:defRPr>
+            </a:lvl1pPr>
+          </a:lstStyle>
+          <a:p>
+            <a:r>
+              <a:rPr lang="en-US" sz="4000"/>
+              <a:t>Automated Grading</a:t>
+            </a:r>
+          </a:p>
+        </p:txBody>
+      </p:sp>
+      <p:pic>
+        <p:nvPicPr>
+          <p:cNvPr id="5" name="Picture 4">
+            <a:extLst>
+              <a:ext uri="{FF2B5EF4-FFF2-40B4-BE49-F238E27FC236}">
+                <a16:creationId xmlns:a16="http://schemas.microsoft.com/office/drawing/2014/main" id="{7B474D87-F3C8-AA94-A043-D2E9B88BD296}"/>
+              </a:ext>
+            </a:extLst>
+          </p:cNvPr>
+          <p:cNvPicPr>
+            <a:picLocks noChangeAspect="1"/>
+          </p:cNvPicPr>
+          <p:nvPr/>
+        </p:nvPicPr>
+        <p:blipFill>
+          <a:blip r:embed="rId2"/>
+          <a:stretch>
+            <a:fillRect/>
+          </a:stretch>
+        </p:blipFill>
+        <p:spPr>
+          <a:xfrm>
+            <a:off x="1659699" y="1227251"/>
+            <a:ext cx="8437690" cy="4651765"/>
+          </a:xfrm>
+          <a:prstGeom prst="rect">
+            <a:avLst/>
+          </a:prstGeom>
+          <a:ln>
+            <a:solidFill>
+              <a:schemeClr val="tx2">
+                <a:lumMod val="50000"/>
+              </a:schemeClr>
+            </a:solidFill>
+          </a:ln>
+        </p:spPr>
+      </p:pic>
+    </p:spTree>
+    <p:extLst>
+      <p:ext uri="{BB962C8B-B14F-4D97-AF65-F5344CB8AC3E}">
+        <p14:creationId xmlns:p14="http://schemas.microsoft.com/office/powerpoint/2010/main" val="4022940001"/>
       </p:ext>
     </p:extLst>
   </p:cSld>
@@ -5646,6 +7325,1129 @@
     <p:extLst>
       <p:ext uri="{BB962C8B-B14F-4D97-AF65-F5344CB8AC3E}">
         <p14:creationId xmlns:p14="http://schemas.microsoft.com/office/powerpoint/2010/main" val="3334747285"/>
+      </p:ext>
+    </p:extLst>
+  </p:cSld>
+  <p:clrMapOvr>
+    <a:masterClrMapping/>
+  </p:clrMapOvr>
+</p:sld>
+</file>
+
+<file path=ppt/slides/slide30.xml><?xml version="1.0" encoding="utf-8"?>
+<p:sld xmlns:a="http://schemas.openxmlformats.org/drawingml/2006/main" xmlns:r="http://schemas.openxmlformats.org/officeDocument/2006/relationships" xmlns:p="http://schemas.openxmlformats.org/presentationml/2006/main">
+  <p:cSld>
+    <p:spTree>
+      <p:nvGrpSpPr>
+        <p:cNvPr id="1" name=""/>
+        <p:cNvGrpSpPr/>
+        <p:nvPr/>
+      </p:nvGrpSpPr>
+      <p:grpSpPr>
+        <a:xfrm>
+          <a:off x="0" y="0"/>
+          <a:ext cx="0" cy="0"/>
+          <a:chOff x="0" y="0"/>
+          <a:chExt cx="0" cy="0"/>
+        </a:xfrm>
+      </p:grpSpPr>
+      <p:sp>
+        <p:nvSpPr>
+          <p:cNvPr id="2" name="Title 3">
+            <a:extLst>
+              <a:ext uri="{FF2B5EF4-FFF2-40B4-BE49-F238E27FC236}">
+                <a16:creationId xmlns:a16="http://schemas.microsoft.com/office/drawing/2014/main" id="{D10DF660-D678-95E2-0724-B10EE41958AC}"/>
+              </a:ext>
+            </a:extLst>
+          </p:cNvPr>
+          <p:cNvSpPr txBox="1">
+            <a:spLocks/>
+          </p:cNvSpPr>
+          <p:nvPr/>
+        </p:nvSpPr>
+        <p:spPr>
+          <a:xfrm>
+            <a:off x="838202" y="173876"/>
+            <a:ext cx="10547958" cy="1009834"/>
+          </a:xfrm>
+          <a:prstGeom prst="rect">
+            <a:avLst/>
+          </a:prstGeom>
+        </p:spPr>
+        <p:txBody>
+          <a:bodyPr vert="horz" lIns="91440" tIns="45720" rIns="91440" bIns="45720" rtlCol="0" anchor="ctr">
+            <a:normAutofit/>
+          </a:bodyPr>
+          <a:lstStyle>
+            <a:lvl1pPr algn="l" defTabSz="914400" rtl="0" eaLnBrk="1" latinLnBrk="0" hangingPunct="1">
+              <a:lnSpc>
+                <a:spcPct val="90000"/>
+              </a:lnSpc>
+              <a:spcBef>
+                <a:spcPct val="0"/>
+              </a:spcBef>
+              <a:buNone/>
+              <a:defRPr sz="4400" kern="1200">
+                <a:solidFill>
+                  <a:schemeClr val="tx1"/>
+                </a:solidFill>
+                <a:latin typeface="+mj-lt"/>
+                <a:ea typeface="+mj-ea"/>
+                <a:cs typeface="+mj-cs"/>
+              </a:defRPr>
+            </a:lvl1pPr>
+          </a:lstStyle>
+          <a:p>
+            <a:r>
+              <a:rPr lang="en-US" sz="3600"/>
+              <a:t>Automated Grading</a:t>
+            </a:r>
+          </a:p>
+        </p:txBody>
+      </p:sp>
+      <p:pic>
+        <p:nvPicPr>
+          <p:cNvPr id="7" name="Picture 6">
+            <a:extLst>
+              <a:ext uri="{FF2B5EF4-FFF2-40B4-BE49-F238E27FC236}">
+                <a16:creationId xmlns:a16="http://schemas.microsoft.com/office/drawing/2014/main" id="{C148562F-B70A-69EC-E880-A6E8B09797A6}"/>
+              </a:ext>
+            </a:extLst>
+          </p:cNvPr>
+          <p:cNvPicPr>
+            <a:picLocks noChangeAspect="1"/>
+          </p:cNvPicPr>
+          <p:nvPr/>
+        </p:nvPicPr>
+        <p:blipFill>
+          <a:blip r:embed="rId2"/>
+          <a:stretch>
+            <a:fillRect/>
+          </a:stretch>
+        </p:blipFill>
+        <p:spPr>
+          <a:xfrm>
+            <a:off x="1014960" y="1281736"/>
+            <a:ext cx="10162080" cy="4294527"/>
+          </a:xfrm>
+          <a:prstGeom prst="rect">
+            <a:avLst/>
+          </a:prstGeom>
+        </p:spPr>
+      </p:pic>
+    </p:spTree>
+    <p:extLst>
+      <p:ext uri="{BB962C8B-B14F-4D97-AF65-F5344CB8AC3E}">
+        <p14:creationId xmlns:p14="http://schemas.microsoft.com/office/powerpoint/2010/main" val="1379861397"/>
+      </p:ext>
+    </p:extLst>
+  </p:cSld>
+  <p:clrMapOvr>
+    <a:masterClrMapping/>
+  </p:clrMapOvr>
+</p:sld>
+</file>
+
+<file path=ppt/slides/slide31.xml><?xml version="1.0" encoding="utf-8"?>
+<p:sld xmlns:a="http://schemas.openxmlformats.org/drawingml/2006/main" xmlns:r="http://schemas.openxmlformats.org/officeDocument/2006/relationships" xmlns:p="http://schemas.openxmlformats.org/presentationml/2006/main">
+  <p:cSld>
+    <p:spTree>
+      <p:nvGrpSpPr>
+        <p:cNvPr id="1" name=""/>
+        <p:cNvGrpSpPr/>
+        <p:nvPr/>
+      </p:nvGrpSpPr>
+      <p:grpSpPr>
+        <a:xfrm>
+          <a:off x="0" y="0"/>
+          <a:ext cx="0" cy="0"/>
+          <a:chOff x="0" y="0"/>
+          <a:chExt cx="0" cy="0"/>
+        </a:xfrm>
+      </p:grpSpPr>
+      <p:sp>
+        <p:nvSpPr>
+          <p:cNvPr id="2" name="Title 3">
+            <a:extLst>
+              <a:ext uri="{FF2B5EF4-FFF2-40B4-BE49-F238E27FC236}">
+                <a16:creationId xmlns:a16="http://schemas.microsoft.com/office/drawing/2014/main" id="{D10DF660-D678-95E2-0724-B10EE41958AC}"/>
+              </a:ext>
+            </a:extLst>
+          </p:cNvPr>
+          <p:cNvSpPr txBox="1">
+            <a:spLocks/>
+          </p:cNvSpPr>
+          <p:nvPr/>
+        </p:nvSpPr>
+        <p:spPr>
+          <a:xfrm>
+            <a:off x="388307" y="173876"/>
+            <a:ext cx="11283741" cy="706658"/>
+          </a:xfrm>
+          <a:prstGeom prst="rect">
+            <a:avLst/>
+          </a:prstGeom>
+        </p:spPr>
+        <p:txBody>
+          <a:bodyPr vert="horz" lIns="91440" tIns="45720" rIns="91440" bIns="45720" rtlCol="0" anchor="ctr">
+            <a:normAutofit/>
+          </a:bodyPr>
+          <a:lstStyle>
+            <a:lvl1pPr algn="l" defTabSz="914400" rtl="0" eaLnBrk="1" latinLnBrk="0" hangingPunct="1">
+              <a:lnSpc>
+                <a:spcPct val="90000"/>
+              </a:lnSpc>
+              <a:spcBef>
+                <a:spcPct val="0"/>
+              </a:spcBef>
+              <a:buNone/>
+              <a:defRPr sz="4400" kern="1200">
+                <a:solidFill>
+                  <a:schemeClr val="tx1"/>
+                </a:solidFill>
+                <a:latin typeface="+mj-lt"/>
+                <a:ea typeface="+mj-ea"/>
+                <a:cs typeface="+mj-cs"/>
+              </a:defRPr>
+            </a:lvl1pPr>
+          </a:lstStyle>
+          <a:p>
+            <a:r>
+              <a:rPr lang="en-US" sz="3600"/>
+              <a:t>Automated Grading</a:t>
+            </a:r>
+          </a:p>
+        </p:txBody>
+      </p:sp>
+      <p:pic>
+        <p:nvPicPr>
+          <p:cNvPr id="8" name="Picture 7">
+            <a:extLst>
+              <a:ext uri="{FF2B5EF4-FFF2-40B4-BE49-F238E27FC236}">
+                <a16:creationId xmlns:a16="http://schemas.microsoft.com/office/drawing/2014/main" id="{9F6412A0-B38A-39C7-C5DD-69BA47BCCD9A}"/>
+              </a:ext>
+            </a:extLst>
+          </p:cNvPr>
+          <p:cNvPicPr>
+            <a:picLocks noChangeAspect="1"/>
+          </p:cNvPicPr>
+          <p:nvPr/>
+        </p:nvPicPr>
+        <p:blipFill>
+          <a:blip r:embed="rId2"/>
+          <a:stretch>
+            <a:fillRect/>
+          </a:stretch>
+        </p:blipFill>
+        <p:spPr>
+          <a:xfrm>
+            <a:off x="388307" y="2377996"/>
+            <a:ext cx="11490029" cy="1051004"/>
+          </a:xfrm>
+          <a:prstGeom prst="rect">
+            <a:avLst/>
+          </a:prstGeom>
+          <a:ln>
+            <a:solidFill>
+              <a:schemeClr val="accent1">
+                <a:lumMod val="50000"/>
+              </a:schemeClr>
+            </a:solidFill>
+          </a:ln>
+        </p:spPr>
+      </p:pic>
+      <p:sp>
+        <p:nvSpPr>
+          <p:cNvPr id="9" name="Title 3">
+            <a:extLst>
+              <a:ext uri="{FF2B5EF4-FFF2-40B4-BE49-F238E27FC236}">
+                <a16:creationId xmlns:a16="http://schemas.microsoft.com/office/drawing/2014/main" id="{485F126F-3421-2778-CD1F-B8A2C7741159}"/>
+              </a:ext>
+            </a:extLst>
+          </p:cNvPr>
+          <p:cNvSpPr>
+            <a:spLocks noGrp="1"/>
+          </p:cNvSpPr>
+          <p:nvPr>
+            <p:ph type="title"/>
+          </p:nvPr>
+        </p:nvSpPr>
+        <p:spPr>
+          <a:xfrm>
+            <a:off x="594986" y="1115880"/>
+            <a:ext cx="8974899" cy="706658"/>
+          </a:xfrm>
+        </p:spPr>
+        <p:txBody>
+          <a:bodyPr>
+            <a:normAutofit/>
+          </a:bodyPr>
+          <a:lstStyle/>
+          <a:p>
+            <a:pPr marL="284163" indent="-284163">
+              <a:buFont typeface="Arial" panose="020B0604020202020204" pitchFamily="34" charset="0"/>
+              <a:buChar char="•"/>
+            </a:pPr>
+            <a:r>
+              <a:rPr lang="en-US" sz="2800">
+                <a:latin typeface="Calibri (Body)"/>
+              </a:rPr>
+              <a:t>To see test details, click on the         icon.</a:t>
+            </a:r>
+            <a:endParaRPr lang="en-US" sz="2800" dirty="0">
+              <a:latin typeface="Calibri (Body)"/>
+            </a:endParaRPr>
+          </a:p>
+        </p:txBody>
+      </p:sp>
+      <p:pic>
+        <p:nvPicPr>
+          <p:cNvPr id="11" name="Picture 10">
+            <a:extLst>
+              <a:ext uri="{FF2B5EF4-FFF2-40B4-BE49-F238E27FC236}">
+                <a16:creationId xmlns:a16="http://schemas.microsoft.com/office/drawing/2014/main" id="{30AEC3D8-BAC1-01DF-FBAB-1F1748B1266E}"/>
+              </a:ext>
+            </a:extLst>
+          </p:cNvPr>
+          <p:cNvPicPr>
+            <a:picLocks noChangeAspect="1"/>
+          </p:cNvPicPr>
+          <p:nvPr/>
+        </p:nvPicPr>
+        <p:blipFill>
+          <a:blip r:embed="rId3"/>
+          <a:stretch>
+            <a:fillRect/>
+          </a:stretch>
+        </p:blipFill>
+        <p:spPr>
+          <a:xfrm>
+            <a:off x="5361520" y="1168975"/>
+            <a:ext cx="668657" cy="551642"/>
+          </a:xfrm>
+          <a:prstGeom prst="rect">
+            <a:avLst/>
+          </a:prstGeom>
+        </p:spPr>
+      </p:pic>
+      <p:sp>
+        <p:nvSpPr>
+          <p:cNvPr id="12" name="Oval 11">
+            <a:extLst>
+              <a:ext uri="{FF2B5EF4-FFF2-40B4-BE49-F238E27FC236}">
+                <a16:creationId xmlns:a16="http://schemas.microsoft.com/office/drawing/2014/main" id="{C095FA7F-EE74-996E-9AAD-FCFB1810250C}"/>
+              </a:ext>
+            </a:extLst>
+          </p:cNvPr>
+          <p:cNvSpPr/>
+          <p:nvPr/>
+        </p:nvSpPr>
+        <p:spPr>
+          <a:xfrm>
+            <a:off x="6551112" y="2812093"/>
+            <a:ext cx="576198" cy="713984"/>
+          </a:xfrm>
+          <a:prstGeom prst="ellipse">
+            <a:avLst/>
+          </a:prstGeom>
+          <a:noFill/>
+          <a:ln w="38100">
+            <a:solidFill>
+              <a:srgbClr val="FF0000"/>
+            </a:solidFill>
+          </a:ln>
+        </p:spPr>
+        <p:style>
+          <a:lnRef idx="2">
+            <a:schemeClr val="accent1">
+              <a:shade val="15000"/>
+            </a:schemeClr>
+          </a:lnRef>
+          <a:fillRef idx="1">
+            <a:schemeClr val="accent1"/>
+          </a:fillRef>
+          <a:effectRef idx="0">
+            <a:schemeClr val="accent1"/>
+          </a:effectRef>
+          <a:fontRef idx="minor">
+            <a:schemeClr val="lt1"/>
+          </a:fontRef>
+        </p:style>
+        <p:txBody>
+          <a:bodyPr rtlCol="0" anchor="ctr"/>
+          <a:lstStyle/>
+          <a:p>
+            <a:pPr algn="ctr"/>
+            <a:endParaRPr lang="en-US"/>
+          </a:p>
+        </p:txBody>
+      </p:sp>
+    </p:spTree>
+    <p:extLst>
+      <p:ext uri="{BB962C8B-B14F-4D97-AF65-F5344CB8AC3E}">
+        <p14:creationId xmlns:p14="http://schemas.microsoft.com/office/powerpoint/2010/main" val="1386208015"/>
+      </p:ext>
+    </p:extLst>
+  </p:cSld>
+  <p:clrMapOvr>
+    <a:masterClrMapping/>
+  </p:clrMapOvr>
+</p:sld>
+</file>
+
+<file path=ppt/slides/slide32.xml><?xml version="1.0" encoding="utf-8"?>
+<p:sld xmlns:a="http://schemas.openxmlformats.org/drawingml/2006/main" xmlns:r="http://schemas.openxmlformats.org/officeDocument/2006/relationships" xmlns:p="http://schemas.openxmlformats.org/presentationml/2006/main">
+  <p:cSld>
+    <p:spTree>
+      <p:nvGrpSpPr>
+        <p:cNvPr id="1" name=""/>
+        <p:cNvGrpSpPr/>
+        <p:nvPr/>
+      </p:nvGrpSpPr>
+      <p:grpSpPr>
+        <a:xfrm>
+          <a:off x="0" y="0"/>
+          <a:ext cx="0" cy="0"/>
+          <a:chOff x="0" y="0"/>
+          <a:chExt cx="0" cy="0"/>
+        </a:xfrm>
+      </p:grpSpPr>
+      <p:sp>
+        <p:nvSpPr>
+          <p:cNvPr id="2" name="Title 3">
+            <a:extLst>
+              <a:ext uri="{FF2B5EF4-FFF2-40B4-BE49-F238E27FC236}">
+                <a16:creationId xmlns:a16="http://schemas.microsoft.com/office/drawing/2014/main" id="{D10DF660-D678-95E2-0724-B10EE41958AC}"/>
+              </a:ext>
+            </a:extLst>
+          </p:cNvPr>
+          <p:cNvSpPr txBox="1">
+            <a:spLocks/>
+          </p:cNvSpPr>
+          <p:nvPr/>
+        </p:nvSpPr>
+        <p:spPr>
+          <a:xfrm>
+            <a:off x="388307" y="173876"/>
+            <a:ext cx="11283741" cy="706658"/>
+          </a:xfrm>
+          <a:prstGeom prst="rect">
+            <a:avLst/>
+          </a:prstGeom>
+        </p:spPr>
+        <p:txBody>
+          <a:bodyPr vert="horz" lIns="91440" tIns="45720" rIns="91440" bIns="45720" rtlCol="0" anchor="ctr">
+            <a:normAutofit/>
+          </a:bodyPr>
+          <a:lstStyle>
+            <a:lvl1pPr algn="l" defTabSz="914400" rtl="0" eaLnBrk="1" latinLnBrk="0" hangingPunct="1">
+              <a:lnSpc>
+                <a:spcPct val="90000"/>
+              </a:lnSpc>
+              <a:spcBef>
+                <a:spcPct val="0"/>
+              </a:spcBef>
+              <a:buNone/>
+              <a:defRPr sz="4400" kern="1200">
+                <a:solidFill>
+                  <a:schemeClr val="tx1"/>
+                </a:solidFill>
+                <a:latin typeface="+mj-lt"/>
+                <a:ea typeface="+mj-ea"/>
+                <a:cs typeface="+mj-cs"/>
+              </a:defRPr>
+            </a:lvl1pPr>
+          </a:lstStyle>
+          <a:p>
+            <a:r>
+              <a:rPr lang="en-US" sz="3600"/>
+              <a:t>Automated Grading</a:t>
+            </a:r>
+          </a:p>
+        </p:txBody>
+      </p:sp>
+      <p:sp>
+        <p:nvSpPr>
+          <p:cNvPr id="9" name="Title 3">
+            <a:extLst>
+              <a:ext uri="{FF2B5EF4-FFF2-40B4-BE49-F238E27FC236}">
+                <a16:creationId xmlns:a16="http://schemas.microsoft.com/office/drawing/2014/main" id="{485F126F-3421-2778-CD1F-B8A2C7741159}"/>
+              </a:ext>
+            </a:extLst>
+          </p:cNvPr>
+          <p:cNvSpPr>
+            <a:spLocks noGrp="1"/>
+          </p:cNvSpPr>
+          <p:nvPr>
+            <p:ph type="title"/>
+          </p:nvPr>
+        </p:nvSpPr>
+        <p:spPr>
+          <a:xfrm>
+            <a:off x="594986" y="1115880"/>
+            <a:ext cx="8974899" cy="706658"/>
+          </a:xfrm>
+        </p:spPr>
+        <p:txBody>
+          <a:bodyPr>
+            <a:normAutofit/>
+          </a:bodyPr>
+          <a:lstStyle/>
+          <a:p>
+            <a:pPr marL="284163" indent="-284163">
+              <a:buFont typeface="Arial" panose="020B0604020202020204" pitchFamily="34" charset="0"/>
+              <a:buChar char="•"/>
+            </a:pPr>
+            <a:r>
+              <a:rPr lang="en-US" sz="2800">
+                <a:latin typeface="Calibri (Body)"/>
+              </a:rPr>
+              <a:t>Failed tests are marked with an X, which you can click on</a:t>
+            </a:r>
+            <a:endParaRPr lang="en-US" sz="2800" dirty="0">
+              <a:latin typeface="Calibri (Body)"/>
+            </a:endParaRPr>
+          </a:p>
+        </p:txBody>
+      </p:sp>
+      <p:pic>
+        <p:nvPicPr>
+          <p:cNvPr id="6" name="Picture 5">
+            <a:extLst>
+              <a:ext uri="{FF2B5EF4-FFF2-40B4-BE49-F238E27FC236}">
+                <a16:creationId xmlns:a16="http://schemas.microsoft.com/office/drawing/2014/main" id="{550118A8-B584-5CA9-84CD-EEF8F5CB5FD3}"/>
+              </a:ext>
+            </a:extLst>
+          </p:cNvPr>
+          <p:cNvPicPr>
+            <a:picLocks noChangeAspect="1"/>
+          </p:cNvPicPr>
+          <p:nvPr/>
+        </p:nvPicPr>
+        <p:blipFill>
+          <a:blip r:embed="rId2"/>
+          <a:stretch>
+            <a:fillRect/>
+          </a:stretch>
+        </p:blipFill>
+        <p:spPr>
+          <a:xfrm>
+            <a:off x="952741" y="2886167"/>
+            <a:ext cx="10154871" cy="1513599"/>
+          </a:xfrm>
+          <a:prstGeom prst="rect">
+            <a:avLst/>
+          </a:prstGeom>
+        </p:spPr>
+      </p:pic>
+      <p:sp>
+        <p:nvSpPr>
+          <p:cNvPr id="12" name="Oval 11">
+            <a:extLst>
+              <a:ext uri="{FF2B5EF4-FFF2-40B4-BE49-F238E27FC236}">
+                <a16:creationId xmlns:a16="http://schemas.microsoft.com/office/drawing/2014/main" id="{C095FA7F-EE74-996E-9AAD-FCFB1810250C}"/>
+              </a:ext>
+            </a:extLst>
+          </p:cNvPr>
+          <p:cNvSpPr/>
+          <p:nvPr/>
+        </p:nvSpPr>
+        <p:spPr>
+          <a:xfrm>
+            <a:off x="7282774" y="2542162"/>
+            <a:ext cx="1692613" cy="1744493"/>
+          </a:xfrm>
+          <a:prstGeom prst="ellipse">
+            <a:avLst/>
+          </a:prstGeom>
+          <a:noFill/>
+          <a:ln w="38100">
+            <a:solidFill>
+              <a:srgbClr val="FF0000"/>
+            </a:solidFill>
+          </a:ln>
+        </p:spPr>
+        <p:style>
+          <a:lnRef idx="2">
+            <a:schemeClr val="accent1">
+              <a:shade val="15000"/>
+            </a:schemeClr>
+          </a:lnRef>
+          <a:fillRef idx="1">
+            <a:schemeClr val="accent1"/>
+          </a:fillRef>
+          <a:effectRef idx="0">
+            <a:schemeClr val="accent1"/>
+          </a:effectRef>
+          <a:fontRef idx="minor">
+            <a:schemeClr val="lt1"/>
+          </a:fontRef>
+        </p:style>
+        <p:txBody>
+          <a:bodyPr rtlCol="0" anchor="ctr"/>
+          <a:lstStyle/>
+          <a:p>
+            <a:pPr algn="ctr"/>
+            <a:endParaRPr lang="en-US"/>
+          </a:p>
+        </p:txBody>
+      </p:sp>
+    </p:spTree>
+    <p:extLst>
+      <p:ext uri="{BB962C8B-B14F-4D97-AF65-F5344CB8AC3E}">
+        <p14:creationId xmlns:p14="http://schemas.microsoft.com/office/powerpoint/2010/main" val="4116624295"/>
+      </p:ext>
+    </p:extLst>
+  </p:cSld>
+  <p:clrMapOvr>
+    <a:masterClrMapping/>
+  </p:clrMapOvr>
+</p:sld>
+</file>
+
+<file path=ppt/slides/slide33.xml><?xml version="1.0" encoding="utf-8"?>
+<p:sld xmlns:a="http://schemas.openxmlformats.org/drawingml/2006/main" xmlns:r="http://schemas.openxmlformats.org/officeDocument/2006/relationships" xmlns:p="http://schemas.openxmlformats.org/presentationml/2006/main">
+  <p:cSld>
+    <p:spTree>
+      <p:nvGrpSpPr>
+        <p:cNvPr id="1" name=""/>
+        <p:cNvGrpSpPr/>
+        <p:nvPr/>
+      </p:nvGrpSpPr>
+      <p:grpSpPr>
+        <a:xfrm>
+          <a:off x="0" y="0"/>
+          <a:ext cx="0" cy="0"/>
+          <a:chOff x="0" y="0"/>
+          <a:chExt cx="0" cy="0"/>
+        </a:xfrm>
+      </p:grpSpPr>
+      <p:sp>
+        <p:nvSpPr>
+          <p:cNvPr id="2" name="Title 3">
+            <a:extLst>
+              <a:ext uri="{FF2B5EF4-FFF2-40B4-BE49-F238E27FC236}">
+                <a16:creationId xmlns:a16="http://schemas.microsoft.com/office/drawing/2014/main" id="{D10DF660-D678-95E2-0724-B10EE41958AC}"/>
+              </a:ext>
+            </a:extLst>
+          </p:cNvPr>
+          <p:cNvSpPr txBox="1">
+            <a:spLocks/>
+          </p:cNvSpPr>
+          <p:nvPr/>
+        </p:nvSpPr>
+        <p:spPr>
+          <a:xfrm>
+            <a:off x="388307" y="173876"/>
+            <a:ext cx="11283741" cy="706658"/>
+          </a:xfrm>
+          <a:prstGeom prst="rect">
+            <a:avLst/>
+          </a:prstGeom>
+        </p:spPr>
+        <p:txBody>
+          <a:bodyPr vert="horz" lIns="91440" tIns="45720" rIns="91440" bIns="45720" rtlCol="0" anchor="ctr">
+            <a:normAutofit/>
+          </a:bodyPr>
+          <a:lstStyle>
+            <a:lvl1pPr algn="l" defTabSz="914400" rtl="0" eaLnBrk="1" latinLnBrk="0" hangingPunct="1">
+              <a:lnSpc>
+                <a:spcPct val="90000"/>
+              </a:lnSpc>
+              <a:spcBef>
+                <a:spcPct val="0"/>
+              </a:spcBef>
+              <a:buNone/>
+              <a:defRPr sz="4400" kern="1200">
+                <a:solidFill>
+                  <a:schemeClr val="tx1"/>
+                </a:solidFill>
+                <a:latin typeface="+mj-lt"/>
+                <a:ea typeface="+mj-ea"/>
+                <a:cs typeface="+mj-cs"/>
+              </a:defRPr>
+            </a:lvl1pPr>
+          </a:lstStyle>
+          <a:p>
+            <a:r>
+              <a:rPr lang="en-US" sz="3600"/>
+              <a:t>Automated Grading</a:t>
+            </a:r>
+          </a:p>
+        </p:txBody>
+      </p:sp>
+      <p:pic>
+        <p:nvPicPr>
+          <p:cNvPr id="7" name="Picture 6">
+            <a:extLst>
+              <a:ext uri="{FF2B5EF4-FFF2-40B4-BE49-F238E27FC236}">
+                <a16:creationId xmlns:a16="http://schemas.microsoft.com/office/drawing/2014/main" id="{8C1761FD-2722-4148-2B9D-672608285290}"/>
+              </a:ext>
+            </a:extLst>
+          </p:cNvPr>
+          <p:cNvPicPr>
+            <a:picLocks noChangeAspect="1"/>
+          </p:cNvPicPr>
+          <p:nvPr/>
+        </p:nvPicPr>
+        <p:blipFill>
+          <a:blip r:embed="rId2"/>
+          <a:stretch>
+            <a:fillRect/>
+          </a:stretch>
+        </p:blipFill>
+        <p:spPr>
+          <a:xfrm>
+            <a:off x="1861224" y="829263"/>
+            <a:ext cx="8662671" cy="5199474"/>
+          </a:xfrm>
+          <a:prstGeom prst="rect">
+            <a:avLst/>
+          </a:prstGeom>
+          <a:ln>
+            <a:solidFill>
+              <a:schemeClr val="tx2">
+                <a:lumMod val="50000"/>
+              </a:schemeClr>
+            </a:solidFill>
+          </a:ln>
+        </p:spPr>
+      </p:pic>
+    </p:spTree>
+    <p:extLst>
+      <p:ext uri="{BB962C8B-B14F-4D97-AF65-F5344CB8AC3E}">
+        <p14:creationId xmlns:p14="http://schemas.microsoft.com/office/powerpoint/2010/main" val="308005789"/>
+      </p:ext>
+    </p:extLst>
+  </p:cSld>
+  <p:clrMapOvr>
+    <a:masterClrMapping/>
+  </p:clrMapOvr>
+</p:sld>
+</file>
+
+<file path=ppt/slides/slide34.xml><?xml version="1.0" encoding="utf-8"?>
+<p:sld xmlns:a="http://schemas.openxmlformats.org/drawingml/2006/main" xmlns:r="http://schemas.openxmlformats.org/officeDocument/2006/relationships" xmlns:p="http://schemas.openxmlformats.org/presentationml/2006/main">
+  <p:cSld>
+    <p:spTree>
+      <p:nvGrpSpPr>
+        <p:cNvPr id="1" name=""/>
+        <p:cNvGrpSpPr/>
+        <p:nvPr/>
+      </p:nvGrpSpPr>
+      <p:grpSpPr>
+        <a:xfrm>
+          <a:off x="0" y="0"/>
+          <a:ext cx="0" cy="0"/>
+          <a:chOff x="0" y="0"/>
+          <a:chExt cx="0" cy="0"/>
+        </a:xfrm>
+      </p:grpSpPr>
+      <p:sp>
+        <p:nvSpPr>
+          <p:cNvPr id="2" name="Title 3">
+            <a:extLst>
+              <a:ext uri="{FF2B5EF4-FFF2-40B4-BE49-F238E27FC236}">
+                <a16:creationId xmlns:a16="http://schemas.microsoft.com/office/drawing/2014/main" id="{D10DF660-D678-95E2-0724-B10EE41958AC}"/>
+              </a:ext>
+            </a:extLst>
+          </p:cNvPr>
+          <p:cNvSpPr txBox="1">
+            <a:spLocks/>
+          </p:cNvSpPr>
+          <p:nvPr/>
+        </p:nvSpPr>
+        <p:spPr>
+          <a:xfrm>
+            <a:off x="388307" y="173876"/>
+            <a:ext cx="11283741" cy="706658"/>
+          </a:xfrm>
+          <a:prstGeom prst="rect">
+            <a:avLst/>
+          </a:prstGeom>
+        </p:spPr>
+        <p:txBody>
+          <a:bodyPr vert="horz" lIns="91440" tIns="45720" rIns="91440" bIns="45720" rtlCol="0" anchor="ctr">
+            <a:normAutofit/>
+          </a:bodyPr>
+          <a:lstStyle>
+            <a:lvl1pPr algn="l" defTabSz="914400" rtl="0" eaLnBrk="1" latinLnBrk="0" hangingPunct="1">
+              <a:lnSpc>
+                <a:spcPct val="90000"/>
+              </a:lnSpc>
+              <a:spcBef>
+                <a:spcPct val="0"/>
+              </a:spcBef>
+              <a:buNone/>
+              <a:defRPr sz="4400" kern="1200">
+                <a:solidFill>
+                  <a:schemeClr val="tx1"/>
+                </a:solidFill>
+                <a:latin typeface="+mj-lt"/>
+                <a:ea typeface="+mj-ea"/>
+                <a:cs typeface="+mj-cs"/>
+              </a:defRPr>
+            </a:lvl1pPr>
+          </a:lstStyle>
+          <a:p>
+            <a:r>
+              <a:rPr lang="en-US" sz="3600"/>
+              <a:t>Automated Grading</a:t>
+            </a:r>
+          </a:p>
+        </p:txBody>
+      </p:sp>
+      <p:sp>
+        <p:nvSpPr>
+          <p:cNvPr id="9" name="Title 3">
+            <a:extLst>
+              <a:ext uri="{FF2B5EF4-FFF2-40B4-BE49-F238E27FC236}">
+                <a16:creationId xmlns:a16="http://schemas.microsoft.com/office/drawing/2014/main" id="{485F126F-3421-2778-CD1F-B8A2C7741159}"/>
+              </a:ext>
+            </a:extLst>
+          </p:cNvPr>
+          <p:cNvSpPr>
+            <a:spLocks noGrp="1"/>
+          </p:cNvSpPr>
+          <p:nvPr>
+            <p:ph type="title"/>
+          </p:nvPr>
+        </p:nvSpPr>
+        <p:spPr>
+          <a:xfrm>
+            <a:off x="594986" y="1115880"/>
+            <a:ext cx="8974899" cy="706658"/>
+          </a:xfrm>
+        </p:spPr>
+        <p:txBody>
+          <a:bodyPr>
+            <a:normAutofit fontScale="90000"/>
+          </a:bodyPr>
+          <a:lstStyle/>
+          <a:p>
+            <a:pPr marL="284163" indent="-284163">
+              <a:buFont typeface="Arial" panose="020B0604020202020204" pitchFamily="34" charset="0"/>
+              <a:buChar char="•"/>
+            </a:pPr>
+            <a:r>
+              <a:rPr lang="en-US" sz="2800">
+                <a:latin typeface="Calibri (Body)"/>
+              </a:rPr>
+              <a:t>Successful tests are marked with a green checkmark, which you can also click on</a:t>
+            </a:r>
+            <a:endParaRPr lang="en-US" sz="2800" dirty="0">
+              <a:latin typeface="Calibri (Body)"/>
+            </a:endParaRPr>
+          </a:p>
+        </p:txBody>
+      </p:sp>
+      <p:pic>
+        <p:nvPicPr>
+          <p:cNvPr id="4" name="Picture 3">
+            <a:extLst>
+              <a:ext uri="{FF2B5EF4-FFF2-40B4-BE49-F238E27FC236}">
+                <a16:creationId xmlns:a16="http://schemas.microsoft.com/office/drawing/2014/main" id="{441EB11F-AECD-EC2A-D441-A6FDA33313E7}"/>
+              </a:ext>
+            </a:extLst>
+          </p:cNvPr>
+          <p:cNvPicPr>
+            <a:picLocks noChangeAspect="1"/>
+          </p:cNvPicPr>
+          <p:nvPr/>
+        </p:nvPicPr>
+        <p:blipFill>
+          <a:blip r:embed="rId2"/>
+          <a:stretch>
+            <a:fillRect/>
+          </a:stretch>
+        </p:blipFill>
+        <p:spPr>
+          <a:xfrm>
+            <a:off x="729315" y="2739132"/>
+            <a:ext cx="10136170" cy="1736727"/>
+          </a:xfrm>
+          <a:prstGeom prst="rect">
+            <a:avLst/>
+          </a:prstGeom>
+        </p:spPr>
+      </p:pic>
+      <p:sp>
+        <p:nvSpPr>
+          <p:cNvPr id="5" name="Oval 4">
+            <a:extLst>
+              <a:ext uri="{FF2B5EF4-FFF2-40B4-BE49-F238E27FC236}">
+                <a16:creationId xmlns:a16="http://schemas.microsoft.com/office/drawing/2014/main" id="{F31D7ADE-668D-D890-CF19-95E1DEA1D6E8}"/>
+              </a:ext>
+            </a:extLst>
+          </p:cNvPr>
+          <p:cNvSpPr/>
+          <p:nvPr/>
+        </p:nvSpPr>
+        <p:spPr>
+          <a:xfrm>
+            <a:off x="7282775" y="3482236"/>
+            <a:ext cx="690042" cy="679159"/>
+          </a:xfrm>
+          <a:prstGeom prst="ellipse">
+            <a:avLst/>
+          </a:prstGeom>
+          <a:noFill/>
+          <a:ln w="38100">
+            <a:solidFill>
+              <a:srgbClr val="FF0000"/>
+            </a:solidFill>
+          </a:ln>
+        </p:spPr>
+        <p:style>
+          <a:lnRef idx="2">
+            <a:schemeClr val="accent1">
+              <a:shade val="15000"/>
+            </a:schemeClr>
+          </a:lnRef>
+          <a:fillRef idx="1">
+            <a:schemeClr val="accent1"/>
+          </a:fillRef>
+          <a:effectRef idx="0">
+            <a:schemeClr val="accent1"/>
+          </a:effectRef>
+          <a:fontRef idx="minor">
+            <a:schemeClr val="lt1"/>
+          </a:fontRef>
+        </p:style>
+        <p:txBody>
+          <a:bodyPr rtlCol="0" anchor="ctr"/>
+          <a:lstStyle/>
+          <a:p>
+            <a:pPr algn="ctr"/>
+            <a:endParaRPr lang="en-US"/>
+          </a:p>
+        </p:txBody>
+      </p:sp>
+    </p:spTree>
+    <p:extLst>
+      <p:ext uri="{BB962C8B-B14F-4D97-AF65-F5344CB8AC3E}">
+        <p14:creationId xmlns:p14="http://schemas.microsoft.com/office/powerpoint/2010/main" val="287497578"/>
+      </p:ext>
+    </p:extLst>
+  </p:cSld>
+  <p:clrMapOvr>
+    <a:masterClrMapping/>
+  </p:clrMapOvr>
+</p:sld>
+</file>
+
+<file path=ppt/slides/slide35.xml><?xml version="1.0" encoding="utf-8"?>
+<p:sld xmlns:a="http://schemas.openxmlformats.org/drawingml/2006/main" xmlns:r="http://schemas.openxmlformats.org/officeDocument/2006/relationships" xmlns:p="http://schemas.openxmlformats.org/presentationml/2006/main">
+  <p:cSld>
+    <p:spTree>
+      <p:nvGrpSpPr>
+        <p:cNvPr id="1" name=""/>
+        <p:cNvGrpSpPr/>
+        <p:nvPr/>
+      </p:nvGrpSpPr>
+      <p:grpSpPr>
+        <a:xfrm>
+          <a:off x="0" y="0"/>
+          <a:ext cx="0" cy="0"/>
+          <a:chOff x="0" y="0"/>
+          <a:chExt cx="0" cy="0"/>
+        </a:xfrm>
+      </p:grpSpPr>
+      <p:sp>
+        <p:nvSpPr>
+          <p:cNvPr id="2" name="Title 3">
+            <a:extLst>
+              <a:ext uri="{FF2B5EF4-FFF2-40B4-BE49-F238E27FC236}">
+                <a16:creationId xmlns:a16="http://schemas.microsoft.com/office/drawing/2014/main" id="{D10DF660-D678-95E2-0724-B10EE41958AC}"/>
+              </a:ext>
+            </a:extLst>
+          </p:cNvPr>
+          <p:cNvSpPr txBox="1">
+            <a:spLocks/>
+          </p:cNvSpPr>
+          <p:nvPr/>
+        </p:nvSpPr>
+        <p:spPr>
+          <a:xfrm>
+            <a:off x="388307" y="173876"/>
+            <a:ext cx="11283741" cy="706658"/>
+          </a:xfrm>
+          <a:prstGeom prst="rect">
+            <a:avLst/>
+          </a:prstGeom>
+        </p:spPr>
+        <p:txBody>
+          <a:bodyPr vert="horz" lIns="91440" tIns="45720" rIns="91440" bIns="45720" rtlCol="0" anchor="ctr">
+            <a:normAutofit/>
+          </a:bodyPr>
+          <a:lstStyle>
+            <a:lvl1pPr algn="l" defTabSz="914400" rtl="0" eaLnBrk="1" latinLnBrk="0" hangingPunct="1">
+              <a:lnSpc>
+                <a:spcPct val="90000"/>
+              </a:lnSpc>
+              <a:spcBef>
+                <a:spcPct val="0"/>
+              </a:spcBef>
+              <a:buNone/>
+              <a:defRPr sz="4400" kern="1200">
+                <a:solidFill>
+                  <a:schemeClr val="tx1"/>
+                </a:solidFill>
+                <a:latin typeface="+mj-lt"/>
+                <a:ea typeface="+mj-ea"/>
+                <a:cs typeface="+mj-cs"/>
+              </a:defRPr>
+            </a:lvl1pPr>
+          </a:lstStyle>
+          <a:p>
+            <a:r>
+              <a:rPr lang="en-US" sz="3600"/>
+              <a:t>Automated Grading</a:t>
+            </a:r>
+          </a:p>
+        </p:txBody>
+      </p:sp>
+      <p:pic>
+        <p:nvPicPr>
+          <p:cNvPr id="11" name="Picture 10">
+            <a:extLst>
+              <a:ext uri="{FF2B5EF4-FFF2-40B4-BE49-F238E27FC236}">
+                <a16:creationId xmlns:a16="http://schemas.microsoft.com/office/drawing/2014/main" id="{EF6428A4-19E6-FFD6-3E0A-1BD7C43A6A99}"/>
+              </a:ext>
+            </a:extLst>
+          </p:cNvPr>
+          <p:cNvPicPr>
+            <a:picLocks noChangeAspect="1"/>
+          </p:cNvPicPr>
+          <p:nvPr/>
+        </p:nvPicPr>
+        <p:blipFill>
+          <a:blip r:embed="rId2"/>
+          <a:stretch>
+            <a:fillRect/>
+          </a:stretch>
+        </p:blipFill>
+        <p:spPr>
+          <a:xfrm>
+            <a:off x="1053061" y="1376989"/>
+            <a:ext cx="10085878" cy="4104022"/>
+          </a:xfrm>
+          <a:prstGeom prst="rect">
+            <a:avLst/>
+          </a:prstGeom>
+          <a:ln>
+            <a:solidFill>
+              <a:schemeClr val="tx2">
+                <a:lumMod val="50000"/>
+              </a:schemeClr>
+            </a:solidFill>
+          </a:ln>
+        </p:spPr>
+      </p:pic>
+    </p:spTree>
+    <p:extLst>
+      <p:ext uri="{BB962C8B-B14F-4D97-AF65-F5344CB8AC3E}">
+        <p14:creationId xmlns:p14="http://schemas.microsoft.com/office/powerpoint/2010/main" val="686752802"/>
+      </p:ext>
+    </p:extLst>
+  </p:cSld>
+  <p:clrMapOvr>
+    <a:masterClrMapping/>
+  </p:clrMapOvr>
+</p:sld>
+</file>
+
+<file path=ppt/slides/slide36.xml><?xml version="1.0" encoding="utf-8"?>
+<p:sld xmlns:a="http://schemas.openxmlformats.org/drawingml/2006/main" xmlns:r="http://schemas.openxmlformats.org/officeDocument/2006/relationships" xmlns:p="http://schemas.openxmlformats.org/presentationml/2006/main">
+  <p:cSld>
+    <p:spTree>
+      <p:nvGrpSpPr>
+        <p:cNvPr id="1" name=""/>
+        <p:cNvGrpSpPr/>
+        <p:nvPr/>
+      </p:nvGrpSpPr>
+      <p:grpSpPr>
+        <a:xfrm>
+          <a:off x="0" y="0"/>
+          <a:ext cx="0" cy="0"/>
+          <a:chOff x="0" y="0"/>
+          <a:chExt cx="0" cy="0"/>
+        </a:xfrm>
+      </p:grpSpPr>
+      <p:pic>
+        <p:nvPicPr>
+          <p:cNvPr id="5" name="Content Placeholder 4">
+            <a:extLst>
+              <a:ext uri="{FF2B5EF4-FFF2-40B4-BE49-F238E27FC236}">
+                <a16:creationId xmlns:a16="http://schemas.microsoft.com/office/drawing/2014/main" id="{075A8137-7C75-A9F5-529F-4D6C410FDC24}"/>
+              </a:ext>
+            </a:extLst>
+          </p:cNvPr>
+          <p:cNvPicPr>
+            <a:picLocks noGrp="1" noChangeAspect="1"/>
+          </p:cNvPicPr>
+          <p:nvPr>
+            <p:ph idx="1"/>
+          </p:nvPr>
+        </p:nvPicPr>
+        <p:blipFill>
+          <a:blip r:embed="rId3"/>
+          <a:stretch>
+            <a:fillRect/>
+          </a:stretch>
+        </p:blipFill>
+        <p:spPr>
+          <a:xfrm>
+            <a:off x="954072" y="1017201"/>
+            <a:ext cx="10283856" cy="2678819"/>
+          </a:xfrm>
+        </p:spPr>
+      </p:pic>
+      <p:pic>
+        <p:nvPicPr>
+          <p:cNvPr id="10" name="Graphic 10">
+            <a:extLst>
+              <a:ext uri="{FF2B5EF4-FFF2-40B4-BE49-F238E27FC236}">
+                <a16:creationId xmlns:a16="http://schemas.microsoft.com/office/drawing/2014/main" id="{EECBA6B0-8FC5-1BE2-DEB5-A541B4C5FE31}"/>
+              </a:ext>
+            </a:extLst>
+          </p:cNvPr>
+          <p:cNvPicPr>
+            <a:picLocks noChangeAspect="1"/>
+            <a:extLst>
+              <a:ext uri="{51228E76-BA90-4043-B771-695A4F85340A}">
+                <alf:liveFeedProps xmlns:alf="http://schemas.microsoft.com/office/drawing/2021/livefeed"/>
+              </a:ext>
+            </a:extLst>
+          </p:cNvPicPr>
+          <p:nvPr/>
+        </p:nvPicPr>
+        <p:blipFill>
+          <a:blip r:embed="rId4">
+            <a:extLst>
+              <a:ext uri="{96DAC541-7B7A-43D3-8B79-37D633B846F1}">
+                <asvg:svgBlip xmlns:asvg="http://schemas.microsoft.com/office/drawing/2016/SVG/main" r:embed="rId5"/>
+              </a:ext>
+            </a:extLst>
+          </a:blip>
+          <a:stretch>
+            <a:fillRect/>
+          </a:stretch>
+        </p:blipFill>
+        <p:spPr>
+          <a:xfrm>
+            <a:off x="10052304" y="4718304"/>
+            <a:ext cx="2057400" cy="2057400"/>
+          </a:xfrm>
+          <a:prstGeom prst="ellipse">
+            <a:avLst/>
+          </a:prstGeom>
+        </p:spPr>
+      </p:pic>
+    </p:spTree>
+    <p:extLst>
+      <p:ext uri="{BB962C8B-B14F-4D97-AF65-F5344CB8AC3E}">
+        <p14:creationId xmlns:p14="http://schemas.microsoft.com/office/powerpoint/2010/main" val="593074532"/>
       </p:ext>
     </p:extLst>
   </p:cSld>
@@ -6359,7 +9161,7 @@
         </p:nvSpPr>
         <p:spPr>
           <a:xfrm>
-            <a:off x="838200" y="1147665"/>
+            <a:off x="838200" y="1416607"/>
             <a:ext cx="2493335" cy="1411237"/>
           </a:xfrm>
         </p:spPr>
@@ -6376,10 +9178,10 @@
       </p:sp>
       <p:pic>
         <p:nvPicPr>
-          <p:cNvPr id="5" name="Picture 4">
-            <a:extLst>
-              <a:ext uri="{FF2B5EF4-FFF2-40B4-BE49-F238E27FC236}">
-                <a16:creationId xmlns:a16="http://schemas.microsoft.com/office/drawing/2014/main" id="{B1D9E4D8-0E24-4079-AE16-E7264D1A7827}"/>
+          <p:cNvPr id="4" name="Picture 3">
+            <a:extLst>
+              <a:ext uri="{FF2B5EF4-FFF2-40B4-BE49-F238E27FC236}">
+                <a16:creationId xmlns:a16="http://schemas.microsoft.com/office/drawing/2014/main" id="{B778D2AD-1813-989C-1F46-B1DAF167ABAC}"/>
               </a:ext>
             </a:extLst>
           </p:cNvPr>
@@ -6396,15 +9198,17 @@
         </p:blipFill>
         <p:spPr>
           <a:xfrm>
-            <a:off x="3903809" y="1051560"/>
-            <a:ext cx="8071255" cy="4754880"/>
+            <a:off x="3659261" y="1335708"/>
+            <a:ext cx="6846999" cy="4186583"/>
           </a:xfrm>
           <a:prstGeom prst="rect">
             <a:avLst/>
           </a:prstGeom>
           <a:ln>
             <a:solidFill>
-              <a:schemeClr val="tx1"/>
+              <a:schemeClr val="tx2">
+                <a:lumMod val="50000"/>
+              </a:schemeClr>
             </a:solidFill>
           </a:ln>
         </p:spPr>

--- a/GitHubClassroom-Instructor.pptx
+++ b/GitHubClassroom-Instructor.pptx
@@ -5,7 +5,7 @@
     <p:sldMasterId id="2147483660" r:id="rId1"/>
   </p:sldMasterIdLst>
   <p:notesMasterIdLst>
-    <p:notesMasterId r:id="rId38"/>
+    <p:notesMasterId r:id="rId49"/>
   </p:notesMasterIdLst>
   <p:sldIdLst>
     <p:sldId id="309" r:id="rId2"/>
@@ -14,36 +14,47 @@
     <p:sldId id="303" r:id="rId5"/>
     <p:sldId id="304" r:id="rId6"/>
     <p:sldId id="305" r:id="rId7"/>
-    <p:sldId id="296" r:id="rId8"/>
-    <p:sldId id="297" r:id="rId9"/>
-    <p:sldId id="298" r:id="rId10"/>
-    <p:sldId id="299" r:id="rId11"/>
-    <p:sldId id="300" r:id="rId12"/>
-    <p:sldId id="306" r:id="rId13"/>
-    <p:sldId id="301" r:id="rId14"/>
-    <p:sldId id="307" r:id="rId15"/>
-    <p:sldId id="308" r:id="rId16"/>
-    <p:sldId id="257" r:id="rId17"/>
-    <p:sldId id="258" r:id="rId18"/>
-    <p:sldId id="260" r:id="rId19"/>
-    <p:sldId id="261" r:id="rId20"/>
-    <p:sldId id="310" r:id="rId21"/>
-    <p:sldId id="322" r:id="rId22"/>
-    <p:sldId id="312" r:id="rId23"/>
-    <p:sldId id="313" r:id="rId24"/>
-    <p:sldId id="315" r:id="rId25"/>
-    <p:sldId id="316" r:id="rId26"/>
-    <p:sldId id="317" r:id="rId27"/>
-    <p:sldId id="318" r:id="rId28"/>
-    <p:sldId id="319" r:id="rId29"/>
-    <p:sldId id="311" r:id="rId30"/>
-    <p:sldId id="321" r:id="rId31"/>
-    <p:sldId id="323" r:id="rId32"/>
-    <p:sldId id="324" r:id="rId33"/>
-    <p:sldId id="325" r:id="rId34"/>
-    <p:sldId id="326" r:id="rId35"/>
-    <p:sldId id="327" r:id="rId36"/>
-    <p:sldId id="1372" r:id="rId37"/>
+    <p:sldId id="1373" r:id="rId8"/>
+    <p:sldId id="1374" r:id="rId9"/>
+    <p:sldId id="296" r:id="rId10"/>
+    <p:sldId id="1375" r:id="rId11"/>
+    <p:sldId id="298" r:id="rId12"/>
+    <p:sldId id="299" r:id="rId13"/>
+    <p:sldId id="300" r:id="rId14"/>
+    <p:sldId id="1377" r:id="rId15"/>
+    <p:sldId id="1376" r:id="rId16"/>
+    <p:sldId id="1378" r:id="rId17"/>
+    <p:sldId id="1379" r:id="rId18"/>
+    <p:sldId id="1380" r:id="rId19"/>
+    <p:sldId id="1381" r:id="rId20"/>
+    <p:sldId id="306" r:id="rId21"/>
+    <p:sldId id="1382" r:id="rId22"/>
+    <p:sldId id="301" r:id="rId23"/>
+    <p:sldId id="1383" r:id="rId24"/>
+    <p:sldId id="307" r:id="rId25"/>
+    <p:sldId id="1384" r:id="rId26"/>
+    <p:sldId id="308" r:id="rId27"/>
+    <p:sldId id="257" r:id="rId28"/>
+    <p:sldId id="258" r:id="rId29"/>
+    <p:sldId id="260" r:id="rId30"/>
+    <p:sldId id="261" r:id="rId31"/>
+    <p:sldId id="310" r:id="rId32"/>
+    <p:sldId id="322" r:id="rId33"/>
+    <p:sldId id="312" r:id="rId34"/>
+    <p:sldId id="313" r:id="rId35"/>
+    <p:sldId id="315" r:id="rId36"/>
+    <p:sldId id="316" r:id="rId37"/>
+    <p:sldId id="317" r:id="rId38"/>
+    <p:sldId id="318" r:id="rId39"/>
+    <p:sldId id="319" r:id="rId40"/>
+    <p:sldId id="311" r:id="rId41"/>
+    <p:sldId id="321" r:id="rId42"/>
+    <p:sldId id="323" r:id="rId43"/>
+    <p:sldId id="324" r:id="rId44"/>
+    <p:sldId id="325" r:id="rId45"/>
+    <p:sldId id="326" r:id="rId46"/>
+    <p:sldId id="327" r:id="rId47"/>
+    <p:sldId id="1372" r:id="rId48"/>
   </p:sldIdLst>
   <p:sldSz cx="12192000" cy="6858000"/>
   <p:notesSz cx="6858000" cy="9144000"/>
@@ -232,7 +243,7 @@
           <a:p>
             <a:fld id="{CA1F7DAD-AACB-410C-9AA4-BE5099812397}" type="datetimeFigureOut">
               <a:rPr lang="en-US" smtClean="0"/>
-              <a:t>7/24/2023</a:t>
+              <a:t>7/25/2023</a:t>
             </a:fld>
             <a:endParaRPr lang="en-US"/>
           </a:p>
@@ -648,7 +659,7 @@
           <a:p>
             <a:fld id="{FCFED414-B8BD-4977-925E-1C2AFAB354A8}" type="slidenum">
               <a:rPr lang="en-US" smtClean="0"/>
-              <a:t>36</a:t>
+              <a:t>47</a:t>
             </a:fld>
             <a:endParaRPr lang="en-US"/>
           </a:p>
@@ -1158,7 +1169,7 @@
           <a:p>
             <a:fld id="{8F7D2F49-1857-4E7D-8050-DC698401AAB7}" type="datetimeFigureOut">
               <a:rPr lang="en-US" smtClean="0"/>
-              <a:t>7/24/2023</a:t>
+              <a:t>7/25/2023</a:t>
             </a:fld>
             <a:endParaRPr lang="en-US"/>
           </a:p>
@@ -2505,7 +2516,7 @@
           <a:p>
             <a:fld id="{8F7D2F49-1857-4E7D-8050-DC698401AAB7}" type="datetimeFigureOut">
               <a:rPr lang="en-US" smtClean="0"/>
-              <a:t>7/24/2023</a:t>
+              <a:t>7/25/2023</a:t>
             </a:fld>
             <a:endParaRPr lang="en-US"/>
           </a:p>
@@ -3410,7 +3421,7 @@
         <p:spPr>
           <a:xfrm>
             <a:off x="838200" y="1147665"/>
-            <a:ext cx="4471467" cy="5486399"/>
+            <a:ext cx="10515600" cy="5486399"/>
           </a:xfrm>
         </p:spPr>
         <p:txBody>
@@ -3419,13 +3430,7 @@
           <a:p>
             <a:r>
               <a:rPr lang="en-US"/>
-              <a:t>Add Students</a:t>
-            </a:r>
-          </a:p>
-          <a:p>
-            <a:r>
-              <a:rPr lang="en-US"/>
-              <a:t>Note: this is not required; an alternative approach is to let your students add themselves by accepting your assignment invitations</a:t>
+              <a:t>Name your classroom</a:t>
             </a:r>
           </a:p>
         </p:txBody>
@@ -3435,7 +3440,7 @@
           <p:cNvPr id="5" name="Picture 4">
             <a:extLst>
               <a:ext uri="{FF2B5EF4-FFF2-40B4-BE49-F238E27FC236}">
-                <a16:creationId xmlns:a16="http://schemas.microsoft.com/office/drawing/2014/main" id="{A5140BF4-579A-4814-ADFF-337AC4E593B9}"/>
+                <a16:creationId xmlns:a16="http://schemas.microsoft.com/office/drawing/2014/main" id="{48014CE8-7662-0BD6-B1A0-71E50B66D326}"/>
               </a:ext>
             </a:extLst>
           </p:cNvPr>
@@ -3444,23 +3449,24 @@
           </p:cNvPicPr>
           <p:nvPr/>
         </p:nvPicPr>
-        <p:blipFill>
+        <p:blipFill rotWithShape="1">
           <a:blip r:embed="rId2"/>
-          <a:stretch>
-            <a:fillRect/>
-          </a:stretch>
+          <a:srcRect l="15931" t="16974" r="17132" b="9038"/>
+          <a:stretch/>
         </p:blipFill>
         <p:spPr>
           <a:xfrm>
-            <a:off x="5824027" y="438828"/>
-            <a:ext cx="5872579" cy="5354172"/>
+            <a:off x="2987457" y="2192056"/>
+            <a:ext cx="4446740" cy="3025036"/>
           </a:xfrm>
           <a:prstGeom prst="rect">
             <a:avLst/>
           </a:prstGeom>
           <a:ln>
             <a:solidFill>
-              <a:schemeClr val="tx1"/>
+              <a:schemeClr val="tx2">
+                <a:lumMod val="50000"/>
+              </a:schemeClr>
             </a:solidFill>
           </a:ln>
         </p:spPr>
@@ -3468,7 +3474,7 @@
     </p:spTree>
     <p:extLst>
       <p:ext uri="{BB962C8B-B14F-4D97-AF65-F5344CB8AC3E}">
-        <p14:creationId xmlns:p14="http://schemas.microsoft.com/office/powerpoint/2010/main" val="1289388797"/>
+        <p14:creationId xmlns:p14="http://schemas.microsoft.com/office/powerpoint/2010/main" val="874873143"/>
       </p:ext>
     </p:extLst>
   </p:cSld>
@@ -3525,7 +3531,7 @@
           <a:p>
             <a:r>
               <a:rPr lang="en-US"/>
-              <a:t>Creating Assignments</a:t>
+              <a:t>Creating a Classroom</a:t>
             </a:r>
           </a:p>
         </p:txBody>
@@ -3548,8 +3554,8 @@
         </p:nvSpPr>
         <p:spPr>
           <a:xfrm>
-            <a:off x="838201" y="1147666"/>
-            <a:ext cx="8922488" cy="4562670"/>
+            <a:off x="838200" y="1147665"/>
+            <a:ext cx="10515600" cy="5486399"/>
           </a:xfrm>
         </p:spPr>
         <p:txBody>
@@ -3558,36 +3564,11 @@
           <a:p>
             <a:r>
               <a:rPr lang="en-US"/>
-              <a:t>To create an assignment, start by creating a repo for your assignment in your normal GitHub account</a:t>
-            </a:r>
-          </a:p>
-          <a:p>
-            <a:r>
-              <a:rPr lang="en-US"/>
-              <a:t>This repo must be a </a:t>
-            </a:r>
-            <a:r>
-              <a:rPr lang="en-US" b="1"/>
-              <a:t>public template</a:t>
-            </a:r>
-          </a:p>
-          <a:p>
-            <a:endParaRPr lang="en-US" b="1"/>
-          </a:p>
-          <a:p>
-            <a:pPr marL="0" indent="0">
-              <a:buNone/>
-            </a:pPr>
-            <a:endParaRPr lang="en-US" b="1"/>
-          </a:p>
-          <a:p>
-            <a:r>
-              <a:rPr lang="en-US"/>
-              <a:t>In the repo Settings page:</a:t>
-            </a:r>
-          </a:p>
-          <a:p>
-            <a:endParaRPr lang="en-US" b="1"/>
+              <a:t>TAs or Admins?</a:t>
+            </a:r>
+          </a:p>
+          <a:p>
+            <a:endParaRPr lang="en-US"/>
           </a:p>
         </p:txBody>
       </p:sp>
@@ -3596,7 +3577,7 @@
           <p:cNvPr id="5" name="Picture 4">
             <a:extLst>
               <a:ext uri="{FF2B5EF4-FFF2-40B4-BE49-F238E27FC236}">
-                <a16:creationId xmlns:a16="http://schemas.microsoft.com/office/drawing/2014/main" id="{5B27FEB0-87B3-B42E-598D-4788FF4DC6C9}"/>
+                <a16:creationId xmlns:a16="http://schemas.microsoft.com/office/drawing/2014/main" id="{A6D9A70A-130D-70BC-BEB1-B1A5B72017E8}"/>
               </a:ext>
             </a:extLst>
           </p:cNvPr>
@@ -3613,152 +3594,25 @@
         </p:blipFill>
         <p:spPr>
           <a:xfrm>
-            <a:off x="3670156" y="2598953"/>
-            <a:ext cx="5300436" cy="634898"/>
+            <a:off x="2611677" y="1863477"/>
+            <a:ext cx="5728669" cy="3907771"/>
           </a:xfrm>
           <a:prstGeom prst="rect">
             <a:avLst/>
           </a:prstGeom>
-        </p:spPr>
-      </p:pic>
-      <p:sp>
-        <p:nvSpPr>
-          <p:cNvPr id="7" name="Oval 6">
-            <a:extLst>
-              <a:ext uri="{FF2B5EF4-FFF2-40B4-BE49-F238E27FC236}">
-                <a16:creationId xmlns:a16="http://schemas.microsoft.com/office/drawing/2014/main" id="{8F4DEF66-0416-3CDD-7D64-A275299B2C24}"/>
-              </a:ext>
-            </a:extLst>
-          </p:cNvPr>
-          <p:cNvSpPr/>
-          <p:nvPr/>
-        </p:nvSpPr>
-        <p:spPr>
-          <a:xfrm>
-            <a:off x="6969022" y="2545165"/>
-            <a:ext cx="2120793" cy="783772"/>
-          </a:xfrm>
-          <a:prstGeom prst="ellipse">
-            <a:avLst/>
-          </a:prstGeom>
-          <a:noFill/>
-          <a:ln w="38100">
+          <a:ln>
             <a:solidFill>
-              <a:srgbClr val="FF0000"/>
+              <a:schemeClr val="tx2">
+                <a:lumMod val="50000"/>
+              </a:schemeClr>
             </a:solidFill>
           </a:ln>
         </p:spPr>
-        <p:style>
-          <a:lnRef idx="2">
-            <a:schemeClr val="accent1">
-              <a:shade val="50000"/>
-            </a:schemeClr>
-          </a:lnRef>
-          <a:fillRef idx="1">
-            <a:schemeClr val="accent1"/>
-          </a:fillRef>
-          <a:effectRef idx="0">
-            <a:schemeClr val="accent1"/>
-          </a:effectRef>
-          <a:fontRef idx="minor">
-            <a:schemeClr val="lt1"/>
-          </a:fontRef>
-        </p:style>
-        <p:txBody>
-          <a:bodyPr rtlCol="0" anchor="ctr"/>
-          <a:lstStyle/>
-          <a:p>
-            <a:pPr algn="ctr"/>
-            <a:endParaRPr lang="en-US"/>
-          </a:p>
-        </p:txBody>
-      </p:sp>
-      <p:pic>
-        <p:nvPicPr>
-          <p:cNvPr id="9" name="Picture 8">
-            <a:extLst>
-              <a:ext uri="{FF2B5EF4-FFF2-40B4-BE49-F238E27FC236}">
-                <a16:creationId xmlns:a16="http://schemas.microsoft.com/office/drawing/2014/main" id="{1963942B-9F53-2EDA-A64E-87B8998820E8}"/>
-              </a:ext>
-            </a:extLst>
-          </p:cNvPr>
-          <p:cNvPicPr>
-            <a:picLocks noChangeAspect="1"/>
-          </p:cNvPicPr>
-          <p:nvPr/>
-        </p:nvPicPr>
-        <p:blipFill>
-          <a:blip r:embed="rId3"/>
-          <a:stretch>
-            <a:fillRect/>
-          </a:stretch>
-        </p:blipFill>
-        <p:spPr>
-          <a:xfrm>
-            <a:off x="5183930" y="3624150"/>
-            <a:ext cx="6905546" cy="1882800"/>
-          </a:xfrm>
-          <a:prstGeom prst="rect">
-            <a:avLst/>
-          </a:prstGeom>
-        </p:spPr>
       </p:pic>
-      <p:sp>
-        <p:nvSpPr>
-          <p:cNvPr id="10" name="Oval 9">
-            <a:extLst>
-              <a:ext uri="{FF2B5EF4-FFF2-40B4-BE49-F238E27FC236}">
-                <a16:creationId xmlns:a16="http://schemas.microsoft.com/office/drawing/2014/main" id="{C9321D18-7D9D-F961-96FC-627807F39EBD}"/>
-              </a:ext>
-            </a:extLst>
-          </p:cNvPr>
-          <p:cNvSpPr/>
-          <p:nvPr/>
-        </p:nvSpPr>
-        <p:spPr>
-          <a:xfrm>
-            <a:off x="5183930" y="4895097"/>
-            <a:ext cx="2417396" cy="514814"/>
-          </a:xfrm>
-          <a:prstGeom prst="ellipse">
-            <a:avLst/>
-          </a:prstGeom>
-          <a:noFill/>
-          <a:ln w="38100">
-            <a:solidFill>
-              <a:srgbClr val="FF0000"/>
-            </a:solidFill>
-          </a:ln>
-        </p:spPr>
-        <p:style>
-          <a:lnRef idx="2">
-            <a:schemeClr val="accent1">
-              <a:shade val="50000"/>
-            </a:schemeClr>
-          </a:lnRef>
-          <a:fillRef idx="1">
-            <a:schemeClr val="accent1"/>
-          </a:fillRef>
-          <a:effectRef idx="0">
-            <a:schemeClr val="accent1"/>
-          </a:effectRef>
-          <a:fontRef idx="minor">
-            <a:schemeClr val="lt1"/>
-          </a:fontRef>
-        </p:style>
-        <p:txBody>
-          <a:bodyPr rtlCol="0" anchor="ctr"/>
-          <a:lstStyle/>
-          <a:p>
-            <a:pPr algn="ctr"/>
-            <a:endParaRPr lang="en-US"/>
-          </a:p>
-        </p:txBody>
-      </p:sp>
     </p:spTree>
     <p:extLst>
       <p:ext uri="{BB962C8B-B14F-4D97-AF65-F5344CB8AC3E}">
-        <p14:creationId xmlns:p14="http://schemas.microsoft.com/office/powerpoint/2010/main" val="2935324615"/>
+        <p14:creationId xmlns:p14="http://schemas.microsoft.com/office/powerpoint/2010/main" val="3026545867"/>
       </p:ext>
     </p:extLst>
   </p:cSld>
@@ -3815,7 +3669,7 @@
           <a:p>
             <a:r>
               <a:rPr lang="en-US"/>
-              <a:t>Creating Assignments</a:t>
+              <a:t>Creating a Classroom</a:t>
             </a:r>
           </a:p>
         </p:txBody>
@@ -3838,8 +3692,8 @@
         </p:nvSpPr>
         <p:spPr>
           <a:xfrm>
-            <a:off x="838200" y="1147665"/>
-            <a:ext cx="10515600" cy="5486399"/>
+            <a:off x="838200" y="1147666"/>
+            <a:ext cx="4471467" cy="4132056"/>
           </a:xfrm>
         </p:spPr>
         <p:txBody>
@@ -3848,7 +3702,13 @@
           <a:p>
             <a:r>
               <a:rPr lang="en-US"/>
-              <a:t>In your GitHub Classroom course, create an assignment</a:t>
+              <a:t>Add Students</a:t>
+            </a:r>
+          </a:p>
+          <a:p>
+            <a:r>
+              <a:rPr lang="en-US"/>
+              <a:t>Note: this step is not required; an alternative approach is to let your students add themselves by accepting your assignment invitations</a:t>
             </a:r>
           </a:p>
         </p:txBody>
@@ -3858,7 +3718,7 @@
           <p:cNvPr id="4" name="Picture 3">
             <a:extLst>
               <a:ext uri="{FF2B5EF4-FFF2-40B4-BE49-F238E27FC236}">
-                <a16:creationId xmlns:a16="http://schemas.microsoft.com/office/drawing/2014/main" id="{A792A0D6-A12B-4D84-AE03-1848D6439B81}"/>
+                <a16:creationId xmlns:a16="http://schemas.microsoft.com/office/drawing/2014/main" id="{3B8F315E-A0AB-0227-5EFA-23C24BD244AC}"/>
               </a:ext>
             </a:extLst>
           </p:cNvPr>
@@ -3875,75 +3735,25 @@
         </p:blipFill>
         <p:spPr>
           <a:xfrm>
-            <a:off x="2125277" y="1829435"/>
-            <a:ext cx="6175208" cy="4229989"/>
+            <a:off x="5690980" y="889348"/>
+            <a:ext cx="5613364" cy="4464667"/>
           </a:xfrm>
           <a:prstGeom prst="rect">
             <a:avLst/>
           </a:prstGeom>
           <a:ln>
             <a:solidFill>
-              <a:schemeClr val="tx1"/>
+              <a:schemeClr val="tx2">
+                <a:lumMod val="50000"/>
+              </a:schemeClr>
             </a:solidFill>
           </a:ln>
         </p:spPr>
       </p:pic>
-      <p:sp>
-        <p:nvSpPr>
-          <p:cNvPr id="3" name="Oval 2">
-            <a:extLst>
-              <a:ext uri="{FF2B5EF4-FFF2-40B4-BE49-F238E27FC236}">
-                <a16:creationId xmlns:a16="http://schemas.microsoft.com/office/drawing/2014/main" id="{857D5D47-234A-3056-FC72-29DAE4C5F1D0}"/>
-              </a:ext>
-            </a:extLst>
-          </p:cNvPr>
-          <p:cNvSpPr/>
-          <p:nvPr/>
-        </p:nvSpPr>
-        <p:spPr>
-          <a:xfrm>
-            <a:off x="3216752" y="3429000"/>
-            <a:ext cx="2551098" cy="2113108"/>
-          </a:xfrm>
-          <a:prstGeom prst="ellipse">
-            <a:avLst/>
-          </a:prstGeom>
-          <a:noFill/>
-          <a:ln w="38100">
-            <a:solidFill>
-              <a:srgbClr val="FF0000"/>
-            </a:solidFill>
-          </a:ln>
-        </p:spPr>
-        <p:style>
-          <a:lnRef idx="2">
-            <a:schemeClr val="accent1">
-              <a:shade val="50000"/>
-            </a:schemeClr>
-          </a:lnRef>
-          <a:fillRef idx="1">
-            <a:schemeClr val="accent1"/>
-          </a:fillRef>
-          <a:effectRef idx="0">
-            <a:schemeClr val="accent1"/>
-          </a:effectRef>
-          <a:fontRef idx="minor">
-            <a:schemeClr val="lt1"/>
-          </a:fontRef>
-        </p:style>
-        <p:txBody>
-          <a:bodyPr rtlCol="0" anchor="ctr"/>
-          <a:lstStyle/>
-          <a:p>
-            <a:pPr algn="ctr"/>
-            <a:endParaRPr lang="en-US"/>
-          </a:p>
-        </p:txBody>
-      </p:sp>
     </p:spTree>
     <p:extLst>
       <p:ext uri="{BB962C8B-B14F-4D97-AF65-F5344CB8AC3E}">
-        <p14:creationId xmlns:p14="http://schemas.microsoft.com/office/powerpoint/2010/main" val="2671435651"/>
+        <p14:creationId xmlns:p14="http://schemas.microsoft.com/office/powerpoint/2010/main" val="1289388797"/>
       </p:ext>
     </p:extLst>
   </p:cSld>
@@ -4000,50 +3810,17 @@
           <a:p>
             <a:r>
               <a:rPr lang="en-US"/>
-              <a:t>Creating Assignments</a:t>
-            </a:r>
-          </a:p>
-        </p:txBody>
-      </p:sp>
-      <p:sp>
-        <p:nvSpPr>
-          <p:cNvPr id="6" name="Content Placeholder 5">
-            <a:extLst>
-              <a:ext uri="{FF2B5EF4-FFF2-40B4-BE49-F238E27FC236}">
-                <a16:creationId xmlns:a16="http://schemas.microsoft.com/office/drawing/2014/main" id="{F38D595B-A938-4095-9B2C-B71EB9620166}"/>
-              </a:ext>
-            </a:extLst>
-          </p:cNvPr>
-          <p:cNvSpPr>
-            <a:spLocks noGrp="1"/>
-          </p:cNvSpPr>
-          <p:nvPr>
-            <p:ph idx="1"/>
-          </p:nvPr>
-        </p:nvSpPr>
-        <p:spPr>
-          <a:xfrm>
-            <a:off x="838200" y="1352391"/>
-            <a:ext cx="10515600" cy="5281674"/>
-          </a:xfrm>
-        </p:spPr>
-        <p:txBody>
-          <a:bodyPr/>
-          <a:lstStyle/>
-          <a:p>
-            <a:r>
-              <a:rPr lang="en-US"/>
-              <a:t>Use your template for the assignment starter code:</a:t>
+              <a:t>Back in GitHub: Create an Assignment Template</a:t>
             </a:r>
           </a:p>
         </p:txBody>
       </p:sp>
       <p:pic>
         <p:nvPicPr>
-          <p:cNvPr id="5" name="Picture 4">
-            <a:extLst>
-              <a:ext uri="{FF2B5EF4-FFF2-40B4-BE49-F238E27FC236}">
-                <a16:creationId xmlns:a16="http://schemas.microsoft.com/office/drawing/2014/main" id="{9B7FED8F-BEA9-34E1-693C-A7C7D197E1AC}"/>
+          <p:cNvPr id="11" name="Picture 10">
+            <a:extLst>
+              <a:ext uri="{FF2B5EF4-FFF2-40B4-BE49-F238E27FC236}">
+                <a16:creationId xmlns:a16="http://schemas.microsoft.com/office/drawing/2014/main" id="{475A58D0-0EDE-6590-B26A-5CDB7BCF130D}"/>
               </a:ext>
             </a:extLst>
           </p:cNvPr>
@@ -4060,15 +3837,17 @@
         </p:blipFill>
         <p:spPr>
           <a:xfrm>
-            <a:off x="1899467" y="2186866"/>
-            <a:ext cx="7889992" cy="3617820"/>
+            <a:off x="6122278" y="1320391"/>
+            <a:ext cx="4838246" cy="3915094"/>
           </a:xfrm>
           <a:prstGeom prst="rect">
             <a:avLst/>
           </a:prstGeom>
           <a:ln>
             <a:solidFill>
-              <a:schemeClr val="tx1"/>
+              <a:schemeClr val="tx2">
+                <a:lumMod val="50000"/>
+              </a:schemeClr>
             </a:solidFill>
           </a:ln>
         </p:spPr>
@@ -4078,7 +3857,7 @@
           <p:cNvPr id="7" name="Oval 6">
             <a:extLst>
               <a:ext uri="{FF2B5EF4-FFF2-40B4-BE49-F238E27FC236}">
-                <a16:creationId xmlns:a16="http://schemas.microsoft.com/office/drawing/2014/main" id="{9209C10C-3998-74E5-76B1-2EC1CF588FFE}"/>
+                <a16:creationId xmlns:a16="http://schemas.microsoft.com/office/drawing/2014/main" id="{8F4DEF66-0416-3CDD-7D64-A275299B2C24}"/>
               </a:ext>
             </a:extLst>
           </p:cNvPr>
@@ -4087,8 +3866,8 @@
         </p:nvSpPr>
         <p:spPr>
           <a:xfrm>
-            <a:off x="2051637" y="4963886"/>
-            <a:ext cx="3865069" cy="706932"/>
+            <a:off x="9361493" y="3944501"/>
+            <a:ext cx="1836775" cy="605161"/>
           </a:xfrm>
           <a:prstGeom prst="ellipse">
             <a:avLst/>
@@ -4125,10 +3904,43 @@
           </a:p>
         </p:txBody>
       </p:sp>
+      <p:sp>
+        <p:nvSpPr>
+          <p:cNvPr id="12" name="Content Placeholder 5">
+            <a:extLst>
+              <a:ext uri="{FF2B5EF4-FFF2-40B4-BE49-F238E27FC236}">
+                <a16:creationId xmlns:a16="http://schemas.microsoft.com/office/drawing/2014/main" id="{C86F67E0-A635-E2D9-61F4-C300253DD7DD}"/>
+              </a:ext>
+            </a:extLst>
+          </p:cNvPr>
+          <p:cNvSpPr>
+            <a:spLocks noGrp="1"/>
+          </p:cNvSpPr>
+          <p:nvPr>
+            <p:ph idx="1"/>
+          </p:nvPr>
+        </p:nvSpPr>
+        <p:spPr>
+          <a:xfrm>
+            <a:off x="993732" y="1320391"/>
+            <a:ext cx="4471467" cy="4132056"/>
+          </a:xfrm>
+        </p:spPr>
+        <p:txBody>
+          <a:bodyPr/>
+          <a:lstStyle/>
+          <a:p>
+            <a:r>
+              <a:rPr lang="en-US"/>
+              <a:t>Working in your organization, create a new repository</a:t>
+            </a:r>
+          </a:p>
+        </p:txBody>
+      </p:sp>
     </p:spTree>
     <p:extLst>
       <p:ext uri="{BB962C8B-B14F-4D97-AF65-F5344CB8AC3E}">
-        <p14:creationId xmlns:p14="http://schemas.microsoft.com/office/powerpoint/2010/main" val="3700244973"/>
+        <p14:creationId xmlns:p14="http://schemas.microsoft.com/office/powerpoint/2010/main" val="2935324615"/>
       </p:ext>
     </p:extLst>
   </p:cSld>
@@ -4185,59 +3997,17 @@
           <a:p>
             <a:r>
               <a:rPr lang="en-US"/>
-              <a:t>Creating Assignments</a:t>
-            </a:r>
-          </a:p>
-        </p:txBody>
-      </p:sp>
-      <p:sp>
-        <p:nvSpPr>
-          <p:cNvPr id="6" name="Content Placeholder 5">
-            <a:extLst>
-              <a:ext uri="{FF2B5EF4-FFF2-40B4-BE49-F238E27FC236}">
-                <a16:creationId xmlns:a16="http://schemas.microsoft.com/office/drawing/2014/main" id="{F38D595B-A938-4095-9B2C-B71EB9620166}"/>
-              </a:ext>
-            </a:extLst>
-          </p:cNvPr>
-          <p:cNvSpPr>
-            <a:spLocks noGrp="1"/>
-          </p:cNvSpPr>
-          <p:nvPr>
-            <p:ph idx="1"/>
-          </p:nvPr>
-        </p:nvSpPr>
-        <p:spPr>
-          <a:xfrm>
-            <a:off x="838200" y="1352391"/>
-            <a:ext cx="10515600" cy="5281674"/>
-          </a:xfrm>
-        </p:spPr>
-        <p:txBody>
-          <a:bodyPr/>
-          <a:lstStyle/>
-          <a:p>
-            <a:r>
-              <a:rPr lang="en-US"/>
-              <a:t>Provide the assignment invitation link to your students, e.g. in Canvas:</a:t>
-            </a:r>
-          </a:p>
-          <a:p>
-            <a:endParaRPr lang="en-US"/>
-          </a:p>
-          <a:p>
-            <a:endParaRPr lang="en-US"/>
-          </a:p>
-          <a:p>
-            <a:endParaRPr lang="en-US"/>
+              <a:t>Back in GitHub: Create an Assignment Template</a:t>
+            </a:r>
           </a:p>
         </p:txBody>
       </p:sp>
       <p:pic>
         <p:nvPicPr>
-          <p:cNvPr id="4" name="Picture 3">
-            <a:extLst>
-              <a:ext uri="{FF2B5EF4-FFF2-40B4-BE49-F238E27FC236}">
-                <a16:creationId xmlns:a16="http://schemas.microsoft.com/office/drawing/2014/main" id="{5AAE9520-7AF8-56F0-B5AB-535328C5F99C}"/>
+          <p:cNvPr id="11" name="Picture 10">
+            <a:extLst>
+              <a:ext uri="{FF2B5EF4-FFF2-40B4-BE49-F238E27FC236}">
+                <a16:creationId xmlns:a16="http://schemas.microsoft.com/office/drawing/2014/main" id="{475A58D0-0EDE-6590-B26A-5CDB7BCF130D}"/>
               </a:ext>
             </a:extLst>
           </p:cNvPr>
@@ -4254,23 +4024,110 @@
         </p:blipFill>
         <p:spPr>
           <a:xfrm>
-            <a:off x="1503889" y="2241623"/>
-            <a:ext cx="9381435" cy="3298563"/>
+            <a:off x="6122278" y="1320391"/>
+            <a:ext cx="4838246" cy="3915094"/>
           </a:xfrm>
           <a:prstGeom prst="rect">
             <a:avLst/>
           </a:prstGeom>
           <a:ln>
             <a:solidFill>
-              <a:schemeClr val="tx1"/>
+              <a:schemeClr val="tx2">
+                <a:lumMod val="50000"/>
+              </a:schemeClr>
             </a:solidFill>
           </a:ln>
         </p:spPr>
       </p:pic>
+      <p:sp>
+        <p:nvSpPr>
+          <p:cNvPr id="7" name="Oval 6">
+            <a:extLst>
+              <a:ext uri="{FF2B5EF4-FFF2-40B4-BE49-F238E27FC236}">
+                <a16:creationId xmlns:a16="http://schemas.microsoft.com/office/drawing/2014/main" id="{8F4DEF66-0416-3CDD-7D64-A275299B2C24}"/>
+              </a:ext>
+            </a:extLst>
+          </p:cNvPr>
+          <p:cNvSpPr/>
+          <p:nvPr/>
+        </p:nvSpPr>
+        <p:spPr>
+          <a:xfrm>
+            <a:off x="9361493" y="3944501"/>
+            <a:ext cx="1836775" cy="605161"/>
+          </a:xfrm>
+          <a:prstGeom prst="ellipse">
+            <a:avLst/>
+          </a:prstGeom>
+          <a:noFill/>
+          <a:ln w="38100">
+            <a:solidFill>
+              <a:srgbClr val="FF0000"/>
+            </a:solidFill>
+          </a:ln>
+        </p:spPr>
+        <p:style>
+          <a:lnRef idx="2">
+            <a:schemeClr val="accent1">
+              <a:shade val="50000"/>
+            </a:schemeClr>
+          </a:lnRef>
+          <a:fillRef idx="1">
+            <a:schemeClr val="accent1"/>
+          </a:fillRef>
+          <a:effectRef idx="0">
+            <a:schemeClr val="accent1"/>
+          </a:effectRef>
+          <a:fontRef idx="minor">
+            <a:schemeClr val="lt1"/>
+          </a:fontRef>
+        </p:style>
+        <p:txBody>
+          <a:bodyPr rtlCol="0" anchor="ctr"/>
+          <a:lstStyle/>
+          <a:p>
+            <a:pPr algn="ctr"/>
+            <a:endParaRPr lang="en-US"/>
+          </a:p>
+        </p:txBody>
+      </p:sp>
+      <p:sp>
+        <p:nvSpPr>
+          <p:cNvPr id="12" name="Content Placeholder 5">
+            <a:extLst>
+              <a:ext uri="{FF2B5EF4-FFF2-40B4-BE49-F238E27FC236}">
+                <a16:creationId xmlns:a16="http://schemas.microsoft.com/office/drawing/2014/main" id="{C86F67E0-A635-E2D9-61F4-C300253DD7DD}"/>
+              </a:ext>
+            </a:extLst>
+          </p:cNvPr>
+          <p:cNvSpPr>
+            <a:spLocks noGrp="1"/>
+          </p:cNvSpPr>
+          <p:nvPr>
+            <p:ph idx="1"/>
+          </p:nvPr>
+        </p:nvSpPr>
+        <p:spPr>
+          <a:xfrm>
+            <a:off x="993732" y="1320391"/>
+            <a:ext cx="4471467" cy="4132056"/>
+          </a:xfrm>
+        </p:spPr>
+        <p:txBody>
+          <a:bodyPr/>
+          <a:lstStyle/>
+          <a:p>
+            <a:r>
+              <a:rPr lang="en-US"/>
+              <a:t>Working in your organization, create a new repository</a:t>
+            </a:r>
+          </a:p>
+        </p:txBody>
+      </p:sp>
     </p:spTree>
     <p:extLst>
       <p:ext uri="{BB962C8B-B14F-4D97-AF65-F5344CB8AC3E}">
-        <p14:creationId xmlns:p14="http://schemas.microsoft.com/office/powerpoint/2010/main" val="2928629178"/>
+        <p14:creationId xmlns:p14="http://schemas.microsoft.com/office/powerpoint/2010/main" val="3009142040"/>
       </p:ext>
     </p:extLst>
   </p:cSld>
@@ -4299,10 +4156,10 @@
       </p:grpSpPr>
       <p:sp>
         <p:nvSpPr>
-          <p:cNvPr id="4" name="Title 3">
-            <a:extLst>
-              <a:ext uri="{FF2B5EF4-FFF2-40B4-BE49-F238E27FC236}">
-                <a16:creationId xmlns:a16="http://schemas.microsoft.com/office/drawing/2014/main" id="{14D470DA-3582-C890-F21A-EB95E0DFF854}"/>
+          <p:cNvPr id="2" name="Title 1">
+            <a:extLst>
+              <a:ext uri="{FF2B5EF4-FFF2-40B4-BE49-F238E27FC236}">
+                <a16:creationId xmlns:a16="http://schemas.microsoft.com/office/drawing/2014/main" id="{0E5E0E14-EF30-4D17-8457-8E5D1E9495F7}"/>
               </a:ext>
             </a:extLst>
           </p:cNvPr>
@@ -4315,39 +4172,36 @@
         </p:nvSpPr>
         <p:spPr>
           <a:xfrm>
-            <a:off x="838200" y="137997"/>
-            <a:ext cx="10515600" cy="885479"/>
+            <a:off x="838200" y="365125"/>
+            <a:ext cx="10515600" cy="605161"/>
           </a:xfrm>
         </p:spPr>
         <p:txBody>
           <a:bodyPr>
-            <a:normAutofit/>
+            <a:normAutofit fontScale="90000"/>
           </a:bodyPr>
           <a:lstStyle/>
           <a:p>
             <a:r>
-              <a:rPr lang="en-US" sz="4000"/>
-              <a:t>Grading Assignments</a:t>
-            </a:r>
-            <a:endParaRPr lang="en-US" sz="4000" dirty="0"/>
+              <a:rPr lang="en-US"/>
+              <a:t>Creating Assignments</a:t>
+            </a:r>
           </a:p>
         </p:txBody>
       </p:sp>
       <p:pic>
         <p:nvPicPr>
-          <p:cNvPr id="7" name="Content Placeholder 6">
-            <a:extLst>
-              <a:ext uri="{FF2B5EF4-FFF2-40B4-BE49-F238E27FC236}">
-                <a16:creationId xmlns:a16="http://schemas.microsoft.com/office/drawing/2014/main" id="{4BC7B1C0-C35E-5588-E0F2-1D1F7EC77E29}"/>
+          <p:cNvPr id="11" name="Picture 10">
+            <a:extLst>
+              <a:ext uri="{FF2B5EF4-FFF2-40B4-BE49-F238E27FC236}">
+                <a16:creationId xmlns:a16="http://schemas.microsoft.com/office/drawing/2014/main" id="{57CF4608-FE17-D325-AA55-6D748809A537}"/>
               </a:ext>
             </a:extLst>
           </p:cNvPr>
           <p:cNvPicPr>
-            <a:picLocks noGrp="1" noChangeAspect="1"/>
+            <a:picLocks noChangeAspect="1"/>
           </p:cNvPicPr>
-          <p:nvPr>
-            <p:ph idx="1"/>
-          </p:nvPr>
+          <p:nvPr/>
         </p:nvPicPr>
         <p:blipFill>
           <a:blip r:embed="rId2"/>
@@ -4357,17 +4211,27 @@
         </p:blipFill>
         <p:spPr>
           <a:xfrm>
-            <a:off x="3531136" y="2323779"/>
-            <a:ext cx="4959605" cy="3124361"/>
-          </a:xfrm>
+            <a:off x="5699343" y="970286"/>
+            <a:ext cx="6231338" cy="4774992"/>
+          </a:xfrm>
+          <a:prstGeom prst="rect">
+            <a:avLst/>
+          </a:prstGeom>
+          <a:ln>
+            <a:solidFill>
+              <a:schemeClr val="tx2">
+                <a:lumMod val="50000"/>
+              </a:schemeClr>
+            </a:solidFill>
+          </a:ln>
         </p:spPr>
       </p:pic>
       <p:sp>
         <p:nvSpPr>
-          <p:cNvPr id="8" name="Oval 7">
-            <a:extLst>
-              <a:ext uri="{FF2B5EF4-FFF2-40B4-BE49-F238E27FC236}">
-                <a16:creationId xmlns:a16="http://schemas.microsoft.com/office/drawing/2014/main" id="{E12202BA-2B9C-F868-22E0-1C0F7DCDA006}"/>
+          <p:cNvPr id="12" name="Oval 11">
+            <a:extLst>
+              <a:ext uri="{FF2B5EF4-FFF2-40B4-BE49-F238E27FC236}">
+                <a16:creationId xmlns:a16="http://schemas.microsoft.com/office/drawing/2014/main" id="{118DCC03-DF80-C1D1-6AE2-C1B703A51777}"/>
               </a:ext>
             </a:extLst>
           </p:cNvPr>
@@ -4376,8 +4240,8 @@
         </p:nvSpPr>
         <p:spPr>
           <a:xfrm>
-            <a:off x="3730114" y="4271155"/>
-            <a:ext cx="3411140" cy="295835"/>
+            <a:off x="6532323" y="3479911"/>
+            <a:ext cx="3939435" cy="707719"/>
           </a:xfrm>
           <a:prstGeom prst="ellipse">
             <a:avLst/>
@@ -4416,49 +4280,85 @@
       </p:sp>
       <p:sp>
         <p:nvSpPr>
-          <p:cNvPr id="3" name="TextBox 2">
-            <a:extLst>
-              <a:ext uri="{FF2B5EF4-FFF2-40B4-BE49-F238E27FC236}">
-                <a16:creationId xmlns:a16="http://schemas.microsoft.com/office/drawing/2014/main" id="{B8347CA1-C0C4-A6F2-F0FC-E3934D67313C}"/>
-              </a:ext>
-            </a:extLst>
-          </p:cNvPr>
-          <p:cNvSpPr txBox="1"/>
+          <p:cNvPr id="13" name="Oval 12">
+            <a:extLst>
+              <a:ext uri="{FF2B5EF4-FFF2-40B4-BE49-F238E27FC236}">
+                <a16:creationId xmlns:a16="http://schemas.microsoft.com/office/drawing/2014/main" id="{FA3200C0-8EC4-DFBB-5F91-6D719C2BA86E}"/>
+              </a:ext>
+            </a:extLst>
+          </p:cNvPr>
+          <p:cNvSpPr/>
           <p:nvPr/>
         </p:nvSpPr>
         <p:spPr>
           <a:xfrm>
-            <a:off x="1027813" y="1119799"/>
-            <a:ext cx="9966252" cy="954107"/>
-          </a:xfrm>
-          <a:prstGeom prst="rect">
+            <a:off x="6845294" y="4753390"/>
+            <a:ext cx="3939435" cy="707719"/>
+          </a:xfrm>
+          <a:prstGeom prst="ellipse">
             <a:avLst/>
           </a:prstGeom>
           <a:noFill/>
-        </p:spPr>
-        <p:txBody>
-          <a:bodyPr wrap="square">
-            <a:spAutoFit/>
-          </a:bodyPr>
+          <a:ln w="38100">
+            <a:solidFill>
+              <a:srgbClr val="FF0000"/>
+            </a:solidFill>
+          </a:ln>
+        </p:spPr>
+        <p:style>
+          <a:lnRef idx="2">
+            <a:schemeClr val="accent1">
+              <a:shade val="50000"/>
+            </a:schemeClr>
+          </a:lnRef>
+          <a:fillRef idx="1">
+            <a:schemeClr val="accent1"/>
+          </a:fillRef>
+          <a:effectRef idx="0">
+            <a:schemeClr val="accent1"/>
+          </a:effectRef>
+          <a:fontRef idx="minor">
+            <a:schemeClr val="lt1"/>
+          </a:fontRef>
+        </p:style>
+        <p:txBody>
+          <a:bodyPr rtlCol="0" anchor="ctr"/>
           <a:lstStyle/>
           <a:p>
-            <a:pPr marL="285750" indent="-285750">
-              <a:buFont typeface="Arial" panose="020B0604020202020204" pitchFamily="34" charset="0"/>
-              <a:buChar char="•"/>
-            </a:pPr>
-            <a:r>
-              <a:rPr lang="en-US" sz="2800"/>
-              <a:t>Log in to GitHub Classroom and Select Your Course Assignment</a:t>
-            </a:r>
-          </a:p>
-          <a:p>
-            <a:pPr marL="742950" lvl="1" indent="-285750">
-              <a:buFont typeface="Arial" panose="020B0604020202020204" pitchFamily="34" charset="0"/>
-              <a:buChar char="•"/>
-            </a:pPr>
-            <a:r>
-              <a:rPr lang="en-US" sz="2800"/>
-              <a:t>https://classroom.github.com/classrooms</a:t>
+            <a:pPr algn="ctr"/>
+            <a:endParaRPr lang="en-US"/>
+          </a:p>
+        </p:txBody>
+      </p:sp>
+      <p:sp>
+        <p:nvSpPr>
+          <p:cNvPr id="14" name="Content Placeholder 5">
+            <a:extLst>
+              <a:ext uri="{FF2B5EF4-FFF2-40B4-BE49-F238E27FC236}">
+                <a16:creationId xmlns:a16="http://schemas.microsoft.com/office/drawing/2014/main" id="{015C64B4-5E5D-9DA1-9DDA-A16470CB7840}"/>
+              </a:ext>
+            </a:extLst>
+          </p:cNvPr>
+          <p:cNvSpPr>
+            <a:spLocks noGrp="1"/>
+          </p:cNvSpPr>
+          <p:nvPr>
+            <p:ph idx="1"/>
+          </p:nvPr>
+        </p:nvSpPr>
+        <p:spPr>
+          <a:xfrm>
+            <a:off x="993732" y="1320391"/>
+            <a:ext cx="4471467" cy="4132056"/>
+          </a:xfrm>
+        </p:spPr>
+        <p:txBody>
+          <a:bodyPr/>
+          <a:lstStyle/>
+          <a:p>
+            <a:r>
+              <a:rPr lang="en-US"/>
+              <a:t>Name the repo and set it to Public</a:t>
             </a:r>
           </a:p>
         </p:txBody>
@@ -4466,7 +4366,7 @@
     </p:spTree>
     <p:extLst>
       <p:ext uri="{BB962C8B-B14F-4D97-AF65-F5344CB8AC3E}">
-        <p14:creationId xmlns:p14="http://schemas.microsoft.com/office/powerpoint/2010/main" val="4053734894"/>
+        <p14:creationId xmlns:p14="http://schemas.microsoft.com/office/powerpoint/2010/main" val="1910493517"/>
       </p:ext>
     </p:extLst>
   </p:cSld>
@@ -4495,10 +4395,10 @@
       </p:grpSpPr>
       <p:sp>
         <p:nvSpPr>
-          <p:cNvPr id="4" name="Title 3">
-            <a:extLst>
-              <a:ext uri="{FF2B5EF4-FFF2-40B4-BE49-F238E27FC236}">
-                <a16:creationId xmlns:a16="http://schemas.microsoft.com/office/drawing/2014/main" id="{14D470DA-3582-C890-F21A-EB95E0DFF854}"/>
+          <p:cNvPr id="2" name="Title 1">
+            <a:extLst>
+              <a:ext uri="{FF2B5EF4-FFF2-40B4-BE49-F238E27FC236}">
+                <a16:creationId xmlns:a16="http://schemas.microsoft.com/office/drawing/2014/main" id="{0E5E0E14-EF30-4D17-8457-8E5D1E9495F7}"/>
               </a:ext>
             </a:extLst>
           </p:cNvPr>
@@ -4511,115 +4411,36 @@
         </p:nvSpPr>
         <p:spPr>
           <a:xfrm>
-            <a:off x="1109122" y="1023476"/>
-            <a:ext cx="6560497" cy="683955"/>
+            <a:off x="838200" y="365125"/>
+            <a:ext cx="10515600" cy="605161"/>
           </a:xfrm>
         </p:spPr>
         <p:txBody>
           <a:bodyPr>
-            <a:normAutofit/>
+            <a:normAutofit fontScale="90000"/>
           </a:bodyPr>
           <a:lstStyle/>
           <a:p>
-            <a:pPr marL="227013" indent="-227013">
-              <a:buFont typeface="Arial" panose="020B0604020202020204" pitchFamily="34" charset="0"/>
-              <a:buChar char="•"/>
-            </a:pPr>
-            <a:r>
-              <a:rPr lang="en-US" sz="2800" dirty="0">
-                <a:latin typeface="Calibri (Body)"/>
-                <a:ea typeface="+mn-ea"/>
-                <a:cs typeface="+mn-cs"/>
-              </a:rPr>
-              <a:t>Select</a:t>
-            </a:r>
-            <a:r>
-              <a:rPr lang="en-US" sz="4000" dirty="0">
-                <a:latin typeface="Calibri (Body)"/>
-              </a:rPr>
-              <a:t> </a:t>
-            </a:r>
-            <a:r>
-              <a:rPr lang="en-US" sz="2800" dirty="0">
-                <a:latin typeface="Calibri (Body)"/>
-                <a:ea typeface="+mn-ea"/>
-                <a:cs typeface="+mn-cs"/>
-              </a:rPr>
-              <a:t>the "Go to repo" Icon</a:t>
-            </a:r>
-          </a:p>
-        </p:txBody>
-      </p:sp>
-      <p:sp>
-        <p:nvSpPr>
-          <p:cNvPr id="2" name="Title 3">
-            <a:extLst>
-              <a:ext uri="{FF2B5EF4-FFF2-40B4-BE49-F238E27FC236}">
-                <a16:creationId xmlns:a16="http://schemas.microsoft.com/office/drawing/2014/main" id="{2C5BA1B7-CD71-52D9-9E71-1634FCE42F21}"/>
-              </a:ext>
-            </a:extLst>
-          </p:cNvPr>
-          <p:cNvSpPr txBox="1">
-            <a:spLocks/>
-          </p:cNvSpPr>
-          <p:nvPr/>
-        </p:nvSpPr>
-        <p:spPr>
-          <a:xfrm>
-            <a:off x="838200" y="137997"/>
-            <a:ext cx="10515600" cy="885479"/>
-          </a:xfrm>
-          <a:prstGeom prst="rect">
-            <a:avLst/>
-          </a:prstGeom>
-        </p:spPr>
-        <p:txBody>
-          <a:bodyPr vert="horz" lIns="91440" tIns="45720" rIns="91440" bIns="45720" rtlCol="0" anchor="ctr">
-            <a:normAutofit/>
-          </a:bodyPr>
-          <a:lstStyle>
-            <a:lvl1pPr algn="l" defTabSz="914400" rtl="0" eaLnBrk="1" latinLnBrk="0" hangingPunct="1">
-              <a:lnSpc>
-                <a:spcPct val="90000"/>
-              </a:lnSpc>
-              <a:spcBef>
-                <a:spcPct val="0"/>
-              </a:spcBef>
-              <a:buNone/>
-              <a:defRPr sz="4400" kern="1200">
-                <a:solidFill>
-                  <a:schemeClr val="tx1"/>
-                </a:solidFill>
-                <a:latin typeface="+mj-lt"/>
-                <a:ea typeface="+mj-ea"/>
-                <a:cs typeface="+mj-cs"/>
-              </a:defRPr>
-            </a:lvl1pPr>
-          </a:lstStyle>
-          <a:p>
-            <a:r>
-              <a:rPr lang="en-US" sz="4000"/>
-              <a:t>Grading Assignments</a:t>
-            </a:r>
-            <a:endParaRPr lang="en-US" sz="4000" dirty="0"/>
+            <a:r>
+              <a:rPr lang="en-US"/>
+              <a:t>Creating Assignments</a:t>
+            </a:r>
           </a:p>
         </p:txBody>
       </p:sp>
       <p:pic>
         <p:nvPicPr>
-          <p:cNvPr id="10" name="Content Placeholder 9">
-            <a:extLst>
-              <a:ext uri="{FF2B5EF4-FFF2-40B4-BE49-F238E27FC236}">
-                <a16:creationId xmlns:a16="http://schemas.microsoft.com/office/drawing/2014/main" id="{AF34A634-7131-D818-FEA5-A5E01540924E}"/>
+          <p:cNvPr id="11" name="Picture 10">
+            <a:extLst>
+              <a:ext uri="{FF2B5EF4-FFF2-40B4-BE49-F238E27FC236}">
+                <a16:creationId xmlns:a16="http://schemas.microsoft.com/office/drawing/2014/main" id="{57CF4608-FE17-D325-AA55-6D748809A537}"/>
               </a:ext>
             </a:extLst>
           </p:cNvPr>
           <p:cNvPicPr>
-            <a:picLocks noGrp="1" noChangeAspect="1"/>
+            <a:picLocks noChangeAspect="1"/>
           </p:cNvPicPr>
-          <p:nvPr>
-            <p:ph idx="1"/>
-          </p:nvPr>
+          <p:nvPr/>
         </p:nvPicPr>
         <p:blipFill>
           <a:blip r:embed="rId2"/>
@@ -4629,17 +4450,66 @@
         </p:blipFill>
         <p:spPr>
           <a:xfrm>
-            <a:off x="1320128" y="1839852"/>
-            <a:ext cx="8705646" cy="3844741"/>
-          </a:xfrm>
+            <a:off x="5699343" y="970286"/>
+            <a:ext cx="6231338" cy="4774992"/>
+          </a:xfrm>
+          <a:prstGeom prst="rect">
+            <a:avLst/>
+          </a:prstGeom>
+          <a:ln>
+            <a:solidFill>
+              <a:schemeClr val="tx2">
+                <a:lumMod val="50000"/>
+              </a:schemeClr>
+            </a:solidFill>
+          </a:ln>
         </p:spPr>
       </p:pic>
       <p:sp>
         <p:nvSpPr>
-          <p:cNvPr id="8" name="Oval 7">
-            <a:extLst>
-              <a:ext uri="{FF2B5EF4-FFF2-40B4-BE49-F238E27FC236}">
-                <a16:creationId xmlns:a16="http://schemas.microsoft.com/office/drawing/2014/main" id="{E12202BA-2B9C-F868-22E0-1C0F7DCDA006}"/>
+          <p:cNvPr id="14" name="Content Placeholder 5">
+            <a:extLst>
+              <a:ext uri="{FF2B5EF4-FFF2-40B4-BE49-F238E27FC236}">
+                <a16:creationId xmlns:a16="http://schemas.microsoft.com/office/drawing/2014/main" id="{015C64B4-5E5D-9DA1-9DDA-A16470CB7840}"/>
+              </a:ext>
+            </a:extLst>
+          </p:cNvPr>
+          <p:cNvSpPr>
+            <a:spLocks noGrp="1"/>
+          </p:cNvSpPr>
+          <p:nvPr>
+            <p:ph idx="1"/>
+          </p:nvPr>
+        </p:nvSpPr>
+        <p:spPr>
+          <a:xfrm>
+            <a:off x="993732" y="1320391"/>
+            <a:ext cx="4471467" cy="4132056"/>
+          </a:xfrm>
+        </p:spPr>
+        <p:txBody>
+          <a:bodyPr/>
+          <a:lstStyle/>
+          <a:p>
+            <a:r>
+              <a:rPr lang="en-US"/>
+              <a:t>The repo needs to be a template:</a:t>
+            </a:r>
+          </a:p>
+          <a:p>
+            <a:r>
+              <a:rPr lang="en-US"/>
+              <a:t>Select the Settings tab</a:t>
+            </a:r>
+          </a:p>
+        </p:txBody>
+      </p:sp>
+      <p:sp>
+        <p:nvSpPr>
+          <p:cNvPr id="3" name="Oval 2">
+            <a:extLst>
+              <a:ext uri="{FF2B5EF4-FFF2-40B4-BE49-F238E27FC236}">
+                <a16:creationId xmlns:a16="http://schemas.microsoft.com/office/drawing/2014/main" id="{77A29401-3BD3-371D-92F6-904166FF5C4A}"/>
               </a:ext>
             </a:extLst>
           </p:cNvPr>
@@ -4648,8 +4518,8 @@
         </p:nvSpPr>
         <p:spPr>
           <a:xfrm>
-            <a:off x="8401285" y="4868307"/>
-            <a:ext cx="2241177" cy="555811"/>
+            <a:off x="9832933" y="1227551"/>
+            <a:ext cx="1014608" cy="513567"/>
           </a:xfrm>
           <a:prstGeom prst="ellipse">
             <a:avLst/>
@@ -4682,14 +4552,14 @@
           <a:lstStyle/>
           <a:p>
             <a:pPr algn="ctr"/>
-            <a:endParaRPr lang="en-US" dirty="0"/>
+            <a:endParaRPr lang="en-US"/>
           </a:p>
         </p:txBody>
       </p:sp>
     </p:spTree>
     <p:extLst>
       <p:ext uri="{BB962C8B-B14F-4D97-AF65-F5344CB8AC3E}">
-        <p14:creationId xmlns:p14="http://schemas.microsoft.com/office/powerpoint/2010/main" val="1631127244"/>
+        <p14:creationId xmlns:p14="http://schemas.microsoft.com/office/powerpoint/2010/main" val="485405561"/>
       </p:ext>
     </p:extLst>
   </p:cSld>
@@ -4716,12 +4586,88 @@
           <a:chExt cx="0" cy="0"/>
         </a:xfrm>
       </p:grpSpPr>
+      <p:sp>
+        <p:nvSpPr>
+          <p:cNvPr id="2" name="Title 1">
+            <a:extLst>
+              <a:ext uri="{FF2B5EF4-FFF2-40B4-BE49-F238E27FC236}">
+                <a16:creationId xmlns:a16="http://schemas.microsoft.com/office/drawing/2014/main" id="{0E5E0E14-EF30-4D17-8457-8E5D1E9495F7}"/>
+              </a:ext>
+            </a:extLst>
+          </p:cNvPr>
+          <p:cNvSpPr>
+            <a:spLocks noGrp="1"/>
+          </p:cNvSpPr>
+          <p:nvPr>
+            <p:ph type="title"/>
+          </p:nvPr>
+        </p:nvSpPr>
+        <p:spPr>
+          <a:xfrm>
+            <a:off x="838200" y="365125"/>
+            <a:ext cx="10515600" cy="605161"/>
+          </a:xfrm>
+        </p:spPr>
+        <p:txBody>
+          <a:bodyPr>
+            <a:normAutofit fontScale="90000"/>
+          </a:bodyPr>
+          <a:lstStyle/>
+          <a:p>
+            <a:r>
+              <a:rPr lang="en-US"/>
+              <a:t>Creating Assignments</a:t>
+            </a:r>
+          </a:p>
+        </p:txBody>
+      </p:sp>
+      <p:sp>
+        <p:nvSpPr>
+          <p:cNvPr id="14" name="Content Placeholder 5">
+            <a:extLst>
+              <a:ext uri="{FF2B5EF4-FFF2-40B4-BE49-F238E27FC236}">
+                <a16:creationId xmlns:a16="http://schemas.microsoft.com/office/drawing/2014/main" id="{015C64B4-5E5D-9DA1-9DDA-A16470CB7840}"/>
+              </a:ext>
+            </a:extLst>
+          </p:cNvPr>
+          <p:cNvSpPr>
+            <a:spLocks noGrp="1"/>
+          </p:cNvSpPr>
+          <p:nvPr>
+            <p:ph idx="1"/>
+          </p:nvPr>
+        </p:nvSpPr>
+        <p:spPr>
+          <a:xfrm>
+            <a:off x="993732" y="1077238"/>
+            <a:ext cx="9753600" cy="4375209"/>
+          </a:xfrm>
+        </p:spPr>
+        <p:txBody>
+          <a:bodyPr>
+            <a:normAutofit/>
+          </a:bodyPr>
+          <a:lstStyle/>
+          <a:p>
+            <a:r>
+              <a:rPr lang="en-US" sz="2400"/>
+              <a:t>The repo needs to be a template</a:t>
+            </a:r>
+          </a:p>
+          <a:p>
+            <a:r>
+              <a:rPr lang="en-US" sz="2400"/>
+              <a:t>After creating the repo, select the Settings tab</a:t>
+            </a:r>
+          </a:p>
+        </p:txBody>
+      </p:sp>
       <p:pic>
         <p:nvPicPr>
-          <p:cNvPr id="11" name="Content Placeholder 5">
-            <a:extLst>
-              <a:ext uri="{FF2B5EF4-FFF2-40B4-BE49-F238E27FC236}">
-                <a16:creationId xmlns:a16="http://schemas.microsoft.com/office/drawing/2014/main" id="{458A8510-5D54-3347-4FBF-BF1944D25FB3}"/>
+          <p:cNvPr id="5" name="Picture 4">
+            <a:extLst>
+              <a:ext uri="{FF2B5EF4-FFF2-40B4-BE49-F238E27FC236}">
+                <a16:creationId xmlns:a16="http://schemas.microsoft.com/office/drawing/2014/main" id="{5E5631CB-3CE9-9F16-BD58-034AA5E31355}"/>
               </a:ext>
             </a:extLst>
           </p:cNvPr>
@@ -4738,20 +4684,27 @@
         </p:blipFill>
         <p:spPr>
           <a:xfrm>
-            <a:off x="1552353" y="1809832"/>
-            <a:ext cx="8584924" cy="4116385"/>
+            <a:off x="2389460" y="2234022"/>
+            <a:ext cx="7914121" cy="3467191"/>
           </a:xfrm>
           <a:prstGeom prst="rect">
             <a:avLst/>
           </a:prstGeom>
+          <a:ln>
+            <a:solidFill>
+              <a:schemeClr val="tx2">
+                <a:lumMod val="50000"/>
+              </a:schemeClr>
+            </a:solidFill>
+          </a:ln>
         </p:spPr>
       </p:pic>
       <p:sp>
         <p:nvSpPr>
-          <p:cNvPr id="8" name="Oval 7">
-            <a:extLst>
-              <a:ext uri="{FF2B5EF4-FFF2-40B4-BE49-F238E27FC236}">
-                <a16:creationId xmlns:a16="http://schemas.microsoft.com/office/drawing/2014/main" id="{E12202BA-2B9C-F868-22E0-1C0F7DCDA006}"/>
+          <p:cNvPr id="3" name="Oval 2">
+            <a:extLst>
+              <a:ext uri="{FF2B5EF4-FFF2-40B4-BE49-F238E27FC236}">
+                <a16:creationId xmlns:a16="http://schemas.microsoft.com/office/drawing/2014/main" id="{77A29401-3BD3-371D-92F6-904166FF5C4A}"/>
               </a:ext>
             </a:extLst>
           </p:cNvPr>
@@ -4760,8 +4713,8 @@
         </p:nvSpPr>
         <p:spPr>
           <a:xfrm>
-            <a:off x="6947646" y="3236362"/>
-            <a:ext cx="842682" cy="519952"/>
+            <a:off x="7822506" y="2507017"/>
+            <a:ext cx="1014608" cy="513567"/>
           </a:xfrm>
           <a:prstGeom prst="ellipse">
             <a:avLst/>
@@ -4794,134 +4747,14 @@
           <a:lstStyle/>
           <a:p>
             <a:pPr algn="ctr"/>
-            <a:endParaRPr lang="en-US" dirty="0"/>
-          </a:p>
-        </p:txBody>
-      </p:sp>
-      <p:sp>
-        <p:nvSpPr>
-          <p:cNvPr id="2" name="Title 3">
-            <a:extLst>
-              <a:ext uri="{FF2B5EF4-FFF2-40B4-BE49-F238E27FC236}">
-                <a16:creationId xmlns:a16="http://schemas.microsoft.com/office/drawing/2014/main" id="{EB7C3A43-9E60-CBCF-56EE-224EE022469D}"/>
-              </a:ext>
-            </a:extLst>
-          </p:cNvPr>
-          <p:cNvSpPr txBox="1">
-            <a:spLocks/>
-          </p:cNvSpPr>
-          <p:nvPr/>
-        </p:nvSpPr>
-        <p:spPr>
-          <a:xfrm>
-            <a:off x="958703" y="1057217"/>
-            <a:ext cx="8993371" cy="683955"/>
-          </a:xfrm>
-          <a:prstGeom prst="rect">
-            <a:avLst/>
-          </a:prstGeom>
-        </p:spPr>
-        <p:txBody>
-          <a:bodyPr vert="horz" lIns="91440" tIns="45720" rIns="91440" bIns="45720" rtlCol="0" anchor="ctr">
-            <a:normAutofit/>
-          </a:bodyPr>
-          <a:lstStyle>
-            <a:lvl1pPr algn="l" defTabSz="914400" rtl="0" eaLnBrk="1" latinLnBrk="0" hangingPunct="1">
-              <a:lnSpc>
-                <a:spcPct val="90000"/>
-              </a:lnSpc>
-              <a:spcBef>
-                <a:spcPct val="0"/>
-              </a:spcBef>
-              <a:buNone/>
-              <a:defRPr sz="4400" kern="1200">
-                <a:solidFill>
-                  <a:schemeClr val="tx1"/>
-                </a:solidFill>
-                <a:latin typeface="+mj-lt"/>
-                <a:ea typeface="+mj-ea"/>
-                <a:cs typeface="+mj-cs"/>
-              </a:defRPr>
-            </a:lvl1pPr>
-          </a:lstStyle>
-          <a:p>
-            <a:pPr marL="227013" indent="-227013">
-              <a:buFont typeface="Arial" panose="020B0604020202020204" pitchFamily="34" charset="0"/>
-              <a:buChar char="•"/>
-            </a:pPr>
-            <a:r>
-              <a:rPr lang="en-US" sz="2800">
-                <a:latin typeface="+mn-lt"/>
-              </a:rPr>
-              <a:t>Select "Code" For Download/Access Options</a:t>
-            </a:r>
-            <a:endParaRPr lang="en-US" sz="2800" dirty="0">
-              <a:latin typeface="+mn-lt"/>
-              <a:ea typeface="+mn-ea"/>
-              <a:cs typeface="+mn-cs"/>
-            </a:endParaRPr>
-          </a:p>
-        </p:txBody>
-      </p:sp>
-      <p:sp>
-        <p:nvSpPr>
-          <p:cNvPr id="6" name="Title 3">
-            <a:extLst>
-              <a:ext uri="{FF2B5EF4-FFF2-40B4-BE49-F238E27FC236}">
-                <a16:creationId xmlns:a16="http://schemas.microsoft.com/office/drawing/2014/main" id="{8C9FB336-A0B3-98A6-908B-9AB1449E64B0}"/>
-              </a:ext>
-            </a:extLst>
-          </p:cNvPr>
-          <p:cNvSpPr txBox="1">
-            <a:spLocks/>
-          </p:cNvSpPr>
-          <p:nvPr/>
-        </p:nvSpPr>
-        <p:spPr>
-          <a:xfrm>
-            <a:off x="838200" y="137997"/>
-            <a:ext cx="10515600" cy="885479"/>
-          </a:xfrm>
-          <a:prstGeom prst="rect">
-            <a:avLst/>
-          </a:prstGeom>
-        </p:spPr>
-        <p:txBody>
-          <a:bodyPr vert="horz" lIns="91440" tIns="45720" rIns="91440" bIns="45720" rtlCol="0" anchor="ctr">
-            <a:normAutofit/>
-          </a:bodyPr>
-          <a:lstStyle>
-            <a:lvl1pPr algn="l" defTabSz="914400" rtl="0" eaLnBrk="1" latinLnBrk="0" hangingPunct="1">
-              <a:lnSpc>
-                <a:spcPct val="90000"/>
-              </a:lnSpc>
-              <a:spcBef>
-                <a:spcPct val="0"/>
-              </a:spcBef>
-              <a:buNone/>
-              <a:defRPr sz="4400" kern="1200">
-                <a:solidFill>
-                  <a:schemeClr val="tx1"/>
-                </a:solidFill>
-                <a:latin typeface="+mj-lt"/>
-                <a:ea typeface="+mj-ea"/>
-                <a:cs typeface="+mj-cs"/>
-              </a:defRPr>
-            </a:lvl1pPr>
-          </a:lstStyle>
-          <a:p>
-            <a:r>
-              <a:rPr lang="en-US" sz="4000"/>
-              <a:t>Grading Assignments</a:t>
-            </a:r>
-            <a:endParaRPr lang="en-US" sz="4000" dirty="0"/>
+            <a:endParaRPr lang="en-US"/>
           </a:p>
         </p:txBody>
       </p:sp>
     </p:spTree>
     <p:extLst>
       <p:ext uri="{BB962C8B-B14F-4D97-AF65-F5344CB8AC3E}">
-        <p14:creationId xmlns:p14="http://schemas.microsoft.com/office/powerpoint/2010/main" val="1171277466"/>
+        <p14:creationId xmlns:p14="http://schemas.microsoft.com/office/powerpoint/2010/main" val="1297785581"/>
       </p:ext>
     </p:extLst>
   </p:cSld>
@@ -4950,10 +4783,10 @@
       </p:grpSpPr>
       <p:sp>
         <p:nvSpPr>
-          <p:cNvPr id="4" name="Title 3">
-            <a:extLst>
-              <a:ext uri="{FF2B5EF4-FFF2-40B4-BE49-F238E27FC236}">
-                <a16:creationId xmlns:a16="http://schemas.microsoft.com/office/drawing/2014/main" id="{14D470DA-3582-C890-F21A-EB95E0DFF854}"/>
+          <p:cNvPr id="2" name="Title 1">
+            <a:extLst>
+              <a:ext uri="{FF2B5EF4-FFF2-40B4-BE49-F238E27FC236}">
+                <a16:creationId xmlns:a16="http://schemas.microsoft.com/office/drawing/2014/main" id="{0E5E0E14-EF30-4D17-8457-8E5D1E9495F7}"/>
               </a:ext>
             </a:extLst>
           </p:cNvPr>
@@ -4966,8 +4799,43 @@
         </p:nvSpPr>
         <p:spPr>
           <a:xfrm>
-            <a:off x="838201" y="173876"/>
-            <a:ext cx="10833847" cy="979581"/>
+            <a:off x="838200" y="365125"/>
+            <a:ext cx="10515600" cy="605161"/>
+          </a:xfrm>
+        </p:spPr>
+        <p:txBody>
+          <a:bodyPr>
+            <a:normAutofit fontScale="90000"/>
+          </a:bodyPr>
+          <a:lstStyle/>
+          <a:p>
+            <a:r>
+              <a:rPr lang="en-US"/>
+              <a:t>Creating Assignments</a:t>
+            </a:r>
+          </a:p>
+        </p:txBody>
+      </p:sp>
+      <p:sp>
+        <p:nvSpPr>
+          <p:cNvPr id="14" name="Content Placeholder 5">
+            <a:extLst>
+              <a:ext uri="{FF2B5EF4-FFF2-40B4-BE49-F238E27FC236}">
+                <a16:creationId xmlns:a16="http://schemas.microsoft.com/office/drawing/2014/main" id="{015C64B4-5E5D-9DA1-9DDA-A16470CB7840}"/>
+              </a:ext>
+            </a:extLst>
+          </p:cNvPr>
+          <p:cNvSpPr>
+            <a:spLocks noGrp="1"/>
+          </p:cNvSpPr>
+          <p:nvPr>
+            <p:ph idx="1"/>
+          </p:nvPr>
+        </p:nvSpPr>
+        <p:spPr>
+          <a:xfrm>
+            <a:off x="993732" y="1077238"/>
+            <a:ext cx="9753600" cy="4375209"/>
           </a:xfrm>
         </p:spPr>
         <p:txBody>
@@ -4977,19 +4845,18 @@
           <a:lstStyle/>
           <a:p>
             <a:r>
-              <a:rPr lang="en-US" sz="4000"/>
-              <a:t>Grading Assignments</a:t>
-            </a:r>
-            <a:endParaRPr lang="en-US" sz="4000" dirty="0"/>
+              <a:rPr lang="en-US" sz="2400"/>
+              <a:t>On the Settings page, check the Template repository box </a:t>
+            </a:r>
           </a:p>
         </p:txBody>
       </p:sp>
       <p:pic>
         <p:nvPicPr>
-          <p:cNvPr id="3" name="Picture 2">
-            <a:extLst>
-              <a:ext uri="{FF2B5EF4-FFF2-40B4-BE49-F238E27FC236}">
-                <a16:creationId xmlns:a16="http://schemas.microsoft.com/office/drawing/2014/main" id="{8C39DEC7-F079-9489-8025-766D80552023}"/>
+          <p:cNvPr id="6" name="Picture 5">
+            <a:extLst>
+              <a:ext uri="{FF2B5EF4-FFF2-40B4-BE49-F238E27FC236}">
+                <a16:creationId xmlns:a16="http://schemas.microsoft.com/office/drawing/2014/main" id="{498B4013-C57E-FCC0-5752-232C726FF81C}"/>
               </a:ext>
             </a:extLst>
           </p:cNvPr>
@@ -5006,130 +4873,77 @@
         </p:blipFill>
         <p:spPr>
           <a:xfrm>
-            <a:off x="6385297" y="1107295"/>
-            <a:ext cx="5286751" cy="4682028"/>
+            <a:off x="1261594" y="1669692"/>
+            <a:ext cx="10400891" cy="3889707"/>
           </a:xfrm>
           <a:prstGeom prst="rect">
             <a:avLst/>
           </a:prstGeom>
+          <a:ln>
+            <a:solidFill>
+              <a:schemeClr val="tx2">
+                <a:lumMod val="50000"/>
+              </a:schemeClr>
+            </a:solidFill>
+          </a:ln>
         </p:spPr>
       </p:pic>
       <p:sp>
         <p:nvSpPr>
-          <p:cNvPr id="2" name="Title 3">
-            <a:extLst>
-              <a:ext uri="{FF2B5EF4-FFF2-40B4-BE49-F238E27FC236}">
-                <a16:creationId xmlns:a16="http://schemas.microsoft.com/office/drawing/2014/main" id="{36E9363A-A50E-1D41-0543-F162B66C90B4}"/>
-              </a:ext>
-            </a:extLst>
-          </p:cNvPr>
-          <p:cNvSpPr txBox="1">
-            <a:spLocks/>
-          </p:cNvSpPr>
+          <p:cNvPr id="3" name="Oval 2">
+            <a:extLst>
+              <a:ext uri="{FF2B5EF4-FFF2-40B4-BE49-F238E27FC236}">
+                <a16:creationId xmlns:a16="http://schemas.microsoft.com/office/drawing/2014/main" id="{77A29401-3BD3-371D-92F6-904166FF5C4A}"/>
+              </a:ext>
+            </a:extLst>
+          </p:cNvPr>
+          <p:cNvSpPr/>
           <p:nvPr/>
         </p:nvSpPr>
         <p:spPr>
           <a:xfrm>
-            <a:off x="391886" y="1874905"/>
-            <a:ext cx="5801445" cy="2581835"/>
-          </a:xfrm>
-          <a:prstGeom prst="rect">
+            <a:off x="4246325" y="3978825"/>
+            <a:ext cx="2098108" cy="480441"/>
+          </a:xfrm>
+          <a:prstGeom prst="ellipse">
             <a:avLst/>
           </a:prstGeom>
-        </p:spPr>
-        <p:txBody>
-          <a:bodyPr vert="horz" lIns="91440" tIns="45720" rIns="91440" bIns="45720" rtlCol="0" anchor="ctr">
-            <a:normAutofit/>
-          </a:bodyPr>
-          <a:lstStyle>
-            <a:lvl1pPr algn="l" defTabSz="914400" rtl="0" eaLnBrk="1" latinLnBrk="0" hangingPunct="1">
-              <a:lnSpc>
-                <a:spcPct val="90000"/>
-              </a:lnSpc>
-              <a:spcBef>
-                <a:spcPct val="0"/>
-              </a:spcBef>
-              <a:buNone/>
-              <a:defRPr sz="4400" kern="1200">
-                <a:solidFill>
-                  <a:schemeClr val="tx1"/>
-                </a:solidFill>
-                <a:latin typeface="+mj-lt"/>
-                <a:ea typeface="+mj-ea"/>
-                <a:cs typeface="+mj-cs"/>
-              </a:defRPr>
-            </a:lvl1pPr>
-          </a:lstStyle>
-          <a:p>
-            <a:pPr marL="227013" indent="-227013">
-              <a:buFont typeface="Arial" panose="020B0604020202020204" pitchFamily="34" charset="0"/>
-              <a:buChar char="•"/>
-            </a:pPr>
-            <a:r>
-              <a:rPr lang="en-US" sz="3200">
-                <a:latin typeface="Calibri (Body)"/>
-              </a:rPr>
-              <a:t>Choose Your Preferred Option</a:t>
-            </a:r>
-            <a:endParaRPr lang="en-US" sz="3200">
-              <a:latin typeface="Calibri (Body)"/>
-              <a:ea typeface="+mn-ea"/>
-              <a:cs typeface="+mn-cs"/>
-            </a:endParaRPr>
-          </a:p>
-          <a:p>
-            <a:pPr marL="684213" lvl="1" indent="-227013">
-              <a:buFont typeface="Arial" panose="020B0604020202020204" pitchFamily="34" charset="0"/>
-              <a:buChar char="•"/>
-            </a:pPr>
-            <a:r>
-              <a:rPr lang="en-US" sz="2800">
-                <a:latin typeface="Calibri (Body)"/>
-                <a:ea typeface="+mn-ea"/>
-                <a:cs typeface="+mn-cs"/>
-              </a:rPr>
-              <a:t>Clone the student repo</a:t>
-            </a:r>
-          </a:p>
-          <a:p>
-            <a:pPr marL="684213" lvl="1" indent="-227013">
-              <a:buFont typeface="Arial" panose="020B0604020202020204" pitchFamily="34" charset="0"/>
-              <a:buChar char="•"/>
-            </a:pPr>
-            <a:r>
-              <a:rPr lang="en-US" sz="2800">
-                <a:latin typeface="Calibri (Body)"/>
-                <a:ea typeface="+mn-ea"/>
-                <a:cs typeface="+mn-cs"/>
-              </a:rPr>
-              <a:t>Open with GH Desktop</a:t>
-            </a:r>
-          </a:p>
-          <a:p>
-            <a:pPr marL="684213" lvl="1" indent="-227013">
-              <a:buFont typeface="Arial" panose="020B0604020202020204" pitchFamily="34" charset="0"/>
-              <a:buChar char="•"/>
-            </a:pPr>
-            <a:r>
-              <a:rPr lang="en-US" sz="2800">
-                <a:latin typeface="Calibri (Body)"/>
-                <a:ea typeface="+mn-ea"/>
-                <a:cs typeface="+mn-cs"/>
-              </a:rPr>
-              <a:t>Download Zip</a:t>
-            </a:r>
-            <a:endParaRPr lang="en-US" sz="2800" dirty="0">
-              <a:latin typeface="Calibri (Body)"/>
-              <a:ea typeface="+mn-ea"/>
-              <a:cs typeface="+mn-cs"/>
-            </a:endParaRPr>
+          <a:noFill/>
+          <a:ln w="38100">
+            <a:solidFill>
+              <a:srgbClr val="FF0000"/>
+            </a:solidFill>
+          </a:ln>
+        </p:spPr>
+        <p:style>
+          <a:lnRef idx="2">
+            <a:schemeClr val="accent1">
+              <a:shade val="50000"/>
+            </a:schemeClr>
+          </a:lnRef>
+          <a:fillRef idx="1">
+            <a:schemeClr val="accent1"/>
+          </a:fillRef>
+          <a:effectRef idx="0">
+            <a:schemeClr val="accent1"/>
+          </a:effectRef>
+          <a:fontRef idx="minor">
+            <a:schemeClr val="lt1"/>
+          </a:fontRef>
+        </p:style>
+        <p:txBody>
+          <a:bodyPr rtlCol="0" anchor="ctr"/>
+          <a:lstStyle/>
+          <a:p>
+            <a:pPr algn="ctr"/>
+            <a:endParaRPr lang="en-US"/>
           </a:p>
         </p:txBody>
       </p:sp>
     </p:spTree>
     <p:extLst>
       <p:ext uri="{BB962C8B-B14F-4D97-AF65-F5344CB8AC3E}">
-        <p14:creationId xmlns:p14="http://schemas.microsoft.com/office/powerpoint/2010/main" val="3444391175"/>
+        <p14:creationId xmlns:p14="http://schemas.microsoft.com/office/powerpoint/2010/main" val="3198848033"/>
       </p:ext>
     </p:extLst>
   </p:cSld>
@@ -5158,10 +4972,10 @@
       </p:grpSpPr>
       <p:sp>
         <p:nvSpPr>
-          <p:cNvPr id="4" name="Title 3">
-            <a:extLst>
-              <a:ext uri="{FF2B5EF4-FFF2-40B4-BE49-F238E27FC236}">
-                <a16:creationId xmlns:a16="http://schemas.microsoft.com/office/drawing/2014/main" id="{14D470DA-3582-C890-F21A-EB95E0DFF854}"/>
+          <p:cNvPr id="2" name="Title 1">
+            <a:extLst>
+              <a:ext uri="{FF2B5EF4-FFF2-40B4-BE49-F238E27FC236}">
+                <a16:creationId xmlns:a16="http://schemas.microsoft.com/office/drawing/2014/main" id="{0E5E0E14-EF30-4D17-8457-8E5D1E9495F7}"/>
               </a:ext>
             </a:extLst>
           </p:cNvPr>
@@ -5174,8 +4988,43 @@
         </p:nvSpPr>
         <p:spPr>
           <a:xfrm>
-            <a:off x="1046836" y="1153457"/>
-            <a:ext cx="9380159" cy="639339"/>
+            <a:off x="838200" y="365125"/>
+            <a:ext cx="10515600" cy="605161"/>
+          </a:xfrm>
+        </p:spPr>
+        <p:txBody>
+          <a:bodyPr>
+            <a:normAutofit fontScale="90000"/>
+          </a:bodyPr>
+          <a:lstStyle/>
+          <a:p>
+            <a:r>
+              <a:rPr lang="en-US"/>
+              <a:t>Creating Assignments</a:t>
+            </a:r>
+          </a:p>
+        </p:txBody>
+      </p:sp>
+      <p:sp>
+        <p:nvSpPr>
+          <p:cNvPr id="14" name="Content Placeholder 5">
+            <a:extLst>
+              <a:ext uri="{FF2B5EF4-FFF2-40B4-BE49-F238E27FC236}">
+                <a16:creationId xmlns:a16="http://schemas.microsoft.com/office/drawing/2014/main" id="{015C64B4-5E5D-9DA1-9DDA-A16470CB7840}"/>
+              </a:ext>
+            </a:extLst>
+          </p:cNvPr>
+          <p:cNvSpPr>
+            <a:spLocks noGrp="1"/>
+          </p:cNvSpPr>
+          <p:nvPr>
+            <p:ph idx="1"/>
+          </p:nvPr>
+        </p:nvSpPr>
+        <p:spPr>
+          <a:xfrm>
+            <a:off x="993732" y="1077238"/>
+            <a:ext cx="9753600" cy="4375209"/>
           </a:xfrm>
         </p:spPr>
         <p:txBody>
@@ -5184,25 +5033,25 @@
           </a:bodyPr>
           <a:lstStyle/>
           <a:p>
-            <a:pPr marL="284163" indent="-284163">
-              <a:buFont typeface="Arial" panose="020B0604020202020204" pitchFamily="34" charset="0"/>
-              <a:buChar char="•"/>
-            </a:pPr>
-            <a:r>
-              <a:rPr lang="en-US" sz="2800" dirty="0">
-                <a:latin typeface="Calibri (Body)"/>
-              </a:rPr>
-              <a:t>Or Use "Go to file" to Go Directly to Desired File</a:t>
+            <a:r>
+              <a:rPr lang="en-US" sz="2400"/>
+              <a:t>Note: there is no "OK", "Submit", or "Commit" button – just checking the Template repository box commits the setting</a:t>
+            </a:r>
+          </a:p>
+          <a:p>
+            <a:r>
+              <a:rPr lang="en-US" sz="2400"/>
+              <a:t>Return to the repo home page and refresh the browser to verify the repo is a "Public template"</a:t>
             </a:r>
           </a:p>
         </p:txBody>
       </p:sp>
       <p:pic>
         <p:nvPicPr>
-          <p:cNvPr id="11" name="Content Placeholder 5">
-            <a:extLst>
-              <a:ext uri="{FF2B5EF4-FFF2-40B4-BE49-F238E27FC236}">
-                <a16:creationId xmlns:a16="http://schemas.microsoft.com/office/drawing/2014/main" id="{458A8510-5D54-3347-4FBF-BF1944D25FB3}"/>
+          <p:cNvPr id="5" name="Picture 4">
+            <a:extLst>
+              <a:ext uri="{FF2B5EF4-FFF2-40B4-BE49-F238E27FC236}">
+                <a16:creationId xmlns:a16="http://schemas.microsoft.com/office/drawing/2014/main" id="{44FDB2FE-B4E0-FDBC-F7DA-A7FAFEF606CA}"/>
               </a:ext>
             </a:extLst>
           </p:cNvPr>
@@ -5219,20 +5068,27 @@
         </p:blipFill>
         <p:spPr>
           <a:xfrm>
-            <a:off x="1352066" y="1737425"/>
-            <a:ext cx="9074929" cy="4351338"/>
+            <a:off x="2875907" y="3064425"/>
+            <a:ext cx="6659699" cy="2388022"/>
           </a:xfrm>
           <a:prstGeom prst="rect">
             <a:avLst/>
           </a:prstGeom>
+          <a:ln>
+            <a:solidFill>
+              <a:schemeClr val="tx2">
+                <a:lumMod val="50000"/>
+              </a:schemeClr>
+            </a:solidFill>
+          </a:ln>
         </p:spPr>
       </p:pic>
       <p:sp>
         <p:nvSpPr>
-          <p:cNvPr id="8" name="Oval 7">
-            <a:extLst>
-              <a:ext uri="{FF2B5EF4-FFF2-40B4-BE49-F238E27FC236}">
-                <a16:creationId xmlns:a16="http://schemas.microsoft.com/office/drawing/2014/main" id="{E12202BA-2B9C-F868-22E0-1C0F7DCDA006}"/>
+          <p:cNvPr id="3" name="Oval 2">
+            <a:extLst>
+              <a:ext uri="{FF2B5EF4-FFF2-40B4-BE49-F238E27FC236}">
+                <a16:creationId xmlns:a16="http://schemas.microsoft.com/office/drawing/2014/main" id="{77A29401-3BD3-371D-92F6-904166FF5C4A}"/>
               </a:ext>
             </a:extLst>
           </p:cNvPr>
@@ -5241,8 +5097,8 @@
         </p:nvSpPr>
         <p:spPr>
           <a:xfrm>
-            <a:off x="5599813" y="3256170"/>
-            <a:ext cx="842682" cy="519952"/>
+            <a:off x="5937340" y="4661493"/>
+            <a:ext cx="2098108" cy="480441"/>
           </a:xfrm>
           <a:prstGeom prst="ellipse">
             <a:avLst/>
@@ -5275,69 +5131,14 @@
           <a:lstStyle/>
           <a:p>
             <a:pPr algn="ctr"/>
-            <a:endParaRPr lang="en-US" dirty="0"/>
-          </a:p>
-        </p:txBody>
-      </p:sp>
-      <p:sp>
-        <p:nvSpPr>
-          <p:cNvPr id="2" name="Title 3">
-            <a:extLst>
-              <a:ext uri="{FF2B5EF4-FFF2-40B4-BE49-F238E27FC236}">
-                <a16:creationId xmlns:a16="http://schemas.microsoft.com/office/drawing/2014/main" id="{D10DF660-D678-95E2-0724-B10EE41958AC}"/>
-              </a:ext>
-            </a:extLst>
-          </p:cNvPr>
-          <p:cNvSpPr txBox="1">
-            <a:spLocks/>
-          </p:cNvSpPr>
-          <p:nvPr/>
-        </p:nvSpPr>
-        <p:spPr>
-          <a:xfrm>
-            <a:off x="838201" y="173876"/>
-            <a:ext cx="10833847" cy="979581"/>
-          </a:xfrm>
-          <a:prstGeom prst="rect">
-            <a:avLst/>
-          </a:prstGeom>
-        </p:spPr>
-        <p:txBody>
-          <a:bodyPr vert="horz" lIns="91440" tIns="45720" rIns="91440" bIns="45720" rtlCol="0" anchor="ctr">
-            <a:normAutofit/>
-          </a:bodyPr>
-          <a:lstStyle>
-            <a:lvl1pPr algn="l" defTabSz="914400" rtl="0" eaLnBrk="1" latinLnBrk="0" hangingPunct="1">
-              <a:lnSpc>
-                <a:spcPct val="90000"/>
-              </a:lnSpc>
-              <a:spcBef>
-                <a:spcPct val="0"/>
-              </a:spcBef>
-              <a:buNone/>
-              <a:defRPr sz="4400" kern="1200">
-                <a:solidFill>
-                  <a:schemeClr val="tx1"/>
-                </a:solidFill>
-                <a:latin typeface="+mj-lt"/>
-                <a:ea typeface="+mj-ea"/>
-                <a:cs typeface="+mj-cs"/>
-              </a:defRPr>
-            </a:lvl1pPr>
-          </a:lstStyle>
-          <a:p>
-            <a:r>
-              <a:rPr lang="en-US" sz="4000"/>
-              <a:t>Grading Assignments</a:t>
-            </a:r>
-            <a:endParaRPr lang="en-US" sz="4000" dirty="0"/>
+            <a:endParaRPr lang="en-US"/>
           </a:p>
         </p:txBody>
       </p:sp>
     </p:spTree>
     <p:extLst>
       <p:ext uri="{BB962C8B-B14F-4D97-AF65-F5344CB8AC3E}">
-        <p14:creationId xmlns:p14="http://schemas.microsoft.com/office/powerpoint/2010/main" val="2100883668"/>
+        <p14:creationId xmlns:p14="http://schemas.microsoft.com/office/powerpoint/2010/main" val="1335768310"/>
       </p:ext>
     </p:extLst>
   </p:cSld>
@@ -5421,13 +5222,33 @@
         </p:spPr>
         <p:txBody>
           <a:bodyPr>
-            <a:normAutofit/>
+            <a:normAutofit fontScale="77500" lnSpcReduction="20000"/>
           </a:bodyPr>
           <a:lstStyle/>
           <a:p>
             <a:r>
               <a:rPr lang="en-US" sz="3200"/>
-              <a:t>The following slides provide information for using GitHub Classroom, which allows the creation of individual classrooms</a:t>
+              <a:t>The presentation provides information for using GitHub Classroom, which allows the creation of individual classrooms and assignments in the context of GitHub</a:t>
+            </a:r>
+          </a:p>
+          <a:p>
+            <a:r>
+              <a:rPr lang="en-US" sz="3200"/>
+              <a:t>Why GitHub? </a:t>
+            </a:r>
+          </a:p>
+          <a:p>
+            <a:pPr lvl="1"/>
+            <a:r>
+              <a:rPr lang="en-US" sz="2800"/>
+              <a:t>GitHub (and Git) are critical components in maintaining versioned repositories of work in data science, software development, and other areas</a:t>
+            </a:r>
+          </a:p>
+          <a:p>
+            <a:pPr lvl="1"/>
+            <a:r>
+              <a:rPr lang="en-US" sz="2800"/>
+              <a:t>Using these tools is an important job skill that students should be familiar with</a:t>
             </a:r>
           </a:p>
           <a:p>
@@ -5440,25 +5261,29 @@
             <a:pPr lvl="1"/>
             <a:r>
               <a:rPr lang="en-US" sz="2800"/>
-              <a:t>Students can be assigned to a specific course's classroom</a:t>
+              <a:t>GitHub Classroom enables instructors to assign and assess individual work while simultaneously providing students with hands-on experience with GitHub</a:t>
             </a:r>
           </a:p>
           <a:p>
             <a:pPr lvl="1"/>
             <a:r>
               <a:rPr lang="en-US" sz="2800"/>
-              <a:t>Repositories created by the instructor can be cloned by students and maintained within the classroom</a:t>
+              <a:t>Assignment repositories created by the instructor can be cloned by students and maintained within the classroom</a:t>
             </a:r>
           </a:p>
           <a:p>
             <a:pPr lvl="1"/>
             <a:r>
               <a:rPr lang="en-US" sz="2800"/>
-              <a:t>By default, student repositories are </a:t>
+              <a:t>Cloned student repositories actually belong to the instructor and are </a:t>
             </a:r>
             <a:r>
               <a:rPr lang="en-US" sz="2800" u="sng"/>
               <a:t>private</a:t>
+            </a:r>
+            <a:r>
+              <a:rPr lang="en-US" sz="2800"/>
+              <a:t> by default</a:t>
             </a:r>
           </a:p>
         </p:txBody>
@@ -5495,10 +5320,10 @@
       </p:grpSpPr>
       <p:sp>
         <p:nvSpPr>
-          <p:cNvPr id="10" name="Title 9">
-            <a:extLst>
-              <a:ext uri="{FF2B5EF4-FFF2-40B4-BE49-F238E27FC236}">
-                <a16:creationId xmlns:a16="http://schemas.microsoft.com/office/drawing/2014/main" id="{02F2D10D-4622-C70D-3824-7788F8C1D975}"/>
+          <p:cNvPr id="2" name="Title 1">
+            <a:extLst>
+              <a:ext uri="{FF2B5EF4-FFF2-40B4-BE49-F238E27FC236}">
+                <a16:creationId xmlns:a16="http://schemas.microsoft.com/office/drawing/2014/main" id="{0E5E0E14-EF30-4D17-8457-8E5D1E9495F7}"/>
               </a:ext>
             </a:extLst>
           </p:cNvPr>
@@ -5511,28 +5336,29 @@
         </p:nvSpPr>
         <p:spPr>
           <a:xfrm>
-            <a:off x="838200" y="353340"/>
-            <a:ext cx="10515600" cy="786529"/>
-          </a:xfrm>
-        </p:spPr>
-        <p:txBody>
-          <a:bodyPr/>
+            <a:off x="838200" y="218773"/>
+            <a:ext cx="10515600" cy="605161"/>
+          </a:xfrm>
+        </p:spPr>
+        <p:txBody>
+          <a:bodyPr>
+            <a:normAutofit fontScale="90000"/>
+          </a:bodyPr>
           <a:lstStyle/>
           <a:p>
             <a:r>
-              <a:rPr lang="en-US" sz="4400"/>
-              <a:t>GitHub Workflows</a:t>
-            </a:r>
-            <a:endParaRPr lang="en-US"/>
-          </a:p>
-        </p:txBody>
-      </p:sp>
-      <p:sp>
-        <p:nvSpPr>
-          <p:cNvPr id="11" name="Content Placeholder 10">
-            <a:extLst>
-              <a:ext uri="{FF2B5EF4-FFF2-40B4-BE49-F238E27FC236}">
-                <a16:creationId xmlns:a16="http://schemas.microsoft.com/office/drawing/2014/main" id="{DB3C99EF-126B-B73D-9611-CA9548B00306}"/>
+              <a:rPr lang="en-US"/>
+              <a:t>Creating Assignments</a:t>
+            </a:r>
+          </a:p>
+        </p:txBody>
+      </p:sp>
+      <p:sp>
+        <p:nvSpPr>
+          <p:cNvPr id="6" name="Content Placeholder 5">
+            <a:extLst>
+              <a:ext uri="{FF2B5EF4-FFF2-40B4-BE49-F238E27FC236}">
+                <a16:creationId xmlns:a16="http://schemas.microsoft.com/office/drawing/2014/main" id="{F38D595B-A938-4095-9B2C-B71EB9620166}"/>
               </a:ext>
             </a:extLst>
           </p:cNvPr>
@@ -5545,52 +5371,159 @@
         </p:nvSpPr>
         <p:spPr>
           <a:xfrm>
-            <a:off x="838200" y="1246341"/>
-            <a:ext cx="10515600" cy="4602922"/>
-          </a:xfrm>
-        </p:spPr>
-        <p:txBody>
-          <a:bodyPr>
-            <a:normAutofit fontScale="92500" lnSpcReduction="10000"/>
-          </a:bodyPr>
+            <a:off x="838200" y="895611"/>
+            <a:ext cx="10515600" cy="5135671"/>
+          </a:xfrm>
+        </p:spPr>
+        <p:txBody>
+          <a:bodyPr/>
           <a:lstStyle/>
           <a:p>
             <a:r>
-              <a:rPr lang="en-US"/>
-              <a:t>A GitHub workflow is a configurable automated process that will run one or more jobs.</a:t>
-            </a:r>
-          </a:p>
-          <a:p>
-            <a:r>
-              <a:rPr lang="en-US"/>
-              <a:t>Workflows are defined by a YAML file checked in to your repository and will run when triggered by an event in your repository, or they can be triggered manually, or at a defined schedule.</a:t>
-            </a:r>
-          </a:p>
-          <a:p>
-            <a:r>
-              <a:rPr lang="en-US"/>
-              <a:t>Workflows are defined in the .github/workflows directory in a repository, and a repository can have multiple workflows, each of which can perform a different set of tasks. </a:t>
-            </a:r>
-          </a:p>
-          <a:p>
-            <a:pPr lvl="1"/>
-            <a:r>
-              <a:rPr lang="en-US"/>
-              <a:t>You can have one workflow to build and test pull requests, another workflow to deploy your application every time a release is created, and still another workflow that adds a label every time someone opens a new issue</a:t>
-            </a:r>
-            <a:br>
-              <a:rPr lang="en-US"/>
-            </a:br>
-            <a:br>
-              <a:rPr lang="en-US"/>
-            </a:br>
-            <a:br>
-              <a:rPr lang="en-US"/>
-            </a:br>
-            <a:r>
-              <a:rPr lang="en-US" sz="2000"/>
-              <a:t>https://docs.github.com/en/actions/using-workflows/about-workflows </a:t>
-            </a:r>
+              <a:rPr lang="en-US" sz="2400"/>
+              <a:t>Back in GitHub Classroom, select your course and create an assignment</a:t>
+            </a:r>
+            <a:endParaRPr lang="en-US"/>
+          </a:p>
+        </p:txBody>
+      </p:sp>
+      <p:sp>
+        <p:nvSpPr>
+          <p:cNvPr id="3" name="Oval 2">
+            <a:extLst>
+              <a:ext uri="{FF2B5EF4-FFF2-40B4-BE49-F238E27FC236}">
+                <a16:creationId xmlns:a16="http://schemas.microsoft.com/office/drawing/2014/main" id="{857D5D47-234A-3056-FC72-29DAE4C5F1D0}"/>
+              </a:ext>
+            </a:extLst>
+          </p:cNvPr>
+          <p:cNvSpPr/>
+          <p:nvPr/>
+        </p:nvSpPr>
+        <p:spPr>
+          <a:xfrm>
+            <a:off x="3216752" y="3429000"/>
+            <a:ext cx="2551098" cy="2113108"/>
+          </a:xfrm>
+          <a:prstGeom prst="ellipse">
+            <a:avLst/>
+          </a:prstGeom>
+          <a:noFill/>
+          <a:ln w="38100">
+            <a:solidFill>
+              <a:srgbClr val="FF0000"/>
+            </a:solidFill>
+          </a:ln>
+        </p:spPr>
+        <p:style>
+          <a:lnRef idx="2">
+            <a:schemeClr val="accent1">
+              <a:shade val="50000"/>
+            </a:schemeClr>
+          </a:lnRef>
+          <a:fillRef idx="1">
+            <a:schemeClr val="accent1"/>
+          </a:fillRef>
+          <a:effectRef idx="0">
+            <a:schemeClr val="accent1"/>
+          </a:effectRef>
+          <a:fontRef idx="minor">
+            <a:schemeClr val="lt1"/>
+          </a:fontRef>
+        </p:style>
+        <p:txBody>
+          <a:bodyPr rtlCol="0" anchor="ctr"/>
+          <a:lstStyle/>
+          <a:p>
+            <a:pPr algn="ctr"/>
+            <a:endParaRPr lang="en-US"/>
+          </a:p>
+        </p:txBody>
+      </p:sp>
+      <p:pic>
+        <p:nvPicPr>
+          <p:cNvPr id="7" name="Picture 6">
+            <a:extLst>
+              <a:ext uri="{FF2B5EF4-FFF2-40B4-BE49-F238E27FC236}">
+                <a16:creationId xmlns:a16="http://schemas.microsoft.com/office/drawing/2014/main" id="{6E89AFDF-CA1A-2ECA-14C4-1586BC87FB7D}"/>
+              </a:ext>
+            </a:extLst>
+          </p:cNvPr>
+          <p:cNvPicPr>
+            <a:picLocks noChangeAspect="1"/>
+          </p:cNvPicPr>
+          <p:nvPr/>
+        </p:nvPicPr>
+        <p:blipFill>
+          <a:blip r:embed="rId2"/>
+          <a:stretch>
+            <a:fillRect/>
+          </a:stretch>
+        </p:blipFill>
+        <p:spPr>
+          <a:xfrm>
+            <a:off x="2599349" y="1379622"/>
+            <a:ext cx="6337001" cy="4582767"/>
+          </a:xfrm>
+          <a:prstGeom prst="rect">
+            <a:avLst/>
+          </a:prstGeom>
+          <a:ln>
+            <a:solidFill>
+              <a:schemeClr val="tx2">
+                <a:lumMod val="50000"/>
+              </a:schemeClr>
+            </a:solidFill>
+          </a:ln>
+        </p:spPr>
+      </p:pic>
+      <p:sp>
+        <p:nvSpPr>
+          <p:cNvPr id="8" name="Oval 7">
+            <a:extLst>
+              <a:ext uri="{FF2B5EF4-FFF2-40B4-BE49-F238E27FC236}">
+                <a16:creationId xmlns:a16="http://schemas.microsoft.com/office/drawing/2014/main" id="{128D4967-607D-1DD6-9A9C-D9FE45C09906}"/>
+              </a:ext>
+            </a:extLst>
+          </p:cNvPr>
+          <p:cNvSpPr/>
+          <p:nvPr/>
+        </p:nvSpPr>
+        <p:spPr>
+          <a:xfrm>
+            <a:off x="3494765" y="4997937"/>
+            <a:ext cx="2098108" cy="480441"/>
+          </a:xfrm>
+          <a:prstGeom prst="ellipse">
+            <a:avLst/>
+          </a:prstGeom>
+          <a:noFill/>
+          <a:ln w="38100">
+            <a:solidFill>
+              <a:srgbClr val="FF0000"/>
+            </a:solidFill>
+          </a:ln>
+        </p:spPr>
+        <p:style>
+          <a:lnRef idx="2">
+            <a:schemeClr val="accent1">
+              <a:shade val="50000"/>
+            </a:schemeClr>
+          </a:lnRef>
+          <a:fillRef idx="1">
+            <a:schemeClr val="accent1"/>
+          </a:fillRef>
+          <a:effectRef idx="0">
+            <a:schemeClr val="accent1"/>
+          </a:effectRef>
+          <a:fontRef idx="minor">
+            <a:schemeClr val="lt1"/>
+          </a:fontRef>
+        </p:style>
+        <p:txBody>
+          <a:bodyPr rtlCol="0" anchor="ctr"/>
+          <a:lstStyle/>
+          <a:p>
+            <a:pPr algn="ctr"/>
             <a:endParaRPr lang="en-US"/>
           </a:p>
         </p:txBody>
@@ -5598,7 +5531,7 @@
     </p:spTree>
     <p:extLst>
       <p:ext uri="{BB962C8B-B14F-4D97-AF65-F5344CB8AC3E}">
-        <p14:creationId xmlns:p14="http://schemas.microsoft.com/office/powerpoint/2010/main" val="3403660719"/>
+        <p14:creationId xmlns:p14="http://schemas.microsoft.com/office/powerpoint/2010/main" val="2671435651"/>
       </p:ext>
     </p:extLst>
   </p:cSld>
@@ -5627,10 +5560,10 @@
       </p:grpSpPr>
       <p:sp>
         <p:nvSpPr>
-          <p:cNvPr id="10" name="Title 9">
-            <a:extLst>
-              <a:ext uri="{FF2B5EF4-FFF2-40B4-BE49-F238E27FC236}">
-                <a16:creationId xmlns:a16="http://schemas.microsoft.com/office/drawing/2014/main" id="{02F2D10D-4622-C70D-3824-7788F8C1D975}"/>
+          <p:cNvPr id="2" name="Title 1">
+            <a:extLst>
+              <a:ext uri="{FF2B5EF4-FFF2-40B4-BE49-F238E27FC236}">
+                <a16:creationId xmlns:a16="http://schemas.microsoft.com/office/drawing/2014/main" id="{0E5E0E14-EF30-4D17-8457-8E5D1E9495F7}"/>
               </a:ext>
             </a:extLst>
           </p:cNvPr>
@@ -5643,8 +5576,8 @@
         </p:nvSpPr>
         <p:spPr>
           <a:xfrm>
-            <a:off x="838200" y="353340"/>
-            <a:ext cx="10515600" cy="786529"/>
+            <a:off x="838200" y="218773"/>
+            <a:ext cx="10515600" cy="605161"/>
           </a:xfrm>
         </p:spPr>
         <p:txBody>
@@ -5654,19 +5587,18 @@
           <a:lstStyle/>
           <a:p>
             <a:r>
-              <a:rPr lang="en-US" sz="4400"/>
-              <a:t>Automated Grading using Actions and Workflows</a:t>
-            </a:r>
-            <a:endParaRPr lang="en-US"/>
-          </a:p>
-        </p:txBody>
-      </p:sp>
-      <p:sp>
-        <p:nvSpPr>
-          <p:cNvPr id="11" name="Content Placeholder 10">
-            <a:extLst>
-              <a:ext uri="{FF2B5EF4-FFF2-40B4-BE49-F238E27FC236}">
-                <a16:creationId xmlns:a16="http://schemas.microsoft.com/office/drawing/2014/main" id="{DB3C99EF-126B-B73D-9611-CA9548B00306}"/>
+              <a:rPr lang="en-US"/>
+              <a:t>Creating Assignments</a:t>
+            </a:r>
+          </a:p>
+        </p:txBody>
+      </p:sp>
+      <p:sp>
+        <p:nvSpPr>
+          <p:cNvPr id="6" name="Content Placeholder 5">
+            <a:extLst>
+              <a:ext uri="{FF2B5EF4-FFF2-40B4-BE49-F238E27FC236}">
+                <a16:creationId xmlns:a16="http://schemas.microsoft.com/office/drawing/2014/main" id="{F38D595B-A938-4095-9B2C-B71EB9620166}"/>
               </a:ext>
             </a:extLst>
           </p:cNvPr>
@@ -5679,72 +5611,195 @@
         </p:nvSpPr>
         <p:spPr>
           <a:xfrm>
-            <a:off x="838200" y="1246341"/>
-            <a:ext cx="10515600" cy="4602922"/>
-          </a:xfrm>
-        </p:spPr>
-        <p:txBody>
-          <a:bodyPr>
-            <a:normAutofit fontScale="85000" lnSpcReduction="20000"/>
-          </a:bodyPr>
+            <a:off x="838200" y="895611"/>
+            <a:ext cx="10515600" cy="5135671"/>
+          </a:xfrm>
+        </p:spPr>
+        <p:txBody>
+          <a:bodyPr/>
           <a:lstStyle/>
           <a:p>
             <a:r>
-              <a:rPr lang="en-US"/>
-              <a:t>You can use autograding to automatically check a student's work for an assignment on GitHub Classroom. </a:t>
-            </a:r>
-          </a:p>
-          <a:p>
-            <a:r>
-              <a:rPr lang="en-US"/>
-              <a:t>You configure tests for an assignment, and the tests run immediately every time a student pushes to an assignment repository on GitHub.com. </a:t>
-            </a:r>
-          </a:p>
-          <a:p>
-            <a:pPr lvl="1"/>
-            <a:r>
-              <a:rPr lang="en-US"/>
-              <a:t>The student can view the test results, make changes, and push to see new results.</a:t>
-            </a:r>
-          </a:p>
-          <a:p>
-            <a:r>
-              <a:rPr lang="en-US"/>
-              <a:t>After a student accepts an assignment, on every push to the assignment repository, GitHub Actions runs the commands for your autograding test in a Linux environment containing the student's newest code. </a:t>
-            </a:r>
-          </a:p>
-          <a:p>
-            <a:r>
-              <a:rPr lang="en-US"/>
-              <a:t>GitHub Classroom creates the necessary workflows for GitHub Actions. </a:t>
-            </a:r>
-          </a:p>
-          <a:p>
-            <a:r>
-              <a:rPr lang="en-US"/>
-              <a:t>You can add, edit, or delete autograding tests for an existing assignment. </a:t>
-            </a:r>
-          </a:p>
-          <a:p>
-            <a:pPr lvl="1"/>
-            <a:r>
-              <a:rPr lang="en-US"/>
-              <a:t>(All changes made via the Classroom UI will be pushed to existing student repositories, so use caution when editing tests)</a:t>
-            </a:r>
-            <a:endParaRPr lang="en-US" sz="1100"/>
-          </a:p>
-          <a:p>
-            <a:r>
-              <a:rPr lang="en-US"/>
-              <a:t>https://docs.github.com/en/education/manage-coursework-with-github-classroom/teach-with-github-classroom/use-autograding </a:t>
-            </a:r>
+              <a:rPr lang="en-US" sz="2400"/>
+              <a:t>Back in GitHub Classroom, select your course and create an assignment</a:t>
+            </a:r>
+          </a:p>
+          <a:p>
+            <a:endParaRPr lang="en-US" sz="2400"/>
+          </a:p>
+          <a:p>
+            <a:r>
+              <a:rPr lang="en-US" sz="2400"/>
+              <a:t>Can use same name as </a:t>
+            </a:r>
+            <a:br>
+              <a:rPr lang="en-US" sz="2400"/>
+            </a:br>
+            <a:r>
+              <a:rPr lang="en-US" sz="2400"/>
+              <a:t>template, or not</a:t>
+            </a:r>
+          </a:p>
+          <a:p>
+            <a:r>
+              <a:rPr lang="en-US" sz="2400"/>
+              <a:t>Private visibility for repo</a:t>
+            </a:r>
+            <a:br>
+              <a:rPr lang="en-US" sz="2400"/>
+            </a:br>
+            <a:r>
+              <a:rPr lang="en-US" sz="2400"/>
+              <a:t>is a good thing</a:t>
+            </a:r>
+          </a:p>
+        </p:txBody>
+      </p:sp>
+      <p:pic>
+        <p:nvPicPr>
+          <p:cNvPr id="10" name="Picture 9">
+            <a:extLst>
+              <a:ext uri="{FF2B5EF4-FFF2-40B4-BE49-F238E27FC236}">
+                <a16:creationId xmlns:a16="http://schemas.microsoft.com/office/drawing/2014/main" id="{9076B15D-B20D-694C-82C7-7D6E1C6FF0BE}"/>
+              </a:ext>
+            </a:extLst>
+          </p:cNvPr>
+          <p:cNvPicPr>
+            <a:picLocks noChangeAspect="1"/>
+          </p:cNvPicPr>
+          <p:nvPr/>
+        </p:nvPicPr>
+        <p:blipFill>
+          <a:blip r:embed="rId2"/>
+          <a:stretch>
+            <a:fillRect/>
+          </a:stretch>
+        </p:blipFill>
+        <p:spPr>
+          <a:xfrm>
+            <a:off x="5135419" y="1606127"/>
+            <a:ext cx="5220390" cy="4078676"/>
+          </a:xfrm>
+          <a:prstGeom prst="rect">
+            <a:avLst/>
+          </a:prstGeom>
+          <a:ln>
+            <a:solidFill>
+              <a:schemeClr val="bg2">
+                <a:lumMod val="10000"/>
+              </a:schemeClr>
+            </a:solidFill>
+          </a:ln>
+        </p:spPr>
+      </p:pic>
+      <p:sp>
+        <p:nvSpPr>
+          <p:cNvPr id="8" name="Oval 7">
+            <a:extLst>
+              <a:ext uri="{FF2B5EF4-FFF2-40B4-BE49-F238E27FC236}">
+                <a16:creationId xmlns:a16="http://schemas.microsoft.com/office/drawing/2014/main" id="{128D4967-607D-1DD6-9A9C-D9FE45C09906}"/>
+              </a:ext>
+            </a:extLst>
+          </p:cNvPr>
+          <p:cNvSpPr/>
+          <p:nvPr/>
+        </p:nvSpPr>
+        <p:spPr>
+          <a:xfrm>
+            <a:off x="7058416" y="2492679"/>
+            <a:ext cx="3194138" cy="713984"/>
+          </a:xfrm>
+          <a:prstGeom prst="ellipse">
+            <a:avLst/>
+          </a:prstGeom>
+          <a:noFill/>
+          <a:ln w="38100">
+            <a:solidFill>
+              <a:srgbClr val="FF0000"/>
+            </a:solidFill>
+          </a:ln>
+        </p:spPr>
+        <p:style>
+          <a:lnRef idx="2">
+            <a:schemeClr val="accent1">
+              <a:shade val="50000"/>
+            </a:schemeClr>
+          </a:lnRef>
+          <a:fillRef idx="1">
+            <a:schemeClr val="accent1"/>
+          </a:fillRef>
+          <a:effectRef idx="0">
+            <a:schemeClr val="accent1"/>
+          </a:effectRef>
+          <a:fontRef idx="minor">
+            <a:schemeClr val="lt1"/>
+          </a:fontRef>
+        </p:style>
+        <p:txBody>
+          <a:bodyPr rtlCol="0" anchor="ctr"/>
+          <a:lstStyle/>
+          <a:p>
+            <a:pPr algn="ctr"/>
+            <a:endParaRPr lang="en-US"/>
+          </a:p>
+        </p:txBody>
+      </p:sp>
+      <p:sp>
+        <p:nvSpPr>
+          <p:cNvPr id="11" name="Oval 10">
+            <a:extLst>
+              <a:ext uri="{FF2B5EF4-FFF2-40B4-BE49-F238E27FC236}">
+                <a16:creationId xmlns:a16="http://schemas.microsoft.com/office/drawing/2014/main" id="{F9D5DCC7-D74A-1306-C709-DF16060FE5DB}"/>
+              </a:ext>
+            </a:extLst>
+          </p:cNvPr>
+          <p:cNvSpPr/>
+          <p:nvPr/>
+        </p:nvSpPr>
+        <p:spPr>
+          <a:xfrm>
+            <a:off x="7311024" y="4824608"/>
+            <a:ext cx="536532" cy="505216"/>
+          </a:xfrm>
+          <a:prstGeom prst="ellipse">
+            <a:avLst/>
+          </a:prstGeom>
+          <a:noFill/>
+          <a:ln w="38100">
+            <a:solidFill>
+              <a:srgbClr val="FF0000"/>
+            </a:solidFill>
+          </a:ln>
+        </p:spPr>
+        <p:style>
+          <a:lnRef idx="2">
+            <a:schemeClr val="accent1">
+              <a:shade val="50000"/>
+            </a:schemeClr>
+          </a:lnRef>
+          <a:fillRef idx="1">
+            <a:schemeClr val="accent1"/>
+          </a:fillRef>
+          <a:effectRef idx="0">
+            <a:schemeClr val="accent1"/>
+          </a:effectRef>
+          <a:fontRef idx="minor">
+            <a:schemeClr val="lt1"/>
+          </a:fontRef>
+        </p:style>
+        <p:txBody>
+          <a:bodyPr rtlCol="0" anchor="ctr"/>
+          <a:lstStyle/>
+          <a:p>
+            <a:pPr algn="ctr"/>
+            <a:endParaRPr lang="en-US"/>
           </a:p>
         </p:txBody>
       </p:sp>
     </p:spTree>
     <p:extLst>
       <p:ext uri="{BB962C8B-B14F-4D97-AF65-F5344CB8AC3E}">
-        <p14:creationId xmlns:p14="http://schemas.microsoft.com/office/powerpoint/2010/main" val="692548352"/>
+        <p14:creationId xmlns:p14="http://schemas.microsoft.com/office/powerpoint/2010/main" val="3602322142"/>
       </p:ext>
     </p:extLst>
   </p:cSld>
@@ -5773,64 +5828,80 @@
       </p:grpSpPr>
       <p:sp>
         <p:nvSpPr>
-          <p:cNvPr id="2" name="Title 3">
-            <a:extLst>
-              <a:ext uri="{FF2B5EF4-FFF2-40B4-BE49-F238E27FC236}">
-                <a16:creationId xmlns:a16="http://schemas.microsoft.com/office/drawing/2014/main" id="{D10DF660-D678-95E2-0724-B10EE41958AC}"/>
-              </a:ext>
-            </a:extLst>
-          </p:cNvPr>
-          <p:cNvSpPr txBox="1">
-            <a:spLocks/>
-          </p:cNvSpPr>
-          <p:nvPr/>
-        </p:nvSpPr>
-        <p:spPr>
-          <a:xfrm>
-            <a:off x="831939" y="299184"/>
-            <a:ext cx="4742144" cy="1207699"/>
-          </a:xfrm>
-          <a:prstGeom prst="rect">
-            <a:avLst/>
-          </a:prstGeom>
-        </p:spPr>
-        <p:txBody>
-          <a:bodyPr vert="horz" lIns="91440" tIns="45720" rIns="91440" bIns="45720" rtlCol="0" anchor="ctr">
+          <p:cNvPr id="2" name="Title 1">
+            <a:extLst>
+              <a:ext uri="{FF2B5EF4-FFF2-40B4-BE49-F238E27FC236}">
+                <a16:creationId xmlns:a16="http://schemas.microsoft.com/office/drawing/2014/main" id="{0E5E0E14-EF30-4D17-8457-8E5D1E9495F7}"/>
+              </a:ext>
+            </a:extLst>
+          </p:cNvPr>
+          <p:cNvSpPr>
+            <a:spLocks noGrp="1"/>
+          </p:cNvSpPr>
+          <p:nvPr>
+            <p:ph type="title"/>
+          </p:nvPr>
+        </p:nvSpPr>
+        <p:spPr>
+          <a:xfrm>
+            <a:off x="838200" y="365125"/>
+            <a:ext cx="10515600" cy="605161"/>
+          </a:xfrm>
+        </p:spPr>
+        <p:txBody>
+          <a:bodyPr>
+            <a:normAutofit fontScale="90000"/>
+          </a:bodyPr>
+          <a:lstStyle/>
+          <a:p>
+            <a:r>
+              <a:rPr lang="en-US"/>
+              <a:t>Creating Assignments</a:t>
+            </a:r>
+          </a:p>
+        </p:txBody>
+      </p:sp>
+      <p:sp>
+        <p:nvSpPr>
+          <p:cNvPr id="6" name="Content Placeholder 5">
+            <a:extLst>
+              <a:ext uri="{FF2B5EF4-FFF2-40B4-BE49-F238E27FC236}">
+                <a16:creationId xmlns:a16="http://schemas.microsoft.com/office/drawing/2014/main" id="{F38D595B-A938-4095-9B2C-B71EB9620166}"/>
+              </a:ext>
+            </a:extLst>
+          </p:cNvPr>
+          <p:cNvSpPr>
+            <a:spLocks noGrp="1"/>
+          </p:cNvSpPr>
+          <p:nvPr>
+            <p:ph idx="1"/>
+          </p:nvPr>
+        </p:nvSpPr>
+        <p:spPr>
+          <a:xfrm>
+            <a:off x="838200" y="1108553"/>
+            <a:ext cx="10515600" cy="5525512"/>
+          </a:xfrm>
+        </p:spPr>
+        <p:txBody>
+          <a:bodyPr>
             <a:normAutofit/>
           </a:bodyPr>
-          <a:lstStyle>
-            <a:lvl1pPr algn="l" defTabSz="914400" rtl="0" eaLnBrk="1" latinLnBrk="0" hangingPunct="1">
-              <a:lnSpc>
-                <a:spcPct val="90000"/>
-              </a:lnSpc>
-              <a:spcBef>
-                <a:spcPct val="0"/>
-              </a:spcBef>
-              <a:buNone/>
-              <a:defRPr sz="4400" kern="1200">
-                <a:solidFill>
-                  <a:schemeClr val="tx1"/>
-                </a:solidFill>
-                <a:latin typeface="+mj-lt"/>
-                <a:ea typeface="+mj-ea"/>
-                <a:cs typeface="+mj-cs"/>
-              </a:defRPr>
-            </a:lvl1pPr>
-          </a:lstStyle>
-          <a:p>
-            <a:r>
-              <a:rPr lang="en-US" sz="3600"/>
-              <a:t>Automated Grading</a:t>
+          <a:lstStyle/>
+          <a:p>
+            <a:r>
+              <a:rPr lang="en-US" sz="2400"/>
+              <a:t>Select your GitHub template repo for the assignment starter code:</a:t>
             </a:r>
           </a:p>
         </p:txBody>
       </p:sp>
       <p:pic>
         <p:nvPicPr>
-          <p:cNvPr id="7" name="Picture 6">
-            <a:extLst>
-              <a:ext uri="{FF2B5EF4-FFF2-40B4-BE49-F238E27FC236}">
-                <a16:creationId xmlns:a16="http://schemas.microsoft.com/office/drawing/2014/main" id="{47C2ED96-36FE-D2EA-7252-EDD6D8306486}"/>
+          <p:cNvPr id="4" name="Picture 3">
+            <a:extLst>
+              <a:ext uri="{FF2B5EF4-FFF2-40B4-BE49-F238E27FC236}">
+                <a16:creationId xmlns:a16="http://schemas.microsoft.com/office/drawing/2014/main" id="{23B232E1-2844-0D45-FB88-507FFFE5D559}"/>
               </a:ext>
             </a:extLst>
           </p:cNvPr>
@@ -5847,69 +5918,70 @@
         </p:blipFill>
         <p:spPr>
           <a:xfrm>
-            <a:off x="5744692" y="299184"/>
-            <a:ext cx="5456839" cy="5536720"/>
+            <a:off x="3439816" y="1734855"/>
+            <a:ext cx="5312368" cy="4074780"/>
           </a:xfrm>
           <a:prstGeom prst="rect">
             <a:avLst/>
           </a:prstGeom>
-          <a:ln>
+        </p:spPr>
+      </p:pic>
+      <p:sp>
+        <p:nvSpPr>
+          <p:cNvPr id="7" name="Oval 6">
+            <a:extLst>
+              <a:ext uri="{FF2B5EF4-FFF2-40B4-BE49-F238E27FC236}">
+                <a16:creationId xmlns:a16="http://schemas.microsoft.com/office/drawing/2014/main" id="{9209C10C-3998-74E5-76B1-2EC1CF588FFE}"/>
+              </a:ext>
+            </a:extLst>
+          </p:cNvPr>
+          <p:cNvSpPr/>
+          <p:nvPr/>
+        </p:nvSpPr>
+        <p:spPr>
+          <a:xfrm>
+            <a:off x="3439816" y="3335502"/>
+            <a:ext cx="3865069" cy="706932"/>
+          </a:xfrm>
+          <a:prstGeom prst="ellipse">
+            <a:avLst/>
+          </a:prstGeom>
+          <a:noFill/>
+          <a:ln w="38100">
             <a:solidFill>
-              <a:schemeClr val="tx2">
-                <a:lumMod val="50000"/>
-              </a:schemeClr>
+              <a:srgbClr val="FF0000"/>
             </a:solidFill>
           </a:ln>
         </p:spPr>
-      </p:pic>
-      <p:sp>
-        <p:nvSpPr>
-          <p:cNvPr id="8" name="Title 3">
-            <a:extLst>
-              <a:ext uri="{FF2B5EF4-FFF2-40B4-BE49-F238E27FC236}">
-                <a16:creationId xmlns:a16="http://schemas.microsoft.com/office/drawing/2014/main" id="{796CC2A3-F9B6-2D1D-F3F2-9412C75FB61F}"/>
-              </a:ext>
-            </a:extLst>
-          </p:cNvPr>
-          <p:cNvSpPr>
-            <a:spLocks noGrp="1"/>
-          </p:cNvSpPr>
-          <p:nvPr>
-            <p:ph type="title"/>
-          </p:nvPr>
-        </p:nvSpPr>
-        <p:spPr>
-          <a:xfrm>
-            <a:off x="866718" y="1760970"/>
-            <a:ext cx="4600894" cy="1207698"/>
-          </a:xfrm>
-        </p:spPr>
-        <p:txBody>
-          <a:bodyPr>
-            <a:normAutofit/>
-          </a:bodyPr>
+        <p:style>
+          <a:lnRef idx="2">
+            <a:schemeClr val="accent1">
+              <a:shade val="50000"/>
+            </a:schemeClr>
+          </a:lnRef>
+          <a:fillRef idx="1">
+            <a:schemeClr val="accent1"/>
+          </a:fillRef>
+          <a:effectRef idx="0">
+            <a:schemeClr val="accent1"/>
+          </a:effectRef>
+          <a:fontRef idx="minor">
+            <a:schemeClr val="lt1"/>
+          </a:fontRef>
+        </p:style>
+        <p:txBody>
+          <a:bodyPr rtlCol="0" anchor="ctr"/>
           <a:lstStyle/>
           <a:p>
-            <a:pPr marL="284163" indent="-284163">
-              <a:buFont typeface="Arial" panose="020B0604020202020204" pitchFamily="34" charset="0"/>
-              <a:buChar char="•"/>
-            </a:pPr>
-            <a:r>
-              <a:rPr lang="en-US" sz="2800">
-                <a:latin typeface="Calibri (Body)"/>
-              </a:rPr>
-              <a:t>Set up the assignment as shown earlier</a:t>
-            </a:r>
-            <a:endParaRPr lang="en-US" sz="2800" dirty="0">
-              <a:latin typeface="Calibri (Body)"/>
-            </a:endParaRPr>
+            <a:pPr algn="ctr"/>
+            <a:endParaRPr lang="en-US"/>
           </a:p>
         </p:txBody>
       </p:sp>
     </p:spTree>
     <p:extLst>
       <p:ext uri="{BB962C8B-B14F-4D97-AF65-F5344CB8AC3E}">
-        <p14:creationId xmlns:p14="http://schemas.microsoft.com/office/powerpoint/2010/main" val="615553905"/>
+        <p14:creationId xmlns:p14="http://schemas.microsoft.com/office/powerpoint/2010/main" val="3700244973"/>
       </p:ext>
     </p:extLst>
   </p:cSld>
@@ -5938,64 +6010,10 @@
       </p:grpSpPr>
       <p:sp>
         <p:nvSpPr>
-          <p:cNvPr id="2" name="Title 3">
-            <a:extLst>
-              <a:ext uri="{FF2B5EF4-FFF2-40B4-BE49-F238E27FC236}">
-                <a16:creationId xmlns:a16="http://schemas.microsoft.com/office/drawing/2014/main" id="{D10DF660-D678-95E2-0724-B10EE41958AC}"/>
-              </a:ext>
-            </a:extLst>
-          </p:cNvPr>
-          <p:cNvSpPr txBox="1">
-            <a:spLocks/>
-          </p:cNvSpPr>
-          <p:nvPr/>
-        </p:nvSpPr>
-        <p:spPr>
-          <a:xfrm>
-            <a:off x="838201" y="173876"/>
-            <a:ext cx="10833847" cy="706658"/>
-          </a:xfrm>
-          <a:prstGeom prst="rect">
-            <a:avLst/>
-          </a:prstGeom>
-        </p:spPr>
-        <p:txBody>
-          <a:bodyPr vert="horz" lIns="91440" tIns="45720" rIns="91440" bIns="45720" rtlCol="0" anchor="ctr">
-            <a:normAutofit/>
-          </a:bodyPr>
-          <a:lstStyle>
-            <a:lvl1pPr algn="l" defTabSz="914400" rtl="0" eaLnBrk="1" latinLnBrk="0" hangingPunct="1">
-              <a:lnSpc>
-                <a:spcPct val="90000"/>
-              </a:lnSpc>
-              <a:spcBef>
-                <a:spcPct val="0"/>
-              </a:spcBef>
-              <a:buNone/>
-              <a:defRPr sz="4400" kern="1200">
-                <a:solidFill>
-                  <a:schemeClr val="tx1"/>
-                </a:solidFill>
-                <a:latin typeface="+mj-lt"/>
-                <a:ea typeface="+mj-ea"/>
-                <a:cs typeface="+mj-cs"/>
-              </a:defRPr>
-            </a:lvl1pPr>
-          </a:lstStyle>
-          <a:p>
-            <a:r>
-              <a:rPr lang="en-US" sz="3600"/>
-              <a:t>Automated Grading</a:t>
-            </a:r>
-          </a:p>
-        </p:txBody>
-      </p:sp>
-      <p:sp>
-        <p:nvSpPr>
-          <p:cNvPr id="8" name="Title 3">
-            <a:extLst>
-              <a:ext uri="{FF2B5EF4-FFF2-40B4-BE49-F238E27FC236}">
-                <a16:creationId xmlns:a16="http://schemas.microsoft.com/office/drawing/2014/main" id="{796CC2A3-F9B6-2D1D-F3F2-9412C75FB61F}"/>
+          <p:cNvPr id="2" name="Title 1">
+            <a:extLst>
+              <a:ext uri="{FF2B5EF4-FFF2-40B4-BE49-F238E27FC236}">
+                <a16:creationId xmlns:a16="http://schemas.microsoft.com/office/drawing/2014/main" id="{0E5E0E14-EF30-4D17-8457-8E5D1E9495F7}"/>
               </a:ext>
             </a:extLst>
           </p:cNvPr>
@@ -6008,8 +6026,8 @@
         </p:nvSpPr>
         <p:spPr>
           <a:xfrm>
-            <a:off x="895022" y="1094780"/>
-            <a:ext cx="7996956" cy="706658"/>
+            <a:off x="838200" y="365125"/>
+            <a:ext cx="10515600" cy="605161"/>
           </a:xfrm>
         </p:spPr>
         <p:txBody>
@@ -6018,28 +6036,54 @@
           </a:bodyPr>
           <a:lstStyle/>
           <a:p>
-            <a:pPr marL="284163" indent="-284163">
-              <a:buFont typeface="Arial" panose="020B0604020202020204" pitchFamily="34" charset="0"/>
-              <a:buChar char="•"/>
-            </a:pPr>
-            <a:r>
-              <a:rPr lang="en-US" sz="2800">
-                <a:latin typeface="Calibri (Body)"/>
-              </a:rPr>
-              <a:t>Add a test in the "Set up autograding and feedback" section, choose "Input/Output test"</a:t>
-            </a:r>
-            <a:endParaRPr lang="en-US" sz="2800" dirty="0">
-              <a:latin typeface="Calibri (Body)"/>
-            </a:endParaRPr>
+            <a:r>
+              <a:rPr lang="en-US"/>
+              <a:t>Creating Assignments</a:t>
+            </a:r>
+          </a:p>
+        </p:txBody>
+      </p:sp>
+      <p:sp>
+        <p:nvSpPr>
+          <p:cNvPr id="6" name="Content Placeholder 5">
+            <a:extLst>
+              <a:ext uri="{FF2B5EF4-FFF2-40B4-BE49-F238E27FC236}">
+                <a16:creationId xmlns:a16="http://schemas.microsoft.com/office/drawing/2014/main" id="{F38D595B-A938-4095-9B2C-B71EB9620166}"/>
+              </a:ext>
+            </a:extLst>
+          </p:cNvPr>
+          <p:cNvSpPr>
+            <a:spLocks noGrp="1"/>
+          </p:cNvSpPr>
+          <p:nvPr>
+            <p:ph idx="1"/>
+          </p:nvPr>
+        </p:nvSpPr>
+        <p:spPr>
+          <a:xfrm>
+            <a:off x="838200" y="1108553"/>
+            <a:ext cx="10515600" cy="5525512"/>
+          </a:xfrm>
+        </p:spPr>
+        <p:txBody>
+          <a:bodyPr>
+            <a:normAutofit/>
+          </a:bodyPr>
+          <a:lstStyle/>
+          <a:p>
+            <a:r>
+              <a:rPr lang="en-US" sz="2400"/>
+              <a:t>Set up a test for autograding if desired, then "Create assignment"</a:t>
+            </a:r>
           </a:p>
         </p:txBody>
       </p:sp>
       <p:pic>
         <p:nvPicPr>
-          <p:cNvPr id="4" name="Picture 3">
-            <a:extLst>
-              <a:ext uri="{FF2B5EF4-FFF2-40B4-BE49-F238E27FC236}">
-                <a16:creationId xmlns:a16="http://schemas.microsoft.com/office/drawing/2014/main" id="{A7F98101-1E57-0AC8-6008-37D85FB5E30A}"/>
+          <p:cNvPr id="5" name="Picture 4">
+            <a:extLst>
+              <a:ext uri="{FF2B5EF4-FFF2-40B4-BE49-F238E27FC236}">
+                <a16:creationId xmlns:a16="http://schemas.microsoft.com/office/drawing/2014/main" id="{DD92EDA7-C62E-F99B-5633-2454580ABF2A}"/>
               </a:ext>
             </a:extLst>
           </p:cNvPr>
@@ -6056,159 +6100,25 @@
         </p:blipFill>
         <p:spPr>
           <a:xfrm>
-            <a:off x="2136621" y="2134266"/>
-            <a:ext cx="5513759" cy="3140611"/>
+            <a:off x="3969525" y="1755671"/>
+            <a:ext cx="4252950" cy="3993776"/>
           </a:xfrm>
           <a:prstGeom prst="rect">
             <a:avLst/>
           </a:prstGeom>
           <a:ln>
             <a:solidFill>
-              <a:schemeClr val="tx2">
-                <a:lumMod val="50000"/>
+              <a:schemeClr val="bg2">
+                <a:lumMod val="10000"/>
               </a:schemeClr>
             </a:solidFill>
           </a:ln>
         </p:spPr>
       </p:pic>
-      <p:sp>
-        <p:nvSpPr>
-          <p:cNvPr id="5" name="Oval 4">
-            <a:extLst>
-              <a:ext uri="{FF2B5EF4-FFF2-40B4-BE49-F238E27FC236}">
-                <a16:creationId xmlns:a16="http://schemas.microsoft.com/office/drawing/2014/main" id="{F138546D-B812-7143-0FAE-7B891FFE8A3A}"/>
-              </a:ext>
-            </a:extLst>
-          </p:cNvPr>
-          <p:cNvSpPr/>
-          <p:nvPr/>
-        </p:nvSpPr>
-        <p:spPr>
-          <a:xfrm>
-            <a:off x="2274152" y="4552613"/>
-            <a:ext cx="1333344" cy="608109"/>
-          </a:xfrm>
-          <a:prstGeom prst="ellipse">
-            <a:avLst/>
-          </a:prstGeom>
-          <a:noFill/>
-          <a:ln w="38100">
-            <a:solidFill>
-              <a:srgbClr val="FF0000"/>
-            </a:solidFill>
-          </a:ln>
-        </p:spPr>
-        <p:style>
-          <a:lnRef idx="2">
-            <a:schemeClr val="accent1">
-              <a:shade val="50000"/>
-            </a:schemeClr>
-          </a:lnRef>
-          <a:fillRef idx="1">
-            <a:schemeClr val="accent1"/>
-          </a:fillRef>
-          <a:effectRef idx="0">
-            <a:schemeClr val="accent1"/>
-          </a:effectRef>
-          <a:fontRef idx="minor">
-            <a:schemeClr val="lt1"/>
-          </a:fontRef>
-        </p:style>
-        <p:txBody>
-          <a:bodyPr rtlCol="0" anchor="ctr"/>
-          <a:lstStyle/>
-          <a:p>
-            <a:pPr algn="ctr"/>
-            <a:endParaRPr lang="en-US" dirty="0"/>
-          </a:p>
-        </p:txBody>
-      </p:sp>
-      <p:pic>
-        <p:nvPicPr>
-          <p:cNvPr id="9" name="Picture 8">
-            <a:extLst>
-              <a:ext uri="{FF2B5EF4-FFF2-40B4-BE49-F238E27FC236}">
-                <a16:creationId xmlns:a16="http://schemas.microsoft.com/office/drawing/2014/main" id="{48AA0F8D-69FF-5762-C73C-D52DC580A924}"/>
-              </a:ext>
-            </a:extLst>
-          </p:cNvPr>
-          <p:cNvPicPr>
-            <a:picLocks noChangeAspect="1"/>
-          </p:cNvPicPr>
-          <p:nvPr/>
-        </p:nvPicPr>
-        <p:blipFill>
-          <a:blip r:embed="rId3"/>
-          <a:stretch>
-            <a:fillRect/>
-          </a:stretch>
-        </p:blipFill>
-        <p:spPr>
-          <a:xfrm>
-            <a:off x="7961783" y="2542491"/>
-            <a:ext cx="2694285" cy="2732386"/>
-          </a:xfrm>
-          <a:prstGeom prst="rect">
-            <a:avLst/>
-          </a:prstGeom>
-          <a:ln>
-            <a:solidFill>
-              <a:schemeClr val="tx2">
-                <a:lumMod val="50000"/>
-              </a:schemeClr>
-            </a:solidFill>
-          </a:ln>
-        </p:spPr>
-      </p:pic>
-      <p:cxnSp>
-        <p:nvCxnSpPr>
-          <p:cNvPr id="11" name="Straight Arrow Connector 10">
-            <a:extLst>
-              <a:ext uri="{FF2B5EF4-FFF2-40B4-BE49-F238E27FC236}">
-                <a16:creationId xmlns:a16="http://schemas.microsoft.com/office/drawing/2014/main" id="{E6FAEC54-B6CC-9619-938E-E7281CB667FE}"/>
-              </a:ext>
-            </a:extLst>
-          </p:cNvPr>
-          <p:cNvCxnSpPr>
-            <a:cxnSpLocks/>
-            <a:stCxn id="5" idx="6"/>
-          </p:cNvCxnSpPr>
-          <p:nvPr/>
-        </p:nvCxnSpPr>
-        <p:spPr>
-          <a:xfrm flipV="1">
-            <a:off x="3607496" y="3429000"/>
-            <a:ext cx="4546948" cy="1427668"/>
-          </a:xfrm>
-          <a:prstGeom prst="straightConnector1">
-            <a:avLst/>
-          </a:prstGeom>
-          <a:ln w="38100">
-            <a:solidFill>
-              <a:srgbClr val="FF0000"/>
-            </a:solidFill>
-            <a:tailEnd type="triangle"/>
-          </a:ln>
-        </p:spPr>
-        <p:style>
-          <a:lnRef idx="1">
-            <a:schemeClr val="accent1"/>
-          </a:lnRef>
-          <a:fillRef idx="0">
-            <a:schemeClr val="accent1"/>
-          </a:fillRef>
-          <a:effectRef idx="0">
-            <a:schemeClr val="accent1"/>
-          </a:effectRef>
-          <a:fontRef idx="minor">
-            <a:schemeClr val="tx1"/>
-          </a:fontRef>
-        </p:style>
-      </p:cxnSp>
     </p:spTree>
     <p:extLst>
       <p:ext uri="{BB962C8B-B14F-4D97-AF65-F5344CB8AC3E}">
-        <p14:creationId xmlns:p14="http://schemas.microsoft.com/office/powerpoint/2010/main" val="1527553510"/>
+        <p14:creationId xmlns:p14="http://schemas.microsoft.com/office/powerpoint/2010/main" val="3069775445"/>
       </p:ext>
     </p:extLst>
   </p:cSld>
@@ -6237,64 +6147,87 @@
       </p:grpSpPr>
       <p:sp>
         <p:nvSpPr>
-          <p:cNvPr id="2" name="Title 3">
-            <a:extLst>
-              <a:ext uri="{FF2B5EF4-FFF2-40B4-BE49-F238E27FC236}">
-                <a16:creationId xmlns:a16="http://schemas.microsoft.com/office/drawing/2014/main" id="{D10DF660-D678-95E2-0724-B10EE41958AC}"/>
-              </a:ext>
-            </a:extLst>
-          </p:cNvPr>
-          <p:cNvSpPr txBox="1">
-            <a:spLocks/>
-          </p:cNvSpPr>
-          <p:nvPr/>
-        </p:nvSpPr>
-        <p:spPr>
-          <a:xfrm>
-            <a:off x="543841" y="217716"/>
-            <a:ext cx="7341294" cy="965993"/>
-          </a:xfrm>
-          <a:prstGeom prst="rect">
-            <a:avLst/>
-          </a:prstGeom>
-        </p:spPr>
-        <p:txBody>
-          <a:bodyPr vert="horz" lIns="91440" tIns="45720" rIns="91440" bIns="45720" rtlCol="0" anchor="ctr">
-            <a:normAutofit/>
+          <p:cNvPr id="2" name="Title 1">
+            <a:extLst>
+              <a:ext uri="{FF2B5EF4-FFF2-40B4-BE49-F238E27FC236}">
+                <a16:creationId xmlns:a16="http://schemas.microsoft.com/office/drawing/2014/main" id="{0E5E0E14-EF30-4D17-8457-8E5D1E9495F7}"/>
+              </a:ext>
+            </a:extLst>
+          </p:cNvPr>
+          <p:cNvSpPr>
+            <a:spLocks noGrp="1"/>
+          </p:cNvSpPr>
+          <p:nvPr>
+            <p:ph type="title"/>
+          </p:nvPr>
+        </p:nvSpPr>
+        <p:spPr>
+          <a:xfrm>
+            <a:off x="838200" y="365125"/>
+            <a:ext cx="10515600" cy="605161"/>
+          </a:xfrm>
+        </p:spPr>
+        <p:txBody>
+          <a:bodyPr>
+            <a:normAutofit fontScale="90000"/>
           </a:bodyPr>
-          <a:lstStyle>
-            <a:lvl1pPr algn="l" defTabSz="914400" rtl="0" eaLnBrk="1" latinLnBrk="0" hangingPunct="1">
-              <a:lnSpc>
-                <a:spcPct val="90000"/>
-              </a:lnSpc>
-              <a:spcBef>
-                <a:spcPct val="0"/>
-              </a:spcBef>
-              <a:buNone/>
-              <a:defRPr sz="4400" kern="1200">
-                <a:solidFill>
-                  <a:schemeClr val="tx1"/>
-                </a:solidFill>
-                <a:latin typeface="+mj-lt"/>
-                <a:ea typeface="+mj-ea"/>
-                <a:cs typeface="+mj-cs"/>
-              </a:defRPr>
-            </a:lvl1pPr>
-          </a:lstStyle>
-          <a:p>
-            <a:r>
-              <a:rPr lang="en-US" sz="3600"/>
-              <a:t>Automated Grading</a:t>
-            </a:r>
+          <a:lstStyle/>
+          <a:p>
+            <a:r>
+              <a:rPr lang="en-US"/>
+              <a:t>Creating Assignments</a:t>
+            </a:r>
+          </a:p>
+        </p:txBody>
+      </p:sp>
+      <p:sp>
+        <p:nvSpPr>
+          <p:cNvPr id="6" name="Content Placeholder 5">
+            <a:extLst>
+              <a:ext uri="{FF2B5EF4-FFF2-40B4-BE49-F238E27FC236}">
+                <a16:creationId xmlns:a16="http://schemas.microsoft.com/office/drawing/2014/main" id="{F38D595B-A938-4095-9B2C-B71EB9620166}"/>
+              </a:ext>
+            </a:extLst>
+          </p:cNvPr>
+          <p:cNvSpPr>
+            <a:spLocks noGrp="1"/>
+          </p:cNvSpPr>
+          <p:nvPr>
+            <p:ph idx="1"/>
+          </p:nvPr>
+        </p:nvSpPr>
+        <p:spPr>
+          <a:xfrm>
+            <a:off x="838200" y="1352391"/>
+            <a:ext cx="10515600" cy="5281674"/>
+          </a:xfrm>
+        </p:spPr>
+        <p:txBody>
+          <a:bodyPr/>
+          <a:lstStyle/>
+          <a:p>
+            <a:r>
+              <a:rPr lang="en-US"/>
+              <a:t>Provide the assignment invitation link to your students</a:t>
+            </a:r>
+          </a:p>
+          <a:p>
+            <a:endParaRPr lang="en-US"/>
+          </a:p>
+          <a:p>
+            <a:endParaRPr lang="en-US"/>
+          </a:p>
+          <a:p>
+            <a:endParaRPr lang="en-US"/>
           </a:p>
         </p:txBody>
       </p:sp>
       <p:pic>
         <p:nvPicPr>
-          <p:cNvPr id="11" name="Picture 10">
-            <a:extLst>
-              <a:ext uri="{FF2B5EF4-FFF2-40B4-BE49-F238E27FC236}">
-                <a16:creationId xmlns:a16="http://schemas.microsoft.com/office/drawing/2014/main" id="{3E21B653-1684-FC96-96E1-FD4DBB603EF0}"/>
+          <p:cNvPr id="5" name="Picture 4">
+            <a:extLst>
+              <a:ext uri="{FF2B5EF4-FFF2-40B4-BE49-F238E27FC236}">
+                <a16:creationId xmlns:a16="http://schemas.microsoft.com/office/drawing/2014/main" id="{C17DA8FE-37DB-8E88-7E6A-A93FEF1C4A51}"/>
               </a:ext>
             </a:extLst>
           </p:cNvPr>
@@ -6311,8 +6244,8 @@
         </p:blipFill>
         <p:spPr>
           <a:xfrm>
-            <a:off x="7979080" y="374291"/>
-            <a:ext cx="3572117" cy="5550520"/>
+            <a:off x="3388290" y="1949488"/>
+            <a:ext cx="5596763" cy="3767781"/>
           </a:xfrm>
           <a:prstGeom prst="rect">
             <a:avLst/>
@@ -6321,99 +6254,60 @@
       </p:pic>
       <p:sp>
         <p:nvSpPr>
-          <p:cNvPr id="15" name="Content Placeholder 14">
-            <a:extLst>
-              <a:ext uri="{FF2B5EF4-FFF2-40B4-BE49-F238E27FC236}">
-                <a16:creationId xmlns:a16="http://schemas.microsoft.com/office/drawing/2014/main" id="{03F39FC3-2893-F29A-1BAE-4825098AFD2E}"/>
-              </a:ext>
-            </a:extLst>
-          </p:cNvPr>
-          <p:cNvSpPr>
-            <a:spLocks noGrp="1"/>
-          </p:cNvSpPr>
-          <p:nvPr>
-            <p:ph idx="1"/>
-          </p:nvPr>
-        </p:nvSpPr>
-        <p:spPr>
-          <a:xfrm>
-            <a:off x="640804" y="1334023"/>
-            <a:ext cx="6924918" cy="4515240"/>
-          </a:xfrm>
-        </p:spPr>
-        <p:txBody>
-          <a:bodyPr>
-            <a:normAutofit/>
-          </a:bodyPr>
+          <p:cNvPr id="7" name="Oval 6">
+            <a:extLst>
+              <a:ext uri="{FF2B5EF4-FFF2-40B4-BE49-F238E27FC236}">
+                <a16:creationId xmlns:a16="http://schemas.microsoft.com/office/drawing/2014/main" id="{0B700B1B-892D-26C8-3351-035445A8348B}"/>
+              </a:ext>
+            </a:extLst>
+          </p:cNvPr>
+          <p:cNvSpPr/>
+          <p:nvPr/>
+        </p:nvSpPr>
+        <p:spPr>
+          <a:xfrm>
+            <a:off x="4254136" y="5010337"/>
+            <a:ext cx="4013042" cy="851844"/>
+          </a:xfrm>
+          <a:prstGeom prst="ellipse">
+            <a:avLst/>
+          </a:prstGeom>
+          <a:noFill/>
+          <a:ln w="38100">
+            <a:solidFill>
+              <a:srgbClr val="FF0000"/>
+            </a:solidFill>
+          </a:ln>
+        </p:spPr>
+        <p:style>
+          <a:lnRef idx="2">
+            <a:schemeClr val="accent1">
+              <a:shade val="50000"/>
+            </a:schemeClr>
+          </a:lnRef>
+          <a:fillRef idx="1">
+            <a:schemeClr val="accent1"/>
+          </a:fillRef>
+          <a:effectRef idx="0">
+            <a:schemeClr val="accent1"/>
+          </a:effectRef>
+          <a:fontRef idx="minor">
+            <a:schemeClr val="lt1"/>
+          </a:fontRef>
+        </p:style>
+        <p:txBody>
+          <a:bodyPr rtlCol="0" anchor="ctr"/>
           <a:lstStyle/>
           <a:p>
-            <a:r>
-              <a:rPr lang="en-US"/>
-              <a:t>I used the following parameters:</a:t>
-            </a:r>
-          </a:p>
-          <a:p>
-            <a:pPr lvl="1"/>
-            <a:r>
-              <a:rPr lang="en-US"/>
-              <a:t>Test name: Simple Test</a:t>
-            </a:r>
-          </a:p>
-          <a:p>
-            <a:pPr lvl="1"/>
-            <a:r>
-              <a:rPr lang="en-US"/>
-              <a:t>Setup command: javac KitchenConverter.java</a:t>
-            </a:r>
-          </a:p>
-          <a:p>
-            <a:pPr lvl="1"/>
-            <a:r>
-              <a:rPr lang="en-US"/>
-              <a:t>(builds the students application)</a:t>
-            </a:r>
-          </a:p>
-          <a:p>
-            <a:pPr lvl="1"/>
-            <a:r>
-              <a:rPr lang="en-US"/>
-              <a:t>Run command:</a:t>
-            </a:r>
-          </a:p>
-          <a:p>
-            <a:pPr lvl="1"/>
-            <a:r>
-              <a:rPr lang="en-US"/>
-              <a:t>java KitchenConverter 5.5   (application requires command line input)</a:t>
-            </a:r>
-          </a:p>
-          <a:p>
-            <a:pPr lvl="1"/>
-            <a:r>
-              <a:rPr lang="en-US"/>
-              <a:t>Expected output: 5.50 cups is 88.00 tablespoons</a:t>
-            </a:r>
-          </a:p>
-          <a:p>
-            <a:pPr lvl="1"/>
-            <a:r>
-              <a:rPr lang="en-US"/>
-              <a:t>Timeout: 10 minutes (default)</a:t>
-            </a:r>
-          </a:p>
-          <a:p>
-            <a:pPr lvl="1"/>
-            <a:r>
-              <a:rPr lang="en-US"/>
-              <a:t>Points (optional): not specified</a:t>
-            </a:r>
+            <a:pPr algn="ctr"/>
+            <a:endParaRPr lang="en-US"/>
           </a:p>
         </p:txBody>
       </p:sp>
     </p:spTree>
     <p:extLst>
       <p:ext uri="{BB962C8B-B14F-4D97-AF65-F5344CB8AC3E}">
-        <p14:creationId xmlns:p14="http://schemas.microsoft.com/office/powerpoint/2010/main" val="3930067443"/>
+        <p14:creationId xmlns:p14="http://schemas.microsoft.com/office/powerpoint/2010/main" val="2928629178"/>
       </p:ext>
     </p:extLst>
   </p:cSld>
@@ -6442,64 +6336,10 @@
       </p:grpSpPr>
       <p:sp>
         <p:nvSpPr>
-          <p:cNvPr id="2" name="Title 3">
-            <a:extLst>
-              <a:ext uri="{FF2B5EF4-FFF2-40B4-BE49-F238E27FC236}">
-                <a16:creationId xmlns:a16="http://schemas.microsoft.com/office/drawing/2014/main" id="{D10DF660-D678-95E2-0724-B10EE41958AC}"/>
-              </a:ext>
-            </a:extLst>
-          </p:cNvPr>
-          <p:cNvSpPr txBox="1">
-            <a:spLocks/>
-          </p:cNvSpPr>
-          <p:nvPr/>
-        </p:nvSpPr>
-        <p:spPr>
-          <a:xfrm>
-            <a:off x="838201" y="173876"/>
-            <a:ext cx="10833847" cy="706658"/>
-          </a:xfrm>
-          <a:prstGeom prst="rect">
-            <a:avLst/>
-          </a:prstGeom>
-        </p:spPr>
-        <p:txBody>
-          <a:bodyPr vert="horz" lIns="91440" tIns="45720" rIns="91440" bIns="45720" rtlCol="0" anchor="ctr">
-            <a:normAutofit/>
-          </a:bodyPr>
-          <a:lstStyle>
-            <a:lvl1pPr algn="l" defTabSz="914400" rtl="0" eaLnBrk="1" latinLnBrk="0" hangingPunct="1">
-              <a:lnSpc>
-                <a:spcPct val="90000"/>
-              </a:lnSpc>
-              <a:spcBef>
-                <a:spcPct val="0"/>
-              </a:spcBef>
-              <a:buNone/>
-              <a:defRPr sz="4400" kern="1200">
-                <a:solidFill>
-                  <a:schemeClr val="tx1"/>
-                </a:solidFill>
-                <a:latin typeface="+mj-lt"/>
-                <a:ea typeface="+mj-ea"/>
-                <a:cs typeface="+mj-cs"/>
-              </a:defRPr>
-            </a:lvl1pPr>
-          </a:lstStyle>
-          <a:p>
-            <a:r>
-              <a:rPr lang="en-US" sz="3600"/>
-              <a:t>Automated Grading</a:t>
-            </a:r>
-          </a:p>
-        </p:txBody>
-      </p:sp>
-      <p:sp>
-        <p:nvSpPr>
-          <p:cNvPr id="8" name="Title 3">
-            <a:extLst>
-              <a:ext uri="{FF2B5EF4-FFF2-40B4-BE49-F238E27FC236}">
-                <a16:creationId xmlns:a16="http://schemas.microsoft.com/office/drawing/2014/main" id="{796CC2A3-F9B6-2D1D-F3F2-9412C75FB61F}"/>
+          <p:cNvPr id="2" name="Title 1">
+            <a:extLst>
+              <a:ext uri="{FF2B5EF4-FFF2-40B4-BE49-F238E27FC236}">
+                <a16:creationId xmlns:a16="http://schemas.microsoft.com/office/drawing/2014/main" id="{0E5E0E14-EF30-4D17-8457-8E5D1E9495F7}"/>
               </a:ext>
             </a:extLst>
           </p:cNvPr>
@@ -6512,8 +6352,8 @@
         </p:nvSpPr>
         <p:spPr>
           <a:xfrm>
-            <a:off x="1572929" y="1115880"/>
-            <a:ext cx="7996956" cy="706658"/>
+            <a:off x="838200" y="365125"/>
+            <a:ext cx="10515600" cy="605161"/>
           </a:xfrm>
         </p:spPr>
         <p:txBody>
@@ -6522,28 +6362,61 @@
           </a:bodyPr>
           <a:lstStyle/>
           <a:p>
-            <a:pPr marL="284163" indent="-284163">
-              <a:buFont typeface="Arial" panose="020B0604020202020204" pitchFamily="34" charset="0"/>
-              <a:buChar char="•"/>
-            </a:pPr>
-            <a:r>
-              <a:rPr lang="en-US" sz="2800">
-                <a:latin typeface="Calibri (Body)"/>
-              </a:rPr>
-              <a:t>The assignment repo is created with two folders: .github/classroom and .github/workflows</a:t>
-            </a:r>
-            <a:endParaRPr lang="en-US" sz="2800" dirty="0">
-              <a:latin typeface="Calibri (Body)"/>
-            </a:endParaRPr>
+            <a:r>
+              <a:rPr lang="en-US"/>
+              <a:t>Creating Assignments</a:t>
+            </a:r>
+          </a:p>
+        </p:txBody>
+      </p:sp>
+      <p:sp>
+        <p:nvSpPr>
+          <p:cNvPr id="6" name="Content Placeholder 5">
+            <a:extLst>
+              <a:ext uri="{FF2B5EF4-FFF2-40B4-BE49-F238E27FC236}">
+                <a16:creationId xmlns:a16="http://schemas.microsoft.com/office/drawing/2014/main" id="{F38D595B-A938-4095-9B2C-B71EB9620166}"/>
+              </a:ext>
+            </a:extLst>
+          </p:cNvPr>
+          <p:cNvSpPr>
+            <a:spLocks noGrp="1"/>
+          </p:cNvSpPr>
+          <p:nvPr>
+            <p:ph idx="1"/>
+          </p:nvPr>
+        </p:nvSpPr>
+        <p:spPr>
+          <a:xfrm>
+            <a:off x="838200" y="1183711"/>
+            <a:ext cx="10515600" cy="4809994"/>
+          </a:xfrm>
+        </p:spPr>
+        <p:txBody>
+          <a:bodyPr/>
+          <a:lstStyle/>
+          <a:p>
+            <a:r>
+              <a:rPr lang="en-US"/>
+              <a:t>Sample assignment in Canvas:</a:t>
+            </a:r>
+          </a:p>
+          <a:p>
+            <a:endParaRPr lang="en-US"/>
+          </a:p>
+          <a:p>
+            <a:endParaRPr lang="en-US"/>
+          </a:p>
+          <a:p>
+            <a:endParaRPr lang="en-US"/>
           </a:p>
         </p:txBody>
       </p:sp>
       <p:pic>
         <p:nvPicPr>
-          <p:cNvPr id="6" name="Picture 5">
-            <a:extLst>
-              <a:ext uri="{FF2B5EF4-FFF2-40B4-BE49-F238E27FC236}">
-                <a16:creationId xmlns:a16="http://schemas.microsoft.com/office/drawing/2014/main" id="{56C02339-F983-6505-2BD9-327C90FD232D}"/>
+          <p:cNvPr id="12" name="Picture 11">
+            <a:extLst>
+              <a:ext uri="{FF2B5EF4-FFF2-40B4-BE49-F238E27FC236}">
+                <a16:creationId xmlns:a16="http://schemas.microsoft.com/office/drawing/2014/main" id="{ECE4C1FF-D06A-76B7-5BF4-95854E331203}"/>
               </a:ext>
             </a:extLst>
           </p:cNvPr>
@@ -6560,25 +6433,18 @@
         </p:blipFill>
         <p:spPr>
           <a:xfrm>
-            <a:off x="2067384" y="2126923"/>
-            <a:ext cx="6215905" cy="3167826"/>
+            <a:off x="3632757" y="1919715"/>
+            <a:ext cx="3924403" cy="3445419"/>
           </a:xfrm>
           <a:prstGeom prst="rect">
             <a:avLst/>
           </a:prstGeom>
-          <a:ln>
-            <a:solidFill>
-              <a:schemeClr val="tx2">
-                <a:lumMod val="50000"/>
-              </a:schemeClr>
-            </a:solidFill>
-          </a:ln>
         </p:spPr>
       </p:pic>
     </p:spTree>
     <p:extLst>
       <p:ext uri="{BB962C8B-B14F-4D97-AF65-F5344CB8AC3E}">
-        <p14:creationId xmlns:p14="http://schemas.microsoft.com/office/powerpoint/2010/main" val="1919731694"/>
+        <p14:creationId xmlns:p14="http://schemas.microsoft.com/office/powerpoint/2010/main" val="2818331506"/>
       </p:ext>
     </p:extLst>
   </p:cSld>
@@ -6607,71 +6473,55 @@
       </p:grpSpPr>
       <p:sp>
         <p:nvSpPr>
-          <p:cNvPr id="2" name="Title 3">
-            <a:extLst>
-              <a:ext uri="{FF2B5EF4-FFF2-40B4-BE49-F238E27FC236}">
-                <a16:creationId xmlns:a16="http://schemas.microsoft.com/office/drawing/2014/main" id="{D10DF660-D678-95E2-0724-B10EE41958AC}"/>
-              </a:ext>
-            </a:extLst>
-          </p:cNvPr>
-          <p:cNvSpPr txBox="1">
-            <a:spLocks/>
-          </p:cNvSpPr>
-          <p:nvPr/>
-        </p:nvSpPr>
-        <p:spPr>
-          <a:xfrm>
-            <a:off x="838201" y="173876"/>
-            <a:ext cx="10833847" cy="706658"/>
-          </a:xfrm>
-          <a:prstGeom prst="rect">
-            <a:avLst/>
-          </a:prstGeom>
-        </p:spPr>
-        <p:txBody>
-          <a:bodyPr vert="horz" lIns="91440" tIns="45720" rIns="91440" bIns="45720" rtlCol="0" anchor="ctr">
+          <p:cNvPr id="4" name="Title 3">
+            <a:extLst>
+              <a:ext uri="{FF2B5EF4-FFF2-40B4-BE49-F238E27FC236}">
+                <a16:creationId xmlns:a16="http://schemas.microsoft.com/office/drawing/2014/main" id="{14D470DA-3582-C890-F21A-EB95E0DFF854}"/>
+              </a:ext>
+            </a:extLst>
+          </p:cNvPr>
+          <p:cNvSpPr>
+            <a:spLocks noGrp="1"/>
+          </p:cNvSpPr>
+          <p:nvPr>
+            <p:ph type="title"/>
+          </p:nvPr>
+        </p:nvSpPr>
+        <p:spPr>
+          <a:xfrm>
+            <a:off x="838200" y="137997"/>
+            <a:ext cx="10515600" cy="885479"/>
+          </a:xfrm>
+        </p:spPr>
+        <p:txBody>
+          <a:bodyPr>
             <a:normAutofit/>
           </a:bodyPr>
-          <a:lstStyle>
-            <a:lvl1pPr algn="l" defTabSz="914400" rtl="0" eaLnBrk="1" latinLnBrk="0" hangingPunct="1">
-              <a:lnSpc>
-                <a:spcPct val="90000"/>
-              </a:lnSpc>
-              <a:spcBef>
-                <a:spcPct val="0"/>
-              </a:spcBef>
-              <a:buNone/>
-              <a:defRPr sz="4400" kern="1200">
-                <a:solidFill>
-                  <a:schemeClr val="tx1"/>
-                </a:solidFill>
-                <a:latin typeface="+mj-lt"/>
-                <a:ea typeface="+mj-ea"/>
-                <a:cs typeface="+mj-cs"/>
-              </a:defRPr>
-            </a:lvl1pPr>
-          </a:lstStyle>
-          <a:p>
-            <a:r>
-              <a:rPr lang="en-US" sz="3600"/>
-              <a:t>Automated Grading using Workflows</a:t>
-            </a:r>
+          <a:lstStyle/>
+          <a:p>
+            <a:r>
+              <a:rPr lang="en-US" sz="4000"/>
+              <a:t>Grading Assignments</a:t>
+            </a:r>
+            <a:endParaRPr lang="en-US" sz="4000" dirty="0"/>
           </a:p>
         </p:txBody>
       </p:sp>
       <p:pic>
         <p:nvPicPr>
-          <p:cNvPr id="4" name="Picture 3">
-            <a:extLst>
-              <a:ext uri="{FF2B5EF4-FFF2-40B4-BE49-F238E27FC236}">
-                <a16:creationId xmlns:a16="http://schemas.microsoft.com/office/drawing/2014/main" id="{BF043FEF-4C8B-C060-1628-ADC8856B1264}"/>
+          <p:cNvPr id="7" name="Content Placeholder 6">
+            <a:extLst>
+              <a:ext uri="{FF2B5EF4-FFF2-40B4-BE49-F238E27FC236}">
+                <a16:creationId xmlns:a16="http://schemas.microsoft.com/office/drawing/2014/main" id="{4BC7B1C0-C35E-5588-E0F2-1D1F7EC77E29}"/>
               </a:ext>
             </a:extLst>
           </p:cNvPr>
           <p:cNvPicPr>
-            <a:picLocks noChangeAspect="1"/>
+            <a:picLocks noGrp="1" noChangeAspect="1"/>
           </p:cNvPicPr>
-          <p:nvPr/>
+          <p:nvPr>
+            <p:ph idx="1"/>
+          </p:nvPr>
         </p:nvPicPr>
         <p:blipFill>
           <a:blip r:embed="rId2"/>
@@ -6681,69 +6531,116 @@
         </p:blipFill>
         <p:spPr>
           <a:xfrm>
-            <a:off x="2449488" y="1999345"/>
-            <a:ext cx="7380707" cy="3635924"/>
+            <a:off x="3531136" y="2323779"/>
+            <a:ext cx="4959605" cy="3124361"/>
+          </a:xfrm>
+        </p:spPr>
+      </p:pic>
+      <p:sp>
+        <p:nvSpPr>
+          <p:cNvPr id="8" name="Oval 7">
+            <a:extLst>
+              <a:ext uri="{FF2B5EF4-FFF2-40B4-BE49-F238E27FC236}">
+                <a16:creationId xmlns:a16="http://schemas.microsoft.com/office/drawing/2014/main" id="{E12202BA-2B9C-F868-22E0-1C0F7DCDA006}"/>
+              </a:ext>
+            </a:extLst>
+          </p:cNvPr>
+          <p:cNvSpPr/>
+          <p:nvPr/>
+        </p:nvSpPr>
+        <p:spPr>
+          <a:xfrm>
+            <a:off x="3858016" y="4271155"/>
+            <a:ext cx="3283238" cy="307108"/>
+          </a:xfrm>
+          <a:prstGeom prst="ellipse">
+            <a:avLst/>
+          </a:prstGeom>
+          <a:noFill/>
+          <a:ln w="38100">
+            <a:solidFill>
+              <a:srgbClr val="FF0000"/>
+            </a:solidFill>
+          </a:ln>
+        </p:spPr>
+        <p:style>
+          <a:lnRef idx="2">
+            <a:schemeClr val="accent1">
+              <a:shade val="50000"/>
+            </a:schemeClr>
+          </a:lnRef>
+          <a:fillRef idx="1">
+            <a:schemeClr val="accent1"/>
+          </a:fillRef>
+          <a:effectRef idx="0">
+            <a:schemeClr val="accent1"/>
+          </a:effectRef>
+          <a:fontRef idx="minor">
+            <a:schemeClr val="lt1"/>
+          </a:fontRef>
+        </p:style>
+        <p:txBody>
+          <a:bodyPr rtlCol="0" anchor="ctr"/>
+          <a:lstStyle/>
+          <a:p>
+            <a:pPr algn="ctr"/>
+            <a:endParaRPr lang="en-US"/>
+          </a:p>
+        </p:txBody>
+      </p:sp>
+      <p:sp>
+        <p:nvSpPr>
+          <p:cNvPr id="3" name="TextBox 2">
+            <a:extLst>
+              <a:ext uri="{FF2B5EF4-FFF2-40B4-BE49-F238E27FC236}">
+                <a16:creationId xmlns:a16="http://schemas.microsoft.com/office/drawing/2014/main" id="{B8347CA1-C0C4-A6F2-F0FC-E3934D67313C}"/>
+              </a:ext>
+            </a:extLst>
+          </p:cNvPr>
+          <p:cNvSpPr txBox="1"/>
+          <p:nvPr/>
+        </p:nvSpPr>
+        <p:spPr>
+          <a:xfrm>
+            <a:off x="1027813" y="1119799"/>
+            <a:ext cx="9966252" cy="954107"/>
           </a:xfrm>
           <a:prstGeom prst="rect">
             <a:avLst/>
           </a:prstGeom>
-          <a:ln>
-            <a:solidFill>
-              <a:schemeClr val="tx2">
-                <a:lumMod val="50000"/>
-              </a:schemeClr>
-            </a:solidFill>
-          </a:ln>
-        </p:spPr>
-      </p:pic>
-      <p:sp>
-        <p:nvSpPr>
-          <p:cNvPr id="9" name="Title 3">
-            <a:extLst>
-              <a:ext uri="{FF2B5EF4-FFF2-40B4-BE49-F238E27FC236}">
-                <a16:creationId xmlns:a16="http://schemas.microsoft.com/office/drawing/2014/main" id="{A9AFBB85-880F-8523-4E37-A6901B3D2CF7}"/>
-              </a:ext>
-            </a:extLst>
-          </p:cNvPr>
-          <p:cNvSpPr>
-            <a:spLocks noGrp="1"/>
-          </p:cNvSpPr>
-          <p:nvPr>
-            <p:ph type="title"/>
-          </p:nvPr>
-        </p:nvSpPr>
-        <p:spPr>
-          <a:xfrm>
-            <a:off x="1572929" y="1115880"/>
-            <a:ext cx="7996956" cy="706658"/>
-          </a:xfrm>
-        </p:spPr>
-        <p:txBody>
-          <a:bodyPr>
-            <a:normAutofit/>
+          <a:noFill/>
+        </p:spPr>
+        <p:txBody>
+          <a:bodyPr wrap="square">
+            <a:spAutoFit/>
           </a:bodyPr>
           <a:lstStyle/>
           <a:p>
-            <a:pPr marL="284163" indent="-284163">
+            <a:pPr marL="285750" indent="-285750">
               <a:buFont typeface="Arial" panose="020B0604020202020204" pitchFamily="34" charset="0"/>
               <a:buChar char="•"/>
             </a:pPr>
             <a:r>
-              <a:rPr lang="en-US" sz="2800">
-                <a:latin typeface="Calibri (Body)"/>
-              </a:rPr>
-              <a:t>The classroom folder contains a JSON input file</a:t>
-            </a:r>
-            <a:endParaRPr lang="en-US" sz="2800" dirty="0">
-              <a:latin typeface="Calibri (Body)"/>
-            </a:endParaRPr>
+              <a:rPr lang="en-US" sz="2800"/>
+              <a:t>Log in to GitHub Classroom and Select the Course Assignment</a:t>
+            </a:r>
+          </a:p>
+          <a:p>
+            <a:pPr marL="742950" lvl="1" indent="-285750">
+              <a:buFont typeface="Arial" panose="020B0604020202020204" pitchFamily="34" charset="0"/>
+              <a:buChar char="•"/>
+            </a:pPr>
+            <a:r>
+              <a:rPr lang="en-US" sz="2800"/>
+              <a:t>https://classroom.github.com/classrooms</a:t>
+            </a:r>
           </a:p>
         </p:txBody>
       </p:sp>
     </p:spTree>
     <p:extLst>
       <p:ext uri="{BB962C8B-B14F-4D97-AF65-F5344CB8AC3E}">
-        <p14:creationId xmlns:p14="http://schemas.microsoft.com/office/powerpoint/2010/main" val="713096528"/>
+        <p14:creationId xmlns:p14="http://schemas.microsoft.com/office/powerpoint/2010/main" val="4053734894"/>
       </p:ext>
     </p:extLst>
   </p:cSld>
@@ -6772,10 +6669,67 @@
       </p:grpSpPr>
       <p:sp>
         <p:nvSpPr>
+          <p:cNvPr id="4" name="Title 3">
+            <a:extLst>
+              <a:ext uri="{FF2B5EF4-FFF2-40B4-BE49-F238E27FC236}">
+                <a16:creationId xmlns:a16="http://schemas.microsoft.com/office/drawing/2014/main" id="{14D470DA-3582-C890-F21A-EB95E0DFF854}"/>
+              </a:ext>
+            </a:extLst>
+          </p:cNvPr>
+          <p:cNvSpPr>
+            <a:spLocks noGrp="1"/>
+          </p:cNvSpPr>
+          <p:nvPr>
+            <p:ph type="title"/>
+          </p:nvPr>
+        </p:nvSpPr>
+        <p:spPr>
+          <a:xfrm>
+            <a:off x="1109122" y="1023476"/>
+            <a:ext cx="6560497" cy="683955"/>
+          </a:xfrm>
+        </p:spPr>
+        <p:txBody>
+          <a:bodyPr>
+            <a:normAutofit/>
+          </a:bodyPr>
+          <a:lstStyle/>
+          <a:p>
+            <a:pPr marL="227013" indent="-227013">
+              <a:buFont typeface="Arial" panose="020B0604020202020204" pitchFamily="34" charset="0"/>
+              <a:buChar char="•"/>
+            </a:pPr>
+            <a:r>
+              <a:rPr lang="en-US" sz="2800" dirty="0">
+                <a:latin typeface="Calibri (Body)"/>
+                <a:ea typeface="+mn-ea"/>
+                <a:cs typeface="+mn-cs"/>
+              </a:rPr>
+              <a:t>Select</a:t>
+            </a:r>
+            <a:r>
+              <a:rPr lang="en-US" sz="4000" dirty="0">
+                <a:latin typeface="Calibri (Body)"/>
+              </a:rPr>
+              <a:t> </a:t>
+            </a:r>
+            <a:r>
+              <a:rPr lang="en-US" sz="2800" dirty="0">
+                <a:latin typeface="Calibri (Body)"/>
+                <a:ea typeface="+mn-ea"/>
+                <a:cs typeface="+mn-cs"/>
+              </a:rPr>
+              <a:t>the "Go to repo" Icon</a:t>
+            </a:r>
+          </a:p>
+        </p:txBody>
+      </p:sp>
+      <p:sp>
+        <p:nvSpPr>
           <p:cNvPr id="2" name="Title 3">
             <a:extLst>
               <a:ext uri="{FF2B5EF4-FFF2-40B4-BE49-F238E27FC236}">
-                <a16:creationId xmlns:a16="http://schemas.microsoft.com/office/drawing/2014/main" id="{D10DF660-D678-95E2-0724-B10EE41958AC}"/>
+                <a16:creationId xmlns:a16="http://schemas.microsoft.com/office/drawing/2014/main" id="{2C5BA1B7-CD71-52D9-9E71-1634FCE42F21}"/>
               </a:ext>
             </a:extLst>
           </p:cNvPr>
@@ -6786,8 +6740,8 @@
         </p:nvSpPr>
         <p:spPr>
           <a:xfrm>
-            <a:off x="838201" y="173876"/>
-            <a:ext cx="10833847" cy="706658"/>
+            <a:off x="838200" y="137997"/>
+            <a:ext cx="10515600" cy="885479"/>
           </a:xfrm>
           <a:prstGeom prst="rect">
             <a:avLst/>
@@ -6818,25 +6772,28 @@
           </a:lstStyle>
           <a:p>
             <a:r>
-              <a:rPr lang="en-US" sz="3600"/>
-              <a:t>Automated Grading</a:t>
-            </a:r>
+              <a:rPr lang="en-US" sz="4000"/>
+              <a:t>Grading Assignments</a:t>
+            </a:r>
+            <a:endParaRPr lang="en-US" sz="4000" dirty="0"/>
           </a:p>
         </p:txBody>
       </p:sp>
       <p:pic>
         <p:nvPicPr>
-          <p:cNvPr id="5" name="Picture 4">
-            <a:extLst>
-              <a:ext uri="{FF2B5EF4-FFF2-40B4-BE49-F238E27FC236}">
-                <a16:creationId xmlns:a16="http://schemas.microsoft.com/office/drawing/2014/main" id="{4BE375E1-481D-7932-35CA-A44F828F31B5}"/>
+          <p:cNvPr id="10" name="Content Placeholder 9">
+            <a:extLst>
+              <a:ext uri="{FF2B5EF4-FFF2-40B4-BE49-F238E27FC236}">
+                <a16:creationId xmlns:a16="http://schemas.microsoft.com/office/drawing/2014/main" id="{AF34A634-7131-D818-FEA5-A5E01540924E}"/>
               </a:ext>
             </a:extLst>
           </p:cNvPr>
           <p:cNvPicPr>
-            <a:picLocks noChangeAspect="1"/>
+            <a:picLocks noGrp="1" noChangeAspect="1"/>
           </p:cNvPicPr>
-          <p:nvPr/>
+          <p:nvPr>
+            <p:ph idx="1"/>
+          </p:nvPr>
         </p:nvPicPr>
         <p:blipFill>
           <a:blip r:embed="rId2"/>
@@ -6846,64 +6803,67 @@
         </p:blipFill>
         <p:spPr>
           <a:xfrm>
-            <a:off x="3899168" y="1048992"/>
-            <a:ext cx="7202488" cy="4509495"/>
-          </a:xfrm>
-          <a:prstGeom prst="rect">
-            <a:avLst/>
-          </a:prstGeom>
-          <a:ln>
-            <a:solidFill>
-              <a:schemeClr val="tx2">
-                <a:lumMod val="50000"/>
-              </a:schemeClr>
-            </a:solidFill>
-          </a:ln>
+            <a:off x="1320128" y="1839852"/>
+            <a:ext cx="8705646" cy="3844741"/>
+          </a:xfrm>
         </p:spPr>
       </p:pic>
       <p:sp>
         <p:nvSpPr>
-          <p:cNvPr id="7" name="TextBox 6">
-            <a:extLst>
-              <a:ext uri="{FF2B5EF4-FFF2-40B4-BE49-F238E27FC236}">
-                <a16:creationId xmlns:a16="http://schemas.microsoft.com/office/drawing/2014/main" id="{406A1628-3662-2DA4-574F-11D630C7EF77}"/>
-              </a:ext>
-            </a:extLst>
-          </p:cNvPr>
-          <p:cNvSpPr txBox="1"/>
+          <p:cNvPr id="8" name="Oval 7">
+            <a:extLst>
+              <a:ext uri="{FF2B5EF4-FFF2-40B4-BE49-F238E27FC236}">
+                <a16:creationId xmlns:a16="http://schemas.microsoft.com/office/drawing/2014/main" id="{E12202BA-2B9C-F868-22E0-1C0F7DCDA006}"/>
+              </a:ext>
+            </a:extLst>
+          </p:cNvPr>
+          <p:cNvSpPr/>
           <p:nvPr/>
         </p:nvSpPr>
         <p:spPr>
           <a:xfrm>
-            <a:off x="932148" y="1008220"/>
-            <a:ext cx="2525036" cy="523220"/>
-          </a:xfrm>
-          <a:prstGeom prst="rect">
+            <a:off x="8401285" y="4868307"/>
+            <a:ext cx="2241177" cy="555811"/>
+          </a:xfrm>
+          <a:prstGeom prst="ellipse">
             <a:avLst/>
           </a:prstGeom>
           <a:noFill/>
-        </p:spPr>
-        <p:txBody>
-          <a:bodyPr wrap="square">
-            <a:spAutoFit/>
-          </a:bodyPr>
+          <a:ln w="38100">
+            <a:solidFill>
+              <a:srgbClr val="FF0000"/>
+            </a:solidFill>
+          </a:ln>
+        </p:spPr>
+        <p:style>
+          <a:lnRef idx="2">
+            <a:schemeClr val="accent1">
+              <a:shade val="50000"/>
+            </a:schemeClr>
+          </a:lnRef>
+          <a:fillRef idx="1">
+            <a:schemeClr val="accent1"/>
+          </a:fillRef>
+          <a:effectRef idx="0">
+            <a:schemeClr val="accent1"/>
+          </a:effectRef>
+          <a:fontRef idx="minor">
+            <a:schemeClr val="lt1"/>
+          </a:fontRef>
+        </p:style>
+        <p:txBody>
+          <a:bodyPr rtlCol="0" anchor="ctr"/>
           <a:lstStyle/>
           <a:p>
-            <a:pPr marL="169863" indent="-169863">
-              <a:buFont typeface="Arial" panose="020B0604020202020204" pitchFamily="34" charset="0"/>
-              <a:buChar char="•"/>
-            </a:pPr>
-            <a:r>
-              <a:rPr lang="en-US" sz="2800"/>
-              <a:t>JSON input file</a:t>
-            </a:r>
+            <a:pPr algn="ctr"/>
+            <a:endParaRPr lang="en-US" dirty="0"/>
           </a:p>
         </p:txBody>
       </p:sp>
     </p:spTree>
     <p:extLst>
       <p:ext uri="{BB962C8B-B14F-4D97-AF65-F5344CB8AC3E}">
-        <p14:creationId xmlns:p14="http://schemas.microsoft.com/office/powerpoint/2010/main" val="3187325286"/>
+        <p14:creationId xmlns:p14="http://schemas.microsoft.com/office/powerpoint/2010/main" val="1631127244"/>
       </p:ext>
     </p:extLst>
   </p:cSld>
@@ -6930,12 +6890,94 @@
           <a:chExt cx="0" cy="0"/>
         </a:xfrm>
       </p:grpSpPr>
+      <p:pic>
+        <p:nvPicPr>
+          <p:cNvPr id="11" name="Content Placeholder 5">
+            <a:extLst>
+              <a:ext uri="{FF2B5EF4-FFF2-40B4-BE49-F238E27FC236}">
+                <a16:creationId xmlns:a16="http://schemas.microsoft.com/office/drawing/2014/main" id="{458A8510-5D54-3347-4FBF-BF1944D25FB3}"/>
+              </a:ext>
+            </a:extLst>
+          </p:cNvPr>
+          <p:cNvPicPr>
+            <a:picLocks noChangeAspect="1"/>
+          </p:cNvPicPr>
+          <p:nvPr/>
+        </p:nvPicPr>
+        <p:blipFill>
+          <a:blip r:embed="rId2"/>
+          <a:stretch>
+            <a:fillRect/>
+          </a:stretch>
+        </p:blipFill>
+        <p:spPr>
+          <a:xfrm>
+            <a:off x="1552353" y="1809832"/>
+            <a:ext cx="8584924" cy="4116385"/>
+          </a:xfrm>
+          <a:prstGeom prst="rect">
+            <a:avLst/>
+          </a:prstGeom>
+        </p:spPr>
+      </p:pic>
+      <p:sp>
+        <p:nvSpPr>
+          <p:cNvPr id="8" name="Oval 7">
+            <a:extLst>
+              <a:ext uri="{FF2B5EF4-FFF2-40B4-BE49-F238E27FC236}">
+                <a16:creationId xmlns:a16="http://schemas.microsoft.com/office/drawing/2014/main" id="{E12202BA-2B9C-F868-22E0-1C0F7DCDA006}"/>
+              </a:ext>
+            </a:extLst>
+          </p:cNvPr>
+          <p:cNvSpPr/>
+          <p:nvPr/>
+        </p:nvSpPr>
+        <p:spPr>
+          <a:xfrm>
+            <a:off x="6947646" y="3236362"/>
+            <a:ext cx="842682" cy="519952"/>
+          </a:xfrm>
+          <a:prstGeom prst="ellipse">
+            <a:avLst/>
+          </a:prstGeom>
+          <a:noFill/>
+          <a:ln w="38100">
+            <a:solidFill>
+              <a:srgbClr val="FF0000"/>
+            </a:solidFill>
+          </a:ln>
+        </p:spPr>
+        <p:style>
+          <a:lnRef idx="2">
+            <a:schemeClr val="accent1">
+              <a:shade val="50000"/>
+            </a:schemeClr>
+          </a:lnRef>
+          <a:fillRef idx="1">
+            <a:schemeClr val="accent1"/>
+          </a:fillRef>
+          <a:effectRef idx="0">
+            <a:schemeClr val="accent1"/>
+          </a:effectRef>
+          <a:fontRef idx="minor">
+            <a:schemeClr val="lt1"/>
+          </a:fontRef>
+        </p:style>
+        <p:txBody>
+          <a:bodyPr rtlCol="0" anchor="ctr"/>
+          <a:lstStyle/>
+          <a:p>
+            <a:pPr algn="ctr"/>
+            <a:endParaRPr lang="en-US" dirty="0"/>
+          </a:p>
+        </p:txBody>
+      </p:sp>
       <p:sp>
         <p:nvSpPr>
           <p:cNvPr id="2" name="Title 3">
             <a:extLst>
               <a:ext uri="{FF2B5EF4-FFF2-40B4-BE49-F238E27FC236}">
-                <a16:creationId xmlns:a16="http://schemas.microsoft.com/office/drawing/2014/main" id="{D10DF660-D678-95E2-0724-B10EE41958AC}"/>
+                <a16:creationId xmlns:a16="http://schemas.microsoft.com/office/drawing/2014/main" id="{EB7C3A43-9E60-CBCF-56EE-224EE022469D}"/>
               </a:ext>
             </a:extLst>
           </p:cNvPr>
@@ -6946,8 +6988,8 @@
         </p:nvSpPr>
         <p:spPr>
           <a:xfrm>
-            <a:off x="838201" y="173876"/>
-            <a:ext cx="10833847" cy="706658"/>
+            <a:off x="958703" y="1057217"/>
+            <a:ext cx="8993371" cy="683955"/>
           </a:xfrm>
           <a:prstGeom prst="rect">
             <a:avLst/>
@@ -6977,91 +7019,83 @@
             </a:lvl1pPr>
           </a:lstStyle>
           <a:p>
-            <a:r>
-              <a:rPr lang="en-US" sz="3600"/>
-              <a:t>Automated Grading</a:t>
-            </a:r>
-          </a:p>
-        </p:txBody>
-      </p:sp>
-      <p:pic>
-        <p:nvPicPr>
-          <p:cNvPr id="4" name="Picture 3">
-            <a:extLst>
-              <a:ext uri="{FF2B5EF4-FFF2-40B4-BE49-F238E27FC236}">
-                <a16:creationId xmlns:a16="http://schemas.microsoft.com/office/drawing/2014/main" id="{C3FA83FE-8E36-E3AC-0AC0-250F9F976ADC}"/>
-              </a:ext>
-            </a:extLst>
-          </p:cNvPr>
-          <p:cNvPicPr>
-            <a:picLocks noChangeAspect="1"/>
-          </p:cNvPicPr>
+            <a:pPr marL="227013" indent="-227013">
+              <a:buFont typeface="Arial" panose="020B0604020202020204" pitchFamily="34" charset="0"/>
+              <a:buChar char="•"/>
+            </a:pPr>
+            <a:r>
+              <a:rPr lang="en-US" sz="2800">
+                <a:latin typeface="+mn-lt"/>
+              </a:rPr>
+              <a:t>Select "Code" For Download/Access Options</a:t>
+            </a:r>
+            <a:endParaRPr lang="en-US" sz="2800" dirty="0">
+              <a:latin typeface="+mn-lt"/>
+              <a:ea typeface="+mn-ea"/>
+              <a:cs typeface="+mn-cs"/>
+            </a:endParaRPr>
+          </a:p>
+        </p:txBody>
+      </p:sp>
+      <p:sp>
+        <p:nvSpPr>
+          <p:cNvPr id="6" name="Title 3">
+            <a:extLst>
+              <a:ext uri="{FF2B5EF4-FFF2-40B4-BE49-F238E27FC236}">
+                <a16:creationId xmlns:a16="http://schemas.microsoft.com/office/drawing/2014/main" id="{8C9FB336-A0B3-98A6-908B-9AB1449E64B0}"/>
+              </a:ext>
+            </a:extLst>
+          </p:cNvPr>
+          <p:cNvSpPr txBox="1">
+            <a:spLocks/>
+          </p:cNvSpPr>
           <p:nvPr/>
-        </p:nvPicPr>
-        <p:blipFill>
-          <a:blip r:embed="rId2"/>
-          <a:stretch>
-            <a:fillRect/>
-          </a:stretch>
-        </p:blipFill>
-        <p:spPr>
-          <a:xfrm>
-            <a:off x="1962698" y="1971054"/>
-            <a:ext cx="7217417" cy="3064409"/>
+        </p:nvSpPr>
+        <p:spPr>
+          <a:xfrm>
+            <a:off x="838200" y="137997"/>
+            <a:ext cx="10515600" cy="885479"/>
           </a:xfrm>
           <a:prstGeom prst="rect">
             <a:avLst/>
           </a:prstGeom>
         </p:spPr>
-      </p:pic>
-      <p:sp>
-        <p:nvSpPr>
-          <p:cNvPr id="6" name="Title 3">
-            <a:extLst>
-              <a:ext uri="{FF2B5EF4-FFF2-40B4-BE49-F238E27FC236}">
-                <a16:creationId xmlns:a16="http://schemas.microsoft.com/office/drawing/2014/main" id="{E056F7B4-09F9-3222-6BBA-E75835CA2636}"/>
-              </a:ext>
-            </a:extLst>
-          </p:cNvPr>
-          <p:cNvSpPr>
-            <a:spLocks noGrp="1"/>
-          </p:cNvSpPr>
-          <p:nvPr>
-            <p:ph type="title"/>
-          </p:nvPr>
-        </p:nvSpPr>
-        <p:spPr>
-          <a:xfrm>
-            <a:off x="1572929" y="1115880"/>
-            <a:ext cx="7996956" cy="706658"/>
-          </a:xfrm>
-        </p:spPr>
-        <p:txBody>
-          <a:bodyPr>
+        <p:txBody>
+          <a:bodyPr vert="horz" lIns="91440" tIns="45720" rIns="91440" bIns="45720" rtlCol="0" anchor="ctr">
             <a:normAutofit/>
           </a:bodyPr>
-          <a:lstStyle/>
-          <a:p>
-            <a:pPr marL="284163" indent="-284163">
-              <a:buFont typeface="Arial" panose="020B0604020202020204" pitchFamily="34" charset="0"/>
-              <a:buChar char="•"/>
-            </a:pPr>
-            <a:r>
-              <a:rPr lang="en-US" sz="2800">
-                <a:latin typeface="Calibri (Body)"/>
-              </a:rPr>
-              <a:t>The workflows folder contains a YAML workflow file</a:t>
-            </a:r>
-            <a:endParaRPr lang="en-US" sz="2800" dirty="0">
-              <a:latin typeface="Calibri (Body)"/>
-            </a:endParaRPr>
+          <a:lstStyle>
+            <a:lvl1pPr algn="l" defTabSz="914400" rtl="0" eaLnBrk="1" latinLnBrk="0" hangingPunct="1">
+              <a:lnSpc>
+                <a:spcPct val="90000"/>
+              </a:lnSpc>
+              <a:spcBef>
+                <a:spcPct val="0"/>
+              </a:spcBef>
+              <a:buNone/>
+              <a:defRPr sz="4400" kern="1200">
+                <a:solidFill>
+                  <a:schemeClr val="tx1"/>
+                </a:solidFill>
+                <a:latin typeface="+mj-lt"/>
+                <a:ea typeface="+mj-ea"/>
+                <a:cs typeface="+mj-cs"/>
+              </a:defRPr>
+            </a:lvl1pPr>
+          </a:lstStyle>
+          <a:p>
+            <a:r>
+              <a:rPr lang="en-US" sz="4000"/>
+              <a:t>Grading Assignments</a:t>
+            </a:r>
+            <a:endParaRPr lang="en-US" sz="4000" dirty="0"/>
           </a:p>
         </p:txBody>
       </p:sp>
     </p:spTree>
     <p:extLst>
       <p:ext uri="{BB962C8B-B14F-4D97-AF65-F5344CB8AC3E}">
-        <p14:creationId xmlns:p14="http://schemas.microsoft.com/office/powerpoint/2010/main" val="2828443835"/>
+        <p14:creationId xmlns:p14="http://schemas.microsoft.com/office/powerpoint/2010/main" val="1171277466"/>
       </p:ext>
     </p:extLst>
   </p:cSld>
@@ -7090,10 +7124,76 @@
       </p:grpSpPr>
       <p:sp>
         <p:nvSpPr>
+          <p:cNvPr id="4" name="Title 3">
+            <a:extLst>
+              <a:ext uri="{FF2B5EF4-FFF2-40B4-BE49-F238E27FC236}">
+                <a16:creationId xmlns:a16="http://schemas.microsoft.com/office/drawing/2014/main" id="{14D470DA-3582-C890-F21A-EB95E0DFF854}"/>
+              </a:ext>
+            </a:extLst>
+          </p:cNvPr>
+          <p:cNvSpPr>
+            <a:spLocks noGrp="1"/>
+          </p:cNvSpPr>
+          <p:nvPr>
+            <p:ph type="title"/>
+          </p:nvPr>
+        </p:nvSpPr>
+        <p:spPr>
+          <a:xfrm>
+            <a:off x="838201" y="173876"/>
+            <a:ext cx="10833847" cy="979581"/>
+          </a:xfrm>
+        </p:spPr>
+        <p:txBody>
+          <a:bodyPr>
+            <a:normAutofit/>
+          </a:bodyPr>
+          <a:lstStyle/>
+          <a:p>
+            <a:r>
+              <a:rPr lang="en-US" sz="4000"/>
+              <a:t>Grading Assignments</a:t>
+            </a:r>
+            <a:endParaRPr lang="en-US" sz="4000" dirty="0"/>
+          </a:p>
+        </p:txBody>
+      </p:sp>
+      <p:pic>
+        <p:nvPicPr>
+          <p:cNvPr id="3" name="Picture 2">
+            <a:extLst>
+              <a:ext uri="{FF2B5EF4-FFF2-40B4-BE49-F238E27FC236}">
+                <a16:creationId xmlns:a16="http://schemas.microsoft.com/office/drawing/2014/main" id="{8C39DEC7-F079-9489-8025-766D80552023}"/>
+              </a:ext>
+            </a:extLst>
+          </p:cNvPr>
+          <p:cNvPicPr>
+            <a:picLocks noChangeAspect="1"/>
+          </p:cNvPicPr>
+          <p:nvPr/>
+        </p:nvPicPr>
+        <p:blipFill>
+          <a:blip r:embed="rId2"/>
+          <a:stretch>
+            <a:fillRect/>
+          </a:stretch>
+        </p:blipFill>
+        <p:spPr>
+          <a:xfrm>
+            <a:off x="6385297" y="1107295"/>
+            <a:ext cx="5286751" cy="4682028"/>
+          </a:xfrm>
+          <a:prstGeom prst="rect">
+            <a:avLst/>
+          </a:prstGeom>
+        </p:spPr>
+      </p:pic>
+      <p:sp>
+        <p:nvSpPr>
           <p:cNvPr id="2" name="Title 3">
             <a:extLst>
               <a:ext uri="{FF2B5EF4-FFF2-40B4-BE49-F238E27FC236}">
-                <a16:creationId xmlns:a16="http://schemas.microsoft.com/office/drawing/2014/main" id="{D10DF660-D678-95E2-0724-B10EE41958AC}"/>
+                <a16:creationId xmlns:a16="http://schemas.microsoft.com/office/drawing/2014/main" id="{36E9363A-A50E-1D41-0543-F162B66C90B4}"/>
               </a:ext>
             </a:extLst>
           </p:cNvPr>
@@ -7104,8 +7204,8 @@
         </p:nvSpPr>
         <p:spPr>
           <a:xfrm>
-            <a:off x="838201" y="173876"/>
-            <a:ext cx="10833847" cy="979581"/>
+            <a:off x="391886" y="1874905"/>
+            <a:ext cx="5801445" cy="2581835"/>
           </a:xfrm>
           <a:prstGeom prst="rect">
             <a:avLst/>
@@ -7135,54 +7235,75 @@
             </a:lvl1pPr>
           </a:lstStyle>
           <a:p>
-            <a:r>
-              <a:rPr lang="en-US" sz="4000"/>
-              <a:t>Automated Grading</a:t>
-            </a:r>
-          </a:p>
-        </p:txBody>
-      </p:sp>
-      <p:pic>
-        <p:nvPicPr>
-          <p:cNvPr id="5" name="Picture 4">
-            <a:extLst>
-              <a:ext uri="{FF2B5EF4-FFF2-40B4-BE49-F238E27FC236}">
-                <a16:creationId xmlns:a16="http://schemas.microsoft.com/office/drawing/2014/main" id="{7B474D87-F3C8-AA94-A043-D2E9B88BD296}"/>
-              </a:ext>
-            </a:extLst>
-          </p:cNvPr>
-          <p:cNvPicPr>
-            <a:picLocks noChangeAspect="1"/>
-          </p:cNvPicPr>
-          <p:nvPr/>
-        </p:nvPicPr>
-        <p:blipFill>
-          <a:blip r:embed="rId2"/>
-          <a:stretch>
-            <a:fillRect/>
-          </a:stretch>
-        </p:blipFill>
-        <p:spPr>
-          <a:xfrm>
-            <a:off x="1659699" y="1227251"/>
-            <a:ext cx="8437690" cy="4651765"/>
-          </a:xfrm>
-          <a:prstGeom prst="rect">
-            <a:avLst/>
-          </a:prstGeom>
-          <a:ln>
-            <a:solidFill>
-              <a:schemeClr val="tx2">
-                <a:lumMod val="50000"/>
-              </a:schemeClr>
-            </a:solidFill>
-          </a:ln>
-        </p:spPr>
-      </p:pic>
+            <a:pPr marL="227013" indent="-227013">
+              <a:buFont typeface="Arial" panose="020B0604020202020204" pitchFamily="34" charset="0"/>
+              <a:buChar char="•"/>
+            </a:pPr>
+            <a:r>
+              <a:rPr lang="en-US" sz="3200">
+                <a:latin typeface="Calibri (Body)"/>
+              </a:rPr>
+              <a:t>Choose Your Preferred Option</a:t>
+            </a:r>
+            <a:endParaRPr lang="en-US" sz="3200">
+              <a:latin typeface="Calibri (Body)"/>
+              <a:ea typeface="+mn-ea"/>
+              <a:cs typeface="+mn-cs"/>
+            </a:endParaRPr>
+          </a:p>
+          <a:p>
+            <a:pPr marL="684213" lvl="1" indent="-227013">
+              <a:buFont typeface="Arial" panose="020B0604020202020204" pitchFamily="34" charset="0"/>
+              <a:buChar char="•"/>
+            </a:pPr>
+            <a:r>
+              <a:rPr lang="en-US" sz="2800">
+                <a:latin typeface="Calibri (Body)"/>
+                <a:ea typeface="+mn-ea"/>
+                <a:cs typeface="+mn-cs"/>
+              </a:rPr>
+              <a:t>Clone the student repo</a:t>
+            </a:r>
+          </a:p>
+          <a:p>
+            <a:pPr marL="684213" lvl="1" indent="-227013">
+              <a:buFont typeface="Arial" panose="020B0604020202020204" pitchFamily="34" charset="0"/>
+              <a:buChar char="•"/>
+            </a:pPr>
+            <a:r>
+              <a:rPr lang="en-US" sz="2800">
+                <a:latin typeface="Calibri (Body)"/>
+                <a:ea typeface="+mn-ea"/>
+                <a:cs typeface="+mn-cs"/>
+              </a:rPr>
+              <a:t>Open with GH Desktop</a:t>
+            </a:r>
+          </a:p>
+          <a:p>
+            <a:pPr marL="684213" lvl="1" indent="-227013">
+              <a:buFont typeface="Arial" panose="020B0604020202020204" pitchFamily="34" charset="0"/>
+              <a:buChar char="•"/>
+            </a:pPr>
+            <a:r>
+              <a:rPr lang="en-US" sz="2800">
+                <a:latin typeface="Calibri (Body)"/>
+                <a:ea typeface="+mn-ea"/>
+                <a:cs typeface="+mn-cs"/>
+              </a:rPr>
+              <a:t>Download Zip</a:t>
+            </a:r>
+            <a:endParaRPr lang="en-US" sz="2800" dirty="0">
+              <a:latin typeface="Calibri (Body)"/>
+              <a:ea typeface="+mn-ea"/>
+              <a:cs typeface="+mn-cs"/>
+            </a:endParaRPr>
+          </a:p>
+        </p:txBody>
+      </p:sp>
     </p:spTree>
     <p:extLst>
       <p:ext uri="{BB962C8B-B14F-4D97-AF65-F5344CB8AC3E}">
-        <p14:creationId xmlns:p14="http://schemas.microsoft.com/office/powerpoint/2010/main" val="4022940001"/>
+        <p14:creationId xmlns:p14="http://schemas.microsoft.com/office/powerpoint/2010/main" val="3444391175"/>
       </p:ext>
     </p:extLst>
   </p:cSld>
@@ -7227,19 +7348,19 @@
         </p:nvSpPr>
         <p:spPr>
           <a:xfrm>
-            <a:off x="838200" y="365125"/>
-            <a:ext cx="10515600" cy="605161"/>
+            <a:off x="838201" y="365125"/>
+            <a:ext cx="5042770" cy="2115028"/>
           </a:xfrm>
         </p:spPr>
         <p:txBody>
           <a:bodyPr>
-            <a:normAutofit fontScale="90000"/>
+            <a:normAutofit/>
           </a:bodyPr>
           <a:lstStyle/>
           <a:p>
             <a:r>
               <a:rPr lang="en-US"/>
-              <a:t>GitHub Classroom (Instructor Notes)</a:t>
+              <a:t>Start with an Instructor Account on GitHub Education</a:t>
             </a:r>
           </a:p>
         </p:txBody>
@@ -7262,8 +7383,8 @@
         </p:nvSpPr>
         <p:spPr>
           <a:xfrm>
-            <a:off x="838200" y="1156997"/>
-            <a:ext cx="10515600" cy="5477068"/>
+            <a:off x="744255" y="2668044"/>
+            <a:ext cx="5042770" cy="2755866"/>
           </a:xfrm>
         </p:spPr>
         <p:txBody>
@@ -7272,26 +7393,31 @@
           <a:p>
             <a:r>
               <a:rPr lang="en-US" sz="2400"/>
-              <a:t>Apply for GitHub Education, after account is verified create an organization. I used FSCJ-ProfSingletary (FSCJ-&lt;my GitHub ID&gt;)</a:t>
-            </a:r>
-          </a:p>
-          <a:p>
-            <a:r>
-              <a:rPr lang="en-US" sz="2400"/>
-              <a:t>Log in to GitHub Classroom (classroom.github.com) and create a new classroom</a:t>
-            </a:r>
-          </a:p>
-          <a:p>
-            <a:endParaRPr lang="en-US"/>
+              <a:t>Apply for an instructor account on GitHub Education </a:t>
+            </a:r>
+          </a:p>
+          <a:p>
+            <a:pPr marL="514350" lvl="1"/>
+            <a:r>
+              <a:rPr lang="en-US" sz="2000"/>
+              <a:t>(https://education.github.com/teachers)</a:t>
+            </a:r>
+          </a:p>
+          <a:p>
+            <a:pPr marL="514350"/>
+            <a:r>
+              <a:rPr lang="en-US" sz="2000"/>
+              <a:t>account verification may take a day or two</a:t>
+            </a:r>
           </a:p>
         </p:txBody>
       </p:sp>
       <p:pic>
         <p:nvPicPr>
-          <p:cNvPr id="7" name="Picture 6">
-            <a:extLst>
-              <a:ext uri="{FF2B5EF4-FFF2-40B4-BE49-F238E27FC236}">
-                <a16:creationId xmlns:a16="http://schemas.microsoft.com/office/drawing/2014/main" id="{393F6D48-B805-44B3-83DD-A23E7D810666}"/>
+          <p:cNvPr id="4" name="Picture 3">
+            <a:extLst>
+              <a:ext uri="{FF2B5EF4-FFF2-40B4-BE49-F238E27FC236}">
+                <a16:creationId xmlns:a16="http://schemas.microsoft.com/office/drawing/2014/main" id="{220181A8-E5CF-D8B7-AACA-DD50585DE3F0}"/>
               </a:ext>
             </a:extLst>
           </p:cNvPr>
@@ -7308,15 +7434,17 @@
         </p:blipFill>
         <p:spPr>
           <a:xfrm>
-            <a:off x="1708053" y="2622950"/>
-            <a:ext cx="8274250" cy="3383280"/>
+            <a:off x="6281802" y="1514129"/>
+            <a:ext cx="4764010" cy="4266631"/>
           </a:xfrm>
           <a:prstGeom prst="rect">
             <a:avLst/>
           </a:prstGeom>
           <a:ln>
             <a:solidFill>
-              <a:schemeClr val="tx1"/>
+              <a:schemeClr val="bg2">
+                <a:lumMod val="10000"/>
+              </a:schemeClr>
             </a:solidFill>
           </a:ln>
         </p:spPr>
@@ -7353,6 +7481,129 @@
       </p:grpSpPr>
       <p:sp>
         <p:nvSpPr>
+          <p:cNvPr id="4" name="Title 3">
+            <a:extLst>
+              <a:ext uri="{FF2B5EF4-FFF2-40B4-BE49-F238E27FC236}">
+                <a16:creationId xmlns:a16="http://schemas.microsoft.com/office/drawing/2014/main" id="{14D470DA-3582-C890-F21A-EB95E0DFF854}"/>
+              </a:ext>
+            </a:extLst>
+          </p:cNvPr>
+          <p:cNvSpPr>
+            <a:spLocks noGrp="1"/>
+          </p:cNvSpPr>
+          <p:nvPr>
+            <p:ph type="title"/>
+          </p:nvPr>
+        </p:nvSpPr>
+        <p:spPr>
+          <a:xfrm>
+            <a:off x="1046836" y="1153457"/>
+            <a:ext cx="9380159" cy="639339"/>
+          </a:xfrm>
+        </p:spPr>
+        <p:txBody>
+          <a:bodyPr>
+            <a:normAutofit/>
+          </a:bodyPr>
+          <a:lstStyle/>
+          <a:p>
+            <a:pPr marL="284163" indent="-284163">
+              <a:buFont typeface="Arial" panose="020B0604020202020204" pitchFamily="34" charset="0"/>
+              <a:buChar char="•"/>
+            </a:pPr>
+            <a:r>
+              <a:rPr lang="en-US" sz="2800" dirty="0">
+                <a:latin typeface="Calibri (Body)"/>
+              </a:rPr>
+              <a:t>Or Use "Go to file" to Go Directly to Desired File</a:t>
+            </a:r>
+          </a:p>
+        </p:txBody>
+      </p:sp>
+      <p:pic>
+        <p:nvPicPr>
+          <p:cNvPr id="11" name="Content Placeholder 5">
+            <a:extLst>
+              <a:ext uri="{FF2B5EF4-FFF2-40B4-BE49-F238E27FC236}">
+                <a16:creationId xmlns:a16="http://schemas.microsoft.com/office/drawing/2014/main" id="{458A8510-5D54-3347-4FBF-BF1944D25FB3}"/>
+              </a:ext>
+            </a:extLst>
+          </p:cNvPr>
+          <p:cNvPicPr>
+            <a:picLocks noChangeAspect="1"/>
+          </p:cNvPicPr>
+          <p:nvPr/>
+        </p:nvPicPr>
+        <p:blipFill>
+          <a:blip r:embed="rId2"/>
+          <a:stretch>
+            <a:fillRect/>
+          </a:stretch>
+        </p:blipFill>
+        <p:spPr>
+          <a:xfrm>
+            <a:off x="1352066" y="1737425"/>
+            <a:ext cx="9074929" cy="4351338"/>
+          </a:xfrm>
+          <a:prstGeom prst="rect">
+            <a:avLst/>
+          </a:prstGeom>
+        </p:spPr>
+      </p:pic>
+      <p:sp>
+        <p:nvSpPr>
+          <p:cNvPr id="8" name="Oval 7">
+            <a:extLst>
+              <a:ext uri="{FF2B5EF4-FFF2-40B4-BE49-F238E27FC236}">
+                <a16:creationId xmlns:a16="http://schemas.microsoft.com/office/drawing/2014/main" id="{E12202BA-2B9C-F868-22E0-1C0F7DCDA006}"/>
+              </a:ext>
+            </a:extLst>
+          </p:cNvPr>
+          <p:cNvSpPr/>
+          <p:nvPr/>
+        </p:nvSpPr>
+        <p:spPr>
+          <a:xfrm>
+            <a:off x="5599813" y="3256170"/>
+            <a:ext cx="842682" cy="519952"/>
+          </a:xfrm>
+          <a:prstGeom prst="ellipse">
+            <a:avLst/>
+          </a:prstGeom>
+          <a:noFill/>
+          <a:ln w="38100">
+            <a:solidFill>
+              <a:srgbClr val="FF0000"/>
+            </a:solidFill>
+          </a:ln>
+        </p:spPr>
+        <p:style>
+          <a:lnRef idx="2">
+            <a:schemeClr val="accent1">
+              <a:shade val="50000"/>
+            </a:schemeClr>
+          </a:lnRef>
+          <a:fillRef idx="1">
+            <a:schemeClr val="accent1"/>
+          </a:fillRef>
+          <a:effectRef idx="0">
+            <a:schemeClr val="accent1"/>
+          </a:effectRef>
+          <a:fontRef idx="minor">
+            <a:schemeClr val="lt1"/>
+          </a:fontRef>
+        </p:style>
+        <p:txBody>
+          <a:bodyPr rtlCol="0" anchor="ctr"/>
+          <a:lstStyle/>
+          <a:p>
+            <a:pPr algn="ctr"/>
+            <a:endParaRPr lang="en-US" dirty="0"/>
+          </a:p>
+        </p:txBody>
+      </p:sp>
+      <p:sp>
+        <p:nvSpPr>
           <p:cNvPr id="2" name="Title 3">
             <a:extLst>
               <a:ext uri="{FF2B5EF4-FFF2-40B4-BE49-F238E27FC236}">
@@ -7367,8 +7618,8 @@
         </p:nvSpPr>
         <p:spPr>
           <a:xfrm>
-            <a:off x="838202" y="173876"/>
-            <a:ext cx="10547958" cy="1009834"/>
+            <a:off x="838201" y="173876"/>
+            <a:ext cx="10833847" cy="979581"/>
           </a:xfrm>
           <a:prstGeom prst="rect">
             <a:avLst/>
@@ -7399,46 +7650,17 @@
           </a:lstStyle>
           <a:p>
             <a:r>
-              <a:rPr lang="en-US" sz="3600"/>
-              <a:t>Automated Grading</a:t>
-            </a:r>
-          </a:p>
-        </p:txBody>
-      </p:sp>
-      <p:pic>
-        <p:nvPicPr>
-          <p:cNvPr id="7" name="Picture 6">
-            <a:extLst>
-              <a:ext uri="{FF2B5EF4-FFF2-40B4-BE49-F238E27FC236}">
-                <a16:creationId xmlns:a16="http://schemas.microsoft.com/office/drawing/2014/main" id="{C148562F-B70A-69EC-E880-A6E8B09797A6}"/>
-              </a:ext>
-            </a:extLst>
-          </p:cNvPr>
-          <p:cNvPicPr>
-            <a:picLocks noChangeAspect="1"/>
-          </p:cNvPicPr>
-          <p:nvPr/>
-        </p:nvPicPr>
-        <p:blipFill>
-          <a:blip r:embed="rId2"/>
-          <a:stretch>
-            <a:fillRect/>
-          </a:stretch>
-        </p:blipFill>
-        <p:spPr>
-          <a:xfrm>
-            <a:off x="1014960" y="1281736"/>
-            <a:ext cx="10162080" cy="4294527"/>
-          </a:xfrm>
-          <a:prstGeom prst="rect">
-            <a:avLst/>
-          </a:prstGeom>
-        </p:spPr>
-      </p:pic>
+              <a:rPr lang="en-US" sz="4000"/>
+              <a:t>Grading Assignments</a:t>
+            </a:r>
+            <a:endParaRPr lang="en-US" sz="4000" dirty="0"/>
+          </a:p>
+        </p:txBody>
+      </p:sp>
     </p:spTree>
     <p:extLst>
       <p:ext uri="{BB962C8B-B14F-4D97-AF65-F5344CB8AC3E}">
-        <p14:creationId xmlns:p14="http://schemas.microsoft.com/office/powerpoint/2010/main" val="1379861397"/>
+        <p14:creationId xmlns:p14="http://schemas.microsoft.com/office/powerpoint/2010/main" val="2100883668"/>
       </p:ext>
     </p:extLst>
   </p:cSld>
@@ -7467,101 +7689,10 @@
       </p:grpSpPr>
       <p:sp>
         <p:nvSpPr>
-          <p:cNvPr id="2" name="Title 3">
-            <a:extLst>
-              <a:ext uri="{FF2B5EF4-FFF2-40B4-BE49-F238E27FC236}">
-                <a16:creationId xmlns:a16="http://schemas.microsoft.com/office/drawing/2014/main" id="{D10DF660-D678-95E2-0724-B10EE41958AC}"/>
-              </a:ext>
-            </a:extLst>
-          </p:cNvPr>
-          <p:cNvSpPr txBox="1">
-            <a:spLocks/>
-          </p:cNvSpPr>
-          <p:nvPr/>
-        </p:nvSpPr>
-        <p:spPr>
-          <a:xfrm>
-            <a:off x="388307" y="173876"/>
-            <a:ext cx="11283741" cy="706658"/>
-          </a:xfrm>
-          <a:prstGeom prst="rect">
-            <a:avLst/>
-          </a:prstGeom>
-        </p:spPr>
-        <p:txBody>
-          <a:bodyPr vert="horz" lIns="91440" tIns="45720" rIns="91440" bIns="45720" rtlCol="0" anchor="ctr">
-            <a:normAutofit/>
-          </a:bodyPr>
-          <a:lstStyle>
-            <a:lvl1pPr algn="l" defTabSz="914400" rtl="0" eaLnBrk="1" latinLnBrk="0" hangingPunct="1">
-              <a:lnSpc>
-                <a:spcPct val="90000"/>
-              </a:lnSpc>
-              <a:spcBef>
-                <a:spcPct val="0"/>
-              </a:spcBef>
-              <a:buNone/>
-              <a:defRPr sz="4400" kern="1200">
-                <a:solidFill>
-                  <a:schemeClr val="tx1"/>
-                </a:solidFill>
-                <a:latin typeface="+mj-lt"/>
-                <a:ea typeface="+mj-ea"/>
-                <a:cs typeface="+mj-cs"/>
-              </a:defRPr>
-            </a:lvl1pPr>
-          </a:lstStyle>
-          <a:p>
-            <a:r>
-              <a:rPr lang="en-US" sz="3600"/>
-              <a:t>Automated Grading</a:t>
-            </a:r>
-          </a:p>
-        </p:txBody>
-      </p:sp>
-      <p:pic>
-        <p:nvPicPr>
-          <p:cNvPr id="8" name="Picture 7">
-            <a:extLst>
-              <a:ext uri="{FF2B5EF4-FFF2-40B4-BE49-F238E27FC236}">
-                <a16:creationId xmlns:a16="http://schemas.microsoft.com/office/drawing/2014/main" id="{9F6412A0-B38A-39C7-C5DD-69BA47BCCD9A}"/>
-              </a:ext>
-            </a:extLst>
-          </p:cNvPr>
-          <p:cNvPicPr>
-            <a:picLocks noChangeAspect="1"/>
-          </p:cNvPicPr>
-          <p:nvPr/>
-        </p:nvPicPr>
-        <p:blipFill>
-          <a:blip r:embed="rId2"/>
-          <a:stretch>
-            <a:fillRect/>
-          </a:stretch>
-        </p:blipFill>
-        <p:spPr>
-          <a:xfrm>
-            <a:off x="388307" y="2377996"/>
-            <a:ext cx="11490029" cy="1051004"/>
-          </a:xfrm>
-          <a:prstGeom prst="rect">
-            <a:avLst/>
-          </a:prstGeom>
-          <a:ln>
-            <a:solidFill>
-              <a:schemeClr val="accent1">
-                <a:lumMod val="50000"/>
-              </a:schemeClr>
-            </a:solidFill>
-          </a:ln>
-        </p:spPr>
-      </p:pic>
-      <p:sp>
-        <p:nvSpPr>
-          <p:cNvPr id="9" name="Title 3">
-            <a:extLst>
-              <a:ext uri="{FF2B5EF4-FFF2-40B4-BE49-F238E27FC236}">
-                <a16:creationId xmlns:a16="http://schemas.microsoft.com/office/drawing/2014/main" id="{485F126F-3421-2778-CD1F-B8A2C7741159}"/>
+          <p:cNvPr id="10" name="Title 9">
+            <a:extLst>
+              <a:ext uri="{FF2B5EF4-FFF2-40B4-BE49-F238E27FC236}">
+                <a16:creationId xmlns:a16="http://schemas.microsoft.com/office/drawing/2014/main" id="{02F2D10D-4622-C70D-3824-7788F8C1D975}"/>
               </a:ext>
             </a:extLst>
           </p:cNvPr>
@@ -7574,110 +7705,86 @@
         </p:nvSpPr>
         <p:spPr>
           <a:xfrm>
-            <a:off x="594986" y="1115880"/>
-            <a:ext cx="8974899" cy="706658"/>
+            <a:off x="838200" y="353340"/>
+            <a:ext cx="10515600" cy="786529"/>
+          </a:xfrm>
+        </p:spPr>
+        <p:txBody>
+          <a:bodyPr/>
+          <a:lstStyle/>
+          <a:p>
+            <a:r>
+              <a:rPr lang="en-US" sz="4400"/>
+              <a:t>GitHub Workflows</a:t>
+            </a:r>
+            <a:endParaRPr lang="en-US"/>
+          </a:p>
+        </p:txBody>
+      </p:sp>
+      <p:sp>
+        <p:nvSpPr>
+          <p:cNvPr id="11" name="Content Placeholder 10">
+            <a:extLst>
+              <a:ext uri="{FF2B5EF4-FFF2-40B4-BE49-F238E27FC236}">
+                <a16:creationId xmlns:a16="http://schemas.microsoft.com/office/drawing/2014/main" id="{DB3C99EF-126B-B73D-9611-CA9548B00306}"/>
+              </a:ext>
+            </a:extLst>
+          </p:cNvPr>
+          <p:cNvSpPr>
+            <a:spLocks noGrp="1"/>
+          </p:cNvSpPr>
+          <p:nvPr>
+            <p:ph idx="1"/>
+          </p:nvPr>
+        </p:nvSpPr>
+        <p:spPr>
+          <a:xfrm>
+            <a:off x="838200" y="1246341"/>
+            <a:ext cx="10515600" cy="4602922"/>
           </a:xfrm>
         </p:spPr>
         <p:txBody>
           <a:bodyPr>
-            <a:normAutofit/>
+            <a:normAutofit fontScale="92500" lnSpcReduction="10000"/>
           </a:bodyPr>
           <a:lstStyle/>
           <a:p>
-            <a:pPr marL="284163" indent="-284163">
-              <a:buFont typeface="Arial" panose="020B0604020202020204" pitchFamily="34" charset="0"/>
-              <a:buChar char="•"/>
-            </a:pPr>
-            <a:r>
-              <a:rPr lang="en-US" sz="2800">
-                <a:latin typeface="Calibri (Body)"/>
-              </a:rPr>
-              <a:t>To see test details, click on the         icon.</a:t>
-            </a:r>
-            <a:endParaRPr lang="en-US" sz="2800" dirty="0">
-              <a:latin typeface="Calibri (Body)"/>
-            </a:endParaRPr>
-          </a:p>
-        </p:txBody>
-      </p:sp>
-      <p:pic>
-        <p:nvPicPr>
-          <p:cNvPr id="11" name="Picture 10">
-            <a:extLst>
-              <a:ext uri="{FF2B5EF4-FFF2-40B4-BE49-F238E27FC236}">
-                <a16:creationId xmlns:a16="http://schemas.microsoft.com/office/drawing/2014/main" id="{30AEC3D8-BAC1-01DF-FBAB-1F1748B1266E}"/>
-              </a:ext>
-            </a:extLst>
-          </p:cNvPr>
-          <p:cNvPicPr>
-            <a:picLocks noChangeAspect="1"/>
-          </p:cNvPicPr>
-          <p:nvPr/>
-        </p:nvPicPr>
-        <p:blipFill>
-          <a:blip r:embed="rId3"/>
-          <a:stretch>
-            <a:fillRect/>
-          </a:stretch>
-        </p:blipFill>
-        <p:spPr>
-          <a:xfrm>
-            <a:off x="5361520" y="1168975"/>
-            <a:ext cx="668657" cy="551642"/>
-          </a:xfrm>
-          <a:prstGeom prst="rect">
-            <a:avLst/>
-          </a:prstGeom>
-        </p:spPr>
-      </p:pic>
-      <p:sp>
-        <p:nvSpPr>
-          <p:cNvPr id="12" name="Oval 11">
-            <a:extLst>
-              <a:ext uri="{FF2B5EF4-FFF2-40B4-BE49-F238E27FC236}">
-                <a16:creationId xmlns:a16="http://schemas.microsoft.com/office/drawing/2014/main" id="{C095FA7F-EE74-996E-9AAD-FCFB1810250C}"/>
-              </a:ext>
-            </a:extLst>
-          </p:cNvPr>
-          <p:cNvSpPr/>
-          <p:nvPr/>
-        </p:nvSpPr>
-        <p:spPr>
-          <a:xfrm>
-            <a:off x="6551112" y="2812093"/>
-            <a:ext cx="576198" cy="713984"/>
-          </a:xfrm>
-          <a:prstGeom prst="ellipse">
-            <a:avLst/>
-          </a:prstGeom>
-          <a:noFill/>
-          <a:ln w="38100">
-            <a:solidFill>
-              <a:srgbClr val="FF0000"/>
-            </a:solidFill>
-          </a:ln>
-        </p:spPr>
-        <p:style>
-          <a:lnRef idx="2">
-            <a:schemeClr val="accent1">
-              <a:shade val="15000"/>
-            </a:schemeClr>
-          </a:lnRef>
-          <a:fillRef idx="1">
-            <a:schemeClr val="accent1"/>
-          </a:fillRef>
-          <a:effectRef idx="0">
-            <a:schemeClr val="accent1"/>
-          </a:effectRef>
-          <a:fontRef idx="minor">
-            <a:schemeClr val="lt1"/>
-          </a:fontRef>
-        </p:style>
-        <p:txBody>
-          <a:bodyPr rtlCol="0" anchor="ctr"/>
-          <a:lstStyle/>
-          <a:p>
-            <a:pPr algn="ctr"/>
+            <a:r>
+              <a:rPr lang="en-US"/>
+              <a:t>A GitHub workflow is a configurable automated process that will run one or more jobs.</a:t>
+            </a:r>
+          </a:p>
+          <a:p>
+            <a:r>
+              <a:rPr lang="en-US"/>
+              <a:t>Workflows are defined by a YAML file checked in to your repository and will run when triggered by an event in your repository, or they can be triggered manually, or at a defined schedule.</a:t>
+            </a:r>
+          </a:p>
+          <a:p>
+            <a:r>
+              <a:rPr lang="en-US"/>
+              <a:t>Workflows are defined in the .github/workflows directory in a repository, and a repository can have multiple workflows, each of which can perform a different set of tasks. </a:t>
+            </a:r>
+          </a:p>
+          <a:p>
+            <a:pPr lvl="1"/>
+            <a:r>
+              <a:rPr lang="en-US"/>
+              <a:t>You can have one workflow to build and test pull requests, another workflow to deploy your application every time a release is created, and still another workflow that adds a label every time someone opens a new issue</a:t>
+            </a:r>
+            <a:br>
+              <a:rPr lang="en-US"/>
+            </a:br>
+            <a:br>
+              <a:rPr lang="en-US"/>
+            </a:br>
+            <a:br>
+              <a:rPr lang="en-US"/>
+            </a:br>
+            <a:r>
+              <a:rPr lang="en-US" sz="2000"/>
+              <a:t>https://docs.github.com/en/actions/using-workflows/about-workflows </a:t>
+            </a:r>
             <a:endParaRPr lang="en-US"/>
           </a:p>
         </p:txBody>
@@ -7685,7 +7792,7 @@
     </p:spTree>
     <p:extLst>
       <p:ext uri="{BB962C8B-B14F-4D97-AF65-F5344CB8AC3E}">
-        <p14:creationId xmlns:p14="http://schemas.microsoft.com/office/powerpoint/2010/main" val="1386208015"/>
+        <p14:creationId xmlns:p14="http://schemas.microsoft.com/office/powerpoint/2010/main" val="3403660719"/>
       </p:ext>
     </p:extLst>
   </p:cSld>
@@ -7714,64 +7821,10 @@
       </p:grpSpPr>
       <p:sp>
         <p:nvSpPr>
-          <p:cNvPr id="2" name="Title 3">
-            <a:extLst>
-              <a:ext uri="{FF2B5EF4-FFF2-40B4-BE49-F238E27FC236}">
-                <a16:creationId xmlns:a16="http://schemas.microsoft.com/office/drawing/2014/main" id="{D10DF660-D678-95E2-0724-B10EE41958AC}"/>
-              </a:ext>
-            </a:extLst>
-          </p:cNvPr>
-          <p:cNvSpPr txBox="1">
-            <a:spLocks/>
-          </p:cNvSpPr>
-          <p:nvPr/>
-        </p:nvSpPr>
-        <p:spPr>
-          <a:xfrm>
-            <a:off x="388307" y="173876"/>
-            <a:ext cx="11283741" cy="706658"/>
-          </a:xfrm>
-          <a:prstGeom prst="rect">
-            <a:avLst/>
-          </a:prstGeom>
-        </p:spPr>
-        <p:txBody>
-          <a:bodyPr vert="horz" lIns="91440" tIns="45720" rIns="91440" bIns="45720" rtlCol="0" anchor="ctr">
-            <a:normAutofit/>
-          </a:bodyPr>
-          <a:lstStyle>
-            <a:lvl1pPr algn="l" defTabSz="914400" rtl="0" eaLnBrk="1" latinLnBrk="0" hangingPunct="1">
-              <a:lnSpc>
-                <a:spcPct val="90000"/>
-              </a:lnSpc>
-              <a:spcBef>
-                <a:spcPct val="0"/>
-              </a:spcBef>
-              <a:buNone/>
-              <a:defRPr sz="4400" kern="1200">
-                <a:solidFill>
-                  <a:schemeClr val="tx1"/>
-                </a:solidFill>
-                <a:latin typeface="+mj-lt"/>
-                <a:ea typeface="+mj-ea"/>
-                <a:cs typeface="+mj-cs"/>
-              </a:defRPr>
-            </a:lvl1pPr>
-          </a:lstStyle>
-          <a:p>
-            <a:r>
-              <a:rPr lang="en-US" sz="3600"/>
-              <a:t>Automated Grading</a:t>
-            </a:r>
-          </a:p>
-        </p:txBody>
-      </p:sp>
-      <p:sp>
-        <p:nvSpPr>
-          <p:cNvPr id="9" name="Title 3">
-            <a:extLst>
-              <a:ext uri="{FF2B5EF4-FFF2-40B4-BE49-F238E27FC236}">
-                <a16:creationId xmlns:a16="http://schemas.microsoft.com/office/drawing/2014/main" id="{485F126F-3421-2778-CD1F-B8A2C7741159}"/>
+          <p:cNvPr id="10" name="Title 9">
+            <a:extLst>
+              <a:ext uri="{FF2B5EF4-FFF2-40B4-BE49-F238E27FC236}">
+                <a16:creationId xmlns:a16="http://schemas.microsoft.com/office/drawing/2014/main" id="{02F2D10D-4622-C70D-3824-7788F8C1D975}"/>
               </a:ext>
             </a:extLst>
           </p:cNvPr>
@@ -7784,118 +7837,108 @@
         </p:nvSpPr>
         <p:spPr>
           <a:xfrm>
-            <a:off x="594986" y="1115880"/>
-            <a:ext cx="8974899" cy="706658"/>
+            <a:off x="838200" y="353340"/>
+            <a:ext cx="10515600" cy="786529"/>
           </a:xfrm>
         </p:spPr>
         <p:txBody>
           <a:bodyPr>
-            <a:normAutofit/>
+            <a:normAutofit fontScale="90000"/>
           </a:bodyPr>
           <a:lstStyle/>
           <a:p>
-            <a:pPr marL="284163" indent="-284163">
-              <a:buFont typeface="Arial" panose="020B0604020202020204" pitchFamily="34" charset="0"/>
-              <a:buChar char="•"/>
-            </a:pPr>
-            <a:r>
-              <a:rPr lang="en-US" sz="2800">
-                <a:latin typeface="Calibri (Body)"/>
-              </a:rPr>
-              <a:t>Failed tests are marked with an X, which you can click on</a:t>
-            </a:r>
-            <a:endParaRPr lang="en-US" sz="2800" dirty="0">
-              <a:latin typeface="Calibri (Body)"/>
-            </a:endParaRPr>
-          </a:p>
-        </p:txBody>
-      </p:sp>
-      <p:pic>
-        <p:nvPicPr>
-          <p:cNvPr id="6" name="Picture 5">
-            <a:extLst>
-              <a:ext uri="{FF2B5EF4-FFF2-40B4-BE49-F238E27FC236}">
-                <a16:creationId xmlns:a16="http://schemas.microsoft.com/office/drawing/2014/main" id="{550118A8-B584-5CA9-84CD-EEF8F5CB5FD3}"/>
-              </a:ext>
-            </a:extLst>
-          </p:cNvPr>
-          <p:cNvPicPr>
-            <a:picLocks noChangeAspect="1"/>
-          </p:cNvPicPr>
-          <p:nvPr/>
-        </p:nvPicPr>
-        <p:blipFill>
-          <a:blip r:embed="rId2"/>
-          <a:stretch>
-            <a:fillRect/>
-          </a:stretch>
-        </p:blipFill>
-        <p:spPr>
-          <a:xfrm>
-            <a:off x="952741" y="2886167"/>
-            <a:ext cx="10154871" cy="1513599"/>
-          </a:xfrm>
-          <a:prstGeom prst="rect">
-            <a:avLst/>
-          </a:prstGeom>
-        </p:spPr>
-      </p:pic>
-      <p:sp>
-        <p:nvSpPr>
-          <p:cNvPr id="12" name="Oval 11">
-            <a:extLst>
-              <a:ext uri="{FF2B5EF4-FFF2-40B4-BE49-F238E27FC236}">
-                <a16:creationId xmlns:a16="http://schemas.microsoft.com/office/drawing/2014/main" id="{C095FA7F-EE74-996E-9AAD-FCFB1810250C}"/>
-              </a:ext>
-            </a:extLst>
-          </p:cNvPr>
-          <p:cNvSpPr/>
-          <p:nvPr/>
-        </p:nvSpPr>
-        <p:spPr>
-          <a:xfrm>
-            <a:off x="7282774" y="2542162"/>
-            <a:ext cx="1692613" cy="1744493"/>
-          </a:xfrm>
-          <a:prstGeom prst="ellipse">
-            <a:avLst/>
-          </a:prstGeom>
-          <a:noFill/>
-          <a:ln w="38100">
-            <a:solidFill>
-              <a:srgbClr val="FF0000"/>
-            </a:solidFill>
-          </a:ln>
-        </p:spPr>
-        <p:style>
-          <a:lnRef idx="2">
-            <a:schemeClr val="accent1">
-              <a:shade val="15000"/>
-            </a:schemeClr>
-          </a:lnRef>
-          <a:fillRef idx="1">
-            <a:schemeClr val="accent1"/>
-          </a:fillRef>
-          <a:effectRef idx="0">
-            <a:schemeClr val="accent1"/>
-          </a:effectRef>
-          <a:fontRef idx="minor">
-            <a:schemeClr val="lt1"/>
-          </a:fontRef>
-        </p:style>
-        <p:txBody>
-          <a:bodyPr rtlCol="0" anchor="ctr"/>
+            <a:r>
+              <a:rPr lang="en-US" sz="4400"/>
+              <a:t>Automated Grading using Actions and Workflows</a:t>
+            </a:r>
+            <a:endParaRPr lang="en-US"/>
+          </a:p>
+        </p:txBody>
+      </p:sp>
+      <p:sp>
+        <p:nvSpPr>
+          <p:cNvPr id="11" name="Content Placeholder 10">
+            <a:extLst>
+              <a:ext uri="{FF2B5EF4-FFF2-40B4-BE49-F238E27FC236}">
+                <a16:creationId xmlns:a16="http://schemas.microsoft.com/office/drawing/2014/main" id="{DB3C99EF-126B-B73D-9611-CA9548B00306}"/>
+              </a:ext>
+            </a:extLst>
+          </p:cNvPr>
+          <p:cNvSpPr>
+            <a:spLocks noGrp="1"/>
+          </p:cNvSpPr>
+          <p:nvPr>
+            <p:ph idx="1"/>
+          </p:nvPr>
+        </p:nvSpPr>
+        <p:spPr>
+          <a:xfrm>
+            <a:off x="838200" y="1246341"/>
+            <a:ext cx="10515600" cy="4602922"/>
+          </a:xfrm>
+        </p:spPr>
+        <p:txBody>
+          <a:bodyPr>
+            <a:normAutofit fontScale="85000" lnSpcReduction="20000"/>
+          </a:bodyPr>
           <a:lstStyle/>
           <a:p>
-            <a:pPr algn="ctr"/>
-            <a:endParaRPr lang="en-US"/>
+            <a:r>
+              <a:rPr lang="en-US"/>
+              <a:t>You can use autograding to automatically check a student's work for an assignment on GitHub Classroom. </a:t>
+            </a:r>
+          </a:p>
+          <a:p>
+            <a:r>
+              <a:rPr lang="en-US"/>
+              <a:t>You configure tests for an assignment, and the tests run immediately every time a student pushes to an assignment repository on GitHub.com. </a:t>
+            </a:r>
+          </a:p>
+          <a:p>
+            <a:pPr lvl="1"/>
+            <a:r>
+              <a:rPr lang="en-US"/>
+              <a:t>The student can view the test results, make changes, and push to see new results.</a:t>
+            </a:r>
+          </a:p>
+          <a:p>
+            <a:r>
+              <a:rPr lang="en-US"/>
+              <a:t>After a student accepts an assignment, on every push to the assignment repository, GitHub Actions runs the commands for your autograding test in a Linux environment containing the student's newest code. </a:t>
+            </a:r>
+          </a:p>
+          <a:p>
+            <a:r>
+              <a:rPr lang="en-US"/>
+              <a:t>GitHub Classroom creates the necessary workflows for GitHub Actions. </a:t>
+            </a:r>
+          </a:p>
+          <a:p>
+            <a:r>
+              <a:rPr lang="en-US"/>
+              <a:t>You can add, edit, or delete autograding tests for an existing assignment. </a:t>
+            </a:r>
+          </a:p>
+          <a:p>
+            <a:pPr lvl="1"/>
+            <a:r>
+              <a:rPr lang="en-US"/>
+              <a:t>(All changes made via the Classroom UI will be pushed to existing student repositories, so use caution when editing tests)</a:t>
+            </a:r>
+            <a:endParaRPr lang="en-US" sz="1100"/>
+          </a:p>
+          <a:p>
+            <a:r>
+              <a:rPr lang="en-US"/>
+              <a:t>https://docs.github.com/en/education/manage-coursework-with-github-classroom/teach-with-github-classroom/use-autograding </a:t>
+            </a:r>
           </a:p>
         </p:txBody>
       </p:sp>
     </p:spTree>
     <p:extLst>
       <p:ext uri="{BB962C8B-B14F-4D97-AF65-F5344CB8AC3E}">
-        <p14:creationId xmlns:p14="http://schemas.microsoft.com/office/powerpoint/2010/main" val="4116624295"/>
+        <p14:creationId xmlns:p14="http://schemas.microsoft.com/office/powerpoint/2010/main" val="692548352"/>
       </p:ext>
     </p:extLst>
   </p:cSld>
@@ -7938,8 +7981,8 @@
         </p:nvSpPr>
         <p:spPr>
           <a:xfrm>
-            <a:off x="388307" y="173876"/>
-            <a:ext cx="11283741" cy="706658"/>
+            <a:off x="831939" y="299184"/>
+            <a:ext cx="4742144" cy="1207699"/>
           </a:xfrm>
           <a:prstGeom prst="rect">
             <a:avLst/>
@@ -7981,7 +8024,7 @@
           <p:cNvPr id="7" name="Picture 6">
             <a:extLst>
               <a:ext uri="{FF2B5EF4-FFF2-40B4-BE49-F238E27FC236}">
-                <a16:creationId xmlns:a16="http://schemas.microsoft.com/office/drawing/2014/main" id="{8C1761FD-2722-4148-2B9D-672608285290}"/>
+                <a16:creationId xmlns:a16="http://schemas.microsoft.com/office/drawing/2014/main" id="{47C2ED96-36FE-D2EA-7252-EDD6D8306486}"/>
               </a:ext>
             </a:extLst>
           </p:cNvPr>
@@ -7998,8 +8041,8 @@
         </p:blipFill>
         <p:spPr>
           <a:xfrm>
-            <a:off x="1861224" y="829263"/>
-            <a:ext cx="8662671" cy="5199474"/>
+            <a:off x="5744692" y="299184"/>
+            <a:ext cx="5456839" cy="5536720"/>
           </a:xfrm>
           <a:prstGeom prst="rect">
             <a:avLst/>
@@ -8013,10 +8056,54 @@
           </a:ln>
         </p:spPr>
       </p:pic>
+      <p:sp>
+        <p:nvSpPr>
+          <p:cNvPr id="8" name="Title 3">
+            <a:extLst>
+              <a:ext uri="{FF2B5EF4-FFF2-40B4-BE49-F238E27FC236}">
+                <a16:creationId xmlns:a16="http://schemas.microsoft.com/office/drawing/2014/main" id="{796CC2A3-F9B6-2D1D-F3F2-9412C75FB61F}"/>
+              </a:ext>
+            </a:extLst>
+          </p:cNvPr>
+          <p:cNvSpPr>
+            <a:spLocks noGrp="1"/>
+          </p:cNvSpPr>
+          <p:nvPr>
+            <p:ph type="title"/>
+          </p:nvPr>
+        </p:nvSpPr>
+        <p:spPr>
+          <a:xfrm>
+            <a:off x="866718" y="1760970"/>
+            <a:ext cx="4600894" cy="1207698"/>
+          </a:xfrm>
+        </p:spPr>
+        <p:txBody>
+          <a:bodyPr>
+            <a:normAutofit/>
+          </a:bodyPr>
+          <a:lstStyle/>
+          <a:p>
+            <a:pPr marL="284163" indent="-284163">
+              <a:buFont typeface="Arial" panose="020B0604020202020204" pitchFamily="34" charset="0"/>
+              <a:buChar char="•"/>
+            </a:pPr>
+            <a:r>
+              <a:rPr lang="en-US" sz="2800">
+                <a:latin typeface="Calibri (Body)"/>
+              </a:rPr>
+              <a:t>Set up the assignment as shown earlier</a:t>
+            </a:r>
+            <a:endParaRPr lang="en-US" sz="2800" dirty="0">
+              <a:latin typeface="Calibri (Body)"/>
+            </a:endParaRPr>
+          </a:p>
+        </p:txBody>
+      </p:sp>
     </p:spTree>
     <p:extLst>
       <p:ext uri="{BB962C8B-B14F-4D97-AF65-F5344CB8AC3E}">
-        <p14:creationId xmlns:p14="http://schemas.microsoft.com/office/powerpoint/2010/main" val="308005789"/>
+        <p14:creationId xmlns:p14="http://schemas.microsoft.com/office/powerpoint/2010/main" val="615553905"/>
       </p:ext>
     </p:extLst>
   </p:cSld>
@@ -8059,8 +8146,8 @@
         </p:nvSpPr>
         <p:spPr>
           <a:xfrm>
-            <a:off x="388307" y="173876"/>
-            <a:ext cx="11283741" cy="706658"/>
+            <a:off x="838201" y="173876"/>
+            <a:ext cx="10833847" cy="706658"/>
           </a:xfrm>
           <a:prstGeom prst="rect">
             <a:avLst/>
@@ -8099,10 +8186,10 @@
       </p:sp>
       <p:sp>
         <p:nvSpPr>
-          <p:cNvPr id="9" name="Title 3">
-            <a:extLst>
-              <a:ext uri="{FF2B5EF4-FFF2-40B4-BE49-F238E27FC236}">
-                <a16:creationId xmlns:a16="http://schemas.microsoft.com/office/drawing/2014/main" id="{485F126F-3421-2778-CD1F-B8A2C7741159}"/>
+          <p:cNvPr id="8" name="Title 3">
+            <a:extLst>
+              <a:ext uri="{FF2B5EF4-FFF2-40B4-BE49-F238E27FC236}">
+                <a16:creationId xmlns:a16="http://schemas.microsoft.com/office/drawing/2014/main" id="{796CC2A3-F9B6-2D1D-F3F2-9412C75FB61F}"/>
               </a:ext>
             </a:extLst>
           </p:cNvPr>
@@ -8115,8 +8202,8 @@
         </p:nvSpPr>
         <p:spPr>
           <a:xfrm>
-            <a:off x="594986" y="1115880"/>
-            <a:ext cx="8974899" cy="706658"/>
+            <a:off x="895022" y="1094780"/>
+            <a:ext cx="7996956" cy="706658"/>
           </a:xfrm>
         </p:spPr>
         <p:txBody>
@@ -8133,7 +8220,7 @@
               <a:rPr lang="en-US" sz="2800">
                 <a:latin typeface="Calibri (Body)"/>
               </a:rPr>
-              <a:t>Successful tests are marked with a green checkmark, which you can also click on</a:t>
+              <a:t>Add a test in the "Set up autograding and feedback" section, choose "Input/Output test"</a:t>
             </a:r>
             <a:endParaRPr lang="en-US" sz="2800" dirty="0">
               <a:latin typeface="Calibri (Body)"/>
@@ -8146,7 +8233,7 @@
           <p:cNvPr id="4" name="Picture 3">
             <a:extLst>
               <a:ext uri="{FF2B5EF4-FFF2-40B4-BE49-F238E27FC236}">
-                <a16:creationId xmlns:a16="http://schemas.microsoft.com/office/drawing/2014/main" id="{441EB11F-AECD-EC2A-D441-A6FDA33313E7}"/>
+                <a16:creationId xmlns:a16="http://schemas.microsoft.com/office/drawing/2014/main" id="{A7F98101-1E57-0AC8-6008-37D85FB5E30A}"/>
               </a:ext>
             </a:extLst>
           </p:cNvPr>
@@ -8163,12 +8250,19 @@
         </p:blipFill>
         <p:spPr>
           <a:xfrm>
-            <a:off x="729315" y="2739132"/>
-            <a:ext cx="10136170" cy="1736727"/>
+            <a:off x="2136621" y="2134266"/>
+            <a:ext cx="5513759" cy="3140611"/>
           </a:xfrm>
           <a:prstGeom prst="rect">
             <a:avLst/>
           </a:prstGeom>
+          <a:ln>
+            <a:solidFill>
+              <a:schemeClr val="tx2">
+                <a:lumMod val="50000"/>
+              </a:schemeClr>
+            </a:solidFill>
+          </a:ln>
         </p:spPr>
       </p:pic>
       <p:sp>
@@ -8176,7 +8270,7 @@
           <p:cNvPr id="5" name="Oval 4">
             <a:extLst>
               <a:ext uri="{FF2B5EF4-FFF2-40B4-BE49-F238E27FC236}">
-                <a16:creationId xmlns:a16="http://schemas.microsoft.com/office/drawing/2014/main" id="{F31D7ADE-668D-D890-CF19-95E1DEA1D6E8}"/>
+                <a16:creationId xmlns:a16="http://schemas.microsoft.com/office/drawing/2014/main" id="{F138546D-B812-7143-0FAE-7B891FFE8A3A}"/>
               </a:ext>
             </a:extLst>
           </p:cNvPr>
@@ -8185,8 +8279,8 @@
         </p:nvSpPr>
         <p:spPr>
           <a:xfrm>
-            <a:off x="7282775" y="3482236"/>
-            <a:ext cx="690042" cy="679159"/>
+            <a:off x="2274152" y="4552613"/>
+            <a:ext cx="1333344" cy="608109"/>
           </a:xfrm>
           <a:prstGeom prst="ellipse">
             <a:avLst/>
@@ -8201,7 +8295,7 @@
         <p:style>
           <a:lnRef idx="2">
             <a:schemeClr val="accent1">
-              <a:shade val="15000"/>
+              <a:shade val="50000"/>
             </a:schemeClr>
           </a:lnRef>
           <a:fillRef idx="1">
@@ -8219,14 +8313,96 @@
           <a:lstStyle/>
           <a:p>
             <a:pPr algn="ctr"/>
-            <a:endParaRPr lang="en-US"/>
-          </a:p>
-        </p:txBody>
-      </p:sp>
+            <a:endParaRPr lang="en-US" dirty="0"/>
+          </a:p>
+        </p:txBody>
+      </p:sp>
+      <p:pic>
+        <p:nvPicPr>
+          <p:cNvPr id="9" name="Picture 8">
+            <a:extLst>
+              <a:ext uri="{FF2B5EF4-FFF2-40B4-BE49-F238E27FC236}">
+                <a16:creationId xmlns:a16="http://schemas.microsoft.com/office/drawing/2014/main" id="{48AA0F8D-69FF-5762-C73C-D52DC580A924}"/>
+              </a:ext>
+            </a:extLst>
+          </p:cNvPr>
+          <p:cNvPicPr>
+            <a:picLocks noChangeAspect="1"/>
+          </p:cNvPicPr>
+          <p:nvPr/>
+        </p:nvPicPr>
+        <p:blipFill>
+          <a:blip r:embed="rId3"/>
+          <a:stretch>
+            <a:fillRect/>
+          </a:stretch>
+        </p:blipFill>
+        <p:spPr>
+          <a:xfrm>
+            <a:off x="7961783" y="2542491"/>
+            <a:ext cx="2694285" cy="2732386"/>
+          </a:xfrm>
+          <a:prstGeom prst="rect">
+            <a:avLst/>
+          </a:prstGeom>
+          <a:ln>
+            <a:solidFill>
+              <a:schemeClr val="tx2">
+                <a:lumMod val="50000"/>
+              </a:schemeClr>
+            </a:solidFill>
+          </a:ln>
+        </p:spPr>
+      </p:pic>
+      <p:cxnSp>
+        <p:nvCxnSpPr>
+          <p:cNvPr id="11" name="Straight Arrow Connector 10">
+            <a:extLst>
+              <a:ext uri="{FF2B5EF4-FFF2-40B4-BE49-F238E27FC236}">
+                <a16:creationId xmlns:a16="http://schemas.microsoft.com/office/drawing/2014/main" id="{E6FAEC54-B6CC-9619-938E-E7281CB667FE}"/>
+              </a:ext>
+            </a:extLst>
+          </p:cNvPr>
+          <p:cNvCxnSpPr>
+            <a:cxnSpLocks/>
+            <a:stCxn id="5" idx="6"/>
+          </p:cNvCxnSpPr>
+          <p:nvPr/>
+        </p:nvCxnSpPr>
+        <p:spPr>
+          <a:xfrm flipV="1">
+            <a:off x="3607496" y="3429000"/>
+            <a:ext cx="4546948" cy="1427668"/>
+          </a:xfrm>
+          <a:prstGeom prst="straightConnector1">
+            <a:avLst/>
+          </a:prstGeom>
+          <a:ln w="38100">
+            <a:solidFill>
+              <a:srgbClr val="FF0000"/>
+            </a:solidFill>
+            <a:tailEnd type="triangle"/>
+          </a:ln>
+        </p:spPr>
+        <p:style>
+          <a:lnRef idx="1">
+            <a:schemeClr val="accent1"/>
+          </a:lnRef>
+          <a:fillRef idx="0">
+            <a:schemeClr val="accent1"/>
+          </a:fillRef>
+          <a:effectRef idx="0">
+            <a:schemeClr val="accent1"/>
+          </a:effectRef>
+          <a:fontRef idx="minor">
+            <a:schemeClr val="tx1"/>
+          </a:fontRef>
+        </p:style>
+      </p:cxnSp>
     </p:spTree>
     <p:extLst>
       <p:ext uri="{BB962C8B-B14F-4D97-AF65-F5344CB8AC3E}">
-        <p14:creationId xmlns:p14="http://schemas.microsoft.com/office/powerpoint/2010/main" val="287497578"/>
+        <p14:creationId xmlns:p14="http://schemas.microsoft.com/office/powerpoint/2010/main" val="1527553510"/>
       </p:ext>
     </p:extLst>
   </p:cSld>
@@ -8269,8 +8445,8 @@
         </p:nvSpPr>
         <p:spPr>
           <a:xfrm>
-            <a:off x="388307" y="173876"/>
-            <a:ext cx="11283741" cy="706658"/>
+            <a:off x="543841" y="217716"/>
+            <a:ext cx="7341294" cy="965993"/>
           </a:xfrm>
           <a:prstGeom prst="rect">
             <a:avLst/>
@@ -8312,7 +8488,7 @@
           <p:cNvPr id="11" name="Picture 10">
             <a:extLst>
               <a:ext uri="{FF2B5EF4-FFF2-40B4-BE49-F238E27FC236}">
-                <a16:creationId xmlns:a16="http://schemas.microsoft.com/office/drawing/2014/main" id="{EF6428A4-19E6-FFD6-3E0A-1BD7C43A6A99}"/>
+                <a16:creationId xmlns:a16="http://schemas.microsoft.com/office/drawing/2014/main" id="{3E21B653-1684-FC96-96E1-FD4DBB603EF0}"/>
               </a:ext>
             </a:extLst>
           </p:cNvPr>
@@ -8329,25 +8505,109 @@
         </p:blipFill>
         <p:spPr>
           <a:xfrm>
-            <a:off x="1053061" y="1376989"/>
-            <a:ext cx="10085878" cy="4104022"/>
+            <a:off x="7979080" y="374291"/>
+            <a:ext cx="3572117" cy="5550520"/>
           </a:xfrm>
           <a:prstGeom prst="rect">
             <a:avLst/>
           </a:prstGeom>
-          <a:ln>
-            <a:solidFill>
-              <a:schemeClr val="tx2">
-                <a:lumMod val="50000"/>
-              </a:schemeClr>
-            </a:solidFill>
-          </a:ln>
         </p:spPr>
       </p:pic>
+      <p:sp>
+        <p:nvSpPr>
+          <p:cNvPr id="15" name="Content Placeholder 14">
+            <a:extLst>
+              <a:ext uri="{FF2B5EF4-FFF2-40B4-BE49-F238E27FC236}">
+                <a16:creationId xmlns:a16="http://schemas.microsoft.com/office/drawing/2014/main" id="{03F39FC3-2893-F29A-1BAE-4825098AFD2E}"/>
+              </a:ext>
+            </a:extLst>
+          </p:cNvPr>
+          <p:cNvSpPr>
+            <a:spLocks noGrp="1"/>
+          </p:cNvSpPr>
+          <p:nvPr>
+            <p:ph idx="1"/>
+          </p:nvPr>
+        </p:nvSpPr>
+        <p:spPr>
+          <a:xfrm>
+            <a:off x="640804" y="1334023"/>
+            <a:ext cx="6924918" cy="4515240"/>
+          </a:xfrm>
+        </p:spPr>
+        <p:txBody>
+          <a:bodyPr>
+            <a:normAutofit/>
+          </a:bodyPr>
+          <a:lstStyle/>
+          <a:p>
+            <a:r>
+              <a:rPr lang="en-US"/>
+              <a:t>I used the following parameters:</a:t>
+            </a:r>
+          </a:p>
+          <a:p>
+            <a:pPr lvl="1"/>
+            <a:r>
+              <a:rPr lang="en-US"/>
+              <a:t>Test name: Simple Test</a:t>
+            </a:r>
+          </a:p>
+          <a:p>
+            <a:pPr lvl="1"/>
+            <a:r>
+              <a:rPr lang="en-US"/>
+              <a:t>Setup command: javac KitchenConverter.java</a:t>
+            </a:r>
+          </a:p>
+          <a:p>
+            <a:pPr lvl="1"/>
+            <a:r>
+              <a:rPr lang="en-US"/>
+              <a:t>(builds the students application)</a:t>
+            </a:r>
+          </a:p>
+          <a:p>
+            <a:pPr lvl="1"/>
+            <a:r>
+              <a:rPr lang="en-US"/>
+              <a:t>Run command:</a:t>
+            </a:r>
+          </a:p>
+          <a:p>
+            <a:pPr lvl="1"/>
+            <a:r>
+              <a:rPr lang="en-US"/>
+              <a:t>java KitchenConverter 5.5   (application requires command line input)</a:t>
+            </a:r>
+          </a:p>
+          <a:p>
+            <a:pPr lvl="1"/>
+            <a:r>
+              <a:rPr lang="en-US"/>
+              <a:t>Expected output: 5.50 cups is 88.00 tablespoons</a:t>
+            </a:r>
+          </a:p>
+          <a:p>
+            <a:pPr lvl="1"/>
+            <a:r>
+              <a:rPr lang="en-US"/>
+              <a:t>Timeout: 10 minutes (default)</a:t>
+            </a:r>
+          </a:p>
+          <a:p>
+            <a:pPr lvl="1"/>
+            <a:r>
+              <a:rPr lang="en-US"/>
+              <a:t>Points (optional): not specified</a:t>
+            </a:r>
+          </a:p>
+        </p:txBody>
+      </p:sp>
     </p:spTree>
     <p:extLst>
       <p:ext uri="{BB962C8B-B14F-4D97-AF65-F5344CB8AC3E}">
-        <p14:creationId xmlns:p14="http://schemas.microsoft.com/office/powerpoint/2010/main" val="686752802"/>
+        <p14:creationId xmlns:p14="http://schemas.microsoft.com/office/powerpoint/2010/main" val="3930067443"/>
       </p:ext>
     </p:extLst>
   </p:cSld>
@@ -8374,80 +8634,628 @@
           <a:chExt cx="0" cy="0"/>
         </a:xfrm>
       </p:grpSpPr>
+      <p:sp>
+        <p:nvSpPr>
+          <p:cNvPr id="2" name="Title 3">
+            <a:extLst>
+              <a:ext uri="{FF2B5EF4-FFF2-40B4-BE49-F238E27FC236}">
+                <a16:creationId xmlns:a16="http://schemas.microsoft.com/office/drawing/2014/main" id="{D10DF660-D678-95E2-0724-B10EE41958AC}"/>
+              </a:ext>
+            </a:extLst>
+          </p:cNvPr>
+          <p:cNvSpPr txBox="1">
+            <a:spLocks/>
+          </p:cNvSpPr>
+          <p:nvPr/>
+        </p:nvSpPr>
+        <p:spPr>
+          <a:xfrm>
+            <a:off x="838201" y="173876"/>
+            <a:ext cx="10833847" cy="706658"/>
+          </a:xfrm>
+          <a:prstGeom prst="rect">
+            <a:avLst/>
+          </a:prstGeom>
+        </p:spPr>
+        <p:txBody>
+          <a:bodyPr vert="horz" lIns="91440" tIns="45720" rIns="91440" bIns="45720" rtlCol="0" anchor="ctr">
+            <a:normAutofit/>
+          </a:bodyPr>
+          <a:lstStyle>
+            <a:lvl1pPr algn="l" defTabSz="914400" rtl="0" eaLnBrk="1" latinLnBrk="0" hangingPunct="1">
+              <a:lnSpc>
+                <a:spcPct val="90000"/>
+              </a:lnSpc>
+              <a:spcBef>
+                <a:spcPct val="0"/>
+              </a:spcBef>
+              <a:buNone/>
+              <a:defRPr sz="4400" kern="1200">
+                <a:solidFill>
+                  <a:schemeClr val="tx1"/>
+                </a:solidFill>
+                <a:latin typeface="+mj-lt"/>
+                <a:ea typeface="+mj-ea"/>
+                <a:cs typeface="+mj-cs"/>
+              </a:defRPr>
+            </a:lvl1pPr>
+          </a:lstStyle>
+          <a:p>
+            <a:r>
+              <a:rPr lang="en-US" sz="3600"/>
+              <a:t>Automated Grading</a:t>
+            </a:r>
+          </a:p>
+        </p:txBody>
+      </p:sp>
+      <p:sp>
+        <p:nvSpPr>
+          <p:cNvPr id="8" name="Title 3">
+            <a:extLst>
+              <a:ext uri="{FF2B5EF4-FFF2-40B4-BE49-F238E27FC236}">
+                <a16:creationId xmlns:a16="http://schemas.microsoft.com/office/drawing/2014/main" id="{796CC2A3-F9B6-2D1D-F3F2-9412C75FB61F}"/>
+              </a:ext>
+            </a:extLst>
+          </p:cNvPr>
+          <p:cNvSpPr>
+            <a:spLocks noGrp="1"/>
+          </p:cNvSpPr>
+          <p:nvPr>
+            <p:ph type="title"/>
+          </p:nvPr>
+        </p:nvSpPr>
+        <p:spPr>
+          <a:xfrm>
+            <a:off x="1572929" y="1115880"/>
+            <a:ext cx="7996956" cy="706658"/>
+          </a:xfrm>
+        </p:spPr>
+        <p:txBody>
+          <a:bodyPr>
+            <a:normAutofit fontScale="90000"/>
+          </a:bodyPr>
+          <a:lstStyle/>
+          <a:p>
+            <a:pPr marL="284163" indent="-284163">
+              <a:buFont typeface="Arial" panose="020B0604020202020204" pitchFamily="34" charset="0"/>
+              <a:buChar char="•"/>
+            </a:pPr>
+            <a:r>
+              <a:rPr lang="en-US" sz="2800">
+                <a:latin typeface="Calibri (Body)"/>
+              </a:rPr>
+              <a:t>The assignment repo is created with two folders: .github/classroom and .github/workflows</a:t>
+            </a:r>
+            <a:endParaRPr lang="en-US" sz="2800" dirty="0">
+              <a:latin typeface="Calibri (Body)"/>
+            </a:endParaRPr>
+          </a:p>
+        </p:txBody>
+      </p:sp>
       <p:pic>
         <p:nvPicPr>
-          <p:cNvPr id="5" name="Content Placeholder 4">
-            <a:extLst>
-              <a:ext uri="{FF2B5EF4-FFF2-40B4-BE49-F238E27FC236}">
-                <a16:creationId xmlns:a16="http://schemas.microsoft.com/office/drawing/2014/main" id="{075A8137-7C75-A9F5-529F-4D6C410FDC24}"/>
+          <p:cNvPr id="6" name="Picture 5">
+            <a:extLst>
+              <a:ext uri="{FF2B5EF4-FFF2-40B4-BE49-F238E27FC236}">
+                <a16:creationId xmlns:a16="http://schemas.microsoft.com/office/drawing/2014/main" id="{56C02339-F983-6505-2BD9-327C90FD232D}"/>
               </a:ext>
             </a:extLst>
           </p:cNvPr>
           <p:cNvPicPr>
-            <a:picLocks noGrp="1" noChangeAspect="1"/>
+            <a:picLocks noChangeAspect="1"/>
           </p:cNvPicPr>
-          <p:nvPr>
-            <p:ph idx="1"/>
-          </p:nvPr>
+          <p:nvPr/>
         </p:nvPicPr>
         <p:blipFill>
-          <a:blip r:embed="rId3"/>
+          <a:blip r:embed="rId2"/>
           <a:stretch>
             <a:fillRect/>
           </a:stretch>
         </p:blipFill>
         <p:spPr>
           <a:xfrm>
-            <a:off x="954072" y="1017201"/>
-            <a:ext cx="10283856" cy="2678819"/>
-          </a:xfrm>
+            <a:off x="2067384" y="2126923"/>
+            <a:ext cx="6215905" cy="3167826"/>
+          </a:xfrm>
+          <a:prstGeom prst="rect">
+            <a:avLst/>
+          </a:prstGeom>
+          <a:ln>
+            <a:solidFill>
+              <a:schemeClr val="tx2">
+                <a:lumMod val="50000"/>
+              </a:schemeClr>
+            </a:solidFill>
+          </a:ln>
         </p:spPr>
       </p:pic>
+    </p:spTree>
+    <p:extLst>
+      <p:ext uri="{BB962C8B-B14F-4D97-AF65-F5344CB8AC3E}">
+        <p14:creationId xmlns:p14="http://schemas.microsoft.com/office/powerpoint/2010/main" val="1919731694"/>
+      </p:ext>
+    </p:extLst>
+  </p:cSld>
+  <p:clrMapOvr>
+    <a:masterClrMapping/>
+  </p:clrMapOvr>
+</p:sld>
+</file>
+
+<file path=ppt/slides/slide37.xml><?xml version="1.0" encoding="utf-8"?>
+<p:sld xmlns:a="http://schemas.openxmlformats.org/drawingml/2006/main" xmlns:r="http://schemas.openxmlformats.org/officeDocument/2006/relationships" xmlns:p="http://schemas.openxmlformats.org/presentationml/2006/main">
+  <p:cSld>
+    <p:spTree>
+      <p:nvGrpSpPr>
+        <p:cNvPr id="1" name=""/>
+        <p:cNvGrpSpPr/>
+        <p:nvPr/>
+      </p:nvGrpSpPr>
+      <p:grpSpPr>
+        <a:xfrm>
+          <a:off x="0" y="0"/>
+          <a:ext cx="0" cy="0"/>
+          <a:chOff x="0" y="0"/>
+          <a:chExt cx="0" cy="0"/>
+        </a:xfrm>
+      </p:grpSpPr>
+      <p:sp>
+        <p:nvSpPr>
+          <p:cNvPr id="2" name="Title 3">
+            <a:extLst>
+              <a:ext uri="{FF2B5EF4-FFF2-40B4-BE49-F238E27FC236}">
+                <a16:creationId xmlns:a16="http://schemas.microsoft.com/office/drawing/2014/main" id="{D10DF660-D678-95E2-0724-B10EE41958AC}"/>
+              </a:ext>
+            </a:extLst>
+          </p:cNvPr>
+          <p:cNvSpPr txBox="1">
+            <a:spLocks/>
+          </p:cNvSpPr>
+          <p:nvPr/>
+        </p:nvSpPr>
+        <p:spPr>
+          <a:xfrm>
+            <a:off x="838201" y="173876"/>
+            <a:ext cx="10833847" cy="706658"/>
+          </a:xfrm>
+          <a:prstGeom prst="rect">
+            <a:avLst/>
+          </a:prstGeom>
+        </p:spPr>
+        <p:txBody>
+          <a:bodyPr vert="horz" lIns="91440" tIns="45720" rIns="91440" bIns="45720" rtlCol="0" anchor="ctr">
+            <a:normAutofit/>
+          </a:bodyPr>
+          <a:lstStyle>
+            <a:lvl1pPr algn="l" defTabSz="914400" rtl="0" eaLnBrk="1" latinLnBrk="0" hangingPunct="1">
+              <a:lnSpc>
+                <a:spcPct val="90000"/>
+              </a:lnSpc>
+              <a:spcBef>
+                <a:spcPct val="0"/>
+              </a:spcBef>
+              <a:buNone/>
+              <a:defRPr sz="4400" kern="1200">
+                <a:solidFill>
+                  <a:schemeClr val="tx1"/>
+                </a:solidFill>
+                <a:latin typeface="+mj-lt"/>
+                <a:ea typeface="+mj-ea"/>
+                <a:cs typeface="+mj-cs"/>
+              </a:defRPr>
+            </a:lvl1pPr>
+          </a:lstStyle>
+          <a:p>
+            <a:r>
+              <a:rPr lang="en-US" sz="3600"/>
+              <a:t>Automated Grading using Workflows</a:t>
+            </a:r>
+          </a:p>
+        </p:txBody>
+      </p:sp>
       <p:pic>
         <p:nvPicPr>
-          <p:cNvPr id="10" name="Graphic 10">
-            <a:extLst>
-              <a:ext uri="{FF2B5EF4-FFF2-40B4-BE49-F238E27FC236}">
-                <a16:creationId xmlns:a16="http://schemas.microsoft.com/office/drawing/2014/main" id="{EECBA6B0-8FC5-1BE2-DEB5-A541B4C5FE31}"/>
+          <p:cNvPr id="4" name="Picture 3">
+            <a:extLst>
+              <a:ext uri="{FF2B5EF4-FFF2-40B4-BE49-F238E27FC236}">
+                <a16:creationId xmlns:a16="http://schemas.microsoft.com/office/drawing/2014/main" id="{BF043FEF-4C8B-C060-1628-ADC8856B1264}"/>
               </a:ext>
             </a:extLst>
           </p:cNvPr>
           <p:cNvPicPr>
             <a:picLocks noChangeAspect="1"/>
-            <a:extLst>
-              <a:ext uri="{51228E76-BA90-4043-B771-695A4F85340A}">
-                <alf:liveFeedProps xmlns:alf="http://schemas.microsoft.com/office/drawing/2021/livefeed"/>
-              </a:ext>
-            </a:extLst>
           </p:cNvPicPr>
           <p:nvPr/>
         </p:nvPicPr>
         <p:blipFill>
-          <a:blip r:embed="rId4">
-            <a:extLst>
-              <a:ext uri="{96DAC541-7B7A-43D3-8B79-37D633B846F1}">
-                <asvg:svgBlip xmlns:asvg="http://schemas.microsoft.com/office/drawing/2016/SVG/main" r:embed="rId5"/>
-              </a:ext>
-            </a:extLst>
-          </a:blip>
+          <a:blip r:embed="rId2"/>
           <a:stretch>
             <a:fillRect/>
           </a:stretch>
         </p:blipFill>
         <p:spPr>
           <a:xfrm>
-            <a:off x="10052304" y="4718304"/>
-            <a:ext cx="2057400" cy="2057400"/>
-          </a:xfrm>
-          <a:prstGeom prst="ellipse">
+            <a:off x="2449488" y="1999345"/>
+            <a:ext cx="7380707" cy="3635924"/>
+          </a:xfrm>
+          <a:prstGeom prst="rect">
             <a:avLst/>
           </a:prstGeom>
+          <a:ln>
+            <a:solidFill>
+              <a:schemeClr val="tx2">
+                <a:lumMod val="50000"/>
+              </a:schemeClr>
+            </a:solidFill>
+          </a:ln>
         </p:spPr>
       </p:pic>
+      <p:sp>
+        <p:nvSpPr>
+          <p:cNvPr id="9" name="Title 3">
+            <a:extLst>
+              <a:ext uri="{FF2B5EF4-FFF2-40B4-BE49-F238E27FC236}">
+                <a16:creationId xmlns:a16="http://schemas.microsoft.com/office/drawing/2014/main" id="{A9AFBB85-880F-8523-4E37-A6901B3D2CF7}"/>
+              </a:ext>
+            </a:extLst>
+          </p:cNvPr>
+          <p:cNvSpPr>
+            <a:spLocks noGrp="1"/>
+          </p:cNvSpPr>
+          <p:nvPr>
+            <p:ph type="title"/>
+          </p:nvPr>
+        </p:nvSpPr>
+        <p:spPr>
+          <a:xfrm>
+            <a:off x="1572929" y="1115880"/>
+            <a:ext cx="7996956" cy="706658"/>
+          </a:xfrm>
+        </p:spPr>
+        <p:txBody>
+          <a:bodyPr>
+            <a:normAutofit/>
+          </a:bodyPr>
+          <a:lstStyle/>
+          <a:p>
+            <a:pPr marL="284163" indent="-284163">
+              <a:buFont typeface="Arial" panose="020B0604020202020204" pitchFamily="34" charset="0"/>
+              <a:buChar char="•"/>
+            </a:pPr>
+            <a:r>
+              <a:rPr lang="en-US" sz="2800">
+                <a:latin typeface="Calibri (Body)"/>
+              </a:rPr>
+              <a:t>The classroom folder contains a JSON input file</a:t>
+            </a:r>
+            <a:endParaRPr lang="en-US" sz="2800" dirty="0">
+              <a:latin typeface="Calibri (Body)"/>
+            </a:endParaRPr>
+          </a:p>
+        </p:txBody>
+      </p:sp>
     </p:spTree>
     <p:extLst>
       <p:ext uri="{BB962C8B-B14F-4D97-AF65-F5344CB8AC3E}">
-        <p14:creationId xmlns:p14="http://schemas.microsoft.com/office/powerpoint/2010/main" val="593074532"/>
+        <p14:creationId xmlns:p14="http://schemas.microsoft.com/office/powerpoint/2010/main" val="713096528"/>
+      </p:ext>
+    </p:extLst>
+  </p:cSld>
+  <p:clrMapOvr>
+    <a:masterClrMapping/>
+  </p:clrMapOvr>
+</p:sld>
+</file>
+
+<file path=ppt/slides/slide38.xml><?xml version="1.0" encoding="utf-8"?>
+<p:sld xmlns:a="http://schemas.openxmlformats.org/drawingml/2006/main" xmlns:r="http://schemas.openxmlformats.org/officeDocument/2006/relationships" xmlns:p="http://schemas.openxmlformats.org/presentationml/2006/main">
+  <p:cSld>
+    <p:spTree>
+      <p:nvGrpSpPr>
+        <p:cNvPr id="1" name=""/>
+        <p:cNvGrpSpPr/>
+        <p:nvPr/>
+      </p:nvGrpSpPr>
+      <p:grpSpPr>
+        <a:xfrm>
+          <a:off x="0" y="0"/>
+          <a:ext cx="0" cy="0"/>
+          <a:chOff x="0" y="0"/>
+          <a:chExt cx="0" cy="0"/>
+        </a:xfrm>
+      </p:grpSpPr>
+      <p:sp>
+        <p:nvSpPr>
+          <p:cNvPr id="2" name="Title 3">
+            <a:extLst>
+              <a:ext uri="{FF2B5EF4-FFF2-40B4-BE49-F238E27FC236}">
+                <a16:creationId xmlns:a16="http://schemas.microsoft.com/office/drawing/2014/main" id="{D10DF660-D678-95E2-0724-B10EE41958AC}"/>
+              </a:ext>
+            </a:extLst>
+          </p:cNvPr>
+          <p:cNvSpPr txBox="1">
+            <a:spLocks/>
+          </p:cNvSpPr>
+          <p:nvPr/>
+        </p:nvSpPr>
+        <p:spPr>
+          <a:xfrm>
+            <a:off x="838201" y="173876"/>
+            <a:ext cx="10833847" cy="706658"/>
+          </a:xfrm>
+          <a:prstGeom prst="rect">
+            <a:avLst/>
+          </a:prstGeom>
+        </p:spPr>
+        <p:txBody>
+          <a:bodyPr vert="horz" lIns="91440" tIns="45720" rIns="91440" bIns="45720" rtlCol="0" anchor="ctr">
+            <a:normAutofit/>
+          </a:bodyPr>
+          <a:lstStyle>
+            <a:lvl1pPr algn="l" defTabSz="914400" rtl="0" eaLnBrk="1" latinLnBrk="0" hangingPunct="1">
+              <a:lnSpc>
+                <a:spcPct val="90000"/>
+              </a:lnSpc>
+              <a:spcBef>
+                <a:spcPct val="0"/>
+              </a:spcBef>
+              <a:buNone/>
+              <a:defRPr sz="4400" kern="1200">
+                <a:solidFill>
+                  <a:schemeClr val="tx1"/>
+                </a:solidFill>
+                <a:latin typeface="+mj-lt"/>
+                <a:ea typeface="+mj-ea"/>
+                <a:cs typeface="+mj-cs"/>
+              </a:defRPr>
+            </a:lvl1pPr>
+          </a:lstStyle>
+          <a:p>
+            <a:r>
+              <a:rPr lang="en-US" sz="3600"/>
+              <a:t>Automated Grading</a:t>
+            </a:r>
+          </a:p>
+        </p:txBody>
+      </p:sp>
+      <p:pic>
+        <p:nvPicPr>
+          <p:cNvPr id="5" name="Picture 4">
+            <a:extLst>
+              <a:ext uri="{FF2B5EF4-FFF2-40B4-BE49-F238E27FC236}">
+                <a16:creationId xmlns:a16="http://schemas.microsoft.com/office/drawing/2014/main" id="{4BE375E1-481D-7932-35CA-A44F828F31B5}"/>
+              </a:ext>
+            </a:extLst>
+          </p:cNvPr>
+          <p:cNvPicPr>
+            <a:picLocks noChangeAspect="1"/>
+          </p:cNvPicPr>
+          <p:nvPr/>
+        </p:nvPicPr>
+        <p:blipFill>
+          <a:blip r:embed="rId2"/>
+          <a:stretch>
+            <a:fillRect/>
+          </a:stretch>
+        </p:blipFill>
+        <p:spPr>
+          <a:xfrm>
+            <a:off x="3899168" y="1048992"/>
+            <a:ext cx="7202488" cy="4509495"/>
+          </a:xfrm>
+          <a:prstGeom prst="rect">
+            <a:avLst/>
+          </a:prstGeom>
+          <a:ln>
+            <a:solidFill>
+              <a:schemeClr val="tx2">
+                <a:lumMod val="50000"/>
+              </a:schemeClr>
+            </a:solidFill>
+          </a:ln>
+        </p:spPr>
+      </p:pic>
+      <p:sp>
+        <p:nvSpPr>
+          <p:cNvPr id="7" name="TextBox 6">
+            <a:extLst>
+              <a:ext uri="{FF2B5EF4-FFF2-40B4-BE49-F238E27FC236}">
+                <a16:creationId xmlns:a16="http://schemas.microsoft.com/office/drawing/2014/main" id="{406A1628-3662-2DA4-574F-11D630C7EF77}"/>
+              </a:ext>
+            </a:extLst>
+          </p:cNvPr>
+          <p:cNvSpPr txBox="1"/>
+          <p:nvPr/>
+        </p:nvSpPr>
+        <p:spPr>
+          <a:xfrm>
+            <a:off x="932148" y="1008220"/>
+            <a:ext cx="2525036" cy="523220"/>
+          </a:xfrm>
+          <a:prstGeom prst="rect">
+            <a:avLst/>
+          </a:prstGeom>
+          <a:noFill/>
+        </p:spPr>
+        <p:txBody>
+          <a:bodyPr wrap="square">
+            <a:spAutoFit/>
+          </a:bodyPr>
+          <a:lstStyle/>
+          <a:p>
+            <a:pPr marL="169863" indent="-169863">
+              <a:buFont typeface="Arial" panose="020B0604020202020204" pitchFamily="34" charset="0"/>
+              <a:buChar char="•"/>
+            </a:pPr>
+            <a:r>
+              <a:rPr lang="en-US" sz="2800"/>
+              <a:t>JSON input file</a:t>
+            </a:r>
+          </a:p>
+        </p:txBody>
+      </p:sp>
+    </p:spTree>
+    <p:extLst>
+      <p:ext uri="{BB962C8B-B14F-4D97-AF65-F5344CB8AC3E}">
+        <p14:creationId xmlns:p14="http://schemas.microsoft.com/office/powerpoint/2010/main" val="3187325286"/>
+      </p:ext>
+    </p:extLst>
+  </p:cSld>
+  <p:clrMapOvr>
+    <a:masterClrMapping/>
+  </p:clrMapOvr>
+</p:sld>
+</file>
+
+<file path=ppt/slides/slide39.xml><?xml version="1.0" encoding="utf-8"?>
+<p:sld xmlns:a="http://schemas.openxmlformats.org/drawingml/2006/main" xmlns:r="http://schemas.openxmlformats.org/officeDocument/2006/relationships" xmlns:p="http://schemas.openxmlformats.org/presentationml/2006/main">
+  <p:cSld>
+    <p:spTree>
+      <p:nvGrpSpPr>
+        <p:cNvPr id="1" name=""/>
+        <p:cNvGrpSpPr/>
+        <p:nvPr/>
+      </p:nvGrpSpPr>
+      <p:grpSpPr>
+        <a:xfrm>
+          <a:off x="0" y="0"/>
+          <a:ext cx="0" cy="0"/>
+          <a:chOff x="0" y="0"/>
+          <a:chExt cx="0" cy="0"/>
+        </a:xfrm>
+      </p:grpSpPr>
+      <p:sp>
+        <p:nvSpPr>
+          <p:cNvPr id="2" name="Title 3">
+            <a:extLst>
+              <a:ext uri="{FF2B5EF4-FFF2-40B4-BE49-F238E27FC236}">
+                <a16:creationId xmlns:a16="http://schemas.microsoft.com/office/drawing/2014/main" id="{D10DF660-D678-95E2-0724-B10EE41958AC}"/>
+              </a:ext>
+            </a:extLst>
+          </p:cNvPr>
+          <p:cNvSpPr txBox="1">
+            <a:spLocks/>
+          </p:cNvSpPr>
+          <p:nvPr/>
+        </p:nvSpPr>
+        <p:spPr>
+          <a:xfrm>
+            <a:off x="838201" y="173876"/>
+            <a:ext cx="10833847" cy="706658"/>
+          </a:xfrm>
+          <a:prstGeom prst="rect">
+            <a:avLst/>
+          </a:prstGeom>
+        </p:spPr>
+        <p:txBody>
+          <a:bodyPr vert="horz" lIns="91440" tIns="45720" rIns="91440" bIns="45720" rtlCol="0" anchor="ctr">
+            <a:normAutofit/>
+          </a:bodyPr>
+          <a:lstStyle>
+            <a:lvl1pPr algn="l" defTabSz="914400" rtl="0" eaLnBrk="1" latinLnBrk="0" hangingPunct="1">
+              <a:lnSpc>
+                <a:spcPct val="90000"/>
+              </a:lnSpc>
+              <a:spcBef>
+                <a:spcPct val="0"/>
+              </a:spcBef>
+              <a:buNone/>
+              <a:defRPr sz="4400" kern="1200">
+                <a:solidFill>
+                  <a:schemeClr val="tx1"/>
+                </a:solidFill>
+                <a:latin typeface="+mj-lt"/>
+                <a:ea typeface="+mj-ea"/>
+                <a:cs typeface="+mj-cs"/>
+              </a:defRPr>
+            </a:lvl1pPr>
+          </a:lstStyle>
+          <a:p>
+            <a:r>
+              <a:rPr lang="en-US" sz="3600"/>
+              <a:t>Automated Grading</a:t>
+            </a:r>
+          </a:p>
+        </p:txBody>
+      </p:sp>
+      <p:pic>
+        <p:nvPicPr>
+          <p:cNvPr id="4" name="Picture 3">
+            <a:extLst>
+              <a:ext uri="{FF2B5EF4-FFF2-40B4-BE49-F238E27FC236}">
+                <a16:creationId xmlns:a16="http://schemas.microsoft.com/office/drawing/2014/main" id="{C3FA83FE-8E36-E3AC-0AC0-250F9F976ADC}"/>
+              </a:ext>
+            </a:extLst>
+          </p:cNvPr>
+          <p:cNvPicPr>
+            <a:picLocks noChangeAspect="1"/>
+          </p:cNvPicPr>
+          <p:nvPr/>
+        </p:nvPicPr>
+        <p:blipFill>
+          <a:blip r:embed="rId2"/>
+          <a:stretch>
+            <a:fillRect/>
+          </a:stretch>
+        </p:blipFill>
+        <p:spPr>
+          <a:xfrm>
+            <a:off x="1962698" y="1971054"/>
+            <a:ext cx="7217417" cy="3064409"/>
+          </a:xfrm>
+          <a:prstGeom prst="rect">
+            <a:avLst/>
+          </a:prstGeom>
+        </p:spPr>
+      </p:pic>
+      <p:sp>
+        <p:nvSpPr>
+          <p:cNvPr id="6" name="Title 3">
+            <a:extLst>
+              <a:ext uri="{FF2B5EF4-FFF2-40B4-BE49-F238E27FC236}">
+                <a16:creationId xmlns:a16="http://schemas.microsoft.com/office/drawing/2014/main" id="{E056F7B4-09F9-3222-6BBA-E75835CA2636}"/>
+              </a:ext>
+            </a:extLst>
+          </p:cNvPr>
+          <p:cNvSpPr>
+            <a:spLocks noGrp="1"/>
+          </p:cNvSpPr>
+          <p:nvPr>
+            <p:ph type="title"/>
+          </p:nvPr>
+        </p:nvSpPr>
+        <p:spPr>
+          <a:xfrm>
+            <a:off x="1572929" y="1115880"/>
+            <a:ext cx="7996956" cy="706658"/>
+          </a:xfrm>
+        </p:spPr>
+        <p:txBody>
+          <a:bodyPr>
+            <a:normAutofit/>
+          </a:bodyPr>
+          <a:lstStyle/>
+          <a:p>
+            <a:pPr marL="284163" indent="-284163">
+              <a:buFont typeface="Arial" panose="020B0604020202020204" pitchFamily="34" charset="0"/>
+              <a:buChar char="•"/>
+            </a:pPr>
+            <a:r>
+              <a:rPr lang="en-US" sz="2800">
+                <a:latin typeface="Calibri (Body)"/>
+              </a:rPr>
+              <a:t>The workflows folder contains a YAML workflow file</a:t>
+            </a:r>
+            <a:endParaRPr lang="en-US" sz="2800" dirty="0">
+              <a:latin typeface="Calibri (Body)"/>
+            </a:endParaRPr>
+          </a:p>
+        </p:txBody>
+      </p:sp>
+    </p:spTree>
+    <p:extLst>
+      <p:ext uri="{BB962C8B-B14F-4D97-AF65-F5344CB8AC3E}">
+        <p14:creationId xmlns:p14="http://schemas.microsoft.com/office/powerpoint/2010/main" val="2828443835"/>
       </p:ext>
     </p:extLst>
   </p:cSld>
@@ -8492,8 +9300,8 @@
         </p:nvSpPr>
         <p:spPr>
           <a:xfrm>
-            <a:off x="838200" y="365125"/>
-            <a:ext cx="10515600" cy="605161"/>
+            <a:off x="838200" y="413360"/>
+            <a:ext cx="5081400" cy="921576"/>
           </a:xfrm>
         </p:spPr>
         <p:txBody>
@@ -8504,7 +9312,7 @@
           <a:p>
             <a:r>
               <a:rPr lang="en-US"/>
-              <a:t>Creating an Organization</a:t>
+              <a:t>Create an Organization in GitHub</a:t>
             </a:r>
           </a:p>
         </p:txBody>
@@ -8527,8 +9335,8 @@
         </p:nvSpPr>
         <p:spPr>
           <a:xfrm>
-            <a:off x="838200" y="1147665"/>
-            <a:ext cx="3518647" cy="5486399"/>
+            <a:off x="838200" y="1634646"/>
+            <a:ext cx="3518647" cy="4059579"/>
           </a:xfrm>
         </p:spPr>
         <p:txBody>
@@ -8572,18 +9380,1269 @@
         </p:blipFill>
         <p:spPr>
           <a:xfrm>
-            <a:off x="6449860" y="825675"/>
+            <a:off x="6462385" y="523094"/>
             <a:ext cx="5081400" cy="4868551"/>
           </a:xfrm>
           <a:prstGeom prst="rect">
             <a:avLst/>
           </a:prstGeom>
+          <a:ln>
+            <a:solidFill>
+              <a:schemeClr val="tx2">
+                <a:lumMod val="50000"/>
+              </a:schemeClr>
+            </a:solidFill>
+          </a:ln>
         </p:spPr>
       </p:pic>
     </p:spTree>
     <p:extLst>
       <p:ext uri="{BB962C8B-B14F-4D97-AF65-F5344CB8AC3E}">
         <p14:creationId xmlns:p14="http://schemas.microsoft.com/office/powerpoint/2010/main" val="3218725673"/>
+      </p:ext>
+    </p:extLst>
+  </p:cSld>
+  <p:clrMapOvr>
+    <a:masterClrMapping/>
+  </p:clrMapOvr>
+</p:sld>
+</file>
+
+<file path=ppt/slides/slide40.xml><?xml version="1.0" encoding="utf-8"?>
+<p:sld xmlns:a="http://schemas.openxmlformats.org/drawingml/2006/main" xmlns:r="http://schemas.openxmlformats.org/officeDocument/2006/relationships" xmlns:p="http://schemas.openxmlformats.org/presentationml/2006/main">
+  <p:cSld>
+    <p:spTree>
+      <p:nvGrpSpPr>
+        <p:cNvPr id="1" name=""/>
+        <p:cNvGrpSpPr/>
+        <p:nvPr/>
+      </p:nvGrpSpPr>
+      <p:grpSpPr>
+        <a:xfrm>
+          <a:off x="0" y="0"/>
+          <a:ext cx="0" cy="0"/>
+          <a:chOff x="0" y="0"/>
+          <a:chExt cx="0" cy="0"/>
+        </a:xfrm>
+      </p:grpSpPr>
+      <p:sp>
+        <p:nvSpPr>
+          <p:cNvPr id="2" name="Title 3">
+            <a:extLst>
+              <a:ext uri="{FF2B5EF4-FFF2-40B4-BE49-F238E27FC236}">
+                <a16:creationId xmlns:a16="http://schemas.microsoft.com/office/drawing/2014/main" id="{D10DF660-D678-95E2-0724-B10EE41958AC}"/>
+              </a:ext>
+            </a:extLst>
+          </p:cNvPr>
+          <p:cNvSpPr txBox="1">
+            <a:spLocks/>
+          </p:cNvSpPr>
+          <p:nvPr/>
+        </p:nvSpPr>
+        <p:spPr>
+          <a:xfrm>
+            <a:off x="838201" y="173876"/>
+            <a:ext cx="10833847" cy="979581"/>
+          </a:xfrm>
+          <a:prstGeom prst="rect">
+            <a:avLst/>
+          </a:prstGeom>
+        </p:spPr>
+        <p:txBody>
+          <a:bodyPr vert="horz" lIns="91440" tIns="45720" rIns="91440" bIns="45720" rtlCol="0" anchor="ctr">
+            <a:normAutofit/>
+          </a:bodyPr>
+          <a:lstStyle>
+            <a:lvl1pPr algn="l" defTabSz="914400" rtl="0" eaLnBrk="1" latinLnBrk="0" hangingPunct="1">
+              <a:lnSpc>
+                <a:spcPct val="90000"/>
+              </a:lnSpc>
+              <a:spcBef>
+                <a:spcPct val="0"/>
+              </a:spcBef>
+              <a:buNone/>
+              <a:defRPr sz="4400" kern="1200">
+                <a:solidFill>
+                  <a:schemeClr val="tx1"/>
+                </a:solidFill>
+                <a:latin typeface="+mj-lt"/>
+                <a:ea typeface="+mj-ea"/>
+                <a:cs typeface="+mj-cs"/>
+              </a:defRPr>
+            </a:lvl1pPr>
+          </a:lstStyle>
+          <a:p>
+            <a:r>
+              <a:rPr lang="en-US" sz="4000"/>
+              <a:t>Automated Grading</a:t>
+            </a:r>
+          </a:p>
+        </p:txBody>
+      </p:sp>
+      <p:pic>
+        <p:nvPicPr>
+          <p:cNvPr id="5" name="Picture 4">
+            <a:extLst>
+              <a:ext uri="{FF2B5EF4-FFF2-40B4-BE49-F238E27FC236}">
+                <a16:creationId xmlns:a16="http://schemas.microsoft.com/office/drawing/2014/main" id="{7B474D87-F3C8-AA94-A043-D2E9B88BD296}"/>
+              </a:ext>
+            </a:extLst>
+          </p:cNvPr>
+          <p:cNvPicPr>
+            <a:picLocks noChangeAspect="1"/>
+          </p:cNvPicPr>
+          <p:nvPr/>
+        </p:nvPicPr>
+        <p:blipFill>
+          <a:blip r:embed="rId2"/>
+          <a:stretch>
+            <a:fillRect/>
+          </a:stretch>
+        </p:blipFill>
+        <p:spPr>
+          <a:xfrm>
+            <a:off x="1659699" y="1227251"/>
+            <a:ext cx="8437690" cy="4651765"/>
+          </a:xfrm>
+          <a:prstGeom prst="rect">
+            <a:avLst/>
+          </a:prstGeom>
+          <a:ln>
+            <a:solidFill>
+              <a:schemeClr val="tx2">
+                <a:lumMod val="50000"/>
+              </a:schemeClr>
+            </a:solidFill>
+          </a:ln>
+        </p:spPr>
+      </p:pic>
+    </p:spTree>
+    <p:extLst>
+      <p:ext uri="{BB962C8B-B14F-4D97-AF65-F5344CB8AC3E}">
+        <p14:creationId xmlns:p14="http://schemas.microsoft.com/office/powerpoint/2010/main" val="4022940001"/>
+      </p:ext>
+    </p:extLst>
+  </p:cSld>
+  <p:clrMapOvr>
+    <a:masterClrMapping/>
+  </p:clrMapOvr>
+</p:sld>
+</file>
+
+<file path=ppt/slides/slide41.xml><?xml version="1.0" encoding="utf-8"?>
+<p:sld xmlns:a="http://schemas.openxmlformats.org/drawingml/2006/main" xmlns:r="http://schemas.openxmlformats.org/officeDocument/2006/relationships" xmlns:p="http://schemas.openxmlformats.org/presentationml/2006/main">
+  <p:cSld>
+    <p:spTree>
+      <p:nvGrpSpPr>
+        <p:cNvPr id="1" name=""/>
+        <p:cNvGrpSpPr/>
+        <p:nvPr/>
+      </p:nvGrpSpPr>
+      <p:grpSpPr>
+        <a:xfrm>
+          <a:off x="0" y="0"/>
+          <a:ext cx="0" cy="0"/>
+          <a:chOff x="0" y="0"/>
+          <a:chExt cx="0" cy="0"/>
+        </a:xfrm>
+      </p:grpSpPr>
+      <p:sp>
+        <p:nvSpPr>
+          <p:cNvPr id="2" name="Title 3">
+            <a:extLst>
+              <a:ext uri="{FF2B5EF4-FFF2-40B4-BE49-F238E27FC236}">
+                <a16:creationId xmlns:a16="http://schemas.microsoft.com/office/drawing/2014/main" id="{D10DF660-D678-95E2-0724-B10EE41958AC}"/>
+              </a:ext>
+            </a:extLst>
+          </p:cNvPr>
+          <p:cNvSpPr txBox="1">
+            <a:spLocks/>
+          </p:cNvSpPr>
+          <p:nvPr/>
+        </p:nvSpPr>
+        <p:spPr>
+          <a:xfrm>
+            <a:off x="838202" y="173876"/>
+            <a:ext cx="10547958" cy="1009834"/>
+          </a:xfrm>
+          <a:prstGeom prst="rect">
+            <a:avLst/>
+          </a:prstGeom>
+        </p:spPr>
+        <p:txBody>
+          <a:bodyPr vert="horz" lIns="91440" tIns="45720" rIns="91440" bIns="45720" rtlCol="0" anchor="ctr">
+            <a:normAutofit/>
+          </a:bodyPr>
+          <a:lstStyle>
+            <a:lvl1pPr algn="l" defTabSz="914400" rtl="0" eaLnBrk="1" latinLnBrk="0" hangingPunct="1">
+              <a:lnSpc>
+                <a:spcPct val="90000"/>
+              </a:lnSpc>
+              <a:spcBef>
+                <a:spcPct val="0"/>
+              </a:spcBef>
+              <a:buNone/>
+              <a:defRPr sz="4400" kern="1200">
+                <a:solidFill>
+                  <a:schemeClr val="tx1"/>
+                </a:solidFill>
+                <a:latin typeface="+mj-lt"/>
+                <a:ea typeface="+mj-ea"/>
+                <a:cs typeface="+mj-cs"/>
+              </a:defRPr>
+            </a:lvl1pPr>
+          </a:lstStyle>
+          <a:p>
+            <a:r>
+              <a:rPr lang="en-US" sz="3600"/>
+              <a:t>Automated Grading</a:t>
+            </a:r>
+          </a:p>
+        </p:txBody>
+      </p:sp>
+      <p:pic>
+        <p:nvPicPr>
+          <p:cNvPr id="7" name="Picture 6">
+            <a:extLst>
+              <a:ext uri="{FF2B5EF4-FFF2-40B4-BE49-F238E27FC236}">
+                <a16:creationId xmlns:a16="http://schemas.microsoft.com/office/drawing/2014/main" id="{C148562F-B70A-69EC-E880-A6E8B09797A6}"/>
+              </a:ext>
+            </a:extLst>
+          </p:cNvPr>
+          <p:cNvPicPr>
+            <a:picLocks noChangeAspect="1"/>
+          </p:cNvPicPr>
+          <p:nvPr/>
+        </p:nvPicPr>
+        <p:blipFill>
+          <a:blip r:embed="rId2"/>
+          <a:stretch>
+            <a:fillRect/>
+          </a:stretch>
+        </p:blipFill>
+        <p:spPr>
+          <a:xfrm>
+            <a:off x="1014960" y="1281736"/>
+            <a:ext cx="10162080" cy="4294527"/>
+          </a:xfrm>
+          <a:prstGeom prst="rect">
+            <a:avLst/>
+          </a:prstGeom>
+        </p:spPr>
+      </p:pic>
+    </p:spTree>
+    <p:extLst>
+      <p:ext uri="{BB962C8B-B14F-4D97-AF65-F5344CB8AC3E}">
+        <p14:creationId xmlns:p14="http://schemas.microsoft.com/office/powerpoint/2010/main" val="1379861397"/>
+      </p:ext>
+    </p:extLst>
+  </p:cSld>
+  <p:clrMapOvr>
+    <a:masterClrMapping/>
+  </p:clrMapOvr>
+</p:sld>
+</file>
+
+<file path=ppt/slides/slide42.xml><?xml version="1.0" encoding="utf-8"?>
+<p:sld xmlns:a="http://schemas.openxmlformats.org/drawingml/2006/main" xmlns:r="http://schemas.openxmlformats.org/officeDocument/2006/relationships" xmlns:p="http://schemas.openxmlformats.org/presentationml/2006/main">
+  <p:cSld>
+    <p:spTree>
+      <p:nvGrpSpPr>
+        <p:cNvPr id="1" name=""/>
+        <p:cNvGrpSpPr/>
+        <p:nvPr/>
+      </p:nvGrpSpPr>
+      <p:grpSpPr>
+        <a:xfrm>
+          <a:off x="0" y="0"/>
+          <a:ext cx="0" cy="0"/>
+          <a:chOff x="0" y="0"/>
+          <a:chExt cx="0" cy="0"/>
+        </a:xfrm>
+      </p:grpSpPr>
+      <p:sp>
+        <p:nvSpPr>
+          <p:cNvPr id="2" name="Title 3">
+            <a:extLst>
+              <a:ext uri="{FF2B5EF4-FFF2-40B4-BE49-F238E27FC236}">
+                <a16:creationId xmlns:a16="http://schemas.microsoft.com/office/drawing/2014/main" id="{D10DF660-D678-95E2-0724-B10EE41958AC}"/>
+              </a:ext>
+            </a:extLst>
+          </p:cNvPr>
+          <p:cNvSpPr txBox="1">
+            <a:spLocks/>
+          </p:cNvSpPr>
+          <p:nvPr/>
+        </p:nvSpPr>
+        <p:spPr>
+          <a:xfrm>
+            <a:off x="388307" y="173876"/>
+            <a:ext cx="11283741" cy="706658"/>
+          </a:xfrm>
+          <a:prstGeom prst="rect">
+            <a:avLst/>
+          </a:prstGeom>
+        </p:spPr>
+        <p:txBody>
+          <a:bodyPr vert="horz" lIns="91440" tIns="45720" rIns="91440" bIns="45720" rtlCol="0" anchor="ctr">
+            <a:normAutofit/>
+          </a:bodyPr>
+          <a:lstStyle>
+            <a:lvl1pPr algn="l" defTabSz="914400" rtl="0" eaLnBrk="1" latinLnBrk="0" hangingPunct="1">
+              <a:lnSpc>
+                <a:spcPct val="90000"/>
+              </a:lnSpc>
+              <a:spcBef>
+                <a:spcPct val="0"/>
+              </a:spcBef>
+              <a:buNone/>
+              <a:defRPr sz="4400" kern="1200">
+                <a:solidFill>
+                  <a:schemeClr val="tx1"/>
+                </a:solidFill>
+                <a:latin typeface="+mj-lt"/>
+                <a:ea typeface="+mj-ea"/>
+                <a:cs typeface="+mj-cs"/>
+              </a:defRPr>
+            </a:lvl1pPr>
+          </a:lstStyle>
+          <a:p>
+            <a:r>
+              <a:rPr lang="en-US" sz="3600"/>
+              <a:t>Automated Grading</a:t>
+            </a:r>
+          </a:p>
+        </p:txBody>
+      </p:sp>
+      <p:pic>
+        <p:nvPicPr>
+          <p:cNvPr id="8" name="Picture 7">
+            <a:extLst>
+              <a:ext uri="{FF2B5EF4-FFF2-40B4-BE49-F238E27FC236}">
+                <a16:creationId xmlns:a16="http://schemas.microsoft.com/office/drawing/2014/main" id="{9F6412A0-B38A-39C7-C5DD-69BA47BCCD9A}"/>
+              </a:ext>
+            </a:extLst>
+          </p:cNvPr>
+          <p:cNvPicPr>
+            <a:picLocks noChangeAspect="1"/>
+          </p:cNvPicPr>
+          <p:nvPr/>
+        </p:nvPicPr>
+        <p:blipFill>
+          <a:blip r:embed="rId2"/>
+          <a:stretch>
+            <a:fillRect/>
+          </a:stretch>
+        </p:blipFill>
+        <p:spPr>
+          <a:xfrm>
+            <a:off x="388307" y="2377996"/>
+            <a:ext cx="11490029" cy="1051004"/>
+          </a:xfrm>
+          <a:prstGeom prst="rect">
+            <a:avLst/>
+          </a:prstGeom>
+          <a:ln>
+            <a:solidFill>
+              <a:schemeClr val="accent1">
+                <a:lumMod val="50000"/>
+              </a:schemeClr>
+            </a:solidFill>
+          </a:ln>
+        </p:spPr>
+      </p:pic>
+      <p:sp>
+        <p:nvSpPr>
+          <p:cNvPr id="9" name="Title 3">
+            <a:extLst>
+              <a:ext uri="{FF2B5EF4-FFF2-40B4-BE49-F238E27FC236}">
+                <a16:creationId xmlns:a16="http://schemas.microsoft.com/office/drawing/2014/main" id="{485F126F-3421-2778-CD1F-B8A2C7741159}"/>
+              </a:ext>
+            </a:extLst>
+          </p:cNvPr>
+          <p:cNvSpPr>
+            <a:spLocks noGrp="1"/>
+          </p:cNvSpPr>
+          <p:nvPr>
+            <p:ph type="title"/>
+          </p:nvPr>
+        </p:nvSpPr>
+        <p:spPr>
+          <a:xfrm>
+            <a:off x="594986" y="1115880"/>
+            <a:ext cx="8974899" cy="706658"/>
+          </a:xfrm>
+        </p:spPr>
+        <p:txBody>
+          <a:bodyPr>
+            <a:normAutofit/>
+          </a:bodyPr>
+          <a:lstStyle/>
+          <a:p>
+            <a:pPr marL="284163" indent="-284163">
+              <a:buFont typeface="Arial" panose="020B0604020202020204" pitchFamily="34" charset="0"/>
+              <a:buChar char="•"/>
+            </a:pPr>
+            <a:r>
+              <a:rPr lang="en-US" sz="2800">
+                <a:latin typeface="Calibri (Body)"/>
+              </a:rPr>
+              <a:t>To see test details, click on the         icon.</a:t>
+            </a:r>
+            <a:endParaRPr lang="en-US" sz="2800" dirty="0">
+              <a:latin typeface="Calibri (Body)"/>
+            </a:endParaRPr>
+          </a:p>
+        </p:txBody>
+      </p:sp>
+      <p:pic>
+        <p:nvPicPr>
+          <p:cNvPr id="11" name="Picture 10">
+            <a:extLst>
+              <a:ext uri="{FF2B5EF4-FFF2-40B4-BE49-F238E27FC236}">
+                <a16:creationId xmlns:a16="http://schemas.microsoft.com/office/drawing/2014/main" id="{30AEC3D8-BAC1-01DF-FBAB-1F1748B1266E}"/>
+              </a:ext>
+            </a:extLst>
+          </p:cNvPr>
+          <p:cNvPicPr>
+            <a:picLocks noChangeAspect="1"/>
+          </p:cNvPicPr>
+          <p:nvPr/>
+        </p:nvPicPr>
+        <p:blipFill>
+          <a:blip r:embed="rId3"/>
+          <a:stretch>
+            <a:fillRect/>
+          </a:stretch>
+        </p:blipFill>
+        <p:spPr>
+          <a:xfrm>
+            <a:off x="5361520" y="1168975"/>
+            <a:ext cx="668657" cy="551642"/>
+          </a:xfrm>
+          <a:prstGeom prst="rect">
+            <a:avLst/>
+          </a:prstGeom>
+        </p:spPr>
+      </p:pic>
+      <p:sp>
+        <p:nvSpPr>
+          <p:cNvPr id="12" name="Oval 11">
+            <a:extLst>
+              <a:ext uri="{FF2B5EF4-FFF2-40B4-BE49-F238E27FC236}">
+                <a16:creationId xmlns:a16="http://schemas.microsoft.com/office/drawing/2014/main" id="{C095FA7F-EE74-996E-9AAD-FCFB1810250C}"/>
+              </a:ext>
+            </a:extLst>
+          </p:cNvPr>
+          <p:cNvSpPr/>
+          <p:nvPr/>
+        </p:nvSpPr>
+        <p:spPr>
+          <a:xfrm>
+            <a:off x="6551112" y="2812093"/>
+            <a:ext cx="576198" cy="713984"/>
+          </a:xfrm>
+          <a:prstGeom prst="ellipse">
+            <a:avLst/>
+          </a:prstGeom>
+          <a:noFill/>
+          <a:ln w="38100">
+            <a:solidFill>
+              <a:srgbClr val="FF0000"/>
+            </a:solidFill>
+          </a:ln>
+        </p:spPr>
+        <p:style>
+          <a:lnRef idx="2">
+            <a:schemeClr val="accent1">
+              <a:shade val="15000"/>
+            </a:schemeClr>
+          </a:lnRef>
+          <a:fillRef idx="1">
+            <a:schemeClr val="accent1"/>
+          </a:fillRef>
+          <a:effectRef idx="0">
+            <a:schemeClr val="accent1"/>
+          </a:effectRef>
+          <a:fontRef idx="minor">
+            <a:schemeClr val="lt1"/>
+          </a:fontRef>
+        </p:style>
+        <p:txBody>
+          <a:bodyPr rtlCol="0" anchor="ctr"/>
+          <a:lstStyle/>
+          <a:p>
+            <a:pPr algn="ctr"/>
+            <a:endParaRPr lang="en-US"/>
+          </a:p>
+        </p:txBody>
+      </p:sp>
+    </p:spTree>
+    <p:extLst>
+      <p:ext uri="{BB962C8B-B14F-4D97-AF65-F5344CB8AC3E}">
+        <p14:creationId xmlns:p14="http://schemas.microsoft.com/office/powerpoint/2010/main" val="1386208015"/>
+      </p:ext>
+    </p:extLst>
+  </p:cSld>
+  <p:clrMapOvr>
+    <a:masterClrMapping/>
+  </p:clrMapOvr>
+</p:sld>
+</file>
+
+<file path=ppt/slides/slide43.xml><?xml version="1.0" encoding="utf-8"?>
+<p:sld xmlns:a="http://schemas.openxmlformats.org/drawingml/2006/main" xmlns:r="http://schemas.openxmlformats.org/officeDocument/2006/relationships" xmlns:p="http://schemas.openxmlformats.org/presentationml/2006/main">
+  <p:cSld>
+    <p:spTree>
+      <p:nvGrpSpPr>
+        <p:cNvPr id="1" name=""/>
+        <p:cNvGrpSpPr/>
+        <p:nvPr/>
+      </p:nvGrpSpPr>
+      <p:grpSpPr>
+        <a:xfrm>
+          <a:off x="0" y="0"/>
+          <a:ext cx="0" cy="0"/>
+          <a:chOff x="0" y="0"/>
+          <a:chExt cx="0" cy="0"/>
+        </a:xfrm>
+      </p:grpSpPr>
+      <p:sp>
+        <p:nvSpPr>
+          <p:cNvPr id="2" name="Title 3">
+            <a:extLst>
+              <a:ext uri="{FF2B5EF4-FFF2-40B4-BE49-F238E27FC236}">
+                <a16:creationId xmlns:a16="http://schemas.microsoft.com/office/drawing/2014/main" id="{D10DF660-D678-95E2-0724-B10EE41958AC}"/>
+              </a:ext>
+            </a:extLst>
+          </p:cNvPr>
+          <p:cNvSpPr txBox="1">
+            <a:spLocks/>
+          </p:cNvSpPr>
+          <p:nvPr/>
+        </p:nvSpPr>
+        <p:spPr>
+          <a:xfrm>
+            <a:off x="388307" y="173876"/>
+            <a:ext cx="11283741" cy="706658"/>
+          </a:xfrm>
+          <a:prstGeom prst="rect">
+            <a:avLst/>
+          </a:prstGeom>
+        </p:spPr>
+        <p:txBody>
+          <a:bodyPr vert="horz" lIns="91440" tIns="45720" rIns="91440" bIns="45720" rtlCol="0" anchor="ctr">
+            <a:normAutofit/>
+          </a:bodyPr>
+          <a:lstStyle>
+            <a:lvl1pPr algn="l" defTabSz="914400" rtl="0" eaLnBrk="1" latinLnBrk="0" hangingPunct="1">
+              <a:lnSpc>
+                <a:spcPct val="90000"/>
+              </a:lnSpc>
+              <a:spcBef>
+                <a:spcPct val="0"/>
+              </a:spcBef>
+              <a:buNone/>
+              <a:defRPr sz="4400" kern="1200">
+                <a:solidFill>
+                  <a:schemeClr val="tx1"/>
+                </a:solidFill>
+                <a:latin typeface="+mj-lt"/>
+                <a:ea typeface="+mj-ea"/>
+                <a:cs typeface="+mj-cs"/>
+              </a:defRPr>
+            </a:lvl1pPr>
+          </a:lstStyle>
+          <a:p>
+            <a:r>
+              <a:rPr lang="en-US" sz="3600"/>
+              <a:t>Automated Grading</a:t>
+            </a:r>
+          </a:p>
+        </p:txBody>
+      </p:sp>
+      <p:sp>
+        <p:nvSpPr>
+          <p:cNvPr id="9" name="Title 3">
+            <a:extLst>
+              <a:ext uri="{FF2B5EF4-FFF2-40B4-BE49-F238E27FC236}">
+                <a16:creationId xmlns:a16="http://schemas.microsoft.com/office/drawing/2014/main" id="{485F126F-3421-2778-CD1F-B8A2C7741159}"/>
+              </a:ext>
+            </a:extLst>
+          </p:cNvPr>
+          <p:cNvSpPr>
+            <a:spLocks noGrp="1"/>
+          </p:cNvSpPr>
+          <p:nvPr>
+            <p:ph type="title"/>
+          </p:nvPr>
+        </p:nvSpPr>
+        <p:spPr>
+          <a:xfrm>
+            <a:off x="594986" y="1115880"/>
+            <a:ext cx="8974899" cy="706658"/>
+          </a:xfrm>
+        </p:spPr>
+        <p:txBody>
+          <a:bodyPr>
+            <a:normAutofit/>
+          </a:bodyPr>
+          <a:lstStyle/>
+          <a:p>
+            <a:pPr marL="284163" indent="-284163">
+              <a:buFont typeface="Arial" panose="020B0604020202020204" pitchFamily="34" charset="0"/>
+              <a:buChar char="•"/>
+            </a:pPr>
+            <a:r>
+              <a:rPr lang="en-US" sz="2800">
+                <a:latin typeface="Calibri (Body)"/>
+              </a:rPr>
+              <a:t>Failed tests are marked with an X, which you can click on</a:t>
+            </a:r>
+            <a:endParaRPr lang="en-US" sz="2800" dirty="0">
+              <a:latin typeface="Calibri (Body)"/>
+            </a:endParaRPr>
+          </a:p>
+        </p:txBody>
+      </p:sp>
+      <p:pic>
+        <p:nvPicPr>
+          <p:cNvPr id="6" name="Picture 5">
+            <a:extLst>
+              <a:ext uri="{FF2B5EF4-FFF2-40B4-BE49-F238E27FC236}">
+                <a16:creationId xmlns:a16="http://schemas.microsoft.com/office/drawing/2014/main" id="{550118A8-B584-5CA9-84CD-EEF8F5CB5FD3}"/>
+              </a:ext>
+            </a:extLst>
+          </p:cNvPr>
+          <p:cNvPicPr>
+            <a:picLocks noChangeAspect="1"/>
+          </p:cNvPicPr>
+          <p:nvPr/>
+        </p:nvPicPr>
+        <p:blipFill>
+          <a:blip r:embed="rId2"/>
+          <a:stretch>
+            <a:fillRect/>
+          </a:stretch>
+        </p:blipFill>
+        <p:spPr>
+          <a:xfrm>
+            <a:off x="952741" y="2886167"/>
+            <a:ext cx="10154871" cy="1513599"/>
+          </a:xfrm>
+          <a:prstGeom prst="rect">
+            <a:avLst/>
+          </a:prstGeom>
+        </p:spPr>
+      </p:pic>
+      <p:sp>
+        <p:nvSpPr>
+          <p:cNvPr id="12" name="Oval 11">
+            <a:extLst>
+              <a:ext uri="{FF2B5EF4-FFF2-40B4-BE49-F238E27FC236}">
+                <a16:creationId xmlns:a16="http://schemas.microsoft.com/office/drawing/2014/main" id="{C095FA7F-EE74-996E-9AAD-FCFB1810250C}"/>
+              </a:ext>
+            </a:extLst>
+          </p:cNvPr>
+          <p:cNvSpPr/>
+          <p:nvPr/>
+        </p:nvSpPr>
+        <p:spPr>
+          <a:xfrm>
+            <a:off x="7282774" y="2542162"/>
+            <a:ext cx="1692613" cy="1744493"/>
+          </a:xfrm>
+          <a:prstGeom prst="ellipse">
+            <a:avLst/>
+          </a:prstGeom>
+          <a:noFill/>
+          <a:ln w="38100">
+            <a:solidFill>
+              <a:srgbClr val="FF0000"/>
+            </a:solidFill>
+          </a:ln>
+        </p:spPr>
+        <p:style>
+          <a:lnRef idx="2">
+            <a:schemeClr val="accent1">
+              <a:shade val="15000"/>
+            </a:schemeClr>
+          </a:lnRef>
+          <a:fillRef idx="1">
+            <a:schemeClr val="accent1"/>
+          </a:fillRef>
+          <a:effectRef idx="0">
+            <a:schemeClr val="accent1"/>
+          </a:effectRef>
+          <a:fontRef idx="minor">
+            <a:schemeClr val="lt1"/>
+          </a:fontRef>
+        </p:style>
+        <p:txBody>
+          <a:bodyPr rtlCol="0" anchor="ctr"/>
+          <a:lstStyle/>
+          <a:p>
+            <a:pPr algn="ctr"/>
+            <a:endParaRPr lang="en-US"/>
+          </a:p>
+        </p:txBody>
+      </p:sp>
+    </p:spTree>
+    <p:extLst>
+      <p:ext uri="{BB962C8B-B14F-4D97-AF65-F5344CB8AC3E}">
+        <p14:creationId xmlns:p14="http://schemas.microsoft.com/office/powerpoint/2010/main" val="4116624295"/>
+      </p:ext>
+    </p:extLst>
+  </p:cSld>
+  <p:clrMapOvr>
+    <a:masterClrMapping/>
+  </p:clrMapOvr>
+</p:sld>
+</file>
+
+<file path=ppt/slides/slide44.xml><?xml version="1.0" encoding="utf-8"?>
+<p:sld xmlns:a="http://schemas.openxmlformats.org/drawingml/2006/main" xmlns:r="http://schemas.openxmlformats.org/officeDocument/2006/relationships" xmlns:p="http://schemas.openxmlformats.org/presentationml/2006/main">
+  <p:cSld>
+    <p:spTree>
+      <p:nvGrpSpPr>
+        <p:cNvPr id="1" name=""/>
+        <p:cNvGrpSpPr/>
+        <p:nvPr/>
+      </p:nvGrpSpPr>
+      <p:grpSpPr>
+        <a:xfrm>
+          <a:off x="0" y="0"/>
+          <a:ext cx="0" cy="0"/>
+          <a:chOff x="0" y="0"/>
+          <a:chExt cx="0" cy="0"/>
+        </a:xfrm>
+      </p:grpSpPr>
+      <p:sp>
+        <p:nvSpPr>
+          <p:cNvPr id="2" name="Title 3">
+            <a:extLst>
+              <a:ext uri="{FF2B5EF4-FFF2-40B4-BE49-F238E27FC236}">
+                <a16:creationId xmlns:a16="http://schemas.microsoft.com/office/drawing/2014/main" id="{D10DF660-D678-95E2-0724-B10EE41958AC}"/>
+              </a:ext>
+            </a:extLst>
+          </p:cNvPr>
+          <p:cNvSpPr txBox="1">
+            <a:spLocks/>
+          </p:cNvSpPr>
+          <p:nvPr/>
+        </p:nvSpPr>
+        <p:spPr>
+          <a:xfrm>
+            <a:off x="388307" y="173876"/>
+            <a:ext cx="11283741" cy="706658"/>
+          </a:xfrm>
+          <a:prstGeom prst="rect">
+            <a:avLst/>
+          </a:prstGeom>
+        </p:spPr>
+        <p:txBody>
+          <a:bodyPr vert="horz" lIns="91440" tIns="45720" rIns="91440" bIns="45720" rtlCol="0" anchor="ctr">
+            <a:normAutofit/>
+          </a:bodyPr>
+          <a:lstStyle>
+            <a:lvl1pPr algn="l" defTabSz="914400" rtl="0" eaLnBrk="1" latinLnBrk="0" hangingPunct="1">
+              <a:lnSpc>
+                <a:spcPct val="90000"/>
+              </a:lnSpc>
+              <a:spcBef>
+                <a:spcPct val="0"/>
+              </a:spcBef>
+              <a:buNone/>
+              <a:defRPr sz="4400" kern="1200">
+                <a:solidFill>
+                  <a:schemeClr val="tx1"/>
+                </a:solidFill>
+                <a:latin typeface="+mj-lt"/>
+                <a:ea typeface="+mj-ea"/>
+                <a:cs typeface="+mj-cs"/>
+              </a:defRPr>
+            </a:lvl1pPr>
+          </a:lstStyle>
+          <a:p>
+            <a:r>
+              <a:rPr lang="en-US" sz="3600"/>
+              <a:t>Automated Grading</a:t>
+            </a:r>
+          </a:p>
+        </p:txBody>
+      </p:sp>
+      <p:pic>
+        <p:nvPicPr>
+          <p:cNvPr id="7" name="Picture 6">
+            <a:extLst>
+              <a:ext uri="{FF2B5EF4-FFF2-40B4-BE49-F238E27FC236}">
+                <a16:creationId xmlns:a16="http://schemas.microsoft.com/office/drawing/2014/main" id="{8C1761FD-2722-4148-2B9D-672608285290}"/>
+              </a:ext>
+            </a:extLst>
+          </p:cNvPr>
+          <p:cNvPicPr>
+            <a:picLocks noChangeAspect="1"/>
+          </p:cNvPicPr>
+          <p:nvPr/>
+        </p:nvPicPr>
+        <p:blipFill>
+          <a:blip r:embed="rId2"/>
+          <a:stretch>
+            <a:fillRect/>
+          </a:stretch>
+        </p:blipFill>
+        <p:spPr>
+          <a:xfrm>
+            <a:off x="1861224" y="829263"/>
+            <a:ext cx="8662671" cy="5199474"/>
+          </a:xfrm>
+          <a:prstGeom prst="rect">
+            <a:avLst/>
+          </a:prstGeom>
+          <a:ln>
+            <a:solidFill>
+              <a:schemeClr val="tx2">
+                <a:lumMod val="50000"/>
+              </a:schemeClr>
+            </a:solidFill>
+          </a:ln>
+        </p:spPr>
+      </p:pic>
+    </p:spTree>
+    <p:extLst>
+      <p:ext uri="{BB962C8B-B14F-4D97-AF65-F5344CB8AC3E}">
+        <p14:creationId xmlns:p14="http://schemas.microsoft.com/office/powerpoint/2010/main" val="308005789"/>
+      </p:ext>
+    </p:extLst>
+  </p:cSld>
+  <p:clrMapOvr>
+    <a:masterClrMapping/>
+  </p:clrMapOvr>
+</p:sld>
+</file>
+
+<file path=ppt/slides/slide45.xml><?xml version="1.0" encoding="utf-8"?>
+<p:sld xmlns:a="http://schemas.openxmlformats.org/drawingml/2006/main" xmlns:r="http://schemas.openxmlformats.org/officeDocument/2006/relationships" xmlns:p="http://schemas.openxmlformats.org/presentationml/2006/main">
+  <p:cSld>
+    <p:spTree>
+      <p:nvGrpSpPr>
+        <p:cNvPr id="1" name=""/>
+        <p:cNvGrpSpPr/>
+        <p:nvPr/>
+      </p:nvGrpSpPr>
+      <p:grpSpPr>
+        <a:xfrm>
+          <a:off x="0" y="0"/>
+          <a:ext cx="0" cy="0"/>
+          <a:chOff x="0" y="0"/>
+          <a:chExt cx="0" cy="0"/>
+        </a:xfrm>
+      </p:grpSpPr>
+      <p:sp>
+        <p:nvSpPr>
+          <p:cNvPr id="2" name="Title 3">
+            <a:extLst>
+              <a:ext uri="{FF2B5EF4-FFF2-40B4-BE49-F238E27FC236}">
+                <a16:creationId xmlns:a16="http://schemas.microsoft.com/office/drawing/2014/main" id="{D10DF660-D678-95E2-0724-B10EE41958AC}"/>
+              </a:ext>
+            </a:extLst>
+          </p:cNvPr>
+          <p:cNvSpPr txBox="1">
+            <a:spLocks/>
+          </p:cNvSpPr>
+          <p:nvPr/>
+        </p:nvSpPr>
+        <p:spPr>
+          <a:xfrm>
+            <a:off x="388307" y="173876"/>
+            <a:ext cx="11283741" cy="706658"/>
+          </a:xfrm>
+          <a:prstGeom prst="rect">
+            <a:avLst/>
+          </a:prstGeom>
+        </p:spPr>
+        <p:txBody>
+          <a:bodyPr vert="horz" lIns="91440" tIns="45720" rIns="91440" bIns="45720" rtlCol="0" anchor="ctr">
+            <a:normAutofit/>
+          </a:bodyPr>
+          <a:lstStyle>
+            <a:lvl1pPr algn="l" defTabSz="914400" rtl="0" eaLnBrk="1" latinLnBrk="0" hangingPunct="1">
+              <a:lnSpc>
+                <a:spcPct val="90000"/>
+              </a:lnSpc>
+              <a:spcBef>
+                <a:spcPct val="0"/>
+              </a:spcBef>
+              <a:buNone/>
+              <a:defRPr sz="4400" kern="1200">
+                <a:solidFill>
+                  <a:schemeClr val="tx1"/>
+                </a:solidFill>
+                <a:latin typeface="+mj-lt"/>
+                <a:ea typeface="+mj-ea"/>
+                <a:cs typeface="+mj-cs"/>
+              </a:defRPr>
+            </a:lvl1pPr>
+          </a:lstStyle>
+          <a:p>
+            <a:r>
+              <a:rPr lang="en-US" sz="3600"/>
+              <a:t>Automated Grading</a:t>
+            </a:r>
+          </a:p>
+        </p:txBody>
+      </p:sp>
+      <p:sp>
+        <p:nvSpPr>
+          <p:cNvPr id="9" name="Title 3">
+            <a:extLst>
+              <a:ext uri="{FF2B5EF4-FFF2-40B4-BE49-F238E27FC236}">
+                <a16:creationId xmlns:a16="http://schemas.microsoft.com/office/drawing/2014/main" id="{485F126F-3421-2778-CD1F-B8A2C7741159}"/>
+              </a:ext>
+            </a:extLst>
+          </p:cNvPr>
+          <p:cNvSpPr>
+            <a:spLocks noGrp="1"/>
+          </p:cNvSpPr>
+          <p:nvPr>
+            <p:ph type="title"/>
+          </p:nvPr>
+        </p:nvSpPr>
+        <p:spPr>
+          <a:xfrm>
+            <a:off x="594986" y="1115880"/>
+            <a:ext cx="8974899" cy="706658"/>
+          </a:xfrm>
+        </p:spPr>
+        <p:txBody>
+          <a:bodyPr>
+            <a:normAutofit fontScale="90000"/>
+          </a:bodyPr>
+          <a:lstStyle/>
+          <a:p>
+            <a:pPr marL="284163" indent="-284163">
+              <a:buFont typeface="Arial" panose="020B0604020202020204" pitchFamily="34" charset="0"/>
+              <a:buChar char="•"/>
+            </a:pPr>
+            <a:r>
+              <a:rPr lang="en-US" sz="2800">
+                <a:latin typeface="Calibri (Body)"/>
+              </a:rPr>
+              <a:t>Successful tests are marked with a green checkmark, which you can also click on</a:t>
+            </a:r>
+            <a:endParaRPr lang="en-US" sz="2800" dirty="0">
+              <a:latin typeface="Calibri (Body)"/>
+            </a:endParaRPr>
+          </a:p>
+        </p:txBody>
+      </p:sp>
+      <p:pic>
+        <p:nvPicPr>
+          <p:cNvPr id="4" name="Picture 3">
+            <a:extLst>
+              <a:ext uri="{FF2B5EF4-FFF2-40B4-BE49-F238E27FC236}">
+                <a16:creationId xmlns:a16="http://schemas.microsoft.com/office/drawing/2014/main" id="{441EB11F-AECD-EC2A-D441-A6FDA33313E7}"/>
+              </a:ext>
+            </a:extLst>
+          </p:cNvPr>
+          <p:cNvPicPr>
+            <a:picLocks noChangeAspect="1"/>
+          </p:cNvPicPr>
+          <p:nvPr/>
+        </p:nvPicPr>
+        <p:blipFill>
+          <a:blip r:embed="rId2"/>
+          <a:stretch>
+            <a:fillRect/>
+          </a:stretch>
+        </p:blipFill>
+        <p:spPr>
+          <a:xfrm>
+            <a:off x="729315" y="2739132"/>
+            <a:ext cx="10136170" cy="1736727"/>
+          </a:xfrm>
+          <a:prstGeom prst="rect">
+            <a:avLst/>
+          </a:prstGeom>
+        </p:spPr>
+      </p:pic>
+      <p:sp>
+        <p:nvSpPr>
+          <p:cNvPr id="5" name="Oval 4">
+            <a:extLst>
+              <a:ext uri="{FF2B5EF4-FFF2-40B4-BE49-F238E27FC236}">
+                <a16:creationId xmlns:a16="http://schemas.microsoft.com/office/drawing/2014/main" id="{F31D7ADE-668D-D890-CF19-95E1DEA1D6E8}"/>
+              </a:ext>
+            </a:extLst>
+          </p:cNvPr>
+          <p:cNvSpPr/>
+          <p:nvPr/>
+        </p:nvSpPr>
+        <p:spPr>
+          <a:xfrm>
+            <a:off x="7282775" y="3482236"/>
+            <a:ext cx="690042" cy="679159"/>
+          </a:xfrm>
+          <a:prstGeom prst="ellipse">
+            <a:avLst/>
+          </a:prstGeom>
+          <a:noFill/>
+          <a:ln w="38100">
+            <a:solidFill>
+              <a:srgbClr val="FF0000"/>
+            </a:solidFill>
+          </a:ln>
+        </p:spPr>
+        <p:style>
+          <a:lnRef idx="2">
+            <a:schemeClr val="accent1">
+              <a:shade val="15000"/>
+            </a:schemeClr>
+          </a:lnRef>
+          <a:fillRef idx="1">
+            <a:schemeClr val="accent1"/>
+          </a:fillRef>
+          <a:effectRef idx="0">
+            <a:schemeClr val="accent1"/>
+          </a:effectRef>
+          <a:fontRef idx="minor">
+            <a:schemeClr val="lt1"/>
+          </a:fontRef>
+        </p:style>
+        <p:txBody>
+          <a:bodyPr rtlCol="0" anchor="ctr"/>
+          <a:lstStyle/>
+          <a:p>
+            <a:pPr algn="ctr"/>
+            <a:endParaRPr lang="en-US"/>
+          </a:p>
+        </p:txBody>
+      </p:sp>
+    </p:spTree>
+    <p:extLst>
+      <p:ext uri="{BB962C8B-B14F-4D97-AF65-F5344CB8AC3E}">
+        <p14:creationId xmlns:p14="http://schemas.microsoft.com/office/powerpoint/2010/main" val="287497578"/>
+      </p:ext>
+    </p:extLst>
+  </p:cSld>
+  <p:clrMapOvr>
+    <a:masterClrMapping/>
+  </p:clrMapOvr>
+</p:sld>
+</file>
+
+<file path=ppt/slides/slide46.xml><?xml version="1.0" encoding="utf-8"?>
+<p:sld xmlns:a="http://schemas.openxmlformats.org/drawingml/2006/main" xmlns:r="http://schemas.openxmlformats.org/officeDocument/2006/relationships" xmlns:p="http://schemas.openxmlformats.org/presentationml/2006/main">
+  <p:cSld>
+    <p:spTree>
+      <p:nvGrpSpPr>
+        <p:cNvPr id="1" name=""/>
+        <p:cNvGrpSpPr/>
+        <p:nvPr/>
+      </p:nvGrpSpPr>
+      <p:grpSpPr>
+        <a:xfrm>
+          <a:off x="0" y="0"/>
+          <a:ext cx="0" cy="0"/>
+          <a:chOff x="0" y="0"/>
+          <a:chExt cx="0" cy="0"/>
+        </a:xfrm>
+      </p:grpSpPr>
+      <p:sp>
+        <p:nvSpPr>
+          <p:cNvPr id="2" name="Title 3">
+            <a:extLst>
+              <a:ext uri="{FF2B5EF4-FFF2-40B4-BE49-F238E27FC236}">
+                <a16:creationId xmlns:a16="http://schemas.microsoft.com/office/drawing/2014/main" id="{D10DF660-D678-95E2-0724-B10EE41958AC}"/>
+              </a:ext>
+            </a:extLst>
+          </p:cNvPr>
+          <p:cNvSpPr txBox="1">
+            <a:spLocks/>
+          </p:cNvSpPr>
+          <p:nvPr/>
+        </p:nvSpPr>
+        <p:spPr>
+          <a:xfrm>
+            <a:off x="388307" y="173876"/>
+            <a:ext cx="11283741" cy="706658"/>
+          </a:xfrm>
+          <a:prstGeom prst="rect">
+            <a:avLst/>
+          </a:prstGeom>
+        </p:spPr>
+        <p:txBody>
+          <a:bodyPr vert="horz" lIns="91440" tIns="45720" rIns="91440" bIns="45720" rtlCol="0" anchor="ctr">
+            <a:normAutofit/>
+          </a:bodyPr>
+          <a:lstStyle>
+            <a:lvl1pPr algn="l" defTabSz="914400" rtl="0" eaLnBrk="1" latinLnBrk="0" hangingPunct="1">
+              <a:lnSpc>
+                <a:spcPct val="90000"/>
+              </a:lnSpc>
+              <a:spcBef>
+                <a:spcPct val="0"/>
+              </a:spcBef>
+              <a:buNone/>
+              <a:defRPr sz="4400" kern="1200">
+                <a:solidFill>
+                  <a:schemeClr val="tx1"/>
+                </a:solidFill>
+                <a:latin typeface="+mj-lt"/>
+                <a:ea typeface="+mj-ea"/>
+                <a:cs typeface="+mj-cs"/>
+              </a:defRPr>
+            </a:lvl1pPr>
+          </a:lstStyle>
+          <a:p>
+            <a:r>
+              <a:rPr lang="en-US" sz="3600"/>
+              <a:t>Automated Grading</a:t>
+            </a:r>
+          </a:p>
+        </p:txBody>
+      </p:sp>
+      <p:pic>
+        <p:nvPicPr>
+          <p:cNvPr id="11" name="Picture 10">
+            <a:extLst>
+              <a:ext uri="{FF2B5EF4-FFF2-40B4-BE49-F238E27FC236}">
+                <a16:creationId xmlns:a16="http://schemas.microsoft.com/office/drawing/2014/main" id="{EF6428A4-19E6-FFD6-3E0A-1BD7C43A6A99}"/>
+              </a:ext>
+            </a:extLst>
+          </p:cNvPr>
+          <p:cNvPicPr>
+            <a:picLocks noChangeAspect="1"/>
+          </p:cNvPicPr>
+          <p:nvPr/>
+        </p:nvPicPr>
+        <p:blipFill>
+          <a:blip r:embed="rId2"/>
+          <a:stretch>
+            <a:fillRect/>
+          </a:stretch>
+        </p:blipFill>
+        <p:spPr>
+          <a:xfrm>
+            <a:off x="1053061" y="1376989"/>
+            <a:ext cx="10085878" cy="4104022"/>
+          </a:xfrm>
+          <a:prstGeom prst="rect">
+            <a:avLst/>
+          </a:prstGeom>
+          <a:ln>
+            <a:solidFill>
+              <a:schemeClr val="tx2">
+                <a:lumMod val="50000"/>
+              </a:schemeClr>
+            </a:solidFill>
+          </a:ln>
+        </p:spPr>
+      </p:pic>
+    </p:spTree>
+    <p:extLst>
+      <p:ext uri="{BB962C8B-B14F-4D97-AF65-F5344CB8AC3E}">
+        <p14:creationId xmlns:p14="http://schemas.microsoft.com/office/powerpoint/2010/main" val="686752802"/>
+      </p:ext>
+    </p:extLst>
+  </p:cSld>
+  <p:clrMapOvr>
+    <a:masterClrMapping/>
+  </p:clrMapOvr>
+</p:sld>
+</file>
+
+<file path=ppt/slides/slide47.xml><?xml version="1.0" encoding="utf-8"?>
+<p:sld xmlns:a="http://schemas.openxmlformats.org/drawingml/2006/main" xmlns:r="http://schemas.openxmlformats.org/officeDocument/2006/relationships" xmlns:p="http://schemas.openxmlformats.org/presentationml/2006/main">
+  <p:cSld>
+    <p:spTree>
+      <p:nvGrpSpPr>
+        <p:cNvPr id="1" name=""/>
+        <p:cNvGrpSpPr/>
+        <p:nvPr/>
+      </p:nvGrpSpPr>
+      <p:grpSpPr>
+        <a:xfrm>
+          <a:off x="0" y="0"/>
+          <a:ext cx="0" cy="0"/>
+          <a:chOff x="0" y="0"/>
+          <a:chExt cx="0" cy="0"/>
+        </a:xfrm>
+      </p:grpSpPr>
+      <p:pic>
+        <p:nvPicPr>
+          <p:cNvPr id="5" name="Content Placeholder 4">
+            <a:extLst>
+              <a:ext uri="{FF2B5EF4-FFF2-40B4-BE49-F238E27FC236}">
+                <a16:creationId xmlns:a16="http://schemas.microsoft.com/office/drawing/2014/main" id="{075A8137-7C75-A9F5-529F-4D6C410FDC24}"/>
+              </a:ext>
+            </a:extLst>
+          </p:cNvPr>
+          <p:cNvPicPr>
+            <a:picLocks noGrp="1" noChangeAspect="1"/>
+          </p:cNvPicPr>
+          <p:nvPr>
+            <p:ph idx="1"/>
+          </p:nvPr>
+        </p:nvPicPr>
+        <p:blipFill>
+          <a:blip r:embed="rId3"/>
+          <a:stretch>
+            <a:fillRect/>
+          </a:stretch>
+        </p:blipFill>
+        <p:spPr>
+          <a:xfrm>
+            <a:off x="954072" y="1017201"/>
+            <a:ext cx="10283856" cy="2678819"/>
+          </a:xfrm>
+        </p:spPr>
+      </p:pic>
+      <p:pic>
+        <p:nvPicPr>
+          <p:cNvPr id="10" name="Graphic 10">
+            <a:extLst>
+              <a:ext uri="{FF2B5EF4-FFF2-40B4-BE49-F238E27FC236}">
+                <a16:creationId xmlns:a16="http://schemas.microsoft.com/office/drawing/2014/main" id="{EECBA6B0-8FC5-1BE2-DEB5-A541B4C5FE31}"/>
+              </a:ext>
+            </a:extLst>
+          </p:cNvPr>
+          <p:cNvPicPr>
+            <a:picLocks noChangeAspect="1"/>
+            <a:extLst>
+              <a:ext uri="{51228E76-BA90-4043-B771-695A4F85340A}">
+                <alf:liveFeedProps xmlns:alf="http://schemas.microsoft.com/office/drawing/2021/livefeed"/>
+              </a:ext>
+            </a:extLst>
+          </p:cNvPicPr>
+          <p:nvPr/>
+        </p:nvPicPr>
+        <p:blipFill>
+          <a:blip r:embed="rId4">
+            <a:extLst>
+              <a:ext uri="{96DAC541-7B7A-43D3-8B79-37D633B846F1}">
+                <asvg:svgBlip xmlns:asvg="http://schemas.microsoft.com/office/drawing/2016/SVG/main" r:embed="rId5"/>
+              </a:ext>
+            </a:extLst>
+          </a:blip>
+          <a:stretch>
+            <a:fillRect/>
+          </a:stretch>
+        </p:blipFill>
+        <p:spPr>
+          <a:xfrm>
+            <a:off x="10052304" y="4718304"/>
+            <a:ext cx="2057400" cy="2057400"/>
+          </a:xfrm>
+          <a:prstGeom prst="ellipse">
+            <a:avLst/>
+          </a:prstGeom>
+        </p:spPr>
+      </p:pic>
+    </p:spTree>
+    <p:extLst>
+      <p:ext uri="{BB962C8B-B14F-4D97-AF65-F5344CB8AC3E}">
+        <p14:creationId xmlns:p14="http://schemas.microsoft.com/office/powerpoint/2010/main" val="593074532"/>
       </p:ext>
     </p:extLst>
   </p:cSld>
@@ -8683,10 +10742,10 @@
       </p:sp>
       <p:pic>
         <p:nvPicPr>
-          <p:cNvPr id="9" name="Picture 8">
-            <a:extLst>
-              <a:ext uri="{FF2B5EF4-FFF2-40B4-BE49-F238E27FC236}">
-                <a16:creationId xmlns:a16="http://schemas.microsoft.com/office/drawing/2014/main" id="{2C5293F1-7FEB-3DFE-20DA-FC078537E741}"/>
+          <p:cNvPr id="4" name="Picture 3">
+            <a:extLst>
+              <a:ext uri="{FF2B5EF4-FFF2-40B4-BE49-F238E27FC236}">
+                <a16:creationId xmlns:a16="http://schemas.microsoft.com/office/drawing/2014/main" id="{A8E1044F-F745-9F64-0623-10988B48256E}"/>
               </a:ext>
             </a:extLst>
           </p:cNvPr>
@@ -8703,8 +10762,8 @@
         </p:blipFill>
         <p:spPr>
           <a:xfrm>
-            <a:off x="1602912" y="2013541"/>
-            <a:ext cx="8371333" cy="3657696"/>
+            <a:off x="1953877" y="1891352"/>
+            <a:ext cx="8284245" cy="3075295"/>
           </a:xfrm>
           <a:prstGeom prst="rect">
             <a:avLst/>
@@ -8725,7 +10784,7 @@
         </p:nvSpPr>
         <p:spPr>
           <a:xfrm>
-            <a:off x="8191121" y="3356373"/>
+            <a:off x="8271800" y="3337584"/>
             <a:ext cx="2166897" cy="566514"/>
           </a:xfrm>
           <a:prstGeom prst="ellipse">
@@ -8815,12 +10874,19 @@
         </p:blipFill>
         <p:spPr>
           <a:xfrm>
-            <a:off x="3931962" y="1352391"/>
+            <a:off x="4076012" y="1208342"/>
             <a:ext cx="7335123" cy="4558828"/>
           </a:xfrm>
           <a:prstGeom prst="rect">
             <a:avLst/>
           </a:prstGeom>
+          <a:ln>
+            <a:solidFill>
+              <a:schemeClr val="tx2">
+                <a:lumMod val="50000"/>
+              </a:schemeClr>
+            </a:solidFill>
+          </a:ln>
         </p:spPr>
       </p:pic>
       <p:sp>
@@ -8876,8 +10942,8 @@
         </p:nvSpPr>
         <p:spPr>
           <a:xfrm>
-            <a:off x="924915" y="1414280"/>
-            <a:ext cx="2739773" cy="1449421"/>
+            <a:off x="924916" y="1414280"/>
+            <a:ext cx="2701370" cy="1449421"/>
           </a:xfrm>
         </p:spPr>
         <p:txBody>
@@ -8888,7 +10954,15 @@
           <a:p>
             <a:r>
               <a:rPr lang="en-US"/>
-              <a:t>Choose "Create a free organization"</a:t>
+              <a:t>Choose "Create a </a:t>
+            </a:r>
+            <a:r>
+              <a:rPr lang="en-US" u="sng"/>
+              <a:t>free</a:t>
+            </a:r>
+            <a:r>
+              <a:rPr lang="en-US"/>
+              <a:t> organization"</a:t>
             </a:r>
           </a:p>
         </p:txBody>
@@ -8907,7 +10981,7 @@
         </p:nvSpPr>
         <p:spPr>
           <a:xfrm>
-            <a:off x="6516074" y="5414252"/>
+            <a:off x="6660124" y="5295255"/>
             <a:ext cx="2166897" cy="566514"/>
           </a:xfrm>
           <a:prstGeom prst="ellipse">
@@ -8993,8 +11067,8 @@
         </p:nvSpPr>
         <p:spPr>
           <a:xfrm>
-            <a:off x="838200" y="365125"/>
-            <a:ext cx="10515600" cy="605161"/>
+            <a:off x="838200" y="459078"/>
+            <a:ext cx="5257800" cy="605161"/>
           </a:xfrm>
         </p:spPr>
         <p:txBody>
@@ -9005,50 +11079,17 @@
           <a:p>
             <a:r>
               <a:rPr lang="en-US"/>
-              <a:t>GitHub Classroom (Instructor Notes)</a:t>
-            </a:r>
-          </a:p>
-        </p:txBody>
-      </p:sp>
-      <p:sp>
-        <p:nvSpPr>
-          <p:cNvPr id="6" name="Content Placeholder 5">
-            <a:extLst>
-              <a:ext uri="{FF2B5EF4-FFF2-40B4-BE49-F238E27FC236}">
-                <a16:creationId xmlns:a16="http://schemas.microsoft.com/office/drawing/2014/main" id="{F38D595B-A938-4095-9B2C-B71EB9620166}"/>
-              </a:ext>
-            </a:extLst>
-          </p:cNvPr>
-          <p:cNvSpPr>
-            <a:spLocks noGrp="1"/>
-          </p:cNvSpPr>
-          <p:nvPr>
-            <p:ph idx="1"/>
-          </p:nvPr>
-        </p:nvSpPr>
-        <p:spPr>
-          <a:xfrm>
-            <a:off x="838200" y="1147665"/>
-            <a:ext cx="10515600" cy="5486399"/>
-          </a:xfrm>
-        </p:spPr>
-        <p:txBody>
-          <a:bodyPr/>
-          <a:lstStyle/>
-          <a:p>
-            <a:r>
-              <a:rPr lang="en-US"/>
-              <a:t>After creating your organization, select it to create a classroom</a:t>
+              <a:t>Creating an Organization</a:t>
             </a:r>
           </a:p>
         </p:txBody>
       </p:sp>
       <p:pic>
         <p:nvPicPr>
-          <p:cNvPr id="4" name="Picture 3">
-            <a:extLst>
-              <a:ext uri="{FF2B5EF4-FFF2-40B4-BE49-F238E27FC236}">
-                <a16:creationId xmlns:a16="http://schemas.microsoft.com/office/drawing/2014/main" id="{3620442B-ABBE-4F31-9451-2AF26D6CD1AA}"/>
+          <p:cNvPr id="5" name="Picture 4">
+            <a:extLst>
+              <a:ext uri="{FF2B5EF4-FFF2-40B4-BE49-F238E27FC236}">
+                <a16:creationId xmlns:a16="http://schemas.microsoft.com/office/drawing/2014/main" id="{4C63C7A7-670D-19EC-1C04-331B9F30ADA6}"/>
               </a:ext>
             </a:extLst>
           </p:cNvPr>
@@ -9057,23 +11098,24 @@
           </p:cNvPicPr>
           <p:nvPr/>
         </p:nvPicPr>
-        <p:blipFill>
+        <p:blipFill rotWithShape="1">
           <a:blip r:embed="rId2"/>
-          <a:stretch>
-            <a:fillRect/>
-          </a:stretch>
+          <a:srcRect l="22333" r="15446"/>
+          <a:stretch/>
         </p:blipFill>
         <p:spPr>
           <a:xfrm>
-            <a:off x="3008937" y="1684833"/>
-            <a:ext cx="6530392" cy="4297680"/>
+            <a:off x="5066776" y="194763"/>
+            <a:ext cx="3901859" cy="5759847"/>
           </a:xfrm>
           <a:prstGeom prst="rect">
             <a:avLst/>
           </a:prstGeom>
           <a:ln>
             <a:solidFill>
-              <a:schemeClr val="tx1"/>
+              <a:schemeClr val="accent1">
+                <a:lumMod val="50000"/>
+              </a:schemeClr>
             </a:solidFill>
           </a:ln>
         </p:spPr>
@@ -9081,7 +11123,7 @@
     </p:spTree>
     <p:extLst>
       <p:ext uri="{BB962C8B-B14F-4D97-AF65-F5344CB8AC3E}">
-        <p14:creationId xmlns:p14="http://schemas.microsoft.com/office/powerpoint/2010/main" val="4226300551"/>
+        <p14:creationId xmlns:p14="http://schemas.microsoft.com/office/powerpoint/2010/main" val="1438534213"/>
       </p:ext>
     </p:extLst>
   </p:cSld>
@@ -9126,8 +11168,8 @@
         </p:nvSpPr>
         <p:spPr>
           <a:xfrm>
-            <a:off x="838200" y="365125"/>
-            <a:ext cx="10515600" cy="605161"/>
+            <a:off x="838200" y="459078"/>
+            <a:ext cx="5257800" cy="605161"/>
           </a:xfrm>
         </p:spPr>
         <p:txBody>
@@ -9138,40 +11180,7 @@
           <a:p>
             <a:r>
               <a:rPr lang="en-US"/>
-              <a:t>GitHub Classroom (Instructor Notes)</a:t>
-            </a:r>
-          </a:p>
-        </p:txBody>
-      </p:sp>
-      <p:sp>
-        <p:nvSpPr>
-          <p:cNvPr id="6" name="Content Placeholder 5">
-            <a:extLst>
-              <a:ext uri="{FF2B5EF4-FFF2-40B4-BE49-F238E27FC236}">
-                <a16:creationId xmlns:a16="http://schemas.microsoft.com/office/drawing/2014/main" id="{F38D595B-A938-4095-9B2C-B71EB9620166}"/>
-              </a:ext>
-            </a:extLst>
-          </p:cNvPr>
-          <p:cNvSpPr>
-            <a:spLocks noGrp="1"/>
-          </p:cNvSpPr>
-          <p:nvPr>
-            <p:ph idx="1"/>
-          </p:nvPr>
-        </p:nvSpPr>
-        <p:spPr>
-          <a:xfrm>
-            <a:off x="838200" y="1416607"/>
-            <a:ext cx="2493335" cy="1411237"/>
-          </a:xfrm>
-        </p:spPr>
-        <p:txBody>
-          <a:bodyPr/>
-          <a:lstStyle/>
-          <a:p>
-            <a:r>
-              <a:rPr lang="en-US"/>
-              <a:t>Name your classroom</a:t>
+              <a:t>Creating an Organization</a:t>
             </a:r>
           </a:p>
         </p:txBody>
@@ -9181,7 +11190,7 @@
           <p:cNvPr id="4" name="Picture 3">
             <a:extLst>
               <a:ext uri="{FF2B5EF4-FFF2-40B4-BE49-F238E27FC236}">
-                <a16:creationId xmlns:a16="http://schemas.microsoft.com/office/drawing/2014/main" id="{B778D2AD-1813-989C-1F46-B1DAF167ABAC}"/>
+                <a16:creationId xmlns:a16="http://schemas.microsoft.com/office/drawing/2014/main" id="{55FB3BE7-885A-2D31-2EDB-C9F13BA533CA}"/>
               </a:ext>
             </a:extLst>
           </p:cNvPr>
@@ -9198,8 +11207,8 @@
         </p:blipFill>
         <p:spPr>
           <a:xfrm>
-            <a:off x="3659261" y="1335708"/>
-            <a:ext cx="6846999" cy="4186583"/>
+            <a:off x="4029025" y="350728"/>
+            <a:ext cx="6451348" cy="5417507"/>
           </a:xfrm>
           <a:prstGeom prst="rect">
             <a:avLst/>
@@ -9216,7 +11225,7 @@
     </p:spTree>
     <p:extLst>
       <p:ext uri="{BB962C8B-B14F-4D97-AF65-F5344CB8AC3E}">
-        <p14:creationId xmlns:p14="http://schemas.microsoft.com/office/powerpoint/2010/main" val="3164517254"/>
+        <p14:creationId xmlns:p14="http://schemas.microsoft.com/office/powerpoint/2010/main" val="631179987"/>
       </p:ext>
     </p:extLst>
   </p:cSld>
@@ -9297,29 +11306,28 @@
         <p:spPr>
           <a:xfrm>
             <a:off x="838200" y="1147665"/>
-            <a:ext cx="10515600" cy="5486399"/>
-          </a:xfrm>
-        </p:spPr>
-        <p:txBody>
-          <a:bodyPr/>
+            <a:ext cx="9232726" cy="881551"/>
+          </a:xfrm>
+        </p:spPr>
+        <p:txBody>
+          <a:bodyPr>
+            <a:normAutofit/>
+          </a:bodyPr>
           <a:lstStyle/>
           <a:p>
             <a:r>
-              <a:rPr lang="en-US"/>
-              <a:t>TAs or Admins?</a:t>
-            </a:r>
-          </a:p>
-          <a:p>
-            <a:endParaRPr lang="en-US"/>
+              <a:rPr lang="en-US" sz="2600"/>
+              <a:t>In GitHub Classroom (https://classroom.github.com), select the desired organization for your classroom</a:t>
+            </a:r>
           </a:p>
         </p:txBody>
       </p:sp>
       <p:pic>
         <p:nvPicPr>
-          <p:cNvPr id="4" name="Picture 3">
-            <a:extLst>
-              <a:ext uri="{FF2B5EF4-FFF2-40B4-BE49-F238E27FC236}">
-                <a16:creationId xmlns:a16="http://schemas.microsoft.com/office/drawing/2014/main" id="{67BA6882-D3DC-4DAE-BDB2-1F9D6B3A1E67}"/>
+          <p:cNvPr id="10" name="Picture 9">
+            <a:extLst>
+              <a:ext uri="{FF2B5EF4-FFF2-40B4-BE49-F238E27FC236}">
+                <a16:creationId xmlns:a16="http://schemas.microsoft.com/office/drawing/2014/main" id="{1521856C-88C5-D261-41D5-FC42A01724BA}"/>
               </a:ext>
             </a:extLst>
           </p:cNvPr>
@@ -9336,23 +11344,77 @@
         </p:blipFill>
         <p:spPr>
           <a:xfrm>
-            <a:off x="4184078" y="1051262"/>
-            <a:ext cx="7169722" cy="4937760"/>
+            <a:off x="3564296" y="2206595"/>
+            <a:ext cx="4192758" cy="3566160"/>
           </a:xfrm>
           <a:prstGeom prst="rect">
             <a:avLst/>
           </a:prstGeom>
           <a:ln>
             <a:solidFill>
-              <a:schemeClr val="tx1"/>
+              <a:schemeClr val="tx2">
+                <a:lumMod val="50000"/>
+              </a:schemeClr>
             </a:solidFill>
           </a:ln>
         </p:spPr>
       </p:pic>
+      <p:sp>
+        <p:nvSpPr>
+          <p:cNvPr id="11" name="Oval 10">
+            <a:extLst>
+              <a:ext uri="{FF2B5EF4-FFF2-40B4-BE49-F238E27FC236}">
+                <a16:creationId xmlns:a16="http://schemas.microsoft.com/office/drawing/2014/main" id="{3C21069C-18B6-9771-02FE-B049DAEAEE4C}"/>
+              </a:ext>
+            </a:extLst>
+          </p:cNvPr>
+          <p:cNvSpPr/>
+          <p:nvPr/>
+        </p:nvSpPr>
+        <p:spPr>
+          <a:xfrm>
+            <a:off x="5987442" y="4071095"/>
+            <a:ext cx="1072656" cy="1058314"/>
+          </a:xfrm>
+          <a:prstGeom prst="ellipse">
+            <a:avLst/>
+          </a:prstGeom>
+          <a:noFill/>
+          <a:ln w="38100">
+            <a:solidFill>
+              <a:srgbClr val="FF0000"/>
+            </a:solidFill>
+          </a:ln>
+        </p:spPr>
+        <p:style>
+          <a:lnRef idx="2">
+            <a:schemeClr val="accent1">
+              <a:shade val="50000"/>
+            </a:schemeClr>
+          </a:lnRef>
+          <a:fillRef idx="1">
+            <a:schemeClr val="accent1"/>
+          </a:fillRef>
+          <a:effectRef idx="0">
+            <a:schemeClr val="accent1"/>
+          </a:effectRef>
+          <a:fontRef idx="minor">
+            <a:schemeClr val="lt1"/>
+          </a:fontRef>
+        </p:style>
+        <p:txBody>
+          <a:bodyPr rtlCol="0" anchor="ctr"/>
+          <a:lstStyle/>
+          <a:p>
+            <a:pPr algn="ctr"/>
+            <a:endParaRPr lang="en-US"/>
+          </a:p>
+        </p:txBody>
+      </p:sp>
     </p:spTree>
     <p:extLst>
       <p:ext uri="{BB962C8B-B14F-4D97-AF65-F5344CB8AC3E}">
-        <p14:creationId xmlns:p14="http://schemas.microsoft.com/office/powerpoint/2010/main" val="3026545867"/>
+        <p14:creationId xmlns:p14="http://schemas.microsoft.com/office/powerpoint/2010/main" val="4226300551"/>
       </p:ext>
     </p:extLst>
   </p:cSld>
